--- a/WebApp/images/ProgressBars/progresbars.pptx
+++ b/WebApp/images/ProgressBars/progresbars.pptx
@@ -6,6 +6,7 @@
   </p:sldMasterIdLst>
   <p:sldIdLst>
     <p:sldId id="256" r:id="rId2"/>
+    <p:sldId id="257" r:id="rId3"/>
   </p:sldIdLst>
   <p:sldSz cx="9144000" cy="6858000" type="screen4x3"/>
   <p:notesSz cx="6858000" cy="9144000"/>
@@ -288,7 +289,7 @@
           <a:p>
             <a:fld id="{2F3CC852-900F-4F0D-8928-110D52D92B9F}" type="datetimeFigureOut">
               <a:rPr lang="en-US" smtClean="0"/>
-              <a:t>4/15/2015</a:t>
+              <a:t>4/24/2015</a:t>
             </a:fld>
             <a:endParaRPr lang="en-US"/>
           </a:p>
@@ -458,7 +459,7 @@
           <a:p>
             <a:fld id="{2F3CC852-900F-4F0D-8928-110D52D92B9F}" type="datetimeFigureOut">
               <a:rPr lang="en-US" smtClean="0"/>
-              <a:t>4/15/2015</a:t>
+              <a:t>4/24/2015</a:t>
             </a:fld>
             <a:endParaRPr lang="en-US"/>
           </a:p>
@@ -638,7 +639,7 @@
           <a:p>
             <a:fld id="{2F3CC852-900F-4F0D-8928-110D52D92B9F}" type="datetimeFigureOut">
               <a:rPr lang="en-US" smtClean="0"/>
-              <a:t>4/15/2015</a:t>
+              <a:t>4/24/2015</a:t>
             </a:fld>
             <a:endParaRPr lang="en-US"/>
           </a:p>
@@ -808,7 +809,7 @@
           <a:p>
             <a:fld id="{2F3CC852-900F-4F0D-8928-110D52D92B9F}" type="datetimeFigureOut">
               <a:rPr lang="en-US" smtClean="0"/>
-              <a:t>4/15/2015</a:t>
+              <a:t>4/24/2015</a:t>
             </a:fld>
             <a:endParaRPr lang="en-US"/>
           </a:p>
@@ -1054,7 +1055,7 @@
           <a:p>
             <a:fld id="{2F3CC852-900F-4F0D-8928-110D52D92B9F}" type="datetimeFigureOut">
               <a:rPr lang="en-US" smtClean="0"/>
-              <a:t>4/15/2015</a:t>
+              <a:t>4/24/2015</a:t>
             </a:fld>
             <a:endParaRPr lang="en-US"/>
           </a:p>
@@ -1342,7 +1343,7 @@
           <a:p>
             <a:fld id="{2F3CC852-900F-4F0D-8928-110D52D92B9F}" type="datetimeFigureOut">
               <a:rPr lang="en-US" smtClean="0"/>
-              <a:t>4/15/2015</a:t>
+              <a:t>4/24/2015</a:t>
             </a:fld>
             <a:endParaRPr lang="en-US"/>
           </a:p>
@@ -1764,7 +1765,7 @@
           <a:p>
             <a:fld id="{2F3CC852-900F-4F0D-8928-110D52D92B9F}" type="datetimeFigureOut">
               <a:rPr lang="en-US" smtClean="0"/>
-              <a:t>4/15/2015</a:t>
+              <a:t>4/24/2015</a:t>
             </a:fld>
             <a:endParaRPr lang="en-US"/>
           </a:p>
@@ -1882,7 +1883,7 @@
           <a:p>
             <a:fld id="{2F3CC852-900F-4F0D-8928-110D52D92B9F}" type="datetimeFigureOut">
               <a:rPr lang="en-US" smtClean="0"/>
-              <a:t>4/15/2015</a:t>
+              <a:t>4/24/2015</a:t>
             </a:fld>
             <a:endParaRPr lang="en-US"/>
           </a:p>
@@ -1977,7 +1978,7 @@
           <a:p>
             <a:fld id="{2F3CC852-900F-4F0D-8928-110D52D92B9F}" type="datetimeFigureOut">
               <a:rPr lang="en-US" smtClean="0"/>
-              <a:t>4/15/2015</a:t>
+              <a:t>4/24/2015</a:t>
             </a:fld>
             <a:endParaRPr lang="en-US"/>
           </a:p>
@@ -2254,7 +2255,7 @@
           <a:p>
             <a:fld id="{2F3CC852-900F-4F0D-8928-110D52D92B9F}" type="datetimeFigureOut">
               <a:rPr lang="en-US" smtClean="0"/>
-              <a:t>4/15/2015</a:t>
+              <a:t>4/24/2015</a:t>
             </a:fld>
             <a:endParaRPr lang="en-US"/>
           </a:p>
@@ -2507,7 +2508,7 @@
           <a:p>
             <a:fld id="{2F3CC852-900F-4F0D-8928-110D52D92B9F}" type="datetimeFigureOut">
               <a:rPr lang="en-US" smtClean="0"/>
-              <a:t>4/15/2015</a:t>
+              <a:t>4/24/2015</a:t>
             </a:fld>
             <a:endParaRPr lang="en-US"/>
           </a:p>
@@ -2720,7 +2721,7 @@
           <a:p>
             <a:fld id="{2F3CC852-900F-4F0D-8928-110D52D92B9F}" type="datetimeFigureOut">
               <a:rPr lang="en-US" smtClean="0"/>
-              <a:t>4/15/2015</a:t>
+              <a:t>4/24/2015</a:t>
             </a:fld>
             <a:endParaRPr lang="en-US"/>
           </a:p>
@@ -3103,8 +3104,8 @@
         </p:nvGrpSpPr>
         <p:grpSpPr>
           <a:xfrm>
-            <a:off x="4572000" y="978930"/>
-            <a:ext cx="2514600" cy="95250"/>
+            <a:off x="1420368" y="6072188"/>
+            <a:ext cx="628650" cy="23813"/>
             <a:chOff x="4572000" y="978930"/>
             <a:chExt cx="2514600" cy="95250"/>
           </a:xfrm>
@@ -3215,27 +3216,2984 @@
           </p:txBody>
         </p:sp>
       </p:grpSp>
+      <p:grpSp>
+        <p:nvGrpSpPr>
+          <p:cNvPr id="20" name="Group 19"/>
+          <p:cNvGrpSpPr/>
+          <p:nvPr/>
+        </p:nvGrpSpPr>
+        <p:grpSpPr>
+          <a:xfrm>
+            <a:off x="944393" y="4270892"/>
+            <a:ext cx="628772" cy="23813"/>
+            <a:chOff x="4571513" y="1291709"/>
+            <a:chExt cx="2515087" cy="95250"/>
+          </a:xfrm>
+        </p:grpSpPr>
+        <p:sp>
+          <p:nvSpPr>
+            <p:cNvPr id="6" name="Rounded Rectangle 5"/>
+            <p:cNvSpPr/>
+            <p:nvPr/>
+          </p:nvSpPr>
+          <p:spPr>
+            <a:xfrm>
+              <a:off x="4572000" y="1291709"/>
+              <a:ext cx="2514600" cy="95250"/>
+            </a:xfrm>
+            <a:prstGeom prst="roundRect">
+              <a:avLst/>
+            </a:prstGeom>
+            <a:solidFill>
+              <a:schemeClr val="tx1"/>
+            </a:solidFill>
+            <a:ln>
+              <a:solidFill>
+                <a:schemeClr val="tx1"/>
+              </a:solidFill>
+            </a:ln>
+          </p:spPr>
+          <p:style>
+            <a:lnRef idx="2">
+              <a:schemeClr val="accent1">
+                <a:shade val="50000"/>
+              </a:schemeClr>
+            </a:lnRef>
+            <a:fillRef idx="1">
+              <a:schemeClr val="accent1"/>
+            </a:fillRef>
+            <a:effectRef idx="0">
+              <a:schemeClr val="accent1"/>
+            </a:effectRef>
+            <a:fontRef idx="minor">
+              <a:schemeClr val="lt1"/>
+            </a:fontRef>
+          </p:style>
+          <p:txBody>
+            <a:bodyPr rtlCol="0" anchor="ctr"/>
+            <a:lstStyle/>
+            <a:p>
+              <a:pPr algn="ctr"/>
+              <a:endParaRPr lang="en-US"/>
+            </a:p>
+          </p:txBody>
+        </p:sp>
+        <p:sp>
+          <p:nvSpPr>
+            <p:cNvPr id="13" name="Rounded Rectangle 12"/>
+            <p:cNvSpPr/>
+            <p:nvPr/>
+          </p:nvSpPr>
+          <p:spPr>
+            <a:xfrm>
+              <a:off x="4571513" y="1295400"/>
+              <a:ext cx="1261872" cy="85725"/>
+            </a:xfrm>
+            <a:prstGeom prst="roundRect">
+              <a:avLst/>
+            </a:prstGeom>
+            <a:pattFill prst="wdUpDiag">
+              <a:fgClr>
+                <a:srgbClr val="FFC000"/>
+              </a:fgClr>
+              <a:bgClr>
+                <a:srgbClr val="FFFF00"/>
+              </a:bgClr>
+            </a:pattFill>
+            <a:ln>
+              <a:noFill/>
+            </a:ln>
+          </p:spPr>
+          <p:style>
+            <a:lnRef idx="2">
+              <a:schemeClr val="accent1">
+                <a:shade val="50000"/>
+              </a:schemeClr>
+            </a:lnRef>
+            <a:fillRef idx="1">
+              <a:schemeClr val="accent1"/>
+            </a:fillRef>
+            <a:effectRef idx="0">
+              <a:schemeClr val="accent1"/>
+            </a:effectRef>
+            <a:fontRef idx="minor">
+              <a:schemeClr val="lt1"/>
+            </a:fontRef>
+          </p:style>
+          <p:txBody>
+            <a:bodyPr rtlCol="0" anchor="ctr"/>
+            <a:lstStyle/>
+            <a:p>
+              <a:pPr algn="ctr"/>
+              <a:endParaRPr lang="en-US"/>
+            </a:p>
+          </p:txBody>
+        </p:sp>
+      </p:grpSp>
+      <p:grpSp>
+        <p:nvGrpSpPr>
+          <p:cNvPr id="21" name="Group 20"/>
+          <p:cNvGrpSpPr/>
+          <p:nvPr/>
+        </p:nvGrpSpPr>
+        <p:grpSpPr>
+          <a:xfrm>
+            <a:off x="914400" y="296036"/>
+            <a:ext cx="2514600" cy="95250"/>
+            <a:chOff x="4572000" y="2176820"/>
+            <a:chExt cx="2514600" cy="95250"/>
+          </a:xfrm>
+        </p:grpSpPr>
+        <p:sp>
+          <p:nvSpPr>
+            <p:cNvPr id="7" name="Rounded Rectangle 6"/>
+            <p:cNvSpPr/>
+            <p:nvPr/>
+          </p:nvSpPr>
+          <p:spPr>
+            <a:xfrm>
+              <a:off x="4572000" y="2176820"/>
+              <a:ext cx="2514600" cy="95250"/>
+            </a:xfrm>
+            <a:prstGeom prst="roundRect">
+              <a:avLst/>
+            </a:prstGeom>
+            <a:solidFill>
+              <a:schemeClr val="tx1"/>
+            </a:solidFill>
+            <a:ln>
+              <a:solidFill>
+                <a:schemeClr val="tx1"/>
+              </a:solidFill>
+            </a:ln>
+          </p:spPr>
+          <p:style>
+            <a:lnRef idx="2">
+              <a:schemeClr val="accent1">
+                <a:shade val="50000"/>
+              </a:schemeClr>
+            </a:lnRef>
+            <a:fillRef idx="1">
+              <a:schemeClr val="accent1"/>
+            </a:fillRef>
+            <a:effectRef idx="0">
+              <a:schemeClr val="accent1"/>
+            </a:effectRef>
+            <a:fontRef idx="minor">
+              <a:schemeClr val="lt1"/>
+            </a:fontRef>
+          </p:style>
+          <p:txBody>
+            <a:bodyPr rtlCol="0" anchor="ctr"/>
+            <a:lstStyle/>
+            <a:p>
+              <a:pPr algn="ctr"/>
+              <a:endParaRPr lang="en-US"/>
+            </a:p>
+          </p:txBody>
+        </p:sp>
+        <p:sp>
+          <p:nvSpPr>
+            <p:cNvPr id="12" name="Rounded Rectangle 11"/>
+            <p:cNvSpPr/>
+            <p:nvPr/>
+          </p:nvSpPr>
+          <p:spPr>
+            <a:xfrm>
+              <a:off x="4572000" y="2184821"/>
+              <a:ext cx="2514600" cy="85725"/>
+            </a:xfrm>
+            <a:prstGeom prst="roundRect">
+              <a:avLst/>
+            </a:prstGeom>
+            <a:pattFill prst="wdUpDiag">
+              <a:fgClr>
+                <a:srgbClr val="00B050"/>
+              </a:fgClr>
+              <a:bgClr>
+                <a:schemeClr val="accent3">
+                  <a:lumMod val="40000"/>
+                  <a:lumOff val="60000"/>
+                </a:schemeClr>
+              </a:bgClr>
+            </a:pattFill>
+            <a:ln>
+              <a:noFill/>
+            </a:ln>
+          </p:spPr>
+          <p:style>
+            <a:lnRef idx="2">
+              <a:schemeClr val="accent1">
+                <a:shade val="50000"/>
+              </a:schemeClr>
+            </a:lnRef>
+            <a:fillRef idx="1">
+              <a:schemeClr val="accent1"/>
+            </a:fillRef>
+            <a:effectRef idx="0">
+              <a:schemeClr val="accent1"/>
+            </a:effectRef>
+            <a:fontRef idx="minor">
+              <a:schemeClr val="lt1"/>
+            </a:fontRef>
+          </p:style>
+          <p:txBody>
+            <a:bodyPr rtlCol="0" anchor="ctr"/>
+            <a:lstStyle/>
+            <a:p>
+              <a:pPr algn="ctr"/>
+              <a:endParaRPr lang="en-US"/>
+            </a:p>
+          </p:txBody>
+        </p:sp>
+      </p:grpSp>
       <p:sp>
         <p:nvSpPr>
-          <p:cNvPr id="16" name="TextBox 15"/>
-          <p:cNvSpPr txBox="1"/>
+          <p:cNvPr id="3" name="Rectangle 2"/>
+          <p:cNvSpPr/>
           <p:nvPr/>
         </p:nvSpPr>
         <p:spPr>
           <a:xfrm>
-            <a:off x="7115351" y="978930"/>
-            <a:ext cx="176330" cy="83127"/>
+            <a:off x="4417868" y="170997"/>
+            <a:ext cx="952505" cy="215444"/>
           </a:xfrm>
           <a:prstGeom prst="rect">
             <a:avLst/>
           </a:prstGeom>
-          <a:noFill/>
-          <a:ln>
-            <a:noFill/>
-          </a:ln>
         </p:spPr>
         <p:txBody>
-          <a:bodyPr wrap="none" lIns="0" tIns="0" rIns="0" bIns="0" rtlCol="0">
+          <a:bodyPr wrap="none">
+            <a:spAutoFit/>
+          </a:bodyPr>
+          <a:lstStyle/>
+          <a:p>
+            <a:r>
+              <a:rPr lang="en-US" sz="800" dirty="0"/>
+              <a:t>Visual Studio 2010</a:t>
+            </a:r>
+          </a:p>
+        </p:txBody>
+      </p:sp>
+      <p:sp>
+        <p:nvSpPr>
+          <p:cNvPr id="24" name="Rectangle 23"/>
+          <p:cNvSpPr/>
+          <p:nvPr/>
+        </p:nvSpPr>
+        <p:spPr>
+          <a:xfrm>
+            <a:off x="4417868" y="491717"/>
+            <a:ext cx="670376" cy="215444"/>
+          </a:xfrm>
+          <a:prstGeom prst="rect">
+            <a:avLst/>
+          </a:prstGeom>
+        </p:spPr>
+        <p:txBody>
+          <a:bodyPr wrap="none">
+            <a:spAutoFit/>
+          </a:bodyPr>
+          <a:lstStyle/>
+          <a:p>
+            <a:r>
+              <a:rPr lang="en-US" sz="800" dirty="0"/>
+              <a:t>Visual </a:t>
+            </a:r>
+            <a:r>
+              <a:rPr lang="en-US" sz="800" dirty="0" smtClean="0"/>
+              <a:t>Basic</a:t>
+            </a:r>
+            <a:endParaRPr lang="en-US" sz="800" dirty="0"/>
+          </a:p>
+        </p:txBody>
+      </p:sp>
+      <p:sp>
+        <p:nvSpPr>
+          <p:cNvPr id="4" name="Rectangle 3"/>
+          <p:cNvSpPr/>
+          <p:nvPr/>
+        </p:nvSpPr>
+        <p:spPr>
+          <a:xfrm>
+            <a:off x="4417868" y="812437"/>
+            <a:ext cx="1292341" cy="215444"/>
+          </a:xfrm>
+          <a:prstGeom prst="rect">
+            <a:avLst/>
+          </a:prstGeom>
+        </p:spPr>
+        <p:txBody>
+          <a:bodyPr wrap="none">
+            <a:spAutoFit/>
+          </a:bodyPr>
+          <a:lstStyle/>
+          <a:p>
+            <a:r>
+              <a:rPr lang="en-US" sz="800" dirty="0"/>
+              <a:t>Software versioning (SVN) </a:t>
+            </a:r>
+          </a:p>
+        </p:txBody>
+      </p:sp>
+      <p:grpSp>
+        <p:nvGrpSpPr>
+          <p:cNvPr id="25" name="Group 24"/>
+          <p:cNvGrpSpPr/>
+          <p:nvPr/>
+        </p:nvGrpSpPr>
+        <p:grpSpPr>
+          <a:xfrm>
+            <a:off x="914400" y="628758"/>
+            <a:ext cx="2514600" cy="95250"/>
+            <a:chOff x="4572000" y="2176820"/>
+            <a:chExt cx="2514600" cy="95250"/>
+          </a:xfrm>
+        </p:grpSpPr>
+        <p:sp>
+          <p:nvSpPr>
+            <p:cNvPr id="26" name="Rounded Rectangle 25"/>
+            <p:cNvSpPr/>
+            <p:nvPr/>
+          </p:nvSpPr>
+          <p:spPr>
+            <a:xfrm>
+              <a:off x="4572000" y="2176820"/>
+              <a:ext cx="2514600" cy="95250"/>
+            </a:xfrm>
+            <a:prstGeom prst="roundRect">
+              <a:avLst/>
+            </a:prstGeom>
+            <a:solidFill>
+              <a:schemeClr val="tx1"/>
+            </a:solidFill>
+            <a:ln>
+              <a:solidFill>
+                <a:schemeClr val="tx1"/>
+              </a:solidFill>
+            </a:ln>
+          </p:spPr>
+          <p:style>
+            <a:lnRef idx="2">
+              <a:schemeClr val="accent1">
+                <a:shade val="50000"/>
+              </a:schemeClr>
+            </a:lnRef>
+            <a:fillRef idx="1">
+              <a:schemeClr val="accent1"/>
+            </a:fillRef>
+            <a:effectRef idx="0">
+              <a:schemeClr val="accent1"/>
+            </a:effectRef>
+            <a:fontRef idx="minor">
+              <a:schemeClr val="lt1"/>
+            </a:fontRef>
+          </p:style>
+          <p:txBody>
+            <a:bodyPr rtlCol="0" anchor="ctr"/>
+            <a:lstStyle/>
+            <a:p>
+              <a:pPr algn="ctr"/>
+              <a:endParaRPr lang="en-US"/>
+            </a:p>
+          </p:txBody>
+        </p:sp>
+        <p:sp>
+          <p:nvSpPr>
+            <p:cNvPr id="27" name="Rounded Rectangle 26"/>
+            <p:cNvSpPr/>
+            <p:nvPr/>
+          </p:nvSpPr>
+          <p:spPr>
+            <a:xfrm>
+              <a:off x="4572000" y="2184821"/>
+              <a:ext cx="2514600" cy="85725"/>
+            </a:xfrm>
+            <a:prstGeom prst="roundRect">
+              <a:avLst/>
+            </a:prstGeom>
+            <a:pattFill prst="wdUpDiag">
+              <a:fgClr>
+                <a:srgbClr val="00B050"/>
+              </a:fgClr>
+              <a:bgClr>
+                <a:schemeClr val="accent3">
+                  <a:lumMod val="40000"/>
+                  <a:lumOff val="60000"/>
+                </a:schemeClr>
+              </a:bgClr>
+            </a:pattFill>
+            <a:ln>
+              <a:noFill/>
+            </a:ln>
+          </p:spPr>
+          <p:style>
+            <a:lnRef idx="2">
+              <a:schemeClr val="accent1">
+                <a:shade val="50000"/>
+              </a:schemeClr>
+            </a:lnRef>
+            <a:fillRef idx="1">
+              <a:schemeClr val="accent1"/>
+            </a:fillRef>
+            <a:effectRef idx="0">
+              <a:schemeClr val="accent1"/>
+            </a:effectRef>
+            <a:fontRef idx="minor">
+              <a:schemeClr val="lt1"/>
+            </a:fontRef>
+          </p:style>
+          <p:txBody>
+            <a:bodyPr rtlCol="0" anchor="ctr"/>
+            <a:lstStyle/>
+            <a:p>
+              <a:pPr algn="ctr"/>
+              <a:endParaRPr lang="en-US"/>
+            </a:p>
+          </p:txBody>
+        </p:sp>
+      </p:grpSp>
+      <p:grpSp>
+        <p:nvGrpSpPr>
+          <p:cNvPr id="28" name="Group 27"/>
+          <p:cNvGrpSpPr/>
+          <p:nvPr/>
+        </p:nvGrpSpPr>
+        <p:grpSpPr>
+          <a:xfrm>
+            <a:off x="914400" y="995342"/>
+            <a:ext cx="628650" cy="23813"/>
+            <a:chOff x="4572000" y="2176820"/>
+            <a:chExt cx="2514600" cy="95250"/>
+          </a:xfrm>
+        </p:grpSpPr>
+        <p:sp>
+          <p:nvSpPr>
+            <p:cNvPr id="29" name="Rounded Rectangle 28"/>
+            <p:cNvSpPr/>
+            <p:nvPr/>
+          </p:nvSpPr>
+          <p:spPr>
+            <a:xfrm>
+              <a:off x="4572000" y="2176820"/>
+              <a:ext cx="2514600" cy="95250"/>
+            </a:xfrm>
+            <a:prstGeom prst="roundRect">
+              <a:avLst/>
+            </a:prstGeom>
+            <a:solidFill>
+              <a:schemeClr val="tx1"/>
+            </a:solidFill>
+            <a:ln>
+              <a:solidFill>
+                <a:schemeClr val="tx1"/>
+              </a:solidFill>
+            </a:ln>
+          </p:spPr>
+          <p:style>
+            <a:lnRef idx="2">
+              <a:schemeClr val="accent1">
+                <a:shade val="50000"/>
+              </a:schemeClr>
+            </a:lnRef>
+            <a:fillRef idx="1">
+              <a:schemeClr val="accent1"/>
+            </a:fillRef>
+            <a:effectRef idx="0">
+              <a:schemeClr val="accent1"/>
+            </a:effectRef>
+            <a:fontRef idx="minor">
+              <a:schemeClr val="lt1"/>
+            </a:fontRef>
+          </p:style>
+          <p:txBody>
+            <a:bodyPr rtlCol="0" anchor="ctr"/>
+            <a:lstStyle/>
+            <a:p>
+              <a:pPr algn="ctr"/>
+              <a:endParaRPr lang="en-US"/>
+            </a:p>
+          </p:txBody>
+        </p:sp>
+        <p:sp>
+          <p:nvSpPr>
+            <p:cNvPr id="30" name="Rounded Rectangle 29"/>
+            <p:cNvSpPr/>
+            <p:nvPr/>
+          </p:nvSpPr>
+          <p:spPr>
+            <a:xfrm>
+              <a:off x="4572000" y="2184821"/>
+              <a:ext cx="2514600" cy="85725"/>
+            </a:xfrm>
+            <a:prstGeom prst="roundRect">
+              <a:avLst/>
+            </a:prstGeom>
+            <a:pattFill prst="wdUpDiag">
+              <a:fgClr>
+                <a:srgbClr val="00B050"/>
+              </a:fgClr>
+              <a:bgClr>
+                <a:schemeClr val="accent3">
+                  <a:lumMod val="40000"/>
+                  <a:lumOff val="60000"/>
+                </a:schemeClr>
+              </a:bgClr>
+            </a:pattFill>
+            <a:ln>
+              <a:noFill/>
+            </a:ln>
+          </p:spPr>
+          <p:style>
+            <a:lnRef idx="2">
+              <a:schemeClr val="accent1">
+                <a:shade val="50000"/>
+              </a:schemeClr>
+            </a:lnRef>
+            <a:fillRef idx="1">
+              <a:schemeClr val="accent1"/>
+            </a:fillRef>
+            <a:effectRef idx="0">
+              <a:schemeClr val="accent1"/>
+            </a:effectRef>
+            <a:fontRef idx="minor">
+              <a:schemeClr val="lt1"/>
+            </a:fontRef>
+          </p:style>
+          <p:txBody>
+            <a:bodyPr rtlCol="0" anchor="ctr"/>
+            <a:lstStyle/>
+            <a:p>
+              <a:pPr algn="ctr"/>
+              <a:endParaRPr lang="en-US"/>
+            </a:p>
+          </p:txBody>
+        </p:sp>
+      </p:grpSp>
+      <p:sp>
+        <p:nvSpPr>
+          <p:cNvPr id="31" name="Rectangle 30"/>
+          <p:cNvSpPr/>
+          <p:nvPr/>
+        </p:nvSpPr>
+        <p:spPr>
+          <a:xfrm>
+            <a:off x="4417868" y="1133157"/>
+            <a:ext cx="290464" cy="215444"/>
+          </a:xfrm>
+          <a:prstGeom prst="rect">
+            <a:avLst/>
+          </a:prstGeom>
+        </p:spPr>
+        <p:txBody>
+          <a:bodyPr wrap="none">
+            <a:spAutoFit/>
+          </a:bodyPr>
+          <a:lstStyle/>
+          <a:p>
+            <a:r>
+              <a:rPr lang="en-US" sz="800" dirty="0" smtClean="0"/>
+              <a:t>C#</a:t>
+            </a:r>
+            <a:endParaRPr lang="en-US" sz="800" dirty="0"/>
+          </a:p>
+        </p:txBody>
+      </p:sp>
+      <p:sp>
+        <p:nvSpPr>
+          <p:cNvPr id="32" name="Rectangle 31"/>
+          <p:cNvSpPr/>
+          <p:nvPr/>
+        </p:nvSpPr>
+        <p:spPr>
+          <a:xfrm>
+            <a:off x="4417868" y="1453877"/>
+            <a:ext cx="341760" cy="215444"/>
+          </a:xfrm>
+          <a:prstGeom prst="rect">
+            <a:avLst/>
+          </a:prstGeom>
+        </p:spPr>
+        <p:txBody>
+          <a:bodyPr wrap="none">
+            <a:spAutoFit/>
+          </a:bodyPr>
+          <a:lstStyle/>
+          <a:p>
+            <a:r>
+              <a:rPr lang="en-US" sz="800" dirty="0" smtClean="0"/>
+              <a:t>C++</a:t>
+            </a:r>
+            <a:endParaRPr lang="en-US" sz="800" dirty="0"/>
+          </a:p>
+        </p:txBody>
+      </p:sp>
+      <p:sp>
+        <p:nvSpPr>
+          <p:cNvPr id="33" name="Rectangle 32"/>
+          <p:cNvSpPr/>
+          <p:nvPr/>
+        </p:nvSpPr>
+        <p:spPr>
+          <a:xfrm>
+            <a:off x="4417868" y="1774597"/>
+            <a:ext cx="240772" cy="215444"/>
+          </a:xfrm>
+          <a:prstGeom prst="rect">
+            <a:avLst/>
+          </a:prstGeom>
+        </p:spPr>
+        <p:txBody>
+          <a:bodyPr wrap="none">
+            <a:spAutoFit/>
+          </a:bodyPr>
+          <a:lstStyle/>
+          <a:p>
+            <a:r>
+              <a:rPr lang="en-US" sz="800" dirty="0" smtClean="0"/>
+              <a:t>R</a:t>
+            </a:r>
+            <a:endParaRPr lang="en-US" sz="800" dirty="0"/>
+          </a:p>
+        </p:txBody>
+      </p:sp>
+      <p:sp>
+        <p:nvSpPr>
+          <p:cNvPr id="34" name="Rectangle 33"/>
+          <p:cNvSpPr/>
+          <p:nvPr/>
+        </p:nvSpPr>
+        <p:spPr>
+          <a:xfrm>
+            <a:off x="4417868" y="2095317"/>
+            <a:ext cx="377026" cy="215444"/>
+          </a:xfrm>
+          <a:prstGeom prst="rect">
+            <a:avLst/>
+          </a:prstGeom>
+        </p:spPr>
+        <p:txBody>
+          <a:bodyPr wrap="none">
+            <a:spAutoFit/>
+          </a:bodyPr>
+          <a:lstStyle/>
+          <a:p>
+            <a:r>
+              <a:rPr lang="en-US" sz="800" dirty="0" smtClean="0"/>
+              <a:t>SPSS</a:t>
+            </a:r>
+            <a:endParaRPr lang="en-US" sz="800" dirty="0"/>
+          </a:p>
+        </p:txBody>
+      </p:sp>
+      <p:sp>
+        <p:nvSpPr>
+          <p:cNvPr id="35" name="Rectangle 34"/>
+          <p:cNvSpPr/>
+          <p:nvPr/>
+        </p:nvSpPr>
+        <p:spPr>
+          <a:xfrm>
+            <a:off x="4417868" y="2416037"/>
+            <a:ext cx="665567" cy="215444"/>
+          </a:xfrm>
+          <a:prstGeom prst="rect">
+            <a:avLst/>
+          </a:prstGeom>
+        </p:spPr>
+        <p:txBody>
+          <a:bodyPr wrap="none">
+            <a:spAutoFit/>
+          </a:bodyPr>
+          <a:lstStyle/>
+          <a:p>
+            <a:r>
+              <a:rPr lang="en-US" sz="800" dirty="0" smtClean="0"/>
+              <a:t>INNO setup</a:t>
+            </a:r>
+            <a:endParaRPr lang="en-US" sz="800" dirty="0"/>
+          </a:p>
+        </p:txBody>
+      </p:sp>
+      <p:sp>
+        <p:nvSpPr>
+          <p:cNvPr id="8" name="Rectangle 7"/>
+          <p:cNvSpPr/>
+          <p:nvPr/>
+        </p:nvSpPr>
+        <p:spPr>
+          <a:xfrm>
+            <a:off x="4417868" y="2736757"/>
+            <a:ext cx="383438" cy="215444"/>
+          </a:xfrm>
+          <a:prstGeom prst="rect">
+            <a:avLst/>
+          </a:prstGeom>
+        </p:spPr>
+        <p:txBody>
+          <a:bodyPr wrap="none">
+            <a:spAutoFit/>
+          </a:bodyPr>
+          <a:lstStyle/>
+          <a:p>
+            <a:r>
+              <a:rPr lang="en-US" sz="800" dirty="0" err="1"/>
+              <a:t>.Net</a:t>
+            </a:r>
+            <a:r>
+              <a:rPr lang="en-US" sz="800" dirty="0"/>
+              <a:t> </a:t>
+            </a:r>
+          </a:p>
+        </p:txBody>
+      </p:sp>
+      <p:sp>
+        <p:nvSpPr>
+          <p:cNvPr id="9" name="Rectangle 8"/>
+          <p:cNvSpPr/>
+          <p:nvPr/>
+        </p:nvSpPr>
+        <p:spPr>
+          <a:xfrm>
+            <a:off x="4417868" y="3057477"/>
+            <a:ext cx="715260" cy="215444"/>
+          </a:xfrm>
+          <a:prstGeom prst="rect">
+            <a:avLst/>
+          </a:prstGeom>
+        </p:spPr>
+        <p:txBody>
+          <a:bodyPr wrap="none">
+            <a:spAutoFit/>
+          </a:bodyPr>
+          <a:lstStyle/>
+          <a:p>
+            <a:r>
+              <a:rPr lang="en-US" sz="800" dirty="0"/>
+              <a:t>ARCGIS 10.0 </a:t>
+            </a:r>
+          </a:p>
+        </p:txBody>
+      </p:sp>
+      <p:sp>
+        <p:nvSpPr>
+          <p:cNvPr id="10" name="Rectangle 9"/>
+          <p:cNvSpPr/>
+          <p:nvPr/>
+        </p:nvSpPr>
+        <p:spPr>
+          <a:xfrm>
+            <a:off x="4417868" y="3698915"/>
+            <a:ext cx="1091966" cy="215444"/>
+          </a:xfrm>
+          <a:prstGeom prst="rect">
+            <a:avLst/>
+          </a:prstGeom>
+        </p:spPr>
+        <p:txBody>
+          <a:bodyPr wrap="none">
+            <a:spAutoFit/>
+          </a:bodyPr>
+          <a:lstStyle/>
+          <a:p>
+            <a:r>
+              <a:rPr lang="en-US" sz="800" dirty="0"/>
+              <a:t>Microsoft Office tools</a:t>
+            </a:r>
+          </a:p>
+        </p:txBody>
+      </p:sp>
+      <p:sp>
+        <p:nvSpPr>
+          <p:cNvPr id="11" name="Rectangle 10"/>
+          <p:cNvSpPr/>
+          <p:nvPr/>
+        </p:nvSpPr>
+        <p:spPr>
+          <a:xfrm>
+            <a:off x="4417868" y="3378197"/>
+            <a:ext cx="409086" cy="215444"/>
+          </a:xfrm>
+          <a:prstGeom prst="rect">
+            <a:avLst/>
+          </a:prstGeom>
+        </p:spPr>
+        <p:txBody>
+          <a:bodyPr wrap="none">
+            <a:spAutoFit/>
+          </a:bodyPr>
+          <a:lstStyle/>
+          <a:p>
+            <a:r>
+              <a:rPr lang="en-US" sz="800" dirty="0"/>
+              <a:t>Gimp</a:t>
+            </a:r>
+          </a:p>
+        </p:txBody>
+      </p:sp>
+      <p:sp>
+        <p:nvSpPr>
+          <p:cNvPr id="36" name="Rectangle 35"/>
+          <p:cNvSpPr/>
+          <p:nvPr/>
+        </p:nvSpPr>
+        <p:spPr>
+          <a:xfrm>
+            <a:off x="3709414" y="170997"/>
+            <a:ext cx="412292" cy="215444"/>
+          </a:xfrm>
+          <a:prstGeom prst="rect">
+            <a:avLst/>
+          </a:prstGeom>
+        </p:spPr>
+        <p:txBody>
+          <a:bodyPr wrap="none">
+            <a:spAutoFit/>
+          </a:bodyPr>
+          <a:lstStyle/>
+          <a:p>
+            <a:r>
+              <a:rPr lang="en-US" sz="800" dirty="0" smtClean="0"/>
+              <a:t>100%</a:t>
+            </a:r>
+            <a:endParaRPr lang="en-US" sz="800" dirty="0"/>
+          </a:p>
+        </p:txBody>
+      </p:sp>
+      <p:sp>
+        <p:nvSpPr>
+          <p:cNvPr id="37" name="Rectangle 36"/>
+          <p:cNvSpPr/>
+          <p:nvPr/>
+        </p:nvSpPr>
+        <p:spPr>
+          <a:xfrm>
+            <a:off x="3709414" y="485155"/>
+            <a:ext cx="412292" cy="215444"/>
+          </a:xfrm>
+          <a:prstGeom prst="rect">
+            <a:avLst/>
+          </a:prstGeom>
+        </p:spPr>
+        <p:txBody>
+          <a:bodyPr wrap="none">
+            <a:spAutoFit/>
+          </a:bodyPr>
+          <a:lstStyle/>
+          <a:p>
+            <a:r>
+              <a:rPr lang="en-US" sz="800" dirty="0" smtClean="0"/>
+              <a:t>100%</a:t>
+            </a:r>
+            <a:endParaRPr lang="en-US" sz="800" dirty="0"/>
+          </a:p>
+        </p:txBody>
+      </p:sp>
+      <p:sp>
+        <p:nvSpPr>
+          <p:cNvPr id="38" name="Rectangle 37"/>
+          <p:cNvSpPr/>
+          <p:nvPr/>
+        </p:nvSpPr>
+        <p:spPr>
+          <a:xfrm>
+            <a:off x="3709414" y="812437"/>
+            <a:ext cx="412292" cy="215444"/>
+          </a:xfrm>
+          <a:prstGeom prst="rect">
+            <a:avLst/>
+          </a:prstGeom>
+        </p:spPr>
+        <p:txBody>
+          <a:bodyPr wrap="none">
+            <a:spAutoFit/>
+          </a:bodyPr>
+          <a:lstStyle/>
+          <a:p>
+            <a:r>
+              <a:rPr lang="en-US" sz="800" dirty="0" smtClean="0"/>
+              <a:t>100%</a:t>
+            </a:r>
+            <a:endParaRPr lang="en-US" sz="800" dirty="0"/>
+          </a:p>
+        </p:txBody>
+      </p:sp>
+      <p:sp>
+        <p:nvSpPr>
+          <p:cNvPr id="39" name="Rectangle 38"/>
+          <p:cNvSpPr/>
+          <p:nvPr/>
+        </p:nvSpPr>
+        <p:spPr>
+          <a:xfrm>
+            <a:off x="3709414" y="1133157"/>
+            <a:ext cx="412292" cy="215444"/>
+          </a:xfrm>
+          <a:prstGeom prst="rect">
+            <a:avLst/>
+          </a:prstGeom>
+        </p:spPr>
+        <p:txBody>
+          <a:bodyPr wrap="none">
+            <a:spAutoFit/>
+          </a:bodyPr>
+          <a:lstStyle/>
+          <a:p>
+            <a:r>
+              <a:rPr lang="en-US" sz="800" dirty="0" smtClean="0"/>
+              <a:t>100%</a:t>
+            </a:r>
+            <a:endParaRPr lang="en-US" sz="800" dirty="0"/>
+          </a:p>
+        </p:txBody>
+      </p:sp>
+      <p:sp>
+        <p:nvSpPr>
+          <p:cNvPr id="40" name="Rectangle 39"/>
+          <p:cNvSpPr/>
+          <p:nvPr/>
+        </p:nvSpPr>
+        <p:spPr>
+          <a:xfrm>
+            <a:off x="3709414" y="1453877"/>
+            <a:ext cx="412292" cy="215444"/>
+          </a:xfrm>
+          <a:prstGeom prst="rect">
+            <a:avLst/>
+          </a:prstGeom>
+        </p:spPr>
+        <p:txBody>
+          <a:bodyPr wrap="none">
+            <a:spAutoFit/>
+          </a:bodyPr>
+          <a:lstStyle/>
+          <a:p>
+            <a:r>
+              <a:rPr lang="en-US" sz="800" dirty="0" smtClean="0"/>
+              <a:t>100%</a:t>
+            </a:r>
+            <a:endParaRPr lang="en-US" sz="800" dirty="0"/>
+          </a:p>
+        </p:txBody>
+      </p:sp>
+      <p:sp>
+        <p:nvSpPr>
+          <p:cNvPr id="41" name="Rectangle 40"/>
+          <p:cNvSpPr/>
+          <p:nvPr/>
+        </p:nvSpPr>
+        <p:spPr>
+          <a:xfrm>
+            <a:off x="3709414" y="1774597"/>
+            <a:ext cx="412292" cy="215444"/>
+          </a:xfrm>
+          <a:prstGeom prst="rect">
+            <a:avLst/>
+          </a:prstGeom>
+        </p:spPr>
+        <p:txBody>
+          <a:bodyPr wrap="none">
+            <a:spAutoFit/>
+          </a:bodyPr>
+          <a:lstStyle/>
+          <a:p>
+            <a:r>
+              <a:rPr lang="en-US" sz="800" dirty="0" smtClean="0"/>
+              <a:t>100%</a:t>
+            </a:r>
+            <a:endParaRPr lang="en-US" sz="800" dirty="0"/>
+          </a:p>
+        </p:txBody>
+      </p:sp>
+      <p:sp>
+        <p:nvSpPr>
+          <p:cNvPr id="42" name="Rectangle 41"/>
+          <p:cNvSpPr/>
+          <p:nvPr/>
+        </p:nvSpPr>
+        <p:spPr>
+          <a:xfrm>
+            <a:off x="3709414" y="2095317"/>
+            <a:ext cx="412292" cy="215444"/>
+          </a:xfrm>
+          <a:prstGeom prst="rect">
+            <a:avLst/>
+          </a:prstGeom>
+        </p:spPr>
+        <p:txBody>
+          <a:bodyPr wrap="none">
+            <a:spAutoFit/>
+          </a:bodyPr>
+          <a:lstStyle/>
+          <a:p>
+            <a:r>
+              <a:rPr lang="en-US" sz="800" dirty="0" smtClean="0"/>
+              <a:t>100%</a:t>
+            </a:r>
+            <a:endParaRPr lang="en-US" sz="800" dirty="0"/>
+          </a:p>
+        </p:txBody>
+      </p:sp>
+      <p:sp>
+        <p:nvSpPr>
+          <p:cNvPr id="43" name="Rectangle 42"/>
+          <p:cNvSpPr/>
+          <p:nvPr/>
+        </p:nvSpPr>
+        <p:spPr>
+          <a:xfrm>
+            <a:off x="3709414" y="2416037"/>
+            <a:ext cx="412292" cy="215444"/>
+          </a:xfrm>
+          <a:prstGeom prst="rect">
+            <a:avLst/>
+          </a:prstGeom>
+        </p:spPr>
+        <p:txBody>
+          <a:bodyPr wrap="none">
+            <a:spAutoFit/>
+          </a:bodyPr>
+          <a:lstStyle/>
+          <a:p>
+            <a:r>
+              <a:rPr lang="en-US" sz="800" dirty="0" smtClean="0"/>
+              <a:t>100%</a:t>
+            </a:r>
+            <a:endParaRPr lang="en-US" sz="800" dirty="0"/>
+          </a:p>
+        </p:txBody>
+      </p:sp>
+      <p:sp>
+        <p:nvSpPr>
+          <p:cNvPr id="44" name="Rectangle 43"/>
+          <p:cNvSpPr/>
+          <p:nvPr/>
+        </p:nvSpPr>
+        <p:spPr>
+          <a:xfrm>
+            <a:off x="3709414" y="2736757"/>
+            <a:ext cx="412292" cy="215444"/>
+          </a:xfrm>
+          <a:prstGeom prst="rect">
+            <a:avLst/>
+          </a:prstGeom>
+        </p:spPr>
+        <p:txBody>
+          <a:bodyPr wrap="none">
+            <a:spAutoFit/>
+          </a:bodyPr>
+          <a:lstStyle/>
+          <a:p>
+            <a:r>
+              <a:rPr lang="en-US" sz="800" dirty="0" smtClean="0"/>
+              <a:t>100%</a:t>
+            </a:r>
+            <a:endParaRPr lang="en-US" sz="800" dirty="0"/>
+          </a:p>
+        </p:txBody>
+      </p:sp>
+      <p:sp>
+        <p:nvSpPr>
+          <p:cNvPr id="45" name="Rectangle 44"/>
+          <p:cNvSpPr/>
+          <p:nvPr/>
+        </p:nvSpPr>
+        <p:spPr>
+          <a:xfrm>
+            <a:off x="3709414" y="3057477"/>
+            <a:ext cx="412292" cy="215444"/>
+          </a:xfrm>
+          <a:prstGeom prst="rect">
+            <a:avLst/>
+          </a:prstGeom>
+        </p:spPr>
+        <p:txBody>
+          <a:bodyPr wrap="none">
+            <a:spAutoFit/>
+          </a:bodyPr>
+          <a:lstStyle/>
+          <a:p>
+            <a:r>
+              <a:rPr lang="en-US" sz="800" dirty="0" smtClean="0"/>
+              <a:t>100%</a:t>
+            </a:r>
+            <a:endParaRPr lang="en-US" sz="800" dirty="0"/>
+          </a:p>
+        </p:txBody>
+      </p:sp>
+      <p:sp>
+        <p:nvSpPr>
+          <p:cNvPr id="46" name="Rectangle 45"/>
+          <p:cNvSpPr/>
+          <p:nvPr/>
+        </p:nvSpPr>
+        <p:spPr>
+          <a:xfrm>
+            <a:off x="3709414" y="3378197"/>
+            <a:ext cx="412292" cy="215444"/>
+          </a:xfrm>
+          <a:prstGeom prst="rect">
+            <a:avLst/>
+          </a:prstGeom>
+        </p:spPr>
+        <p:txBody>
+          <a:bodyPr wrap="none">
+            <a:spAutoFit/>
+          </a:bodyPr>
+          <a:lstStyle/>
+          <a:p>
+            <a:r>
+              <a:rPr lang="en-US" sz="800" dirty="0" smtClean="0"/>
+              <a:t>100%</a:t>
+            </a:r>
+            <a:endParaRPr lang="en-US" sz="800" dirty="0"/>
+          </a:p>
+        </p:txBody>
+      </p:sp>
+      <p:sp>
+        <p:nvSpPr>
+          <p:cNvPr id="47" name="Rectangle 46"/>
+          <p:cNvSpPr/>
+          <p:nvPr/>
+        </p:nvSpPr>
+        <p:spPr>
+          <a:xfrm>
+            <a:off x="3709414" y="3698915"/>
+            <a:ext cx="412292" cy="215444"/>
+          </a:xfrm>
+          <a:prstGeom prst="rect">
+            <a:avLst/>
+          </a:prstGeom>
+        </p:spPr>
+        <p:txBody>
+          <a:bodyPr wrap="none">
+            <a:spAutoFit/>
+          </a:bodyPr>
+          <a:lstStyle/>
+          <a:p>
+            <a:r>
+              <a:rPr lang="en-US" sz="800" dirty="0" smtClean="0"/>
+              <a:t>100%</a:t>
+            </a:r>
+            <a:endParaRPr lang="en-US" sz="800" dirty="0"/>
+          </a:p>
+        </p:txBody>
+      </p:sp>
+      <p:grpSp>
+        <p:nvGrpSpPr>
+          <p:cNvPr id="48" name="Group 47"/>
+          <p:cNvGrpSpPr/>
+          <p:nvPr/>
+        </p:nvGrpSpPr>
+        <p:grpSpPr>
+          <a:xfrm>
+            <a:off x="914400" y="1317823"/>
+            <a:ext cx="2514600" cy="95250"/>
+            <a:chOff x="4572000" y="2176820"/>
+            <a:chExt cx="2514600" cy="95250"/>
+          </a:xfrm>
+        </p:grpSpPr>
+        <p:sp>
+          <p:nvSpPr>
+            <p:cNvPr id="49" name="Rounded Rectangle 48"/>
+            <p:cNvSpPr/>
+            <p:nvPr/>
+          </p:nvSpPr>
+          <p:spPr>
+            <a:xfrm>
+              <a:off x="4572000" y="2176820"/>
+              <a:ext cx="2514600" cy="95250"/>
+            </a:xfrm>
+            <a:prstGeom prst="roundRect">
+              <a:avLst/>
+            </a:prstGeom>
+            <a:solidFill>
+              <a:schemeClr val="tx1"/>
+            </a:solidFill>
+            <a:ln>
+              <a:solidFill>
+                <a:schemeClr val="tx1"/>
+              </a:solidFill>
+            </a:ln>
+          </p:spPr>
+          <p:style>
+            <a:lnRef idx="2">
+              <a:schemeClr val="accent1">
+                <a:shade val="50000"/>
+              </a:schemeClr>
+            </a:lnRef>
+            <a:fillRef idx="1">
+              <a:schemeClr val="accent1"/>
+            </a:fillRef>
+            <a:effectRef idx="0">
+              <a:schemeClr val="accent1"/>
+            </a:effectRef>
+            <a:fontRef idx="minor">
+              <a:schemeClr val="lt1"/>
+            </a:fontRef>
+          </p:style>
+          <p:txBody>
+            <a:bodyPr rtlCol="0" anchor="ctr"/>
+            <a:lstStyle/>
+            <a:p>
+              <a:pPr algn="ctr"/>
+              <a:endParaRPr lang="en-US"/>
+            </a:p>
+          </p:txBody>
+        </p:sp>
+        <p:sp>
+          <p:nvSpPr>
+            <p:cNvPr id="50" name="Rounded Rectangle 49"/>
+            <p:cNvSpPr/>
+            <p:nvPr/>
+          </p:nvSpPr>
+          <p:spPr>
+            <a:xfrm>
+              <a:off x="4572000" y="2184821"/>
+              <a:ext cx="2514600" cy="85725"/>
+            </a:xfrm>
+            <a:prstGeom prst="roundRect">
+              <a:avLst/>
+            </a:prstGeom>
+            <a:pattFill prst="wdUpDiag">
+              <a:fgClr>
+                <a:srgbClr val="00B050"/>
+              </a:fgClr>
+              <a:bgClr>
+                <a:schemeClr val="accent3">
+                  <a:lumMod val="40000"/>
+                  <a:lumOff val="60000"/>
+                </a:schemeClr>
+              </a:bgClr>
+            </a:pattFill>
+            <a:ln>
+              <a:noFill/>
+            </a:ln>
+          </p:spPr>
+          <p:style>
+            <a:lnRef idx="2">
+              <a:schemeClr val="accent1">
+                <a:shade val="50000"/>
+              </a:schemeClr>
+            </a:lnRef>
+            <a:fillRef idx="1">
+              <a:schemeClr val="accent1"/>
+            </a:fillRef>
+            <a:effectRef idx="0">
+              <a:schemeClr val="accent1"/>
+            </a:effectRef>
+            <a:fontRef idx="minor">
+              <a:schemeClr val="lt1"/>
+            </a:fontRef>
+          </p:style>
+          <p:txBody>
+            <a:bodyPr rtlCol="0" anchor="ctr"/>
+            <a:lstStyle/>
+            <a:p>
+              <a:pPr algn="ctr"/>
+              <a:endParaRPr lang="en-US"/>
+            </a:p>
+          </p:txBody>
+        </p:sp>
+      </p:grpSp>
+      <p:grpSp>
+        <p:nvGrpSpPr>
+          <p:cNvPr id="51" name="Group 50"/>
+          <p:cNvGrpSpPr/>
+          <p:nvPr/>
+        </p:nvGrpSpPr>
+        <p:grpSpPr>
+          <a:xfrm>
+            <a:off x="922020" y="1590918"/>
+            <a:ext cx="2514600" cy="95250"/>
+            <a:chOff x="4572000" y="2176820"/>
+            <a:chExt cx="2514600" cy="95250"/>
+          </a:xfrm>
+        </p:grpSpPr>
+        <p:sp>
+          <p:nvSpPr>
+            <p:cNvPr id="52" name="Rounded Rectangle 51"/>
+            <p:cNvSpPr/>
+            <p:nvPr/>
+          </p:nvSpPr>
+          <p:spPr>
+            <a:xfrm>
+              <a:off x="4572000" y="2176820"/>
+              <a:ext cx="2514600" cy="95250"/>
+            </a:xfrm>
+            <a:prstGeom prst="roundRect">
+              <a:avLst/>
+            </a:prstGeom>
+            <a:solidFill>
+              <a:schemeClr val="tx1"/>
+            </a:solidFill>
+            <a:ln>
+              <a:solidFill>
+                <a:schemeClr val="tx1"/>
+              </a:solidFill>
+            </a:ln>
+          </p:spPr>
+          <p:style>
+            <a:lnRef idx="2">
+              <a:schemeClr val="accent1">
+                <a:shade val="50000"/>
+              </a:schemeClr>
+            </a:lnRef>
+            <a:fillRef idx="1">
+              <a:schemeClr val="accent1"/>
+            </a:fillRef>
+            <a:effectRef idx="0">
+              <a:schemeClr val="accent1"/>
+            </a:effectRef>
+            <a:fontRef idx="minor">
+              <a:schemeClr val="lt1"/>
+            </a:fontRef>
+          </p:style>
+          <p:txBody>
+            <a:bodyPr rtlCol="0" anchor="ctr"/>
+            <a:lstStyle/>
+            <a:p>
+              <a:pPr algn="ctr"/>
+              <a:endParaRPr lang="en-US"/>
+            </a:p>
+          </p:txBody>
+        </p:sp>
+        <p:sp>
+          <p:nvSpPr>
+            <p:cNvPr id="53" name="Rounded Rectangle 52"/>
+            <p:cNvSpPr/>
+            <p:nvPr/>
+          </p:nvSpPr>
+          <p:spPr>
+            <a:xfrm>
+              <a:off x="4572000" y="2184821"/>
+              <a:ext cx="2514600" cy="85725"/>
+            </a:xfrm>
+            <a:prstGeom prst="roundRect">
+              <a:avLst/>
+            </a:prstGeom>
+            <a:pattFill prst="wdUpDiag">
+              <a:fgClr>
+                <a:srgbClr val="00B050"/>
+              </a:fgClr>
+              <a:bgClr>
+                <a:schemeClr val="accent3">
+                  <a:lumMod val="40000"/>
+                  <a:lumOff val="60000"/>
+                </a:schemeClr>
+              </a:bgClr>
+            </a:pattFill>
+            <a:ln>
+              <a:noFill/>
+            </a:ln>
+          </p:spPr>
+          <p:style>
+            <a:lnRef idx="2">
+              <a:schemeClr val="accent1">
+                <a:shade val="50000"/>
+              </a:schemeClr>
+            </a:lnRef>
+            <a:fillRef idx="1">
+              <a:schemeClr val="accent1"/>
+            </a:fillRef>
+            <a:effectRef idx="0">
+              <a:schemeClr val="accent1"/>
+            </a:effectRef>
+            <a:fontRef idx="minor">
+              <a:schemeClr val="lt1"/>
+            </a:fontRef>
+          </p:style>
+          <p:txBody>
+            <a:bodyPr rtlCol="0" anchor="ctr"/>
+            <a:lstStyle/>
+            <a:p>
+              <a:pPr algn="ctr"/>
+              <a:endParaRPr lang="en-US"/>
+            </a:p>
+          </p:txBody>
+        </p:sp>
+      </p:grpSp>
+      <p:grpSp>
+        <p:nvGrpSpPr>
+          <p:cNvPr id="54" name="Group 53"/>
+          <p:cNvGrpSpPr/>
+          <p:nvPr/>
+        </p:nvGrpSpPr>
+        <p:grpSpPr>
+          <a:xfrm>
+            <a:off x="952500" y="1949145"/>
+            <a:ext cx="2514600" cy="95250"/>
+            <a:chOff x="4572000" y="2176820"/>
+            <a:chExt cx="2514600" cy="95250"/>
+          </a:xfrm>
+        </p:grpSpPr>
+        <p:sp>
+          <p:nvSpPr>
+            <p:cNvPr id="55" name="Rounded Rectangle 54"/>
+            <p:cNvSpPr/>
+            <p:nvPr/>
+          </p:nvSpPr>
+          <p:spPr>
+            <a:xfrm>
+              <a:off x="4572000" y="2176820"/>
+              <a:ext cx="2514600" cy="95250"/>
+            </a:xfrm>
+            <a:prstGeom prst="roundRect">
+              <a:avLst/>
+            </a:prstGeom>
+            <a:solidFill>
+              <a:schemeClr val="tx1"/>
+            </a:solidFill>
+            <a:ln>
+              <a:solidFill>
+                <a:schemeClr val="tx1"/>
+              </a:solidFill>
+            </a:ln>
+          </p:spPr>
+          <p:style>
+            <a:lnRef idx="2">
+              <a:schemeClr val="accent1">
+                <a:shade val="50000"/>
+              </a:schemeClr>
+            </a:lnRef>
+            <a:fillRef idx="1">
+              <a:schemeClr val="accent1"/>
+            </a:fillRef>
+            <a:effectRef idx="0">
+              <a:schemeClr val="accent1"/>
+            </a:effectRef>
+            <a:fontRef idx="minor">
+              <a:schemeClr val="lt1"/>
+            </a:fontRef>
+          </p:style>
+          <p:txBody>
+            <a:bodyPr rtlCol="0" anchor="ctr"/>
+            <a:lstStyle/>
+            <a:p>
+              <a:pPr algn="ctr"/>
+              <a:endParaRPr lang="en-US"/>
+            </a:p>
+          </p:txBody>
+        </p:sp>
+        <p:sp>
+          <p:nvSpPr>
+            <p:cNvPr id="56" name="Rounded Rectangle 55"/>
+            <p:cNvSpPr/>
+            <p:nvPr/>
+          </p:nvSpPr>
+          <p:spPr>
+            <a:xfrm>
+              <a:off x="4572000" y="2184821"/>
+              <a:ext cx="2514600" cy="85725"/>
+            </a:xfrm>
+            <a:prstGeom prst="roundRect">
+              <a:avLst/>
+            </a:prstGeom>
+            <a:pattFill prst="wdUpDiag">
+              <a:fgClr>
+                <a:srgbClr val="00B050"/>
+              </a:fgClr>
+              <a:bgClr>
+                <a:schemeClr val="accent3">
+                  <a:lumMod val="40000"/>
+                  <a:lumOff val="60000"/>
+                </a:schemeClr>
+              </a:bgClr>
+            </a:pattFill>
+            <a:ln>
+              <a:noFill/>
+            </a:ln>
+          </p:spPr>
+          <p:style>
+            <a:lnRef idx="2">
+              <a:schemeClr val="accent1">
+                <a:shade val="50000"/>
+              </a:schemeClr>
+            </a:lnRef>
+            <a:fillRef idx="1">
+              <a:schemeClr val="accent1"/>
+            </a:fillRef>
+            <a:effectRef idx="0">
+              <a:schemeClr val="accent1"/>
+            </a:effectRef>
+            <a:fontRef idx="minor">
+              <a:schemeClr val="lt1"/>
+            </a:fontRef>
+          </p:style>
+          <p:txBody>
+            <a:bodyPr rtlCol="0" anchor="ctr"/>
+            <a:lstStyle/>
+            <a:p>
+              <a:pPr algn="ctr"/>
+              <a:endParaRPr lang="en-US"/>
+            </a:p>
+          </p:txBody>
+        </p:sp>
+      </p:grpSp>
+      <p:grpSp>
+        <p:nvGrpSpPr>
+          <p:cNvPr id="57" name="Group 56"/>
+          <p:cNvGrpSpPr/>
+          <p:nvPr/>
+        </p:nvGrpSpPr>
+        <p:grpSpPr>
+          <a:xfrm>
+            <a:off x="922020" y="2279983"/>
+            <a:ext cx="2514600" cy="95250"/>
+            <a:chOff x="4572000" y="2176820"/>
+            <a:chExt cx="2514600" cy="95250"/>
+          </a:xfrm>
+        </p:grpSpPr>
+        <p:sp>
+          <p:nvSpPr>
+            <p:cNvPr id="58" name="Rounded Rectangle 57"/>
+            <p:cNvSpPr/>
+            <p:nvPr/>
+          </p:nvSpPr>
+          <p:spPr>
+            <a:xfrm>
+              <a:off x="4572000" y="2176820"/>
+              <a:ext cx="2514600" cy="95250"/>
+            </a:xfrm>
+            <a:prstGeom prst="roundRect">
+              <a:avLst/>
+            </a:prstGeom>
+            <a:solidFill>
+              <a:schemeClr val="tx1"/>
+            </a:solidFill>
+            <a:ln>
+              <a:solidFill>
+                <a:schemeClr val="tx1"/>
+              </a:solidFill>
+            </a:ln>
+          </p:spPr>
+          <p:style>
+            <a:lnRef idx="2">
+              <a:schemeClr val="accent1">
+                <a:shade val="50000"/>
+              </a:schemeClr>
+            </a:lnRef>
+            <a:fillRef idx="1">
+              <a:schemeClr val="accent1"/>
+            </a:fillRef>
+            <a:effectRef idx="0">
+              <a:schemeClr val="accent1"/>
+            </a:effectRef>
+            <a:fontRef idx="minor">
+              <a:schemeClr val="lt1"/>
+            </a:fontRef>
+          </p:style>
+          <p:txBody>
+            <a:bodyPr rtlCol="0" anchor="ctr"/>
+            <a:lstStyle/>
+            <a:p>
+              <a:pPr algn="ctr"/>
+              <a:endParaRPr lang="en-US"/>
+            </a:p>
+          </p:txBody>
+        </p:sp>
+        <p:sp>
+          <p:nvSpPr>
+            <p:cNvPr id="59" name="Rounded Rectangle 58"/>
+            <p:cNvSpPr/>
+            <p:nvPr/>
+          </p:nvSpPr>
+          <p:spPr>
+            <a:xfrm>
+              <a:off x="4572000" y="2184821"/>
+              <a:ext cx="2514600" cy="85725"/>
+            </a:xfrm>
+            <a:prstGeom prst="roundRect">
+              <a:avLst/>
+            </a:prstGeom>
+            <a:pattFill prst="wdUpDiag">
+              <a:fgClr>
+                <a:srgbClr val="00B050"/>
+              </a:fgClr>
+              <a:bgClr>
+                <a:schemeClr val="accent3">
+                  <a:lumMod val="40000"/>
+                  <a:lumOff val="60000"/>
+                </a:schemeClr>
+              </a:bgClr>
+            </a:pattFill>
+            <a:ln>
+              <a:noFill/>
+            </a:ln>
+          </p:spPr>
+          <p:style>
+            <a:lnRef idx="2">
+              <a:schemeClr val="accent1">
+                <a:shade val="50000"/>
+              </a:schemeClr>
+            </a:lnRef>
+            <a:fillRef idx="1">
+              <a:schemeClr val="accent1"/>
+            </a:fillRef>
+            <a:effectRef idx="0">
+              <a:schemeClr val="accent1"/>
+            </a:effectRef>
+            <a:fontRef idx="minor">
+              <a:schemeClr val="lt1"/>
+            </a:fontRef>
+          </p:style>
+          <p:txBody>
+            <a:bodyPr rtlCol="0" anchor="ctr"/>
+            <a:lstStyle/>
+            <a:p>
+              <a:pPr algn="ctr"/>
+              <a:endParaRPr lang="en-US"/>
+            </a:p>
+          </p:txBody>
+        </p:sp>
+      </p:grpSp>
+      <p:grpSp>
+        <p:nvGrpSpPr>
+          <p:cNvPr id="60" name="Group 59"/>
+          <p:cNvGrpSpPr/>
+          <p:nvPr/>
+        </p:nvGrpSpPr>
+        <p:grpSpPr>
+          <a:xfrm>
+            <a:off x="975360" y="2620911"/>
+            <a:ext cx="2514600" cy="95250"/>
+            <a:chOff x="4572000" y="2176820"/>
+            <a:chExt cx="2514600" cy="95250"/>
+          </a:xfrm>
+        </p:grpSpPr>
+        <p:sp>
+          <p:nvSpPr>
+            <p:cNvPr id="61" name="Rounded Rectangle 60"/>
+            <p:cNvSpPr/>
+            <p:nvPr/>
+          </p:nvSpPr>
+          <p:spPr>
+            <a:xfrm>
+              <a:off x="4572000" y="2176820"/>
+              <a:ext cx="2514600" cy="95250"/>
+            </a:xfrm>
+            <a:prstGeom prst="roundRect">
+              <a:avLst/>
+            </a:prstGeom>
+            <a:solidFill>
+              <a:schemeClr val="tx1"/>
+            </a:solidFill>
+            <a:ln>
+              <a:solidFill>
+                <a:schemeClr val="tx1"/>
+              </a:solidFill>
+            </a:ln>
+          </p:spPr>
+          <p:style>
+            <a:lnRef idx="2">
+              <a:schemeClr val="accent1">
+                <a:shade val="50000"/>
+              </a:schemeClr>
+            </a:lnRef>
+            <a:fillRef idx="1">
+              <a:schemeClr val="accent1"/>
+            </a:fillRef>
+            <a:effectRef idx="0">
+              <a:schemeClr val="accent1"/>
+            </a:effectRef>
+            <a:fontRef idx="minor">
+              <a:schemeClr val="lt1"/>
+            </a:fontRef>
+          </p:style>
+          <p:txBody>
+            <a:bodyPr rtlCol="0" anchor="ctr"/>
+            <a:lstStyle/>
+            <a:p>
+              <a:pPr algn="ctr"/>
+              <a:endParaRPr lang="en-US"/>
+            </a:p>
+          </p:txBody>
+        </p:sp>
+        <p:sp>
+          <p:nvSpPr>
+            <p:cNvPr id="62" name="Rounded Rectangle 61"/>
+            <p:cNvSpPr/>
+            <p:nvPr/>
+          </p:nvSpPr>
+          <p:spPr>
+            <a:xfrm>
+              <a:off x="4572000" y="2184821"/>
+              <a:ext cx="2514600" cy="85725"/>
+            </a:xfrm>
+            <a:prstGeom prst="roundRect">
+              <a:avLst/>
+            </a:prstGeom>
+            <a:pattFill prst="wdUpDiag">
+              <a:fgClr>
+                <a:srgbClr val="00B050"/>
+              </a:fgClr>
+              <a:bgClr>
+                <a:schemeClr val="accent3">
+                  <a:lumMod val="40000"/>
+                  <a:lumOff val="60000"/>
+                </a:schemeClr>
+              </a:bgClr>
+            </a:pattFill>
+            <a:ln>
+              <a:noFill/>
+            </a:ln>
+          </p:spPr>
+          <p:style>
+            <a:lnRef idx="2">
+              <a:schemeClr val="accent1">
+                <a:shade val="50000"/>
+              </a:schemeClr>
+            </a:lnRef>
+            <a:fillRef idx="1">
+              <a:schemeClr val="accent1"/>
+            </a:fillRef>
+            <a:effectRef idx="0">
+              <a:schemeClr val="accent1"/>
+            </a:effectRef>
+            <a:fontRef idx="minor">
+              <a:schemeClr val="lt1"/>
+            </a:fontRef>
+          </p:style>
+          <p:txBody>
+            <a:bodyPr rtlCol="0" anchor="ctr"/>
+            <a:lstStyle/>
+            <a:p>
+              <a:pPr algn="ctr"/>
+              <a:endParaRPr lang="en-US"/>
+            </a:p>
+          </p:txBody>
+        </p:sp>
+      </p:grpSp>
+      <p:grpSp>
+        <p:nvGrpSpPr>
+          <p:cNvPr id="63" name="Group 62"/>
+          <p:cNvGrpSpPr/>
+          <p:nvPr/>
+        </p:nvGrpSpPr>
+        <p:grpSpPr>
+          <a:xfrm>
+            <a:off x="952500" y="2921423"/>
+            <a:ext cx="2514600" cy="95250"/>
+            <a:chOff x="4572000" y="2176820"/>
+            <a:chExt cx="2514600" cy="95250"/>
+          </a:xfrm>
+        </p:grpSpPr>
+        <p:sp>
+          <p:nvSpPr>
+            <p:cNvPr id="64" name="Rounded Rectangle 63"/>
+            <p:cNvSpPr/>
+            <p:nvPr/>
+          </p:nvSpPr>
+          <p:spPr>
+            <a:xfrm>
+              <a:off x="4572000" y="2176820"/>
+              <a:ext cx="2514600" cy="95250"/>
+            </a:xfrm>
+            <a:prstGeom prst="roundRect">
+              <a:avLst/>
+            </a:prstGeom>
+            <a:solidFill>
+              <a:schemeClr val="tx1"/>
+            </a:solidFill>
+            <a:ln>
+              <a:solidFill>
+                <a:schemeClr val="tx1"/>
+              </a:solidFill>
+            </a:ln>
+          </p:spPr>
+          <p:style>
+            <a:lnRef idx="2">
+              <a:schemeClr val="accent1">
+                <a:shade val="50000"/>
+              </a:schemeClr>
+            </a:lnRef>
+            <a:fillRef idx="1">
+              <a:schemeClr val="accent1"/>
+            </a:fillRef>
+            <a:effectRef idx="0">
+              <a:schemeClr val="accent1"/>
+            </a:effectRef>
+            <a:fontRef idx="minor">
+              <a:schemeClr val="lt1"/>
+            </a:fontRef>
+          </p:style>
+          <p:txBody>
+            <a:bodyPr rtlCol="0" anchor="ctr"/>
+            <a:lstStyle/>
+            <a:p>
+              <a:pPr algn="ctr"/>
+              <a:endParaRPr lang="en-US"/>
+            </a:p>
+          </p:txBody>
+        </p:sp>
+        <p:sp>
+          <p:nvSpPr>
+            <p:cNvPr id="65" name="Rounded Rectangle 64"/>
+            <p:cNvSpPr/>
+            <p:nvPr/>
+          </p:nvSpPr>
+          <p:spPr>
+            <a:xfrm>
+              <a:off x="4572000" y="2184821"/>
+              <a:ext cx="2514600" cy="85725"/>
+            </a:xfrm>
+            <a:prstGeom prst="roundRect">
+              <a:avLst/>
+            </a:prstGeom>
+            <a:pattFill prst="wdUpDiag">
+              <a:fgClr>
+                <a:srgbClr val="00B050"/>
+              </a:fgClr>
+              <a:bgClr>
+                <a:schemeClr val="accent3">
+                  <a:lumMod val="40000"/>
+                  <a:lumOff val="60000"/>
+                </a:schemeClr>
+              </a:bgClr>
+            </a:pattFill>
+            <a:ln>
+              <a:noFill/>
+            </a:ln>
+          </p:spPr>
+          <p:style>
+            <a:lnRef idx="2">
+              <a:schemeClr val="accent1">
+                <a:shade val="50000"/>
+              </a:schemeClr>
+            </a:lnRef>
+            <a:fillRef idx="1">
+              <a:schemeClr val="accent1"/>
+            </a:fillRef>
+            <a:effectRef idx="0">
+              <a:schemeClr val="accent1"/>
+            </a:effectRef>
+            <a:fontRef idx="minor">
+              <a:schemeClr val="lt1"/>
+            </a:fontRef>
+          </p:style>
+          <p:txBody>
+            <a:bodyPr rtlCol="0" anchor="ctr"/>
+            <a:lstStyle/>
+            <a:p>
+              <a:pPr algn="ctr"/>
+              <a:endParaRPr lang="en-US"/>
+            </a:p>
+          </p:txBody>
+        </p:sp>
+      </p:grpSp>
+      <p:grpSp>
+        <p:nvGrpSpPr>
+          <p:cNvPr id="66" name="Group 65"/>
+          <p:cNvGrpSpPr/>
+          <p:nvPr/>
+        </p:nvGrpSpPr>
+        <p:grpSpPr>
+          <a:xfrm>
+            <a:off x="952500" y="3220358"/>
+            <a:ext cx="2514600" cy="95250"/>
+            <a:chOff x="4572000" y="2176820"/>
+            <a:chExt cx="2514600" cy="95250"/>
+          </a:xfrm>
+        </p:grpSpPr>
+        <p:sp>
+          <p:nvSpPr>
+            <p:cNvPr id="67" name="Rounded Rectangle 66"/>
+            <p:cNvSpPr/>
+            <p:nvPr/>
+          </p:nvSpPr>
+          <p:spPr>
+            <a:xfrm>
+              <a:off x="4572000" y="2176820"/>
+              <a:ext cx="2514600" cy="95250"/>
+            </a:xfrm>
+            <a:prstGeom prst="roundRect">
+              <a:avLst/>
+            </a:prstGeom>
+            <a:solidFill>
+              <a:schemeClr val="tx1"/>
+            </a:solidFill>
+            <a:ln>
+              <a:solidFill>
+                <a:schemeClr val="tx1"/>
+              </a:solidFill>
+            </a:ln>
+          </p:spPr>
+          <p:style>
+            <a:lnRef idx="2">
+              <a:schemeClr val="accent1">
+                <a:shade val="50000"/>
+              </a:schemeClr>
+            </a:lnRef>
+            <a:fillRef idx="1">
+              <a:schemeClr val="accent1"/>
+            </a:fillRef>
+            <a:effectRef idx="0">
+              <a:schemeClr val="accent1"/>
+            </a:effectRef>
+            <a:fontRef idx="minor">
+              <a:schemeClr val="lt1"/>
+            </a:fontRef>
+          </p:style>
+          <p:txBody>
+            <a:bodyPr rtlCol="0" anchor="ctr"/>
+            <a:lstStyle/>
+            <a:p>
+              <a:pPr algn="ctr"/>
+              <a:endParaRPr lang="en-US"/>
+            </a:p>
+          </p:txBody>
+        </p:sp>
+        <p:sp>
+          <p:nvSpPr>
+            <p:cNvPr id="68" name="Rounded Rectangle 67"/>
+            <p:cNvSpPr/>
+            <p:nvPr/>
+          </p:nvSpPr>
+          <p:spPr>
+            <a:xfrm>
+              <a:off x="4572000" y="2184821"/>
+              <a:ext cx="2514600" cy="85725"/>
+            </a:xfrm>
+            <a:prstGeom prst="roundRect">
+              <a:avLst/>
+            </a:prstGeom>
+            <a:pattFill prst="wdUpDiag">
+              <a:fgClr>
+                <a:srgbClr val="00B050"/>
+              </a:fgClr>
+              <a:bgClr>
+                <a:schemeClr val="accent3">
+                  <a:lumMod val="40000"/>
+                  <a:lumOff val="60000"/>
+                </a:schemeClr>
+              </a:bgClr>
+            </a:pattFill>
+            <a:ln>
+              <a:noFill/>
+            </a:ln>
+          </p:spPr>
+          <p:style>
+            <a:lnRef idx="2">
+              <a:schemeClr val="accent1">
+                <a:shade val="50000"/>
+              </a:schemeClr>
+            </a:lnRef>
+            <a:fillRef idx="1">
+              <a:schemeClr val="accent1"/>
+            </a:fillRef>
+            <a:effectRef idx="0">
+              <a:schemeClr val="accent1"/>
+            </a:effectRef>
+            <a:fontRef idx="minor">
+              <a:schemeClr val="lt1"/>
+            </a:fontRef>
+          </p:style>
+          <p:txBody>
+            <a:bodyPr rtlCol="0" anchor="ctr"/>
+            <a:lstStyle/>
+            <a:p>
+              <a:pPr algn="ctr"/>
+              <a:endParaRPr lang="en-US"/>
+            </a:p>
+          </p:txBody>
+        </p:sp>
+      </p:grpSp>
+      <p:grpSp>
+        <p:nvGrpSpPr>
+          <p:cNvPr id="69" name="Group 68"/>
+          <p:cNvGrpSpPr/>
+          <p:nvPr/>
+        </p:nvGrpSpPr>
+        <p:grpSpPr>
+          <a:xfrm>
+            <a:off x="975360" y="3602691"/>
+            <a:ext cx="2514600" cy="95250"/>
+            <a:chOff x="4572000" y="2176820"/>
+            <a:chExt cx="2514600" cy="95250"/>
+          </a:xfrm>
+        </p:grpSpPr>
+        <p:sp>
+          <p:nvSpPr>
+            <p:cNvPr id="70" name="Rounded Rectangle 69"/>
+            <p:cNvSpPr/>
+            <p:nvPr/>
+          </p:nvSpPr>
+          <p:spPr>
+            <a:xfrm>
+              <a:off x="4572000" y="2176820"/>
+              <a:ext cx="2514600" cy="95250"/>
+            </a:xfrm>
+            <a:prstGeom prst="roundRect">
+              <a:avLst/>
+            </a:prstGeom>
+            <a:solidFill>
+              <a:schemeClr val="tx1"/>
+            </a:solidFill>
+            <a:ln>
+              <a:solidFill>
+                <a:schemeClr val="tx1"/>
+              </a:solidFill>
+            </a:ln>
+          </p:spPr>
+          <p:style>
+            <a:lnRef idx="2">
+              <a:schemeClr val="accent1">
+                <a:shade val="50000"/>
+              </a:schemeClr>
+            </a:lnRef>
+            <a:fillRef idx="1">
+              <a:schemeClr val="accent1"/>
+            </a:fillRef>
+            <a:effectRef idx="0">
+              <a:schemeClr val="accent1"/>
+            </a:effectRef>
+            <a:fontRef idx="minor">
+              <a:schemeClr val="lt1"/>
+            </a:fontRef>
+          </p:style>
+          <p:txBody>
+            <a:bodyPr rtlCol="0" anchor="ctr"/>
+            <a:lstStyle/>
+            <a:p>
+              <a:pPr algn="ctr"/>
+              <a:endParaRPr lang="en-US"/>
+            </a:p>
+          </p:txBody>
+        </p:sp>
+        <p:sp>
+          <p:nvSpPr>
+            <p:cNvPr id="71" name="Rounded Rectangle 70"/>
+            <p:cNvSpPr/>
+            <p:nvPr/>
+          </p:nvSpPr>
+          <p:spPr>
+            <a:xfrm>
+              <a:off x="4572000" y="2184821"/>
+              <a:ext cx="2514600" cy="85725"/>
+            </a:xfrm>
+            <a:prstGeom prst="roundRect">
+              <a:avLst/>
+            </a:prstGeom>
+            <a:pattFill prst="wdUpDiag">
+              <a:fgClr>
+                <a:srgbClr val="00B050"/>
+              </a:fgClr>
+              <a:bgClr>
+                <a:schemeClr val="accent3">
+                  <a:lumMod val="40000"/>
+                  <a:lumOff val="60000"/>
+                </a:schemeClr>
+              </a:bgClr>
+            </a:pattFill>
+            <a:ln>
+              <a:noFill/>
+            </a:ln>
+          </p:spPr>
+          <p:style>
+            <a:lnRef idx="2">
+              <a:schemeClr val="accent1">
+                <a:shade val="50000"/>
+              </a:schemeClr>
+            </a:lnRef>
+            <a:fillRef idx="1">
+              <a:schemeClr val="accent1"/>
+            </a:fillRef>
+            <a:effectRef idx="0">
+              <a:schemeClr val="accent1"/>
+            </a:effectRef>
+            <a:fontRef idx="minor">
+              <a:schemeClr val="lt1"/>
+            </a:fontRef>
+          </p:style>
+          <p:txBody>
+            <a:bodyPr rtlCol="0" anchor="ctr"/>
+            <a:lstStyle/>
+            <a:p>
+              <a:pPr algn="ctr"/>
+              <a:endParaRPr lang="en-US"/>
+            </a:p>
+          </p:txBody>
+        </p:sp>
+      </p:grpSp>
+      <p:grpSp>
+        <p:nvGrpSpPr>
+          <p:cNvPr id="72" name="Group 71"/>
+          <p:cNvGrpSpPr/>
+          <p:nvPr/>
+        </p:nvGrpSpPr>
+        <p:grpSpPr>
+          <a:xfrm>
+            <a:off x="967740" y="3883581"/>
+            <a:ext cx="2514600" cy="95250"/>
+            <a:chOff x="4572000" y="2176820"/>
+            <a:chExt cx="2514600" cy="95250"/>
+          </a:xfrm>
+        </p:grpSpPr>
+        <p:sp>
+          <p:nvSpPr>
+            <p:cNvPr id="73" name="Rounded Rectangle 72"/>
+            <p:cNvSpPr/>
+            <p:nvPr/>
+          </p:nvSpPr>
+          <p:spPr>
+            <a:xfrm>
+              <a:off x="4572000" y="2176820"/>
+              <a:ext cx="2514600" cy="95250"/>
+            </a:xfrm>
+            <a:prstGeom prst="roundRect">
+              <a:avLst/>
+            </a:prstGeom>
+            <a:solidFill>
+              <a:schemeClr val="tx1"/>
+            </a:solidFill>
+            <a:ln>
+              <a:solidFill>
+                <a:schemeClr val="tx1"/>
+              </a:solidFill>
+            </a:ln>
+          </p:spPr>
+          <p:style>
+            <a:lnRef idx="2">
+              <a:schemeClr val="accent1">
+                <a:shade val="50000"/>
+              </a:schemeClr>
+            </a:lnRef>
+            <a:fillRef idx="1">
+              <a:schemeClr val="accent1"/>
+            </a:fillRef>
+            <a:effectRef idx="0">
+              <a:schemeClr val="accent1"/>
+            </a:effectRef>
+            <a:fontRef idx="minor">
+              <a:schemeClr val="lt1"/>
+            </a:fontRef>
+          </p:style>
+          <p:txBody>
+            <a:bodyPr rtlCol="0" anchor="ctr"/>
+            <a:lstStyle/>
+            <a:p>
+              <a:pPr algn="ctr"/>
+              <a:endParaRPr lang="en-US"/>
+            </a:p>
+          </p:txBody>
+        </p:sp>
+        <p:sp>
+          <p:nvSpPr>
+            <p:cNvPr id="74" name="Rounded Rectangle 73"/>
+            <p:cNvSpPr/>
+            <p:nvPr/>
+          </p:nvSpPr>
+          <p:spPr>
+            <a:xfrm>
+              <a:off x="4572000" y="2184821"/>
+              <a:ext cx="2514600" cy="85725"/>
+            </a:xfrm>
+            <a:prstGeom prst="roundRect">
+              <a:avLst/>
+            </a:prstGeom>
+            <a:pattFill prst="wdUpDiag">
+              <a:fgClr>
+                <a:srgbClr val="00B050"/>
+              </a:fgClr>
+              <a:bgClr>
+                <a:schemeClr val="accent3">
+                  <a:lumMod val="40000"/>
+                  <a:lumOff val="60000"/>
+                </a:schemeClr>
+              </a:bgClr>
+            </a:pattFill>
+            <a:ln>
+              <a:noFill/>
+            </a:ln>
+          </p:spPr>
+          <p:style>
+            <a:lnRef idx="2">
+              <a:schemeClr val="accent1">
+                <a:shade val="50000"/>
+              </a:schemeClr>
+            </a:lnRef>
+            <a:fillRef idx="1">
+              <a:schemeClr val="accent1"/>
+            </a:fillRef>
+            <a:effectRef idx="0">
+              <a:schemeClr val="accent1"/>
+            </a:effectRef>
+            <a:fontRef idx="minor">
+              <a:schemeClr val="lt1"/>
+            </a:fontRef>
+          </p:style>
+          <p:txBody>
+            <a:bodyPr rtlCol="0" anchor="ctr"/>
+            <a:lstStyle/>
+            <a:p>
+              <a:pPr algn="ctr"/>
+              <a:endParaRPr lang="en-US"/>
+            </a:p>
+          </p:txBody>
+        </p:sp>
+      </p:grpSp>
+      <p:sp>
+        <p:nvSpPr>
+          <p:cNvPr id="75" name="Rectangle 74"/>
+          <p:cNvSpPr/>
+          <p:nvPr/>
+        </p:nvSpPr>
+        <p:spPr>
+          <a:xfrm>
+            <a:off x="3755135" y="4086225"/>
+            <a:ext cx="360996" cy="215444"/>
+          </a:xfrm>
+          <a:prstGeom prst="rect">
+            <a:avLst/>
+          </a:prstGeom>
+        </p:spPr>
+        <p:txBody>
+          <a:bodyPr wrap="none">
+            <a:spAutoFit/>
+          </a:bodyPr>
+          <a:lstStyle/>
+          <a:p>
+            <a:r>
+              <a:rPr lang="en-US" sz="800" dirty="0" smtClean="0"/>
+              <a:t>50%</a:t>
+            </a:r>
+            <a:endParaRPr lang="en-US" sz="800" dirty="0"/>
+          </a:p>
+        </p:txBody>
+      </p:sp>
+      <p:sp>
+        <p:nvSpPr>
+          <p:cNvPr id="76" name="Rectangle 75"/>
+          <p:cNvSpPr/>
+          <p:nvPr/>
+        </p:nvSpPr>
+        <p:spPr>
+          <a:xfrm>
+            <a:off x="4557710" y="4018836"/>
+            <a:ext cx="239168" cy="215444"/>
+          </a:xfrm>
+          <a:prstGeom prst="rect">
+            <a:avLst/>
+          </a:prstGeom>
+        </p:spPr>
+        <p:txBody>
+          <a:bodyPr wrap="none">
+            <a:spAutoFit/>
+          </a:bodyPr>
+          <a:lstStyle/>
+          <a:p>
+            <a:r>
+              <a:rPr lang="en-US" sz="800" dirty="0" smtClean="0"/>
+              <a:t>C</a:t>
+            </a:r>
+            <a:endParaRPr lang="en-US" sz="800" dirty="0"/>
+          </a:p>
+        </p:txBody>
+      </p:sp>
+      <p:grpSp>
+        <p:nvGrpSpPr>
+          <p:cNvPr id="77" name="Group 76"/>
+          <p:cNvGrpSpPr/>
+          <p:nvPr/>
+        </p:nvGrpSpPr>
+        <p:grpSpPr>
+          <a:xfrm>
+            <a:off x="975360" y="4518541"/>
+            <a:ext cx="2515087" cy="95250"/>
+            <a:chOff x="4571513" y="1291709"/>
+            <a:chExt cx="2515087" cy="95250"/>
+          </a:xfrm>
+        </p:grpSpPr>
+        <p:sp>
+          <p:nvSpPr>
+            <p:cNvPr id="78" name="Rounded Rectangle 77"/>
+            <p:cNvSpPr/>
+            <p:nvPr/>
+          </p:nvSpPr>
+          <p:spPr>
+            <a:xfrm>
+              <a:off x="4572000" y="1291709"/>
+              <a:ext cx="2514600" cy="95250"/>
+            </a:xfrm>
+            <a:prstGeom prst="roundRect">
+              <a:avLst/>
+            </a:prstGeom>
+            <a:solidFill>
+              <a:schemeClr val="tx1"/>
+            </a:solidFill>
+            <a:ln>
+              <a:solidFill>
+                <a:schemeClr val="tx1"/>
+              </a:solidFill>
+            </a:ln>
+          </p:spPr>
+          <p:style>
+            <a:lnRef idx="2">
+              <a:schemeClr val="accent1">
+                <a:shade val="50000"/>
+              </a:schemeClr>
+            </a:lnRef>
+            <a:fillRef idx="1">
+              <a:schemeClr val="accent1"/>
+            </a:fillRef>
+            <a:effectRef idx="0">
+              <a:schemeClr val="accent1"/>
+            </a:effectRef>
+            <a:fontRef idx="minor">
+              <a:schemeClr val="lt1"/>
+            </a:fontRef>
+          </p:style>
+          <p:txBody>
+            <a:bodyPr rtlCol="0" anchor="ctr"/>
+            <a:lstStyle/>
+            <a:p>
+              <a:pPr algn="ctr"/>
+              <a:endParaRPr lang="en-US"/>
+            </a:p>
+          </p:txBody>
+        </p:sp>
+        <p:sp>
+          <p:nvSpPr>
+            <p:cNvPr id="79" name="Rounded Rectangle 78"/>
+            <p:cNvSpPr/>
+            <p:nvPr/>
+          </p:nvSpPr>
+          <p:spPr>
+            <a:xfrm>
+              <a:off x="4571513" y="1295400"/>
+              <a:ext cx="1261872" cy="85725"/>
+            </a:xfrm>
+            <a:prstGeom prst="roundRect">
+              <a:avLst/>
+            </a:prstGeom>
+            <a:pattFill prst="wdUpDiag">
+              <a:fgClr>
+                <a:srgbClr val="FFC000"/>
+              </a:fgClr>
+              <a:bgClr>
+                <a:srgbClr val="FFFF00"/>
+              </a:bgClr>
+            </a:pattFill>
+            <a:ln>
+              <a:noFill/>
+            </a:ln>
+          </p:spPr>
+          <p:style>
+            <a:lnRef idx="2">
+              <a:schemeClr val="accent1">
+                <a:shade val="50000"/>
+              </a:schemeClr>
+            </a:lnRef>
+            <a:fillRef idx="1">
+              <a:schemeClr val="accent1"/>
+            </a:fillRef>
+            <a:effectRef idx="0">
+              <a:schemeClr val="accent1"/>
+            </a:effectRef>
+            <a:fontRef idx="minor">
+              <a:schemeClr val="lt1"/>
+            </a:fontRef>
+          </p:style>
+          <p:txBody>
+            <a:bodyPr rtlCol="0" anchor="ctr"/>
+            <a:lstStyle/>
+            <a:p>
+              <a:pPr algn="ctr"/>
+              <a:endParaRPr lang="en-US"/>
+            </a:p>
+          </p:txBody>
+        </p:sp>
+      </p:grpSp>
+      <p:sp>
+        <p:nvSpPr>
+          <p:cNvPr id="80" name="Rectangle 79"/>
+          <p:cNvSpPr/>
+          <p:nvPr/>
+        </p:nvSpPr>
+        <p:spPr>
+          <a:xfrm>
+            <a:off x="3796776" y="4337566"/>
+            <a:ext cx="360996" cy="215444"/>
+          </a:xfrm>
+          <a:prstGeom prst="rect">
+            <a:avLst/>
+          </a:prstGeom>
+        </p:spPr>
+        <p:txBody>
+          <a:bodyPr wrap="none">
+            <a:spAutoFit/>
+          </a:bodyPr>
+          <a:lstStyle/>
+          <a:p>
+            <a:r>
+              <a:rPr lang="en-US" sz="800" dirty="0" smtClean="0"/>
+              <a:t>50%</a:t>
+            </a:r>
+            <a:endParaRPr lang="en-US" sz="800" dirty="0"/>
+          </a:p>
+        </p:txBody>
+      </p:sp>
+      <p:sp>
+        <p:nvSpPr>
+          <p:cNvPr id="81" name="Rectangle 80"/>
+          <p:cNvSpPr/>
+          <p:nvPr/>
+        </p:nvSpPr>
+        <p:spPr>
+          <a:xfrm>
+            <a:off x="4629625" y="4270534"/>
+            <a:ext cx="429926" cy="215444"/>
+          </a:xfrm>
+          <a:prstGeom prst="rect">
+            <a:avLst/>
+          </a:prstGeom>
+        </p:spPr>
+        <p:txBody>
+          <a:bodyPr wrap="none">
+            <a:spAutoFit/>
+          </a:bodyPr>
+          <a:lstStyle/>
+          <a:p>
+            <a:r>
+              <a:rPr lang="en-US" sz="800" dirty="0" smtClean="0"/>
+              <a:t>HTML</a:t>
+            </a:r>
+            <a:endParaRPr lang="en-US" sz="800" dirty="0"/>
+          </a:p>
+        </p:txBody>
+      </p:sp>
+      <p:grpSp>
+        <p:nvGrpSpPr>
+          <p:cNvPr id="82" name="Group 81"/>
+          <p:cNvGrpSpPr/>
+          <p:nvPr/>
+        </p:nvGrpSpPr>
+        <p:grpSpPr>
+          <a:xfrm>
+            <a:off x="913913" y="4876800"/>
+            <a:ext cx="2515087" cy="95250"/>
+            <a:chOff x="4571513" y="1291709"/>
+            <a:chExt cx="2515087" cy="95250"/>
+          </a:xfrm>
+        </p:grpSpPr>
+        <p:sp>
+          <p:nvSpPr>
+            <p:cNvPr id="83" name="Rounded Rectangle 82"/>
+            <p:cNvSpPr/>
+            <p:nvPr/>
+          </p:nvSpPr>
+          <p:spPr>
+            <a:xfrm>
+              <a:off x="4572000" y="1291709"/>
+              <a:ext cx="2514600" cy="95250"/>
+            </a:xfrm>
+            <a:prstGeom prst="roundRect">
+              <a:avLst/>
+            </a:prstGeom>
+            <a:solidFill>
+              <a:schemeClr val="tx1"/>
+            </a:solidFill>
+            <a:ln>
+              <a:solidFill>
+                <a:schemeClr val="tx1"/>
+              </a:solidFill>
+            </a:ln>
+          </p:spPr>
+          <p:style>
+            <a:lnRef idx="2">
+              <a:schemeClr val="accent1">
+                <a:shade val="50000"/>
+              </a:schemeClr>
+            </a:lnRef>
+            <a:fillRef idx="1">
+              <a:schemeClr val="accent1"/>
+            </a:fillRef>
+            <a:effectRef idx="0">
+              <a:schemeClr val="accent1"/>
+            </a:effectRef>
+            <a:fontRef idx="minor">
+              <a:schemeClr val="lt1"/>
+            </a:fontRef>
+          </p:style>
+          <p:txBody>
+            <a:bodyPr rtlCol="0" anchor="ctr"/>
+            <a:lstStyle/>
+            <a:p>
+              <a:pPr algn="ctr"/>
+              <a:endParaRPr lang="en-US"/>
+            </a:p>
+          </p:txBody>
+        </p:sp>
+        <p:sp>
+          <p:nvSpPr>
+            <p:cNvPr id="84" name="Rounded Rectangle 83"/>
+            <p:cNvSpPr/>
+            <p:nvPr/>
+          </p:nvSpPr>
+          <p:spPr>
+            <a:xfrm>
+              <a:off x="4571513" y="1295400"/>
+              <a:ext cx="1261872" cy="85725"/>
+            </a:xfrm>
+            <a:prstGeom prst="roundRect">
+              <a:avLst/>
+            </a:prstGeom>
+            <a:pattFill prst="wdUpDiag">
+              <a:fgClr>
+                <a:srgbClr val="FFC000"/>
+              </a:fgClr>
+              <a:bgClr>
+                <a:srgbClr val="FFFF00"/>
+              </a:bgClr>
+            </a:pattFill>
+            <a:ln>
+              <a:noFill/>
+            </a:ln>
+          </p:spPr>
+          <p:style>
+            <a:lnRef idx="2">
+              <a:schemeClr val="accent1">
+                <a:shade val="50000"/>
+              </a:schemeClr>
+            </a:lnRef>
+            <a:fillRef idx="1">
+              <a:schemeClr val="accent1"/>
+            </a:fillRef>
+            <a:effectRef idx="0">
+              <a:schemeClr val="accent1"/>
+            </a:effectRef>
+            <a:fontRef idx="minor">
+              <a:schemeClr val="lt1"/>
+            </a:fontRef>
+          </p:style>
+          <p:txBody>
+            <a:bodyPr rtlCol="0" anchor="ctr"/>
+            <a:lstStyle/>
+            <a:p>
+              <a:pPr algn="ctr"/>
+              <a:endParaRPr lang="en-US"/>
+            </a:p>
+          </p:txBody>
+        </p:sp>
+      </p:grpSp>
+      <p:sp>
+        <p:nvSpPr>
+          <p:cNvPr id="85" name="Rectangle 84"/>
+          <p:cNvSpPr/>
+          <p:nvPr/>
+        </p:nvSpPr>
+        <p:spPr>
+          <a:xfrm>
+            <a:off x="3796776" y="4706898"/>
+            <a:ext cx="360996" cy="215444"/>
+          </a:xfrm>
+          <a:prstGeom prst="rect">
+            <a:avLst/>
+          </a:prstGeom>
+        </p:spPr>
+        <p:txBody>
+          <a:bodyPr wrap="none">
+            <a:spAutoFit/>
+          </a:bodyPr>
+          <a:lstStyle/>
+          <a:p>
+            <a:r>
+              <a:rPr lang="en-US" sz="800" dirty="0" smtClean="0"/>
+              <a:t>50%</a:t>
+            </a:r>
+            <a:endParaRPr lang="en-US" sz="800" dirty="0"/>
+          </a:p>
+        </p:txBody>
+      </p:sp>
+      <p:sp>
+        <p:nvSpPr>
+          <p:cNvPr id="86" name="Rectangle 85"/>
+          <p:cNvSpPr/>
+          <p:nvPr/>
+        </p:nvSpPr>
+        <p:spPr>
+          <a:xfrm>
+            <a:off x="4607190" y="4639866"/>
+            <a:ext cx="332142" cy="215444"/>
+          </a:xfrm>
+          <a:prstGeom prst="rect">
+            <a:avLst/>
+          </a:prstGeom>
+        </p:spPr>
+        <p:txBody>
+          <a:bodyPr wrap="none">
+            <a:spAutoFit/>
+          </a:bodyPr>
+          <a:lstStyle/>
+          <a:p>
+            <a:r>
+              <a:rPr lang="en-US" sz="800" dirty="0" smtClean="0"/>
+              <a:t>CSS</a:t>
+            </a:r>
+            <a:endParaRPr lang="en-US" sz="800" dirty="0"/>
+          </a:p>
+        </p:txBody>
+      </p:sp>
+      <p:grpSp>
+        <p:nvGrpSpPr>
+          <p:cNvPr id="87" name="Group 86"/>
+          <p:cNvGrpSpPr/>
+          <p:nvPr/>
+        </p:nvGrpSpPr>
+        <p:grpSpPr>
+          <a:xfrm>
+            <a:off x="990113" y="5257800"/>
+            <a:ext cx="2515087" cy="95250"/>
+            <a:chOff x="4571513" y="1291709"/>
+            <a:chExt cx="2515087" cy="95250"/>
+          </a:xfrm>
+        </p:grpSpPr>
+        <p:sp>
+          <p:nvSpPr>
+            <p:cNvPr id="88" name="Rounded Rectangle 87"/>
+            <p:cNvSpPr/>
+            <p:nvPr/>
+          </p:nvSpPr>
+          <p:spPr>
+            <a:xfrm>
+              <a:off x="4572000" y="1291709"/>
+              <a:ext cx="2514600" cy="95250"/>
+            </a:xfrm>
+            <a:prstGeom prst="roundRect">
+              <a:avLst/>
+            </a:prstGeom>
+            <a:solidFill>
+              <a:schemeClr val="tx1"/>
+            </a:solidFill>
+            <a:ln>
+              <a:solidFill>
+                <a:schemeClr val="tx1"/>
+              </a:solidFill>
+            </a:ln>
+          </p:spPr>
+          <p:style>
+            <a:lnRef idx="2">
+              <a:schemeClr val="accent1">
+                <a:shade val="50000"/>
+              </a:schemeClr>
+            </a:lnRef>
+            <a:fillRef idx="1">
+              <a:schemeClr val="accent1"/>
+            </a:fillRef>
+            <a:effectRef idx="0">
+              <a:schemeClr val="accent1"/>
+            </a:effectRef>
+            <a:fontRef idx="minor">
+              <a:schemeClr val="lt1"/>
+            </a:fontRef>
+          </p:style>
+          <p:txBody>
+            <a:bodyPr rtlCol="0" anchor="ctr"/>
+            <a:lstStyle/>
+            <a:p>
+              <a:pPr algn="ctr"/>
+              <a:endParaRPr lang="en-US"/>
+            </a:p>
+          </p:txBody>
+        </p:sp>
+        <p:sp>
+          <p:nvSpPr>
+            <p:cNvPr id="89" name="Rounded Rectangle 88"/>
+            <p:cNvSpPr/>
+            <p:nvPr/>
+          </p:nvSpPr>
+          <p:spPr>
+            <a:xfrm>
+              <a:off x="4571513" y="1295400"/>
+              <a:ext cx="1261872" cy="85725"/>
+            </a:xfrm>
+            <a:prstGeom prst="roundRect">
+              <a:avLst/>
+            </a:prstGeom>
+            <a:pattFill prst="wdUpDiag">
+              <a:fgClr>
+                <a:srgbClr val="FFC000"/>
+              </a:fgClr>
+              <a:bgClr>
+                <a:srgbClr val="FFFF00"/>
+              </a:bgClr>
+            </a:pattFill>
+            <a:ln>
+              <a:noFill/>
+            </a:ln>
+          </p:spPr>
+          <p:style>
+            <a:lnRef idx="2">
+              <a:schemeClr val="accent1">
+                <a:shade val="50000"/>
+              </a:schemeClr>
+            </a:lnRef>
+            <a:fillRef idx="1">
+              <a:schemeClr val="accent1"/>
+            </a:fillRef>
+            <a:effectRef idx="0">
+              <a:schemeClr val="accent1"/>
+            </a:effectRef>
+            <a:fontRef idx="minor">
+              <a:schemeClr val="lt1"/>
+            </a:fontRef>
+          </p:style>
+          <p:txBody>
+            <a:bodyPr rtlCol="0" anchor="ctr"/>
+            <a:lstStyle/>
+            <a:p>
+              <a:pPr algn="ctr"/>
+              <a:endParaRPr lang="en-US"/>
+            </a:p>
+          </p:txBody>
+        </p:sp>
+      </p:grpSp>
+      <p:sp>
+        <p:nvSpPr>
+          <p:cNvPr id="90" name="Rectangle 89"/>
+          <p:cNvSpPr/>
+          <p:nvPr/>
+        </p:nvSpPr>
+        <p:spPr>
+          <a:xfrm>
+            <a:off x="3949176" y="5037654"/>
+            <a:ext cx="360996" cy="215444"/>
+          </a:xfrm>
+          <a:prstGeom prst="rect">
+            <a:avLst/>
+          </a:prstGeom>
+        </p:spPr>
+        <p:txBody>
+          <a:bodyPr wrap="none">
+            <a:spAutoFit/>
+          </a:bodyPr>
+          <a:lstStyle/>
+          <a:p>
+            <a:r>
+              <a:rPr lang="en-US" sz="800" dirty="0" smtClean="0"/>
+              <a:t>50%</a:t>
+            </a:r>
+            <a:endParaRPr lang="en-US" sz="800" dirty="0"/>
+          </a:p>
+        </p:txBody>
+      </p:sp>
+      <p:sp>
+        <p:nvSpPr>
+          <p:cNvPr id="91" name="Rectangle 90"/>
+          <p:cNvSpPr/>
+          <p:nvPr/>
+        </p:nvSpPr>
+        <p:spPr>
+          <a:xfrm>
+            <a:off x="4686756" y="4976694"/>
+            <a:ext cx="599844" cy="215444"/>
+          </a:xfrm>
+          <a:prstGeom prst="rect">
+            <a:avLst/>
+          </a:prstGeom>
+        </p:spPr>
+        <p:txBody>
+          <a:bodyPr wrap="none">
+            <a:spAutoFit/>
+          </a:bodyPr>
+          <a:lstStyle/>
+          <a:p>
+            <a:r>
+              <a:rPr lang="en-US" sz="800" dirty="0" smtClean="0"/>
+              <a:t>JavaScript</a:t>
+            </a:r>
+            <a:endParaRPr lang="en-US" sz="800" dirty="0"/>
+          </a:p>
+        </p:txBody>
+      </p:sp>
+      <p:sp>
+        <p:nvSpPr>
+          <p:cNvPr id="14" name="Rectangle 13"/>
+          <p:cNvSpPr/>
+          <p:nvPr/>
+        </p:nvSpPr>
+        <p:spPr>
+          <a:xfrm>
+            <a:off x="4701086" y="5540932"/>
+            <a:ext cx="562975" cy="215444"/>
+          </a:xfrm>
+          <a:prstGeom prst="rect">
+            <a:avLst/>
+          </a:prstGeom>
+        </p:spPr>
+        <p:txBody>
+          <a:bodyPr wrap="none">
+            <a:spAutoFit/>
+          </a:bodyPr>
+          <a:lstStyle/>
+          <a:p>
+            <a:r>
+              <a:rPr lang="en-US" sz="800" dirty="0"/>
+              <a:t>MATLAB </a:t>
+            </a:r>
+          </a:p>
+        </p:txBody>
+      </p:sp>
+      <p:sp>
+        <p:nvSpPr>
+          <p:cNvPr id="92" name="Rectangle 91"/>
+          <p:cNvSpPr/>
+          <p:nvPr/>
+        </p:nvSpPr>
+        <p:spPr>
+          <a:xfrm>
+            <a:off x="3949176" y="5556172"/>
+            <a:ext cx="360996" cy="215444"/>
+          </a:xfrm>
+          <a:prstGeom prst="rect">
+            <a:avLst/>
+          </a:prstGeom>
+        </p:spPr>
+        <p:txBody>
+          <a:bodyPr wrap="none">
+            <a:spAutoFit/>
+          </a:bodyPr>
+          <a:lstStyle/>
+          <a:p>
+            <a:r>
+              <a:rPr lang="en-US" sz="800" dirty="0" smtClean="0"/>
+              <a:t>50%</a:t>
+            </a:r>
+            <a:endParaRPr lang="en-US" sz="800" dirty="0"/>
+          </a:p>
+        </p:txBody>
+      </p:sp>
+      <p:grpSp>
+        <p:nvGrpSpPr>
+          <p:cNvPr id="93" name="Group 92"/>
+          <p:cNvGrpSpPr/>
+          <p:nvPr/>
+        </p:nvGrpSpPr>
+        <p:grpSpPr>
+          <a:xfrm>
+            <a:off x="944393" y="5722501"/>
+            <a:ext cx="2515087" cy="95250"/>
+            <a:chOff x="4571513" y="1291709"/>
+            <a:chExt cx="2515087" cy="95250"/>
+          </a:xfrm>
+        </p:grpSpPr>
+        <p:sp>
+          <p:nvSpPr>
+            <p:cNvPr id="94" name="Rounded Rectangle 93"/>
+            <p:cNvSpPr/>
+            <p:nvPr/>
+          </p:nvSpPr>
+          <p:spPr>
+            <a:xfrm>
+              <a:off x="4572000" y="1291709"/>
+              <a:ext cx="2514600" cy="95250"/>
+            </a:xfrm>
+            <a:prstGeom prst="roundRect">
+              <a:avLst/>
+            </a:prstGeom>
+            <a:solidFill>
+              <a:schemeClr val="tx1"/>
+            </a:solidFill>
+            <a:ln>
+              <a:solidFill>
+                <a:schemeClr val="tx1"/>
+              </a:solidFill>
+            </a:ln>
+          </p:spPr>
+          <p:style>
+            <a:lnRef idx="2">
+              <a:schemeClr val="accent1">
+                <a:shade val="50000"/>
+              </a:schemeClr>
+            </a:lnRef>
+            <a:fillRef idx="1">
+              <a:schemeClr val="accent1"/>
+            </a:fillRef>
+            <a:effectRef idx="0">
+              <a:schemeClr val="accent1"/>
+            </a:effectRef>
+            <a:fontRef idx="minor">
+              <a:schemeClr val="lt1"/>
+            </a:fontRef>
+          </p:style>
+          <p:txBody>
+            <a:bodyPr rtlCol="0" anchor="ctr"/>
+            <a:lstStyle/>
+            <a:p>
+              <a:pPr algn="ctr"/>
+              <a:endParaRPr lang="en-US"/>
+            </a:p>
+          </p:txBody>
+        </p:sp>
+        <p:sp>
+          <p:nvSpPr>
+            <p:cNvPr id="95" name="Rounded Rectangle 94"/>
+            <p:cNvSpPr/>
+            <p:nvPr/>
+          </p:nvSpPr>
+          <p:spPr>
+            <a:xfrm>
+              <a:off x="4571513" y="1295400"/>
+              <a:ext cx="1261872" cy="85725"/>
+            </a:xfrm>
+            <a:prstGeom prst="roundRect">
+              <a:avLst/>
+            </a:prstGeom>
+            <a:pattFill prst="wdUpDiag">
+              <a:fgClr>
+                <a:srgbClr val="FFC000"/>
+              </a:fgClr>
+              <a:bgClr>
+                <a:srgbClr val="FFFF00"/>
+              </a:bgClr>
+            </a:pattFill>
+            <a:ln>
+              <a:noFill/>
+            </a:ln>
+          </p:spPr>
+          <p:style>
+            <a:lnRef idx="2">
+              <a:schemeClr val="accent1">
+                <a:shade val="50000"/>
+              </a:schemeClr>
+            </a:lnRef>
+            <a:fillRef idx="1">
+              <a:schemeClr val="accent1"/>
+            </a:fillRef>
+            <a:effectRef idx="0">
+              <a:schemeClr val="accent1"/>
+            </a:effectRef>
+            <a:fontRef idx="minor">
+              <a:schemeClr val="lt1"/>
+            </a:fontRef>
+          </p:style>
+          <p:txBody>
+            <a:bodyPr rtlCol="0" anchor="ctr"/>
+            <a:lstStyle/>
+            <a:p>
+              <a:pPr algn="ctr"/>
+              <a:endParaRPr lang="en-US"/>
+            </a:p>
+          </p:txBody>
+        </p:sp>
+      </p:grpSp>
+      <p:sp>
+        <p:nvSpPr>
+          <p:cNvPr id="96" name="Rectangle 95"/>
+          <p:cNvSpPr/>
+          <p:nvPr/>
+        </p:nvSpPr>
+        <p:spPr>
+          <a:xfrm>
+            <a:off x="3978027" y="5905622"/>
+            <a:ext cx="360996" cy="215444"/>
+          </a:xfrm>
+          <a:prstGeom prst="rect">
+            <a:avLst/>
+          </a:prstGeom>
+        </p:spPr>
+        <p:txBody>
+          <a:bodyPr wrap="none">
             <a:spAutoFit/>
           </a:bodyPr>
           <a:lstStyle/>
@@ -3248,155 +6206,1201 @@
           </a:p>
         </p:txBody>
       </p:sp>
+      <p:sp>
+        <p:nvSpPr>
+          <p:cNvPr id="97" name="Rectangle 96"/>
+          <p:cNvSpPr/>
+          <p:nvPr/>
+        </p:nvSpPr>
+        <p:spPr>
+          <a:xfrm>
+            <a:off x="4689897" y="5811917"/>
+            <a:ext cx="1818255" cy="369332"/>
+          </a:xfrm>
+          <a:prstGeom prst="rect">
+            <a:avLst/>
+          </a:prstGeom>
+        </p:spPr>
+        <p:txBody>
+          <a:bodyPr wrap="none">
+            <a:spAutoFit/>
+          </a:bodyPr>
+          <a:lstStyle/>
+          <a:p>
+            <a:r>
+              <a:rPr lang="en-US" dirty="0" err="1" smtClean="0"/>
+              <a:t>FireBird</a:t>
+            </a:r>
+            <a:r>
+              <a:rPr lang="en-US" dirty="0" smtClean="0"/>
+              <a:t> database</a:t>
+            </a:r>
+            <a:endParaRPr lang="en-US" dirty="0"/>
+          </a:p>
+        </p:txBody>
+      </p:sp>
       <p:grpSp>
         <p:nvGrpSpPr>
-          <p:cNvPr id="22" name="Group 21"/>
+          <p:cNvPr id="98" name="Group 97"/>
           <p:cNvGrpSpPr/>
           <p:nvPr/>
         </p:nvGrpSpPr>
         <p:grpSpPr>
           <a:xfrm>
-            <a:off x="4571513" y="1291709"/>
-            <a:ext cx="2720168" cy="123111"/>
-            <a:chOff x="4571513" y="1291709"/>
-            <a:chExt cx="2720168" cy="123111"/>
+            <a:off x="1104900" y="6477000"/>
+            <a:ext cx="2514600" cy="95250"/>
+            <a:chOff x="4572000" y="978930"/>
+            <a:chExt cx="2514600" cy="95250"/>
           </a:xfrm>
         </p:grpSpPr>
-        <p:grpSp>
-          <p:nvGrpSpPr>
-            <p:cNvPr id="20" name="Group 19"/>
-            <p:cNvGrpSpPr/>
-            <p:nvPr/>
-          </p:nvGrpSpPr>
-          <p:grpSpPr>
-            <a:xfrm>
-              <a:off x="4571513" y="1291709"/>
-              <a:ext cx="2515087" cy="95250"/>
-              <a:chOff x="4571513" y="1291709"/>
-              <a:chExt cx="2515087" cy="95250"/>
-            </a:xfrm>
-          </p:grpSpPr>
-          <p:sp>
-            <p:nvSpPr>
-              <p:cNvPr id="6" name="Rounded Rectangle 5"/>
-              <p:cNvSpPr/>
-              <p:nvPr/>
-            </p:nvSpPr>
-            <p:spPr>
-              <a:xfrm>
-                <a:off x="4572000" y="1291709"/>
-                <a:ext cx="2514600" cy="95250"/>
-              </a:xfrm>
-              <a:prstGeom prst="roundRect">
-                <a:avLst/>
-              </a:prstGeom>
-              <a:solidFill>
-                <a:schemeClr val="tx1"/>
-              </a:solidFill>
-              <a:ln>
-                <a:solidFill>
-                  <a:schemeClr val="tx1"/>
-                </a:solidFill>
-              </a:ln>
-            </p:spPr>
-            <p:style>
-              <a:lnRef idx="2">
-                <a:schemeClr val="accent1">
-                  <a:shade val="50000"/>
-                </a:schemeClr>
-              </a:lnRef>
-              <a:fillRef idx="1">
-                <a:schemeClr val="accent1"/>
-              </a:fillRef>
-              <a:effectRef idx="0">
-                <a:schemeClr val="accent1"/>
-              </a:effectRef>
-              <a:fontRef idx="minor">
-                <a:schemeClr val="lt1"/>
-              </a:fontRef>
-            </p:style>
-            <p:txBody>
-              <a:bodyPr rtlCol="0" anchor="ctr"/>
-              <a:lstStyle/>
-              <a:p>
-                <a:pPr algn="ctr"/>
-                <a:endParaRPr lang="en-US"/>
-              </a:p>
-            </p:txBody>
-          </p:sp>
-          <p:sp>
-            <p:nvSpPr>
-              <p:cNvPr id="13" name="Rounded Rectangle 12"/>
-              <p:cNvSpPr/>
-              <p:nvPr/>
-            </p:nvSpPr>
-            <p:spPr>
-              <a:xfrm>
-                <a:off x="4571513" y="1295400"/>
-                <a:ext cx="1261872" cy="85725"/>
-              </a:xfrm>
-              <a:prstGeom prst="roundRect">
-                <a:avLst/>
-              </a:prstGeom>
-              <a:pattFill prst="wdUpDiag">
-                <a:fgClr>
-                  <a:srgbClr val="FFC000"/>
-                </a:fgClr>
-                <a:bgClr>
-                  <a:srgbClr val="FFFF00"/>
-                </a:bgClr>
-              </a:pattFill>
-              <a:ln>
-                <a:noFill/>
-              </a:ln>
-            </p:spPr>
-            <p:style>
-              <a:lnRef idx="2">
-                <a:schemeClr val="accent1">
-                  <a:shade val="50000"/>
-                </a:schemeClr>
-              </a:lnRef>
-              <a:fillRef idx="1">
-                <a:schemeClr val="accent1"/>
-              </a:fillRef>
-              <a:effectRef idx="0">
-                <a:schemeClr val="accent1"/>
-              </a:effectRef>
-              <a:fontRef idx="minor">
-                <a:schemeClr val="lt1"/>
-              </a:fontRef>
-            </p:style>
-            <p:txBody>
-              <a:bodyPr rtlCol="0" anchor="ctr"/>
-              <a:lstStyle/>
-              <a:p>
-                <a:pPr algn="ctr"/>
-                <a:endParaRPr lang="en-US"/>
-              </a:p>
-            </p:txBody>
-          </p:sp>
-        </p:grpSp>
         <p:sp>
           <p:nvSpPr>
-            <p:cNvPr id="17" name="TextBox 16"/>
-            <p:cNvSpPr txBox="1"/>
+            <p:cNvPr id="99" name="Rounded Rectangle 98"/>
+            <p:cNvSpPr/>
             <p:nvPr/>
           </p:nvSpPr>
           <p:spPr>
             <a:xfrm>
-              <a:off x="7115351" y="1291709"/>
-              <a:ext cx="176330" cy="123111"/>
+              <a:off x="4572000" y="978930"/>
+              <a:ext cx="2514600" cy="95250"/>
+            </a:xfrm>
+            <a:prstGeom prst="roundRect">
+              <a:avLst/>
+            </a:prstGeom>
+            <a:solidFill>
+              <a:schemeClr val="tx1"/>
+            </a:solidFill>
+            <a:ln>
+              <a:solidFill>
+                <a:schemeClr val="tx1"/>
+              </a:solidFill>
+            </a:ln>
+          </p:spPr>
+          <p:style>
+            <a:lnRef idx="2">
+              <a:schemeClr val="accent1">
+                <a:shade val="50000"/>
+              </a:schemeClr>
+            </a:lnRef>
+            <a:fillRef idx="1">
+              <a:schemeClr val="accent1"/>
+            </a:fillRef>
+            <a:effectRef idx="0">
+              <a:schemeClr val="accent1"/>
+            </a:effectRef>
+            <a:fontRef idx="minor">
+              <a:schemeClr val="lt1"/>
+            </a:fontRef>
+          </p:style>
+          <p:txBody>
+            <a:bodyPr rtlCol="0" anchor="ctr"/>
+            <a:lstStyle/>
+            <a:p>
+              <a:pPr algn="ctr"/>
+              <a:endParaRPr lang="en-US"/>
+            </a:p>
+          </p:txBody>
+        </p:sp>
+        <p:sp>
+          <p:nvSpPr>
+            <p:cNvPr id="100" name="Rounded Rectangle 99"/>
+            <p:cNvSpPr/>
+            <p:nvPr/>
+          </p:nvSpPr>
+          <p:spPr>
+            <a:xfrm>
+              <a:off x="4572000" y="983692"/>
+              <a:ext cx="630936" cy="85725"/>
+            </a:xfrm>
+            <a:prstGeom prst="roundRect">
+              <a:avLst/>
+            </a:prstGeom>
+            <a:pattFill prst="wdUpDiag">
+              <a:fgClr>
+                <a:schemeClr val="accent2">
+                  <a:lumMod val="60000"/>
+                  <a:lumOff val="40000"/>
+                </a:schemeClr>
+              </a:fgClr>
+              <a:bgClr>
+                <a:schemeClr val="accent2">
+                  <a:lumMod val="20000"/>
+                  <a:lumOff val="80000"/>
+                </a:schemeClr>
+              </a:bgClr>
+            </a:pattFill>
+            <a:ln>
+              <a:noFill/>
+            </a:ln>
+          </p:spPr>
+          <p:style>
+            <a:lnRef idx="2">
+              <a:schemeClr val="accent1">
+                <a:shade val="50000"/>
+              </a:schemeClr>
+            </a:lnRef>
+            <a:fillRef idx="1">
+              <a:schemeClr val="accent1"/>
+            </a:fillRef>
+            <a:effectRef idx="0">
+              <a:schemeClr val="accent1"/>
+            </a:effectRef>
+            <a:fontRef idx="minor">
+              <a:schemeClr val="lt1"/>
+            </a:fontRef>
+          </p:style>
+          <p:txBody>
+            <a:bodyPr rtlCol="0" anchor="ctr"/>
+            <a:lstStyle/>
+            <a:p>
+              <a:pPr algn="ctr"/>
+              <a:endParaRPr lang="en-US"/>
+            </a:p>
+          </p:txBody>
+        </p:sp>
+      </p:grpSp>
+      <p:sp>
+        <p:nvSpPr>
+          <p:cNvPr id="102" name="Rectangle 101"/>
+          <p:cNvSpPr/>
+          <p:nvPr/>
+        </p:nvSpPr>
+        <p:spPr>
+          <a:xfrm>
+            <a:off x="4047042" y="6292334"/>
+            <a:ext cx="360996" cy="215444"/>
+          </a:xfrm>
+          <a:prstGeom prst="rect">
+            <a:avLst/>
+          </a:prstGeom>
+        </p:spPr>
+        <p:txBody>
+          <a:bodyPr wrap="none">
+            <a:spAutoFit/>
+          </a:bodyPr>
+          <a:lstStyle/>
+          <a:p>
+            <a:r>
+              <a:rPr lang="en-US" sz="800" dirty="0" smtClean="0"/>
+              <a:t>25%</a:t>
+            </a:r>
+            <a:endParaRPr lang="en-US" sz="800" dirty="0"/>
+          </a:p>
+        </p:txBody>
+      </p:sp>
+      <p:sp>
+        <p:nvSpPr>
+          <p:cNvPr id="103" name="Rectangle 102"/>
+          <p:cNvSpPr/>
+          <p:nvPr/>
+        </p:nvSpPr>
+        <p:spPr>
+          <a:xfrm>
+            <a:off x="4781845" y="6257928"/>
+            <a:ext cx="481222" cy="215444"/>
+          </a:xfrm>
+          <a:prstGeom prst="rect">
+            <a:avLst/>
+          </a:prstGeom>
+        </p:spPr>
+        <p:txBody>
+          <a:bodyPr wrap="none">
+            <a:spAutoFit/>
+          </a:bodyPr>
+          <a:lstStyle/>
+          <a:p>
+            <a:r>
+              <a:rPr lang="en-US" sz="800" dirty="0" smtClean="0"/>
+              <a:t>Python</a:t>
+            </a:r>
+            <a:endParaRPr lang="en-US" sz="800" dirty="0"/>
+          </a:p>
+        </p:txBody>
+      </p:sp>
+      <p:sp>
+        <p:nvSpPr>
+          <p:cNvPr id="104" name="Rectangle 103"/>
+          <p:cNvSpPr/>
+          <p:nvPr/>
+        </p:nvSpPr>
+        <p:spPr>
+          <a:xfrm>
+            <a:off x="5078214" y="6858122"/>
+            <a:ext cx="596638" cy="369332"/>
+          </a:xfrm>
+          <a:prstGeom prst="rect">
+            <a:avLst/>
+          </a:prstGeom>
+        </p:spPr>
+        <p:txBody>
+          <a:bodyPr wrap="none">
+            <a:spAutoFit/>
+          </a:bodyPr>
+          <a:lstStyle/>
+          <a:p>
+            <a:r>
+              <a:rPr lang="en-US" dirty="0"/>
+              <a:t>SQL </a:t>
+            </a:r>
+          </a:p>
+        </p:txBody>
+      </p:sp>
+      <p:grpSp>
+        <p:nvGrpSpPr>
+          <p:cNvPr id="105" name="Group 104"/>
+          <p:cNvGrpSpPr/>
+          <p:nvPr/>
+        </p:nvGrpSpPr>
+        <p:grpSpPr>
+          <a:xfrm>
+            <a:off x="926105" y="7126489"/>
+            <a:ext cx="2514600" cy="95250"/>
+            <a:chOff x="4572000" y="978930"/>
+            <a:chExt cx="2514600" cy="95250"/>
+          </a:xfrm>
+        </p:grpSpPr>
+        <p:sp>
+          <p:nvSpPr>
+            <p:cNvPr id="106" name="Rounded Rectangle 105"/>
+            <p:cNvSpPr/>
+            <p:nvPr/>
+          </p:nvSpPr>
+          <p:spPr>
+            <a:xfrm>
+              <a:off x="4572000" y="978930"/>
+              <a:ext cx="2514600" cy="95250"/>
+            </a:xfrm>
+            <a:prstGeom prst="roundRect">
+              <a:avLst/>
+            </a:prstGeom>
+            <a:solidFill>
+              <a:schemeClr val="tx1"/>
+            </a:solidFill>
+            <a:ln>
+              <a:solidFill>
+                <a:schemeClr val="tx1"/>
+              </a:solidFill>
+            </a:ln>
+          </p:spPr>
+          <p:style>
+            <a:lnRef idx="2">
+              <a:schemeClr val="accent1">
+                <a:shade val="50000"/>
+              </a:schemeClr>
+            </a:lnRef>
+            <a:fillRef idx="1">
+              <a:schemeClr val="accent1"/>
+            </a:fillRef>
+            <a:effectRef idx="0">
+              <a:schemeClr val="accent1"/>
+            </a:effectRef>
+            <a:fontRef idx="minor">
+              <a:schemeClr val="lt1"/>
+            </a:fontRef>
+          </p:style>
+          <p:txBody>
+            <a:bodyPr rtlCol="0" anchor="ctr"/>
+            <a:lstStyle/>
+            <a:p>
+              <a:pPr algn="ctr"/>
+              <a:endParaRPr lang="en-US"/>
+            </a:p>
+          </p:txBody>
+        </p:sp>
+        <p:sp>
+          <p:nvSpPr>
+            <p:cNvPr id="107" name="Rounded Rectangle 106"/>
+            <p:cNvSpPr/>
+            <p:nvPr/>
+          </p:nvSpPr>
+          <p:spPr>
+            <a:xfrm>
+              <a:off x="4572000" y="983692"/>
+              <a:ext cx="630936" cy="85725"/>
+            </a:xfrm>
+            <a:prstGeom prst="roundRect">
+              <a:avLst/>
+            </a:prstGeom>
+            <a:pattFill prst="wdUpDiag">
+              <a:fgClr>
+                <a:schemeClr val="accent2">
+                  <a:lumMod val="60000"/>
+                  <a:lumOff val="40000"/>
+                </a:schemeClr>
+              </a:fgClr>
+              <a:bgClr>
+                <a:schemeClr val="accent2">
+                  <a:lumMod val="20000"/>
+                  <a:lumOff val="80000"/>
+                </a:schemeClr>
+              </a:bgClr>
+            </a:pattFill>
+            <a:ln>
+              <a:noFill/>
+            </a:ln>
+          </p:spPr>
+          <p:style>
+            <a:lnRef idx="2">
+              <a:schemeClr val="accent1">
+                <a:shade val="50000"/>
+              </a:schemeClr>
+            </a:lnRef>
+            <a:fillRef idx="1">
+              <a:schemeClr val="accent1"/>
+            </a:fillRef>
+            <a:effectRef idx="0">
+              <a:schemeClr val="accent1"/>
+            </a:effectRef>
+            <a:fontRef idx="minor">
+              <a:schemeClr val="lt1"/>
+            </a:fontRef>
+          </p:style>
+          <p:txBody>
+            <a:bodyPr rtlCol="0" anchor="ctr"/>
+            <a:lstStyle/>
+            <a:p>
+              <a:pPr algn="ctr"/>
+              <a:endParaRPr lang="en-US"/>
+            </a:p>
+          </p:txBody>
+        </p:sp>
+      </p:grpSp>
+      <p:sp>
+        <p:nvSpPr>
+          <p:cNvPr id="108" name="Rectangle 107"/>
+          <p:cNvSpPr/>
+          <p:nvPr/>
+        </p:nvSpPr>
+        <p:spPr>
+          <a:xfrm>
+            <a:off x="3988904" y="6867528"/>
+            <a:ext cx="583814" cy="369332"/>
+          </a:xfrm>
+          <a:prstGeom prst="rect">
+            <a:avLst/>
+          </a:prstGeom>
+        </p:spPr>
+        <p:txBody>
+          <a:bodyPr wrap="none">
+            <a:spAutoFit/>
+          </a:bodyPr>
+          <a:lstStyle/>
+          <a:p>
+            <a:r>
+              <a:rPr lang="en-US" dirty="0" smtClean="0"/>
+              <a:t>25%</a:t>
+            </a:r>
+            <a:endParaRPr lang="en-US" dirty="0"/>
+          </a:p>
+        </p:txBody>
+      </p:sp>
+    </p:spTree>
+    <p:extLst>
+      <p:ext uri="{BB962C8B-B14F-4D97-AF65-F5344CB8AC3E}">
+        <p14:creationId xmlns:p14="http://schemas.microsoft.com/office/powerpoint/2010/main" val="2928096514"/>
+      </p:ext>
+    </p:extLst>
+  </p:cSld>
+  <p:clrMapOvr>
+    <a:masterClrMapping/>
+  </p:clrMapOvr>
+</p:sld>
+</file>
+
+<file path=ppt/slides/slide2.xml><?xml version="1.0" encoding="utf-8"?>
+<p:sld xmlns:a="http://schemas.openxmlformats.org/drawingml/2006/main" xmlns:r="http://schemas.openxmlformats.org/officeDocument/2006/relationships" xmlns:p="http://schemas.openxmlformats.org/presentationml/2006/main">
+  <p:cSld>
+    <p:spTree>
+      <p:nvGrpSpPr>
+        <p:cNvPr id="1" name=""/>
+        <p:cNvGrpSpPr/>
+        <p:nvPr/>
+      </p:nvGrpSpPr>
+      <p:grpSpPr>
+        <a:xfrm>
+          <a:off x="0" y="0"/>
+          <a:ext cx="0" cy="0"/>
+          <a:chOff x="0" y="0"/>
+          <a:chExt cx="0" cy="0"/>
+        </a:xfrm>
+      </p:grpSpPr>
+      <p:sp>
+        <p:nvSpPr>
+          <p:cNvPr id="5" name="Rectangle 4"/>
+          <p:cNvSpPr/>
+          <p:nvPr/>
+        </p:nvSpPr>
+        <p:spPr>
+          <a:xfrm>
+            <a:off x="689850" y="4800600"/>
+            <a:ext cx="7041931" cy="2511670"/>
+          </a:xfrm>
+          <a:prstGeom prst="rect">
+            <a:avLst/>
+          </a:prstGeom>
+          <a:solidFill>
+            <a:schemeClr val="bg1"/>
+          </a:solidFill>
+          <a:ln>
+            <a:solidFill>
+              <a:schemeClr val="tx1"/>
+            </a:solidFill>
+          </a:ln>
+        </p:spPr>
+        <p:style>
+          <a:lnRef idx="2">
+            <a:schemeClr val="accent1">
+              <a:shade val="50000"/>
+            </a:schemeClr>
+          </a:lnRef>
+          <a:fillRef idx="1">
+            <a:schemeClr val="accent1"/>
+          </a:fillRef>
+          <a:effectRef idx="0">
+            <a:schemeClr val="accent1"/>
+          </a:effectRef>
+          <a:fontRef idx="minor">
+            <a:schemeClr val="lt1"/>
+          </a:fontRef>
+        </p:style>
+        <p:txBody>
+          <a:bodyPr rtlCol="0" anchor="ctr"/>
+          <a:lstStyle/>
+          <a:p>
+            <a:pPr algn="ctr"/>
+            <a:endParaRPr lang="en-US"/>
+          </a:p>
+        </p:txBody>
+      </p:sp>
+      <p:grpSp>
+        <p:nvGrpSpPr>
+          <p:cNvPr id="121" name="Group 120"/>
+          <p:cNvGrpSpPr/>
+          <p:nvPr/>
+        </p:nvGrpSpPr>
+        <p:grpSpPr>
+          <a:xfrm>
+            <a:off x="685800" y="1645344"/>
+            <a:ext cx="5257800" cy="2229030"/>
+            <a:chOff x="685800" y="1645344"/>
+            <a:chExt cx="5257800" cy="2229030"/>
+          </a:xfrm>
+        </p:grpSpPr>
+        <p:sp>
+          <p:nvSpPr>
+            <p:cNvPr id="20" name="Rectangle 19"/>
+            <p:cNvSpPr/>
+            <p:nvPr/>
+          </p:nvSpPr>
+          <p:spPr>
+            <a:xfrm>
+              <a:off x="1837436" y="1675211"/>
+              <a:ext cx="952505" cy="215444"/>
             </a:xfrm>
             <a:prstGeom prst="rect">
               <a:avLst/>
             </a:prstGeom>
-            <a:noFill/>
-            <a:ln>
-              <a:noFill/>
-            </a:ln>
           </p:spPr>
           <p:txBody>
-            <a:bodyPr wrap="none" lIns="0" tIns="0" rIns="0" bIns="0" rtlCol="0">
+            <a:bodyPr wrap="none">
+              <a:spAutoFit/>
+            </a:bodyPr>
+            <a:lstStyle/>
+            <a:p>
+              <a:r>
+                <a:rPr lang="en-US" sz="800" dirty="0"/>
+                <a:t>Visual Studio 2010</a:t>
+              </a:r>
+            </a:p>
+          </p:txBody>
+        </p:sp>
+        <p:sp>
+          <p:nvSpPr>
+            <p:cNvPr id="21" name="Rectangle 20"/>
+            <p:cNvSpPr/>
+            <p:nvPr/>
+          </p:nvSpPr>
+          <p:spPr>
+            <a:xfrm>
+              <a:off x="1837436" y="1845558"/>
+              <a:ext cx="670376" cy="215444"/>
+            </a:xfrm>
+            <a:prstGeom prst="rect">
+              <a:avLst/>
+            </a:prstGeom>
+          </p:spPr>
+          <p:txBody>
+            <a:bodyPr wrap="none">
+              <a:spAutoFit/>
+            </a:bodyPr>
+            <a:lstStyle/>
+            <a:p>
+              <a:r>
+                <a:rPr lang="en-US" sz="800" dirty="0"/>
+                <a:t>Visual </a:t>
+              </a:r>
+              <a:r>
+                <a:rPr lang="en-US" sz="800" dirty="0" smtClean="0"/>
+                <a:t>Basic</a:t>
+              </a:r>
+              <a:endParaRPr lang="en-US" sz="800" dirty="0"/>
+            </a:p>
+          </p:txBody>
+        </p:sp>
+        <p:sp>
+          <p:nvSpPr>
+            <p:cNvPr id="22" name="Rectangle 21"/>
+            <p:cNvSpPr/>
+            <p:nvPr/>
+          </p:nvSpPr>
+          <p:spPr>
+            <a:xfrm>
+              <a:off x="1837436" y="2023950"/>
+              <a:ext cx="1292341" cy="215444"/>
+            </a:xfrm>
+            <a:prstGeom prst="rect">
+              <a:avLst/>
+            </a:prstGeom>
+          </p:spPr>
+          <p:txBody>
+            <a:bodyPr wrap="none">
+              <a:spAutoFit/>
+            </a:bodyPr>
+            <a:lstStyle/>
+            <a:p>
+              <a:r>
+                <a:rPr lang="en-US" sz="800" dirty="0"/>
+                <a:t>Software versioning (SVN) </a:t>
+              </a:r>
+            </a:p>
+          </p:txBody>
+        </p:sp>
+        <p:sp>
+          <p:nvSpPr>
+            <p:cNvPr id="23" name="Rectangle 22"/>
+            <p:cNvSpPr/>
+            <p:nvPr/>
+          </p:nvSpPr>
+          <p:spPr>
+            <a:xfrm>
+              <a:off x="1837436" y="2214956"/>
+              <a:ext cx="290464" cy="215444"/>
+            </a:xfrm>
+            <a:prstGeom prst="rect">
+              <a:avLst/>
+            </a:prstGeom>
+          </p:spPr>
+          <p:txBody>
+            <a:bodyPr wrap="none">
+              <a:spAutoFit/>
+            </a:bodyPr>
+            <a:lstStyle/>
+            <a:p>
+              <a:r>
+                <a:rPr lang="en-US" sz="800" dirty="0" smtClean="0"/>
+                <a:t>C#</a:t>
+              </a:r>
+              <a:endParaRPr lang="en-US" sz="800" dirty="0"/>
+            </a:p>
+          </p:txBody>
+        </p:sp>
+        <p:sp>
+          <p:nvSpPr>
+            <p:cNvPr id="24" name="Rectangle 23"/>
+            <p:cNvSpPr/>
+            <p:nvPr/>
+          </p:nvSpPr>
+          <p:spPr>
+            <a:xfrm>
+              <a:off x="1837436" y="2413248"/>
+              <a:ext cx="341760" cy="215444"/>
+            </a:xfrm>
+            <a:prstGeom prst="rect">
+              <a:avLst/>
+            </a:prstGeom>
+          </p:spPr>
+          <p:txBody>
+            <a:bodyPr wrap="none">
+              <a:spAutoFit/>
+            </a:bodyPr>
+            <a:lstStyle/>
+            <a:p>
+              <a:r>
+                <a:rPr lang="en-US" sz="800" dirty="0" smtClean="0"/>
+                <a:t>C++</a:t>
+              </a:r>
+              <a:endParaRPr lang="en-US" sz="800" dirty="0"/>
+            </a:p>
+          </p:txBody>
+        </p:sp>
+        <p:sp>
+          <p:nvSpPr>
+            <p:cNvPr id="25" name="Rectangle 24"/>
+            <p:cNvSpPr/>
+            <p:nvPr/>
+          </p:nvSpPr>
+          <p:spPr>
+            <a:xfrm>
+              <a:off x="1837436" y="2631229"/>
+              <a:ext cx="240772" cy="215444"/>
+            </a:xfrm>
+            <a:prstGeom prst="rect">
+              <a:avLst/>
+            </a:prstGeom>
+          </p:spPr>
+          <p:txBody>
+            <a:bodyPr wrap="none">
+              <a:spAutoFit/>
+            </a:bodyPr>
+            <a:lstStyle/>
+            <a:p>
+              <a:r>
+                <a:rPr lang="en-US" sz="800" dirty="0" smtClean="0"/>
+                <a:t>R</a:t>
+              </a:r>
+              <a:endParaRPr lang="en-US" sz="800" dirty="0"/>
+            </a:p>
+          </p:txBody>
+        </p:sp>
+        <p:sp>
+          <p:nvSpPr>
+            <p:cNvPr id="26" name="Rectangle 25"/>
+            <p:cNvSpPr/>
+            <p:nvPr/>
+          </p:nvSpPr>
+          <p:spPr>
+            <a:xfrm>
+              <a:off x="1837436" y="2823270"/>
+              <a:ext cx="377026" cy="215444"/>
+            </a:xfrm>
+            <a:prstGeom prst="rect">
+              <a:avLst/>
+            </a:prstGeom>
+          </p:spPr>
+          <p:txBody>
+            <a:bodyPr wrap="none">
+              <a:spAutoFit/>
+            </a:bodyPr>
+            <a:lstStyle/>
+            <a:p>
+              <a:r>
+                <a:rPr lang="en-US" sz="800" dirty="0" smtClean="0"/>
+                <a:t>SPSS</a:t>
+              </a:r>
+              <a:endParaRPr lang="en-US" sz="800" dirty="0"/>
+            </a:p>
+          </p:txBody>
+        </p:sp>
+        <p:sp>
+          <p:nvSpPr>
+            <p:cNvPr id="27" name="Rectangle 26"/>
+            <p:cNvSpPr/>
+            <p:nvPr/>
+          </p:nvSpPr>
+          <p:spPr>
+            <a:xfrm>
+              <a:off x="1837436" y="3017131"/>
+              <a:ext cx="665567" cy="215444"/>
+            </a:xfrm>
+            <a:prstGeom prst="rect">
+              <a:avLst/>
+            </a:prstGeom>
+          </p:spPr>
+          <p:txBody>
+            <a:bodyPr wrap="none">
+              <a:spAutoFit/>
+            </a:bodyPr>
+            <a:lstStyle/>
+            <a:p>
+              <a:r>
+                <a:rPr lang="en-US" sz="800" dirty="0" smtClean="0"/>
+                <a:t>INNO setup</a:t>
+              </a:r>
+              <a:endParaRPr lang="en-US" sz="800" dirty="0"/>
+            </a:p>
+          </p:txBody>
+        </p:sp>
+        <p:sp>
+          <p:nvSpPr>
+            <p:cNvPr id="28" name="Rectangle 27"/>
+            <p:cNvSpPr/>
+            <p:nvPr/>
+          </p:nvSpPr>
+          <p:spPr>
+            <a:xfrm>
+              <a:off x="1837436" y="3230405"/>
+              <a:ext cx="383438" cy="215444"/>
+            </a:xfrm>
+            <a:prstGeom prst="rect">
+              <a:avLst/>
+            </a:prstGeom>
+          </p:spPr>
+          <p:txBody>
+            <a:bodyPr wrap="none">
+              <a:spAutoFit/>
+            </a:bodyPr>
+            <a:lstStyle/>
+            <a:p>
+              <a:r>
+                <a:rPr lang="en-US" sz="800" dirty="0" err="1"/>
+                <a:t>.Net</a:t>
+              </a:r>
+              <a:r>
+                <a:rPr lang="en-US" sz="800" dirty="0"/>
+                <a:t> </a:t>
+              </a:r>
+            </a:p>
+          </p:txBody>
+        </p:sp>
+        <p:sp>
+          <p:nvSpPr>
+            <p:cNvPr id="29" name="Rectangle 28"/>
+            <p:cNvSpPr/>
+            <p:nvPr/>
+          </p:nvSpPr>
+          <p:spPr>
+            <a:xfrm>
+              <a:off x="1837436" y="3443486"/>
+              <a:ext cx="715260" cy="215444"/>
+            </a:xfrm>
+            <a:prstGeom prst="rect">
+              <a:avLst/>
+            </a:prstGeom>
+          </p:spPr>
+          <p:txBody>
+            <a:bodyPr wrap="none">
+              <a:spAutoFit/>
+            </a:bodyPr>
+            <a:lstStyle/>
+            <a:p>
+              <a:r>
+                <a:rPr lang="en-US" sz="800" dirty="0"/>
+                <a:t>ARCGIS 10.0 </a:t>
+              </a:r>
+            </a:p>
+          </p:txBody>
+        </p:sp>
+        <p:sp>
+          <p:nvSpPr>
+            <p:cNvPr id="30" name="Rectangle 29"/>
+            <p:cNvSpPr/>
+            <p:nvPr/>
+          </p:nvSpPr>
+          <p:spPr>
+            <a:xfrm>
+              <a:off x="1837436" y="3658930"/>
+              <a:ext cx="409086" cy="215444"/>
+            </a:xfrm>
+            <a:prstGeom prst="rect">
+              <a:avLst/>
+            </a:prstGeom>
+          </p:spPr>
+          <p:txBody>
+            <a:bodyPr wrap="none">
+              <a:spAutoFit/>
+            </a:bodyPr>
+            <a:lstStyle/>
+            <a:p>
+              <a:r>
+                <a:rPr lang="en-US" sz="800" dirty="0"/>
+                <a:t>Gimp</a:t>
+              </a:r>
+            </a:p>
+          </p:txBody>
+        </p:sp>
+        <p:sp>
+          <p:nvSpPr>
+            <p:cNvPr id="31" name="Rectangle 30"/>
+            <p:cNvSpPr/>
+            <p:nvPr/>
+          </p:nvSpPr>
+          <p:spPr>
+            <a:xfrm>
+              <a:off x="1402284" y="1667412"/>
+              <a:ext cx="412292" cy="215444"/>
+            </a:xfrm>
+            <a:prstGeom prst="rect">
+              <a:avLst/>
+            </a:prstGeom>
+          </p:spPr>
+          <p:txBody>
+            <a:bodyPr wrap="none">
+              <a:spAutoFit/>
+            </a:bodyPr>
+            <a:lstStyle/>
+            <a:p>
+              <a:r>
+                <a:rPr lang="en-US" sz="800" dirty="0" smtClean="0"/>
+                <a:t>100%</a:t>
+              </a:r>
+              <a:endParaRPr lang="en-US" sz="800" dirty="0"/>
+            </a:p>
+          </p:txBody>
+        </p:sp>
+        <p:sp>
+          <p:nvSpPr>
+            <p:cNvPr id="32" name="Rectangle 31"/>
+            <p:cNvSpPr/>
+            <p:nvPr/>
+          </p:nvSpPr>
+          <p:spPr>
+            <a:xfrm>
+              <a:off x="1402284" y="1874186"/>
+              <a:ext cx="412292" cy="215444"/>
+            </a:xfrm>
+            <a:prstGeom prst="rect">
+              <a:avLst/>
+            </a:prstGeom>
+          </p:spPr>
+          <p:txBody>
+            <a:bodyPr wrap="none">
+              <a:spAutoFit/>
+            </a:bodyPr>
+            <a:lstStyle/>
+            <a:p>
+              <a:r>
+                <a:rPr lang="en-US" sz="800" dirty="0" smtClean="0"/>
+                <a:t>100%</a:t>
+              </a:r>
+              <a:endParaRPr lang="en-US" sz="800" dirty="0"/>
+            </a:p>
+          </p:txBody>
+        </p:sp>
+        <p:sp>
+          <p:nvSpPr>
+            <p:cNvPr id="33" name="Rectangle 32"/>
+            <p:cNvSpPr/>
+            <p:nvPr/>
+          </p:nvSpPr>
+          <p:spPr>
+            <a:xfrm>
+              <a:off x="1402284" y="2054185"/>
+              <a:ext cx="412292" cy="215444"/>
+            </a:xfrm>
+            <a:prstGeom prst="rect">
+              <a:avLst/>
+            </a:prstGeom>
+          </p:spPr>
+          <p:txBody>
+            <a:bodyPr wrap="none">
+              <a:spAutoFit/>
+            </a:bodyPr>
+            <a:lstStyle/>
+            <a:p>
+              <a:r>
+                <a:rPr lang="en-US" sz="800" dirty="0" smtClean="0"/>
+                <a:t>100%</a:t>
+              </a:r>
+              <a:endParaRPr lang="en-US" sz="800" dirty="0"/>
+            </a:p>
+          </p:txBody>
+        </p:sp>
+        <p:sp>
+          <p:nvSpPr>
+            <p:cNvPr id="34" name="Rectangle 33"/>
+            <p:cNvSpPr/>
+            <p:nvPr/>
+          </p:nvSpPr>
+          <p:spPr>
+            <a:xfrm>
+              <a:off x="1402284" y="2239394"/>
+              <a:ext cx="412292" cy="215444"/>
+            </a:xfrm>
+            <a:prstGeom prst="rect">
+              <a:avLst/>
+            </a:prstGeom>
+          </p:spPr>
+          <p:txBody>
+            <a:bodyPr wrap="none">
+              <a:spAutoFit/>
+            </a:bodyPr>
+            <a:lstStyle/>
+            <a:p>
+              <a:r>
+                <a:rPr lang="en-US" sz="800" dirty="0" smtClean="0"/>
+                <a:t>100%</a:t>
+              </a:r>
+              <a:endParaRPr lang="en-US" sz="800" dirty="0"/>
+            </a:p>
+          </p:txBody>
+        </p:sp>
+        <p:sp>
+          <p:nvSpPr>
+            <p:cNvPr id="35" name="Rectangle 34"/>
+            <p:cNvSpPr/>
+            <p:nvPr/>
+          </p:nvSpPr>
+          <p:spPr>
+            <a:xfrm>
+              <a:off x="1402284" y="2413248"/>
+              <a:ext cx="412292" cy="215444"/>
+            </a:xfrm>
+            <a:prstGeom prst="rect">
+              <a:avLst/>
+            </a:prstGeom>
+          </p:spPr>
+          <p:txBody>
+            <a:bodyPr wrap="none">
+              <a:spAutoFit/>
+            </a:bodyPr>
+            <a:lstStyle/>
+            <a:p>
+              <a:r>
+                <a:rPr lang="en-US" sz="800" dirty="0" smtClean="0"/>
+                <a:t>100%</a:t>
+              </a:r>
+              <a:endParaRPr lang="en-US" sz="800" dirty="0"/>
+            </a:p>
+          </p:txBody>
+        </p:sp>
+        <p:sp>
+          <p:nvSpPr>
+            <p:cNvPr id="36" name="Rectangle 35"/>
+            <p:cNvSpPr/>
+            <p:nvPr/>
+          </p:nvSpPr>
+          <p:spPr>
+            <a:xfrm>
+              <a:off x="1402284" y="2631229"/>
+              <a:ext cx="412292" cy="215444"/>
+            </a:xfrm>
+            <a:prstGeom prst="rect">
+              <a:avLst/>
+            </a:prstGeom>
+          </p:spPr>
+          <p:txBody>
+            <a:bodyPr wrap="none">
+              <a:spAutoFit/>
+            </a:bodyPr>
+            <a:lstStyle/>
+            <a:p>
+              <a:r>
+                <a:rPr lang="en-US" sz="800" dirty="0" smtClean="0"/>
+                <a:t>100%</a:t>
+              </a:r>
+              <a:endParaRPr lang="en-US" sz="800" dirty="0"/>
+            </a:p>
+          </p:txBody>
+        </p:sp>
+        <p:sp>
+          <p:nvSpPr>
+            <p:cNvPr id="37" name="Rectangle 36"/>
+            <p:cNvSpPr/>
+            <p:nvPr/>
+          </p:nvSpPr>
+          <p:spPr>
+            <a:xfrm>
+              <a:off x="1402284" y="2823270"/>
+              <a:ext cx="412292" cy="215444"/>
+            </a:xfrm>
+            <a:prstGeom prst="rect">
+              <a:avLst/>
+            </a:prstGeom>
+          </p:spPr>
+          <p:txBody>
+            <a:bodyPr wrap="none">
+              <a:spAutoFit/>
+            </a:bodyPr>
+            <a:lstStyle/>
+            <a:p>
+              <a:r>
+                <a:rPr lang="en-US" sz="800" dirty="0" smtClean="0"/>
+                <a:t>100%</a:t>
+              </a:r>
+              <a:endParaRPr lang="en-US" sz="800" dirty="0"/>
+            </a:p>
+          </p:txBody>
+        </p:sp>
+        <p:sp>
+          <p:nvSpPr>
+            <p:cNvPr id="38" name="Rectangle 37"/>
+            <p:cNvSpPr/>
+            <p:nvPr/>
+          </p:nvSpPr>
+          <p:spPr>
+            <a:xfrm>
+              <a:off x="1402284" y="3017131"/>
+              <a:ext cx="412292" cy="215444"/>
+            </a:xfrm>
+            <a:prstGeom prst="rect">
+              <a:avLst/>
+            </a:prstGeom>
+          </p:spPr>
+          <p:txBody>
+            <a:bodyPr wrap="none">
+              <a:spAutoFit/>
+            </a:bodyPr>
+            <a:lstStyle/>
+            <a:p>
+              <a:r>
+                <a:rPr lang="en-US" sz="800" dirty="0" smtClean="0"/>
+                <a:t>100%</a:t>
+              </a:r>
+              <a:endParaRPr lang="en-US" sz="800" dirty="0"/>
+            </a:p>
+          </p:txBody>
+        </p:sp>
+        <p:sp>
+          <p:nvSpPr>
+            <p:cNvPr id="39" name="Rectangle 38"/>
+            <p:cNvSpPr/>
+            <p:nvPr/>
+          </p:nvSpPr>
+          <p:spPr>
+            <a:xfrm>
+              <a:off x="1402284" y="3230405"/>
+              <a:ext cx="412292" cy="215444"/>
+            </a:xfrm>
+            <a:prstGeom prst="rect">
+              <a:avLst/>
+            </a:prstGeom>
+          </p:spPr>
+          <p:txBody>
+            <a:bodyPr wrap="none">
+              <a:spAutoFit/>
+            </a:bodyPr>
+            <a:lstStyle/>
+            <a:p>
+              <a:r>
+                <a:rPr lang="en-US" sz="800" dirty="0" smtClean="0"/>
+                <a:t>100%</a:t>
+              </a:r>
+              <a:endParaRPr lang="en-US" sz="800" dirty="0"/>
+            </a:p>
+          </p:txBody>
+        </p:sp>
+        <p:sp>
+          <p:nvSpPr>
+            <p:cNvPr id="40" name="Rectangle 39"/>
+            <p:cNvSpPr/>
+            <p:nvPr/>
+          </p:nvSpPr>
+          <p:spPr>
+            <a:xfrm>
+              <a:off x="1402284" y="3443486"/>
+              <a:ext cx="412292" cy="215444"/>
+            </a:xfrm>
+            <a:prstGeom prst="rect">
+              <a:avLst/>
+            </a:prstGeom>
+          </p:spPr>
+          <p:txBody>
+            <a:bodyPr wrap="none">
+              <a:spAutoFit/>
+            </a:bodyPr>
+            <a:lstStyle/>
+            <a:p>
+              <a:r>
+                <a:rPr lang="en-US" sz="800" dirty="0" smtClean="0"/>
+                <a:t>100%</a:t>
+              </a:r>
+              <a:endParaRPr lang="en-US" sz="800" dirty="0"/>
+            </a:p>
+          </p:txBody>
+        </p:sp>
+        <p:sp>
+          <p:nvSpPr>
+            <p:cNvPr id="41" name="Rectangle 40"/>
+            <p:cNvSpPr/>
+            <p:nvPr/>
+          </p:nvSpPr>
+          <p:spPr>
+            <a:xfrm>
+              <a:off x="1402284" y="3658930"/>
+              <a:ext cx="412292" cy="215444"/>
+            </a:xfrm>
+            <a:prstGeom prst="rect">
+              <a:avLst/>
+            </a:prstGeom>
+          </p:spPr>
+          <p:txBody>
+            <a:bodyPr wrap="none">
+              <a:spAutoFit/>
+            </a:bodyPr>
+            <a:lstStyle/>
+            <a:p>
+              <a:r>
+                <a:rPr lang="en-US" sz="800" dirty="0" smtClean="0"/>
+                <a:t>100%</a:t>
+              </a:r>
+              <a:endParaRPr lang="en-US" sz="800" dirty="0"/>
+            </a:p>
+          </p:txBody>
+        </p:sp>
+        <p:sp>
+          <p:nvSpPr>
+            <p:cNvPr id="42" name="Rectangle 41"/>
+            <p:cNvSpPr/>
+            <p:nvPr/>
+          </p:nvSpPr>
+          <p:spPr>
+            <a:xfrm>
+              <a:off x="4851634" y="1645344"/>
+              <a:ext cx="1091966" cy="215444"/>
+            </a:xfrm>
+            <a:prstGeom prst="rect">
+              <a:avLst/>
+            </a:prstGeom>
+          </p:spPr>
+          <p:txBody>
+            <a:bodyPr wrap="none">
+              <a:spAutoFit/>
+            </a:bodyPr>
+            <a:lstStyle/>
+            <a:p>
+              <a:r>
+                <a:rPr lang="en-US" sz="800" dirty="0"/>
+                <a:t>Microsoft Office tools</a:t>
+              </a:r>
+            </a:p>
+          </p:txBody>
+        </p:sp>
+        <p:sp>
+          <p:nvSpPr>
+            <p:cNvPr id="43" name="Rectangle 42"/>
+            <p:cNvSpPr/>
+            <p:nvPr/>
+          </p:nvSpPr>
+          <p:spPr>
+            <a:xfrm>
+              <a:off x="4439342" y="1653111"/>
+              <a:ext cx="412292" cy="215444"/>
+            </a:xfrm>
+            <a:prstGeom prst="rect">
+              <a:avLst/>
+            </a:prstGeom>
+          </p:spPr>
+          <p:txBody>
+            <a:bodyPr wrap="none">
+              <a:spAutoFit/>
+            </a:bodyPr>
+            <a:lstStyle/>
+            <a:p>
+              <a:r>
+                <a:rPr lang="en-US" sz="800" dirty="0" smtClean="0"/>
+                <a:t>100%</a:t>
+              </a:r>
+              <a:endParaRPr lang="en-US" sz="800" dirty="0"/>
+            </a:p>
+          </p:txBody>
+        </p:sp>
+        <p:sp>
+          <p:nvSpPr>
+            <p:cNvPr id="44" name="Rectangle 43"/>
+            <p:cNvSpPr/>
+            <p:nvPr/>
+          </p:nvSpPr>
+          <p:spPr>
+            <a:xfrm>
+              <a:off x="4439342" y="1911852"/>
+              <a:ext cx="360996" cy="215444"/>
+            </a:xfrm>
+            <a:prstGeom prst="rect">
+              <a:avLst/>
+            </a:prstGeom>
+          </p:spPr>
+          <p:txBody>
+            <a:bodyPr wrap="none">
               <a:spAutoFit/>
             </a:bodyPr>
             <a:lstStyle/>
@@ -3409,38 +7413,341 @@
             </a:p>
           </p:txBody>
         </p:sp>
-      </p:grpSp>
-      <p:grpSp>
-        <p:nvGrpSpPr>
-          <p:cNvPr id="23" name="Group 22"/>
-          <p:cNvGrpSpPr/>
-          <p:nvPr/>
-        </p:nvGrpSpPr>
-        <p:grpSpPr>
-          <a:xfrm>
-            <a:off x="4567413" y="1600200"/>
-            <a:ext cx="2775564" cy="123111"/>
-            <a:chOff x="4567413" y="1600200"/>
-            <a:chExt cx="2775564" cy="123111"/>
-          </a:xfrm>
-        </p:grpSpPr>
+        <p:sp>
+          <p:nvSpPr>
+            <p:cNvPr id="45" name="Rectangle 44"/>
+            <p:cNvSpPr/>
+            <p:nvPr/>
+          </p:nvSpPr>
+          <p:spPr>
+            <a:xfrm>
+              <a:off x="4851634" y="1844463"/>
+              <a:ext cx="239168" cy="215444"/>
+            </a:xfrm>
+            <a:prstGeom prst="rect">
+              <a:avLst/>
+            </a:prstGeom>
+          </p:spPr>
+          <p:txBody>
+            <a:bodyPr wrap="none">
+              <a:spAutoFit/>
+            </a:bodyPr>
+            <a:lstStyle/>
+            <a:p>
+              <a:r>
+                <a:rPr lang="en-US" sz="800" dirty="0" smtClean="0"/>
+                <a:t>C</a:t>
+              </a:r>
+              <a:endParaRPr lang="en-US" sz="800" dirty="0"/>
+            </a:p>
+          </p:txBody>
+        </p:sp>
+        <p:sp>
+          <p:nvSpPr>
+            <p:cNvPr id="46" name="Rectangle 45"/>
+            <p:cNvSpPr/>
+            <p:nvPr/>
+          </p:nvSpPr>
+          <p:spPr>
+            <a:xfrm>
+              <a:off x="4439342" y="2179314"/>
+              <a:ext cx="360996" cy="215444"/>
+            </a:xfrm>
+            <a:prstGeom prst="rect">
+              <a:avLst/>
+            </a:prstGeom>
+          </p:spPr>
+          <p:txBody>
+            <a:bodyPr wrap="none">
+              <a:spAutoFit/>
+            </a:bodyPr>
+            <a:lstStyle/>
+            <a:p>
+              <a:r>
+                <a:rPr lang="en-US" sz="800" dirty="0" smtClean="0"/>
+                <a:t>50%</a:t>
+              </a:r>
+              <a:endParaRPr lang="en-US" sz="800" dirty="0"/>
+            </a:p>
+          </p:txBody>
+        </p:sp>
+        <p:sp>
+          <p:nvSpPr>
+            <p:cNvPr id="47" name="Rectangle 46"/>
+            <p:cNvSpPr/>
+            <p:nvPr/>
+          </p:nvSpPr>
+          <p:spPr>
+            <a:xfrm>
+              <a:off x="4851634" y="2112282"/>
+              <a:ext cx="429926" cy="215444"/>
+            </a:xfrm>
+            <a:prstGeom prst="rect">
+              <a:avLst/>
+            </a:prstGeom>
+          </p:spPr>
+          <p:txBody>
+            <a:bodyPr wrap="none">
+              <a:spAutoFit/>
+            </a:bodyPr>
+            <a:lstStyle/>
+            <a:p>
+              <a:r>
+                <a:rPr lang="en-US" sz="800" dirty="0" smtClean="0"/>
+                <a:t>HTML</a:t>
+              </a:r>
+              <a:endParaRPr lang="en-US" sz="800" dirty="0"/>
+            </a:p>
+          </p:txBody>
+        </p:sp>
+        <p:sp>
+          <p:nvSpPr>
+            <p:cNvPr id="48" name="Rectangle 47"/>
+            <p:cNvSpPr/>
+            <p:nvPr/>
+          </p:nvSpPr>
+          <p:spPr>
+            <a:xfrm>
+              <a:off x="4439342" y="2415785"/>
+              <a:ext cx="360996" cy="215444"/>
+            </a:xfrm>
+            <a:prstGeom prst="rect">
+              <a:avLst/>
+            </a:prstGeom>
+          </p:spPr>
+          <p:txBody>
+            <a:bodyPr wrap="none">
+              <a:spAutoFit/>
+            </a:bodyPr>
+            <a:lstStyle/>
+            <a:p>
+              <a:r>
+                <a:rPr lang="en-US" sz="800" dirty="0" smtClean="0"/>
+                <a:t>50%</a:t>
+              </a:r>
+              <a:endParaRPr lang="en-US" sz="800" dirty="0"/>
+            </a:p>
+          </p:txBody>
+        </p:sp>
+        <p:sp>
+          <p:nvSpPr>
+            <p:cNvPr id="49" name="Rectangle 48"/>
+            <p:cNvSpPr/>
+            <p:nvPr/>
+          </p:nvSpPr>
+          <p:spPr>
+            <a:xfrm>
+              <a:off x="4851634" y="2348753"/>
+              <a:ext cx="332142" cy="215444"/>
+            </a:xfrm>
+            <a:prstGeom prst="rect">
+              <a:avLst/>
+            </a:prstGeom>
+          </p:spPr>
+          <p:txBody>
+            <a:bodyPr wrap="none">
+              <a:spAutoFit/>
+            </a:bodyPr>
+            <a:lstStyle/>
+            <a:p>
+              <a:r>
+                <a:rPr lang="en-US" sz="800" dirty="0" smtClean="0"/>
+                <a:t>CSS</a:t>
+              </a:r>
+              <a:endParaRPr lang="en-US" sz="800" dirty="0"/>
+            </a:p>
+          </p:txBody>
+        </p:sp>
+        <p:sp>
+          <p:nvSpPr>
+            <p:cNvPr id="50" name="Rectangle 49"/>
+            <p:cNvSpPr/>
+            <p:nvPr/>
+          </p:nvSpPr>
+          <p:spPr>
+            <a:xfrm>
+              <a:off x="4439342" y="2639237"/>
+              <a:ext cx="360996" cy="215444"/>
+            </a:xfrm>
+            <a:prstGeom prst="rect">
+              <a:avLst/>
+            </a:prstGeom>
+          </p:spPr>
+          <p:txBody>
+            <a:bodyPr wrap="none">
+              <a:spAutoFit/>
+            </a:bodyPr>
+            <a:lstStyle/>
+            <a:p>
+              <a:r>
+                <a:rPr lang="en-US" sz="800" dirty="0" smtClean="0"/>
+                <a:t>50%</a:t>
+              </a:r>
+              <a:endParaRPr lang="en-US" sz="800" dirty="0"/>
+            </a:p>
+          </p:txBody>
+        </p:sp>
+        <p:sp>
+          <p:nvSpPr>
+            <p:cNvPr id="51" name="Rectangle 50"/>
+            <p:cNvSpPr/>
+            <p:nvPr/>
+          </p:nvSpPr>
+          <p:spPr>
+            <a:xfrm>
+              <a:off x="4851634" y="2578277"/>
+              <a:ext cx="599844" cy="215444"/>
+            </a:xfrm>
+            <a:prstGeom prst="rect">
+              <a:avLst/>
+            </a:prstGeom>
+          </p:spPr>
+          <p:txBody>
+            <a:bodyPr wrap="none">
+              <a:spAutoFit/>
+            </a:bodyPr>
+            <a:lstStyle/>
+            <a:p>
+              <a:r>
+                <a:rPr lang="en-US" sz="800" dirty="0" smtClean="0"/>
+                <a:t>JavaScript</a:t>
+              </a:r>
+              <a:endParaRPr lang="en-US" sz="800" dirty="0"/>
+            </a:p>
+          </p:txBody>
+        </p:sp>
+        <p:sp>
+          <p:nvSpPr>
+            <p:cNvPr id="52" name="Rectangle 51"/>
+            <p:cNvSpPr/>
+            <p:nvPr/>
+          </p:nvSpPr>
+          <p:spPr>
+            <a:xfrm>
+              <a:off x="4851634" y="2826068"/>
+              <a:ext cx="562975" cy="215444"/>
+            </a:xfrm>
+            <a:prstGeom prst="rect">
+              <a:avLst/>
+            </a:prstGeom>
+          </p:spPr>
+          <p:txBody>
+            <a:bodyPr wrap="none">
+              <a:spAutoFit/>
+            </a:bodyPr>
+            <a:lstStyle/>
+            <a:p>
+              <a:r>
+                <a:rPr lang="en-US" sz="800" dirty="0"/>
+                <a:t>MATLAB </a:t>
+              </a:r>
+            </a:p>
+          </p:txBody>
+        </p:sp>
+        <p:sp>
+          <p:nvSpPr>
+            <p:cNvPr id="53" name="Rectangle 52"/>
+            <p:cNvSpPr/>
+            <p:nvPr/>
+          </p:nvSpPr>
+          <p:spPr>
+            <a:xfrm>
+              <a:off x="4439342" y="2841308"/>
+              <a:ext cx="360996" cy="215444"/>
+            </a:xfrm>
+            <a:prstGeom prst="rect">
+              <a:avLst/>
+            </a:prstGeom>
+          </p:spPr>
+          <p:txBody>
+            <a:bodyPr wrap="none">
+              <a:spAutoFit/>
+            </a:bodyPr>
+            <a:lstStyle/>
+            <a:p>
+              <a:r>
+                <a:rPr lang="en-US" sz="800" dirty="0" smtClean="0"/>
+                <a:t>50%</a:t>
+              </a:r>
+              <a:endParaRPr lang="en-US" sz="800" dirty="0"/>
+            </a:p>
+          </p:txBody>
+        </p:sp>
+        <p:sp>
+          <p:nvSpPr>
+            <p:cNvPr id="54" name="Rectangle 53"/>
+            <p:cNvSpPr/>
+            <p:nvPr/>
+          </p:nvSpPr>
+          <p:spPr>
+            <a:xfrm>
+              <a:off x="4439342" y="3061662"/>
+              <a:ext cx="360996" cy="215444"/>
+            </a:xfrm>
+            <a:prstGeom prst="rect">
+              <a:avLst/>
+            </a:prstGeom>
+          </p:spPr>
+          <p:txBody>
+            <a:bodyPr wrap="none">
+              <a:spAutoFit/>
+            </a:bodyPr>
+            <a:lstStyle/>
+            <a:p>
+              <a:r>
+                <a:rPr lang="en-US" sz="800" dirty="0" smtClean="0"/>
+                <a:t>25%</a:t>
+              </a:r>
+              <a:endParaRPr lang="en-US" sz="800" dirty="0"/>
+            </a:p>
+          </p:txBody>
+        </p:sp>
+        <p:sp>
+          <p:nvSpPr>
+            <p:cNvPr id="56" name="Rectangle 55"/>
+            <p:cNvSpPr/>
+            <p:nvPr/>
+          </p:nvSpPr>
+          <p:spPr>
+            <a:xfrm>
+              <a:off x="4851634" y="3038714"/>
+              <a:ext cx="481222" cy="215444"/>
+            </a:xfrm>
+            <a:prstGeom prst="rect">
+              <a:avLst/>
+            </a:prstGeom>
+          </p:spPr>
+          <p:txBody>
+            <a:bodyPr wrap="none">
+              <a:spAutoFit/>
+            </a:bodyPr>
+            <a:lstStyle/>
+            <a:p>
+              <a:r>
+                <a:rPr lang="en-US" sz="800" dirty="0" smtClean="0"/>
+                <a:t>Python</a:t>
+              </a:r>
+              <a:endParaRPr lang="en-US" sz="800" dirty="0"/>
+            </a:p>
+          </p:txBody>
+        </p:sp>
         <p:grpSp>
           <p:nvGrpSpPr>
-            <p:cNvPr id="21" name="Group 20"/>
+            <p:cNvPr id="57" name="Group 56"/>
             <p:cNvGrpSpPr/>
             <p:nvPr/>
           </p:nvGrpSpPr>
           <p:grpSpPr>
             <a:xfrm>
-              <a:off x="4567413" y="1600200"/>
-              <a:ext cx="2514600" cy="95250"/>
+              <a:off x="685800" y="1750784"/>
+              <a:ext cx="628650" cy="23813"/>
               <a:chOff x="4572000" y="2176820"/>
               <a:chExt cx="2514600" cy="95250"/>
             </a:xfrm>
           </p:grpSpPr>
           <p:sp>
             <p:nvSpPr>
-              <p:cNvPr id="7" name="Rounded Rectangle 6"/>
+              <p:cNvPr id="58" name="Rounded Rectangle 57"/>
               <p:cNvSpPr/>
               <p:nvPr/>
             </p:nvSpPr>
@@ -3488,7 +7795,7 @@
           </p:sp>
           <p:sp>
             <p:nvSpPr>
-              <p:cNvPr id="12" name="Rounded Rectangle 11"/>
+              <p:cNvPr id="59" name="Rounded Rectangle 58"/>
               <p:cNvSpPr/>
               <p:nvPr/>
             </p:nvSpPr>
@@ -3541,44 +7848,2343 @@
             </p:txBody>
           </p:sp>
         </p:grpSp>
+        <p:grpSp>
+          <p:nvGrpSpPr>
+            <p:cNvPr id="60" name="Group 59"/>
+            <p:cNvGrpSpPr/>
+            <p:nvPr/>
+          </p:nvGrpSpPr>
+          <p:grpSpPr>
+            <a:xfrm>
+              <a:off x="685800" y="1929467"/>
+              <a:ext cx="628650" cy="23813"/>
+              <a:chOff x="4572000" y="2176820"/>
+              <a:chExt cx="2514600" cy="95250"/>
+            </a:xfrm>
+          </p:grpSpPr>
+          <p:sp>
+            <p:nvSpPr>
+              <p:cNvPr id="61" name="Rounded Rectangle 60"/>
+              <p:cNvSpPr/>
+              <p:nvPr/>
+            </p:nvSpPr>
+            <p:spPr>
+              <a:xfrm>
+                <a:off x="4572000" y="2176820"/>
+                <a:ext cx="2514600" cy="95250"/>
+              </a:xfrm>
+              <a:prstGeom prst="roundRect">
+                <a:avLst/>
+              </a:prstGeom>
+              <a:solidFill>
+                <a:schemeClr val="tx1"/>
+              </a:solidFill>
+              <a:ln>
+                <a:solidFill>
+                  <a:schemeClr val="tx1"/>
+                </a:solidFill>
+              </a:ln>
+            </p:spPr>
+            <p:style>
+              <a:lnRef idx="2">
+                <a:schemeClr val="accent1">
+                  <a:shade val="50000"/>
+                </a:schemeClr>
+              </a:lnRef>
+              <a:fillRef idx="1">
+                <a:schemeClr val="accent1"/>
+              </a:fillRef>
+              <a:effectRef idx="0">
+                <a:schemeClr val="accent1"/>
+              </a:effectRef>
+              <a:fontRef idx="minor">
+                <a:schemeClr val="lt1"/>
+              </a:fontRef>
+            </p:style>
+            <p:txBody>
+              <a:bodyPr rtlCol="0" anchor="ctr"/>
+              <a:lstStyle/>
+              <a:p>
+                <a:pPr algn="ctr"/>
+                <a:endParaRPr lang="en-US"/>
+              </a:p>
+            </p:txBody>
+          </p:sp>
+          <p:sp>
+            <p:nvSpPr>
+              <p:cNvPr id="62" name="Rounded Rectangle 61"/>
+              <p:cNvSpPr/>
+              <p:nvPr/>
+            </p:nvSpPr>
+            <p:spPr>
+              <a:xfrm>
+                <a:off x="4572000" y="2184821"/>
+                <a:ext cx="2514600" cy="85725"/>
+              </a:xfrm>
+              <a:prstGeom prst="roundRect">
+                <a:avLst/>
+              </a:prstGeom>
+              <a:pattFill prst="wdUpDiag">
+                <a:fgClr>
+                  <a:srgbClr val="00B050"/>
+                </a:fgClr>
+                <a:bgClr>
+                  <a:schemeClr val="accent3">
+                    <a:lumMod val="40000"/>
+                    <a:lumOff val="60000"/>
+                  </a:schemeClr>
+                </a:bgClr>
+              </a:pattFill>
+              <a:ln>
+                <a:noFill/>
+              </a:ln>
+            </p:spPr>
+            <p:style>
+              <a:lnRef idx="2">
+                <a:schemeClr val="accent1">
+                  <a:shade val="50000"/>
+                </a:schemeClr>
+              </a:lnRef>
+              <a:fillRef idx="1">
+                <a:schemeClr val="accent1"/>
+              </a:fillRef>
+              <a:effectRef idx="0">
+                <a:schemeClr val="accent1"/>
+              </a:effectRef>
+              <a:fontRef idx="minor">
+                <a:schemeClr val="lt1"/>
+              </a:fontRef>
+            </p:style>
+            <p:txBody>
+              <a:bodyPr rtlCol="0" anchor="ctr"/>
+              <a:lstStyle/>
+              <a:p>
+                <a:pPr algn="ctr"/>
+                <a:endParaRPr lang="en-US"/>
+              </a:p>
+            </p:txBody>
+          </p:sp>
+        </p:grpSp>
+        <p:grpSp>
+          <p:nvGrpSpPr>
+            <p:cNvPr id="63" name="Group 62"/>
+            <p:cNvGrpSpPr/>
+            <p:nvPr/>
+          </p:nvGrpSpPr>
+          <p:grpSpPr>
+            <a:xfrm>
+              <a:off x="685800" y="2107859"/>
+              <a:ext cx="628650" cy="23813"/>
+              <a:chOff x="4572000" y="2176820"/>
+              <a:chExt cx="2514600" cy="95250"/>
+            </a:xfrm>
+          </p:grpSpPr>
+          <p:sp>
+            <p:nvSpPr>
+              <p:cNvPr id="64" name="Rounded Rectangle 63"/>
+              <p:cNvSpPr/>
+              <p:nvPr/>
+            </p:nvSpPr>
+            <p:spPr>
+              <a:xfrm>
+                <a:off x="4572000" y="2176820"/>
+                <a:ext cx="2514600" cy="95250"/>
+              </a:xfrm>
+              <a:prstGeom prst="roundRect">
+                <a:avLst/>
+              </a:prstGeom>
+              <a:solidFill>
+                <a:schemeClr val="tx1"/>
+              </a:solidFill>
+              <a:ln>
+                <a:solidFill>
+                  <a:schemeClr val="tx1"/>
+                </a:solidFill>
+              </a:ln>
+            </p:spPr>
+            <p:style>
+              <a:lnRef idx="2">
+                <a:schemeClr val="accent1">
+                  <a:shade val="50000"/>
+                </a:schemeClr>
+              </a:lnRef>
+              <a:fillRef idx="1">
+                <a:schemeClr val="accent1"/>
+              </a:fillRef>
+              <a:effectRef idx="0">
+                <a:schemeClr val="accent1"/>
+              </a:effectRef>
+              <a:fontRef idx="minor">
+                <a:schemeClr val="lt1"/>
+              </a:fontRef>
+            </p:style>
+            <p:txBody>
+              <a:bodyPr rtlCol="0" anchor="ctr"/>
+              <a:lstStyle/>
+              <a:p>
+                <a:pPr algn="ctr"/>
+                <a:endParaRPr lang="en-US"/>
+              </a:p>
+            </p:txBody>
+          </p:sp>
+          <p:sp>
+            <p:nvSpPr>
+              <p:cNvPr id="65" name="Rounded Rectangle 64"/>
+              <p:cNvSpPr/>
+              <p:nvPr/>
+            </p:nvSpPr>
+            <p:spPr>
+              <a:xfrm>
+                <a:off x="4572000" y="2184821"/>
+                <a:ext cx="2514600" cy="85725"/>
+              </a:xfrm>
+              <a:prstGeom prst="roundRect">
+                <a:avLst/>
+              </a:prstGeom>
+              <a:pattFill prst="wdUpDiag">
+                <a:fgClr>
+                  <a:srgbClr val="00B050"/>
+                </a:fgClr>
+                <a:bgClr>
+                  <a:schemeClr val="accent3">
+                    <a:lumMod val="40000"/>
+                    <a:lumOff val="60000"/>
+                  </a:schemeClr>
+                </a:bgClr>
+              </a:pattFill>
+              <a:ln>
+                <a:noFill/>
+              </a:ln>
+            </p:spPr>
+            <p:style>
+              <a:lnRef idx="2">
+                <a:schemeClr val="accent1">
+                  <a:shade val="50000"/>
+                </a:schemeClr>
+              </a:lnRef>
+              <a:fillRef idx="1">
+                <a:schemeClr val="accent1"/>
+              </a:fillRef>
+              <a:effectRef idx="0">
+                <a:schemeClr val="accent1"/>
+              </a:effectRef>
+              <a:fontRef idx="minor">
+                <a:schemeClr val="lt1"/>
+              </a:fontRef>
+            </p:style>
+            <p:txBody>
+              <a:bodyPr rtlCol="0" anchor="ctr"/>
+              <a:lstStyle/>
+              <a:p>
+                <a:pPr algn="ctr"/>
+                <a:endParaRPr lang="en-US"/>
+              </a:p>
+            </p:txBody>
+          </p:sp>
+        </p:grpSp>
+        <p:grpSp>
+          <p:nvGrpSpPr>
+            <p:cNvPr id="66" name="Group 65"/>
+            <p:cNvGrpSpPr/>
+            <p:nvPr/>
+          </p:nvGrpSpPr>
+          <p:grpSpPr>
+            <a:xfrm>
+              <a:off x="685800" y="2309962"/>
+              <a:ext cx="628650" cy="23813"/>
+              <a:chOff x="4572000" y="2176820"/>
+              <a:chExt cx="2514600" cy="95250"/>
+            </a:xfrm>
+          </p:grpSpPr>
+          <p:sp>
+            <p:nvSpPr>
+              <p:cNvPr id="67" name="Rounded Rectangle 66"/>
+              <p:cNvSpPr/>
+              <p:nvPr/>
+            </p:nvSpPr>
+            <p:spPr>
+              <a:xfrm>
+                <a:off x="4572000" y="2176820"/>
+                <a:ext cx="2514600" cy="95250"/>
+              </a:xfrm>
+              <a:prstGeom prst="roundRect">
+                <a:avLst/>
+              </a:prstGeom>
+              <a:solidFill>
+                <a:schemeClr val="tx1"/>
+              </a:solidFill>
+              <a:ln>
+                <a:solidFill>
+                  <a:schemeClr val="tx1"/>
+                </a:solidFill>
+              </a:ln>
+            </p:spPr>
+            <p:style>
+              <a:lnRef idx="2">
+                <a:schemeClr val="accent1">
+                  <a:shade val="50000"/>
+                </a:schemeClr>
+              </a:lnRef>
+              <a:fillRef idx="1">
+                <a:schemeClr val="accent1"/>
+              </a:fillRef>
+              <a:effectRef idx="0">
+                <a:schemeClr val="accent1"/>
+              </a:effectRef>
+              <a:fontRef idx="minor">
+                <a:schemeClr val="lt1"/>
+              </a:fontRef>
+            </p:style>
+            <p:txBody>
+              <a:bodyPr rtlCol="0" anchor="ctr"/>
+              <a:lstStyle/>
+              <a:p>
+                <a:pPr algn="ctr"/>
+                <a:endParaRPr lang="en-US"/>
+              </a:p>
+            </p:txBody>
+          </p:sp>
+          <p:sp>
+            <p:nvSpPr>
+              <p:cNvPr id="68" name="Rounded Rectangle 67"/>
+              <p:cNvSpPr/>
+              <p:nvPr/>
+            </p:nvSpPr>
+            <p:spPr>
+              <a:xfrm>
+                <a:off x="4572000" y="2184821"/>
+                <a:ext cx="2514600" cy="85725"/>
+              </a:xfrm>
+              <a:prstGeom prst="roundRect">
+                <a:avLst/>
+              </a:prstGeom>
+              <a:pattFill prst="wdUpDiag">
+                <a:fgClr>
+                  <a:srgbClr val="00B050"/>
+                </a:fgClr>
+                <a:bgClr>
+                  <a:schemeClr val="accent3">
+                    <a:lumMod val="40000"/>
+                    <a:lumOff val="60000"/>
+                  </a:schemeClr>
+                </a:bgClr>
+              </a:pattFill>
+              <a:ln>
+                <a:noFill/>
+              </a:ln>
+            </p:spPr>
+            <p:style>
+              <a:lnRef idx="2">
+                <a:schemeClr val="accent1">
+                  <a:shade val="50000"/>
+                </a:schemeClr>
+              </a:lnRef>
+              <a:fillRef idx="1">
+                <a:schemeClr val="accent1"/>
+              </a:fillRef>
+              <a:effectRef idx="0">
+                <a:schemeClr val="accent1"/>
+              </a:effectRef>
+              <a:fontRef idx="minor">
+                <a:schemeClr val="lt1"/>
+              </a:fontRef>
+            </p:style>
+            <p:txBody>
+              <a:bodyPr rtlCol="0" anchor="ctr"/>
+              <a:lstStyle/>
+              <a:p>
+                <a:pPr algn="ctr"/>
+                <a:endParaRPr lang="en-US"/>
+              </a:p>
+            </p:txBody>
+          </p:sp>
+        </p:grpSp>
+        <p:grpSp>
+          <p:nvGrpSpPr>
+            <p:cNvPr id="69" name="Group 68"/>
+            <p:cNvGrpSpPr/>
+            <p:nvPr/>
+          </p:nvGrpSpPr>
+          <p:grpSpPr>
+            <a:xfrm>
+              <a:off x="685800" y="2469238"/>
+              <a:ext cx="628650" cy="23813"/>
+              <a:chOff x="4572000" y="2176820"/>
+              <a:chExt cx="2514600" cy="95250"/>
+            </a:xfrm>
+          </p:grpSpPr>
+          <p:sp>
+            <p:nvSpPr>
+              <p:cNvPr id="70" name="Rounded Rectangle 69"/>
+              <p:cNvSpPr/>
+              <p:nvPr/>
+            </p:nvSpPr>
+            <p:spPr>
+              <a:xfrm>
+                <a:off x="4572000" y="2176820"/>
+                <a:ext cx="2514600" cy="95250"/>
+              </a:xfrm>
+              <a:prstGeom prst="roundRect">
+                <a:avLst/>
+              </a:prstGeom>
+              <a:solidFill>
+                <a:schemeClr val="tx1"/>
+              </a:solidFill>
+              <a:ln>
+                <a:solidFill>
+                  <a:schemeClr val="tx1"/>
+                </a:solidFill>
+              </a:ln>
+            </p:spPr>
+            <p:style>
+              <a:lnRef idx="2">
+                <a:schemeClr val="accent1">
+                  <a:shade val="50000"/>
+                </a:schemeClr>
+              </a:lnRef>
+              <a:fillRef idx="1">
+                <a:schemeClr val="accent1"/>
+              </a:fillRef>
+              <a:effectRef idx="0">
+                <a:schemeClr val="accent1"/>
+              </a:effectRef>
+              <a:fontRef idx="minor">
+                <a:schemeClr val="lt1"/>
+              </a:fontRef>
+            </p:style>
+            <p:txBody>
+              <a:bodyPr rtlCol="0" anchor="ctr"/>
+              <a:lstStyle/>
+              <a:p>
+                <a:pPr algn="ctr"/>
+                <a:endParaRPr lang="en-US"/>
+              </a:p>
+            </p:txBody>
+          </p:sp>
+          <p:sp>
+            <p:nvSpPr>
+              <p:cNvPr id="71" name="Rounded Rectangle 70"/>
+              <p:cNvSpPr/>
+              <p:nvPr/>
+            </p:nvSpPr>
+            <p:spPr>
+              <a:xfrm>
+                <a:off x="4572000" y="2184821"/>
+                <a:ext cx="2514600" cy="85725"/>
+              </a:xfrm>
+              <a:prstGeom prst="roundRect">
+                <a:avLst/>
+              </a:prstGeom>
+              <a:pattFill prst="wdUpDiag">
+                <a:fgClr>
+                  <a:srgbClr val="00B050"/>
+                </a:fgClr>
+                <a:bgClr>
+                  <a:schemeClr val="accent3">
+                    <a:lumMod val="40000"/>
+                    <a:lumOff val="60000"/>
+                  </a:schemeClr>
+                </a:bgClr>
+              </a:pattFill>
+              <a:ln>
+                <a:noFill/>
+              </a:ln>
+            </p:spPr>
+            <p:style>
+              <a:lnRef idx="2">
+                <a:schemeClr val="accent1">
+                  <a:shade val="50000"/>
+                </a:schemeClr>
+              </a:lnRef>
+              <a:fillRef idx="1">
+                <a:schemeClr val="accent1"/>
+              </a:fillRef>
+              <a:effectRef idx="0">
+                <a:schemeClr val="accent1"/>
+              </a:effectRef>
+              <a:fontRef idx="minor">
+                <a:schemeClr val="lt1"/>
+              </a:fontRef>
+            </p:style>
+            <p:txBody>
+              <a:bodyPr rtlCol="0" anchor="ctr"/>
+              <a:lstStyle/>
+              <a:p>
+                <a:pPr algn="ctr"/>
+                <a:endParaRPr lang="en-US"/>
+              </a:p>
+            </p:txBody>
+          </p:sp>
+        </p:grpSp>
+        <p:grpSp>
+          <p:nvGrpSpPr>
+            <p:cNvPr id="72" name="Group 71"/>
+            <p:cNvGrpSpPr/>
+            <p:nvPr/>
+          </p:nvGrpSpPr>
+          <p:grpSpPr>
+            <a:xfrm>
+              <a:off x="685800" y="2703641"/>
+              <a:ext cx="628650" cy="23813"/>
+              <a:chOff x="4572000" y="2176820"/>
+              <a:chExt cx="2514600" cy="95250"/>
+            </a:xfrm>
+          </p:grpSpPr>
+          <p:sp>
+            <p:nvSpPr>
+              <p:cNvPr id="73" name="Rounded Rectangle 72"/>
+              <p:cNvSpPr/>
+              <p:nvPr/>
+            </p:nvSpPr>
+            <p:spPr>
+              <a:xfrm>
+                <a:off x="4572000" y="2176820"/>
+                <a:ext cx="2514600" cy="95250"/>
+              </a:xfrm>
+              <a:prstGeom prst="roundRect">
+                <a:avLst/>
+              </a:prstGeom>
+              <a:solidFill>
+                <a:schemeClr val="tx1"/>
+              </a:solidFill>
+              <a:ln>
+                <a:solidFill>
+                  <a:schemeClr val="tx1"/>
+                </a:solidFill>
+              </a:ln>
+            </p:spPr>
+            <p:style>
+              <a:lnRef idx="2">
+                <a:schemeClr val="accent1">
+                  <a:shade val="50000"/>
+                </a:schemeClr>
+              </a:lnRef>
+              <a:fillRef idx="1">
+                <a:schemeClr val="accent1"/>
+              </a:fillRef>
+              <a:effectRef idx="0">
+                <a:schemeClr val="accent1"/>
+              </a:effectRef>
+              <a:fontRef idx="minor">
+                <a:schemeClr val="lt1"/>
+              </a:fontRef>
+            </p:style>
+            <p:txBody>
+              <a:bodyPr rtlCol="0" anchor="ctr"/>
+              <a:lstStyle/>
+              <a:p>
+                <a:pPr algn="ctr"/>
+                <a:endParaRPr lang="en-US"/>
+              </a:p>
+            </p:txBody>
+          </p:sp>
+          <p:sp>
+            <p:nvSpPr>
+              <p:cNvPr id="74" name="Rounded Rectangle 73"/>
+              <p:cNvSpPr/>
+              <p:nvPr/>
+            </p:nvSpPr>
+            <p:spPr>
+              <a:xfrm>
+                <a:off x="4572000" y="2184821"/>
+                <a:ext cx="2514600" cy="85725"/>
+              </a:xfrm>
+              <a:prstGeom prst="roundRect">
+                <a:avLst/>
+              </a:prstGeom>
+              <a:pattFill prst="wdUpDiag">
+                <a:fgClr>
+                  <a:srgbClr val="00B050"/>
+                </a:fgClr>
+                <a:bgClr>
+                  <a:schemeClr val="accent3">
+                    <a:lumMod val="40000"/>
+                    <a:lumOff val="60000"/>
+                  </a:schemeClr>
+                </a:bgClr>
+              </a:pattFill>
+              <a:ln>
+                <a:noFill/>
+              </a:ln>
+            </p:spPr>
+            <p:style>
+              <a:lnRef idx="2">
+                <a:schemeClr val="accent1">
+                  <a:shade val="50000"/>
+                </a:schemeClr>
+              </a:lnRef>
+              <a:fillRef idx="1">
+                <a:schemeClr val="accent1"/>
+              </a:fillRef>
+              <a:effectRef idx="0">
+                <a:schemeClr val="accent1"/>
+              </a:effectRef>
+              <a:fontRef idx="minor">
+                <a:schemeClr val="lt1"/>
+              </a:fontRef>
+            </p:style>
+            <p:txBody>
+              <a:bodyPr rtlCol="0" anchor="ctr"/>
+              <a:lstStyle/>
+              <a:p>
+                <a:pPr algn="ctr"/>
+                <a:endParaRPr lang="en-US"/>
+              </a:p>
+            </p:txBody>
+          </p:sp>
+        </p:grpSp>
+        <p:grpSp>
+          <p:nvGrpSpPr>
+            <p:cNvPr id="75" name="Group 74"/>
+            <p:cNvGrpSpPr/>
+            <p:nvPr/>
+          </p:nvGrpSpPr>
+          <p:grpSpPr>
+            <a:xfrm>
+              <a:off x="685800" y="2866489"/>
+              <a:ext cx="628650" cy="23813"/>
+              <a:chOff x="4572000" y="2176820"/>
+              <a:chExt cx="2514600" cy="95250"/>
+            </a:xfrm>
+          </p:grpSpPr>
+          <p:sp>
+            <p:nvSpPr>
+              <p:cNvPr id="76" name="Rounded Rectangle 75"/>
+              <p:cNvSpPr/>
+              <p:nvPr/>
+            </p:nvSpPr>
+            <p:spPr>
+              <a:xfrm>
+                <a:off x="4572000" y="2176820"/>
+                <a:ext cx="2514600" cy="95250"/>
+              </a:xfrm>
+              <a:prstGeom prst="roundRect">
+                <a:avLst/>
+              </a:prstGeom>
+              <a:solidFill>
+                <a:schemeClr val="tx1"/>
+              </a:solidFill>
+              <a:ln>
+                <a:solidFill>
+                  <a:schemeClr val="tx1"/>
+                </a:solidFill>
+              </a:ln>
+            </p:spPr>
+            <p:style>
+              <a:lnRef idx="2">
+                <a:schemeClr val="accent1">
+                  <a:shade val="50000"/>
+                </a:schemeClr>
+              </a:lnRef>
+              <a:fillRef idx="1">
+                <a:schemeClr val="accent1"/>
+              </a:fillRef>
+              <a:effectRef idx="0">
+                <a:schemeClr val="accent1"/>
+              </a:effectRef>
+              <a:fontRef idx="minor">
+                <a:schemeClr val="lt1"/>
+              </a:fontRef>
+            </p:style>
+            <p:txBody>
+              <a:bodyPr rtlCol="0" anchor="ctr"/>
+              <a:lstStyle/>
+              <a:p>
+                <a:pPr algn="ctr"/>
+                <a:endParaRPr lang="en-US"/>
+              </a:p>
+            </p:txBody>
+          </p:sp>
+          <p:sp>
+            <p:nvSpPr>
+              <p:cNvPr id="77" name="Rounded Rectangle 76"/>
+              <p:cNvSpPr/>
+              <p:nvPr/>
+            </p:nvSpPr>
+            <p:spPr>
+              <a:xfrm>
+                <a:off x="4572000" y="2184821"/>
+                <a:ext cx="2514600" cy="85725"/>
+              </a:xfrm>
+              <a:prstGeom prst="roundRect">
+                <a:avLst/>
+              </a:prstGeom>
+              <a:pattFill prst="wdUpDiag">
+                <a:fgClr>
+                  <a:srgbClr val="00B050"/>
+                </a:fgClr>
+                <a:bgClr>
+                  <a:schemeClr val="accent3">
+                    <a:lumMod val="40000"/>
+                    <a:lumOff val="60000"/>
+                  </a:schemeClr>
+                </a:bgClr>
+              </a:pattFill>
+              <a:ln>
+                <a:noFill/>
+              </a:ln>
+            </p:spPr>
+            <p:style>
+              <a:lnRef idx="2">
+                <a:schemeClr val="accent1">
+                  <a:shade val="50000"/>
+                </a:schemeClr>
+              </a:lnRef>
+              <a:fillRef idx="1">
+                <a:schemeClr val="accent1"/>
+              </a:fillRef>
+              <a:effectRef idx="0">
+                <a:schemeClr val="accent1"/>
+              </a:effectRef>
+              <a:fontRef idx="minor">
+                <a:schemeClr val="lt1"/>
+              </a:fontRef>
+            </p:style>
+            <p:txBody>
+              <a:bodyPr rtlCol="0" anchor="ctr"/>
+              <a:lstStyle/>
+              <a:p>
+                <a:pPr algn="ctr"/>
+                <a:endParaRPr lang="en-US"/>
+              </a:p>
+            </p:txBody>
+          </p:sp>
+        </p:grpSp>
+        <p:grpSp>
+          <p:nvGrpSpPr>
+            <p:cNvPr id="78" name="Group 77"/>
+            <p:cNvGrpSpPr/>
+            <p:nvPr/>
+          </p:nvGrpSpPr>
+          <p:grpSpPr>
+            <a:xfrm>
+              <a:off x="685800" y="3056752"/>
+              <a:ext cx="628650" cy="23813"/>
+              <a:chOff x="4572000" y="2176820"/>
+              <a:chExt cx="2514600" cy="95250"/>
+            </a:xfrm>
+          </p:grpSpPr>
+          <p:sp>
+            <p:nvSpPr>
+              <p:cNvPr id="79" name="Rounded Rectangle 78"/>
+              <p:cNvSpPr/>
+              <p:nvPr/>
+            </p:nvSpPr>
+            <p:spPr>
+              <a:xfrm>
+                <a:off x="4572000" y="2176820"/>
+                <a:ext cx="2514600" cy="95250"/>
+              </a:xfrm>
+              <a:prstGeom prst="roundRect">
+                <a:avLst/>
+              </a:prstGeom>
+              <a:solidFill>
+                <a:schemeClr val="tx1"/>
+              </a:solidFill>
+              <a:ln>
+                <a:solidFill>
+                  <a:schemeClr val="tx1"/>
+                </a:solidFill>
+              </a:ln>
+            </p:spPr>
+            <p:style>
+              <a:lnRef idx="2">
+                <a:schemeClr val="accent1">
+                  <a:shade val="50000"/>
+                </a:schemeClr>
+              </a:lnRef>
+              <a:fillRef idx="1">
+                <a:schemeClr val="accent1"/>
+              </a:fillRef>
+              <a:effectRef idx="0">
+                <a:schemeClr val="accent1"/>
+              </a:effectRef>
+              <a:fontRef idx="minor">
+                <a:schemeClr val="lt1"/>
+              </a:fontRef>
+            </p:style>
+            <p:txBody>
+              <a:bodyPr rtlCol="0" anchor="ctr"/>
+              <a:lstStyle/>
+              <a:p>
+                <a:pPr algn="ctr"/>
+                <a:endParaRPr lang="en-US"/>
+              </a:p>
+            </p:txBody>
+          </p:sp>
+          <p:sp>
+            <p:nvSpPr>
+              <p:cNvPr id="80" name="Rounded Rectangle 79"/>
+              <p:cNvSpPr/>
+              <p:nvPr/>
+            </p:nvSpPr>
+            <p:spPr>
+              <a:xfrm>
+                <a:off x="4572000" y="2184821"/>
+                <a:ext cx="2514600" cy="85725"/>
+              </a:xfrm>
+              <a:prstGeom prst="roundRect">
+                <a:avLst/>
+              </a:prstGeom>
+              <a:pattFill prst="wdUpDiag">
+                <a:fgClr>
+                  <a:srgbClr val="00B050"/>
+                </a:fgClr>
+                <a:bgClr>
+                  <a:schemeClr val="accent3">
+                    <a:lumMod val="40000"/>
+                    <a:lumOff val="60000"/>
+                  </a:schemeClr>
+                </a:bgClr>
+              </a:pattFill>
+              <a:ln>
+                <a:noFill/>
+              </a:ln>
+            </p:spPr>
+            <p:style>
+              <a:lnRef idx="2">
+                <a:schemeClr val="accent1">
+                  <a:shade val="50000"/>
+                </a:schemeClr>
+              </a:lnRef>
+              <a:fillRef idx="1">
+                <a:schemeClr val="accent1"/>
+              </a:fillRef>
+              <a:effectRef idx="0">
+                <a:schemeClr val="accent1"/>
+              </a:effectRef>
+              <a:fontRef idx="minor">
+                <a:schemeClr val="lt1"/>
+              </a:fontRef>
+            </p:style>
+            <p:txBody>
+              <a:bodyPr rtlCol="0" anchor="ctr"/>
+              <a:lstStyle/>
+              <a:p>
+                <a:pPr algn="ctr"/>
+                <a:endParaRPr lang="en-US"/>
+              </a:p>
+            </p:txBody>
+          </p:sp>
+        </p:grpSp>
+        <p:grpSp>
+          <p:nvGrpSpPr>
+            <p:cNvPr id="81" name="Group 80"/>
+            <p:cNvGrpSpPr/>
+            <p:nvPr/>
+          </p:nvGrpSpPr>
+          <p:grpSpPr>
+            <a:xfrm>
+              <a:off x="685800" y="3268952"/>
+              <a:ext cx="628650" cy="23813"/>
+              <a:chOff x="4572000" y="2176820"/>
+              <a:chExt cx="2514600" cy="95250"/>
+            </a:xfrm>
+          </p:grpSpPr>
+          <p:sp>
+            <p:nvSpPr>
+              <p:cNvPr id="82" name="Rounded Rectangle 81"/>
+              <p:cNvSpPr/>
+              <p:nvPr/>
+            </p:nvSpPr>
+            <p:spPr>
+              <a:xfrm>
+                <a:off x="4572000" y="2176820"/>
+                <a:ext cx="2514600" cy="95250"/>
+              </a:xfrm>
+              <a:prstGeom prst="roundRect">
+                <a:avLst/>
+              </a:prstGeom>
+              <a:solidFill>
+                <a:schemeClr val="tx1"/>
+              </a:solidFill>
+              <a:ln>
+                <a:solidFill>
+                  <a:schemeClr val="tx1"/>
+                </a:solidFill>
+              </a:ln>
+            </p:spPr>
+            <p:style>
+              <a:lnRef idx="2">
+                <a:schemeClr val="accent1">
+                  <a:shade val="50000"/>
+                </a:schemeClr>
+              </a:lnRef>
+              <a:fillRef idx="1">
+                <a:schemeClr val="accent1"/>
+              </a:fillRef>
+              <a:effectRef idx="0">
+                <a:schemeClr val="accent1"/>
+              </a:effectRef>
+              <a:fontRef idx="minor">
+                <a:schemeClr val="lt1"/>
+              </a:fontRef>
+            </p:style>
+            <p:txBody>
+              <a:bodyPr rtlCol="0" anchor="ctr"/>
+              <a:lstStyle/>
+              <a:p>
+                <a:pPr algn="ctr"/>
+                <a:endParaRPr lang="en-US"/>
+              </a:p>
+            </p:txBody>
+          </p:sp>
+          <p:sp>
+            <p:nvSpPr>
+              <p:cNvPr id="83" name="Rounded Rectangle 82"/>
+              <p:cNvSpPr/>
+              <p:nvPr/>
+            </p:nvSpPr>
+            <p:spPr>
+              <a:xfrm>
+                <a:off x="4572000" y="2184821"/>
+                <a:ext cx="2514600" cy="85725"/>
+              </a:xfrm>
+              <a:prstGeom prst="roundRect">
+                <a:avLst/>
+              </a:prstGeom>
+              <a:pattFill prst="wdUpDiag">
+                <a:fgClr>
+                  <a:srgbClr val="00B050"/>
+                </a:fgClr>
+                <a:bgClr>
+                  <a:schemeClr val="accent3">
+                    <a:lumMod val="40000"/>
+                    <a:lumOff val="60000"/>
+                  </a:schemeClr>
+                </a:bgClr>
+              </a:pattFill>
+              <a:ln>
+                <a:noFill/>
+              </a:ln>
+            </p:spPr>
+            <p:style>
+              <a:lnRef idx="2">
+                <a:schemeClr val="accent1">
+                  <a:shade val="50000"/>
+                </a:schemeClr>
+              </a:lnRef>
+              <a:fillRef idx="1">
+                <a:schemeClr val="accent1"/>
+              </a:fillRef>
+              <a:effectRef idx="0">
+                <a:schemeClr val="accent1"/>
+              </a:effectRef>
+              <a:fontRef idx="minor">
+                <a:schemeClr val="lt1"/>
+              </a:fontRef>
+            </p:style>
+            <p:txBody>
+              <a:bodyPr rtlCol="0" anchor="ctr"/>
+              <a:lstStyle/>
+              <a:p>
+                <a:pPr algn="ctr"/>
+                <a:endParaRPr lang="en-US"/>
+              </a:p>
+            </p:txBody>
+          </p:sp>
+        </p:grpSp>
+        <p:grpSp>
+          <p:nvGrpSpPr>
+            <p:cNvPr id="84" name="Group 83"/>
+            <p:cNvGrpSpPr/>
+            <p:nvPr/>
+          </p:nvGrpSpPr>
+          <p:grpSpPr>
+            <a:xfrm>
+              <a:off x="685800" y="3527367"/>
+              <a:ext cx="628650" cy="23813"/>
+              <a:chOff x="4572000" y="2176820"/>
+              <a:chExt cx="2514600" cy="95250"/>
+            </a:xfrm>
+          </p:grpSpPr>
+          <p:sp>
+            <p:nvSpPr>
+              <p:cNvPr id="85" name="Rounded Rectangle 84"/>
+              <p:cNvSpPr/>
+              <p:nvPr/>
+            </p:nvSpPr>
+            <p:spPr>
+              <a:xfrm>
+                <a:off x="4572000" y="2176820"/>
+                <a:ext cx="2514600" cy="95250"/>
+              </a:xfrm>
+              <a:prstGeom prst="roundRect">
+                <a:avLst/>
+              </a:prstGeom>
+              <a:solidFill>
+                <a:schemeClr val="tx1"/>
+              </a:solidFill>
+              <a:ln>
+                <a:solidFill>
+                  <a:schemeClr val="tx1"/>
+                </a:solidFill>
+              </a:ln>
+            </p:spPr>
+            <p:style>
+              <a:lnRef idx="2">
+                <a:schemeClr val="accent1">
+                  <a:shade val="50000"/>
+                </a:schemeClr>
+              </a:lnRef>
+              <a:fillRef idx="1">
+                <a:schemeClr val="accent1"/>
+              </a:fillRef>
+              <a:effectRef idx="0">
+                <a:schemeClr val="accent1"/>
+              </a:effectRef>
+              <a:fontRef idx="minor">
+                <a:schemeClr val="lt1"/>
+              </a:fontRef>
+            </p:style>
+            <p:txBody>
+              <a:bodyPr rtlCol="0" anchor="ctr"/>
+              <a:lstStyle/>
+              <a:p>
+                <a:pPr algn="ctr"/>
+                <a:endParaRPr lang="en-US"/>
+              </a:p>
+            </p:txBody>
+          </p:sp>
+          <p:sp>
+            <p:nvSpPr>
+              <p:cNvPr id="86" name="Rounded Rectangle 85"/>
+              <p:cNvSpPr/>
+              <p:nvPr/>
+            </p:nvSpPr>
+            <p:spPr>
+              <a:xfrm>
+                <a:off x="4572000" y="2184821"/>
+                <a:ext cx="2514600" cy="85725"/>
+              </a:xfrm>
+              <a:prstGeom prst="roundRect">
+                <a:avLst/>
+              </a:prstGeom>
+              <a:pattFill prst="wdUpDiag">
+                <a:fgClr>
+                  <a:srgbClr val="00B050"/>
+                </a:fgClr>
+                <a:bgClr>
+                  <a:schemeClr val="accent3">
+                    <a:lumMod val="40000"/>
+                    <a:lumOff val="60000"/>
+                  </a:schemeClr>
+                </a:bgClr>
+              </a:pattFill>
+              <a:ln>
+                <a:noFill/>
+              </a:ln>
+            </p:spPr>
+            <p:style>
+              <a:lnRef idx="2">
+                <a:schemeClr val="accent1">
+                  <a:shade val="50000"/>
+                </a:schemeClr>
+              </a:lnRef>
+              <a:fillRef idx="1">
+                <a:schemeClr val="accent1"/>
+              </a:fillRef>
+              <a:effectRef idx="0">
+                <a:schemeClr val="accent1"/>
+              </a:effectRef>
+              <a:fontRef idx="minor">
+                <a:schemeClr val="lt1"/>
+              </a:fontRef>
+            </p:style>
+            <p:txBody>
+              <a:bodyPr rtlCol="0" anchor="ctr"/>
+              <a:lstStyle/>
+              <a:p>
+                <a:pPr algn="ctr"/>
+                <a:endParaRPr lang="en-US"/>
+              </a:p>
+            </p:txBody>
+          </p:sp>
+        </p:grpSp>
+        <p:grpSp>
+          <p:nvGrpSpPr>
+            <p:cNvPr id="87" name="Group 86"/>
+            <p:cNvGrpSpPr/>
+            <p:nvPr/>
+          </p:nvGrpSpPr>
+          <p:grpSpPr>
+            <a:xfrm>
+              <a:off x="685800" y="3823485"/>
+              <a:ext cx="628650" cy="23813"/>
+              <a:chOff x="4572000" y="2176820"/>
+              <a:chExt cx="2514600" cy="95250"/>
+            </a:xfrm>
+          </p:grpSpPr>
+          <p:sp>
+            <p:nvSpPr>
+              <p:cNvPr id="88" name="Rounded Rectangle 87"/>
+              <p:cNvSpPr/>
+              <p:nvPr/>
+            </p:nvSpPr>
+            <p:spPr>
+              <a:xfrm>
+                <a:off x="4572000" y="2176820"/>
+                <a:ext cx="2514600" cy="95250"/>
+              </a:xfrm>
+              <a:prstGeom prst="roundRect">
+                <a:avLst/>
+              </a:prstGeom>
+              <a:solidFill>
+                <a:schemeClr val="tx1"/>
+              </a:solidFill>
+              <a:ln>
+                <a:solidFill>
+                  <a:schemeClr val="tx1"/>
+                </a:solidFill>
+              </a:ln>
+            </p:spPr>
+            <p:style>
+              <a:lnRef idx="2">
+                <a:schemeClr val="accent1">
+                  <a:shade val="50000"/>
+                </a:schemeClr>
+              </a:lnRef>
+              <a:fillRef idx="1">
+                <a:schemeClr val="accent1"/>
+              </a:fillRef>
+              <a:effectRef idx="0">
+                <a:schemeClr val="accent1"/>
+              </a:effectRef>
+              <a:fontRef idx="minor">
+                <a:schemeClr val="lt1"/>
+              </a:fontRef>
+            </p:style>
+            <p:txBody>
+              <a:bodyPr rtlCol="0" anchor="ctr"/>
+              <a:lstStyle/>
+              <a:p>
+                <a:pPr algn="ctr"/>
+                <a:endParaRPr lang="en-US"/>
+              </a:p>
+            </p:txBody>
+          </p:sp>
+          <p:sp>
+            <p:nvSpPr>
+              <p:cNvPr id="89" name="Rounded Rectangle 88"/>
+              <p:cNvSpPr/>
+              <p:nvPr/>
+            </p:nvSpPr>
+            <p:spPr>
+              <a:xfrm>
+                <a:off x="4572000" y="2184821"/>
+                <a:ext cx="2514600" cy="85725"/>
+              </a:xfrm>
+              <a:prstGeom prst="roundRect">
+                <a:avLst/>
+              </a:prstGeom>
+              <a:pattFill prst="wdUpDiag">
+                <a:fgClr>
+                  <a:srgbClr val="00B050"/>
+                </a:fgClr>
+                <a:bgClr>
+                  <a:schemeClr val="accent3">
+                    <a:lumMod val="40000"/>
+                    <a:lumOff val="60000"/>
+                  </a:schemeClr>
+                </a:bgClr>
+              </a:pattFill>
+              <a:ln>
+                <a:noFill/>
+              </a:ln>
+            </p:spPr>
+            <p:style>
+              <a:lnRef idx="2">
+                <a:schemeClr val="accent1">
+                  <a:shade val="50000"/>
+                </a:schemeClr>
+              </a:lnRef>
+              <a:fillRef idx="1">
+                <a:schemeClr val="accent1"/>
+              </a:fillRef>
+              <a:effectRef idx="0">
+                <a:schemeClr val="accent1"/>
+              </a:effectRef>
+              <a:fontRef idx="minor">
+                <a:schemeClr val="lt1"/>
+              </a:fontRef>
+            </p:style>
+            <p:txBody>
+              <a:bodyPr rtlCol="0" anchor="ctr"/>
+              <a:lstStyle/>
+              <a:p>
+                <a:pPr algn="ctr"/>
+                <a:endParaRPr lang="en-US"/>
+              </a:p>
+            </p:txBody>
+          </p:sp>
+        </p:grpSp>
+        <p:grpSp>
+          <p:nvGrpSpPr>
+            <p:cNvPr id="90" name="Group 89"/>
+            <p:cNvGrpSpPr/>
+            <p:nvPr/>
+          </p:nvGrpSpPr>
+          <p:grpSpPr>
+            <a:xfrm>
+              <a:off x="3646979" y="1726971"/>
+              <a:ext cx="628650" cy="23813"/>
+              <a:chOff x="4572000" y="2176820"/>
+              <a:chExt cx="2514600" cy="95250"/>
+            </a:xfrm>
+          </p:grpSpPr>
+          <p:sp>
+            <p:nvSpPr>
+              <p:cNvPr id="91" name="Rounded Rectangle 90"/>
+              <p:cNvSpPr/>
+              <p:nvPr/>
+            </p:nvSpPr>
+            <p:spPr>
+              <a:xfrm>
+                <a:off x="4572000" y="2176820"/>
+                <a:ext cx="2514600" cy="95250"/>
+              </a:xfrm>
+              <a:prstGeom prst="roundRect">
+                <a:avLst/>
+              </a:prstGeom>
+              <a:solidFill>
+                <a:schemeClr val="tx1"/>
+              </a:solidFill>
+              <a:ln>
+                <a:solidFill>
+                  <a:schemeClr val="tx1"/>
+                </a:solidFill>
+              </a:ln>
+            </p:spPr>
+            <p:style>
+              <a:lnRef idx="2">
+                <a:schemeClr val="accent1">
+                  <a:shade val="50000"/>
+                </a:schemeClr>
+              </a:lnRef>
+              <a:fillRef idx="1">
+                <a:schemeClr val="accent1"/>
+              </a:fillRef>
+              <a:effectRef idx="0">
+                <a:schemeClr val="accent1"/>
+              </a:effectRef>
+              <a:fontRef idx="minor">
+                <a:schemeClr val="lt1"/>
+              </a:fontRef>
+            </p:style>
+            <p:txBody>
+              <a:bodyPr rtlCol="0" anchor="ctr"/>
+              <a:lstStyle/>
+              <a:p>
+                <a:pPr algn="ctr"/>
+                <a:endParaRPr lang="en-US"/>
+              </a:p>
+            </p:txBody>
+          </p:sp>
+          <p:sp>
+            <p:nvSpPr>
+              <p:cNvPr id="92" name="Rounded Rectangle 91"/>
+              <p:cNvSpPr/>
+              <p:nvPr/>
+            </p:nvSpPr>
+            <p:spPr>
+              <a:xfrm>
+                <a:off x="4572000" y="2184821"/>
+                <a:ext cx="2514600" cy="85725"/>
+              </a:xfrm>
+              <a:prstGeom prst="roundRect">
+                <a:avLst/>
+              </a:prstGeom>
+              <a:pattFill prst="wdUpDiag">
+                <a:fgClr>
+                  <a:srgbClr val="00B050"/>
+                </a:fgClr>
+                <a:bgClr>
+                  <a:schemeClr val="accent3">
+                    <a:lumMod val="40000"/>
+                    <a:lumOff val="60000"/>
+                  </a:schemeClr>
+                </a:bgClr>
+              </a:pattFill>
+              <a:ln>
+                <a:noFill/>
+              </a:ln>
+            </p:spPr>
+            <p:style>
+              <a:lnRef idx="2">
+                <a:schemeClr val="accent1">
+                  <a:shade val="50000"/>
+                </a:schemeClr>
+              </a:lnRef>
+              <a:fillRef idx="1">
+                <a:schemeClr val="accent1"/>
+              </a:fillRef>
+              <a:effectRef idx="0">
+                <a:schemeClr val="accent1"/>
+              </a:effectRef>
+              <a:fontRef idx="minor">
+                <a:schemeClr val="lt1"/>
+              </a:fontRef>
+            </p:style>
+            <p:txBody>
+              <a:bodyPr rtlCol="0" anchor="ctr"/>
+              <a:lstStyle/>
+              <a:p>
+                <a:pPr algn="ctr"/>
+                <a:endParaRPr lang="en-US"/>
+              </a:p>
+            </p:txBody>
+          </p:sp>
+        </p:grpSp>
+        <p:grpSp>
+          <p:nvGrpSpPr>
+            <p:cNvPr id="93" name="Group 92"/>
+            <p:cNvGrpSpPr/>
+            <p:nvPr/>
+          </p:nvGrpSpPr>
+          <p:grpSpPr>
+            <a:xfrm>
+              <a:off x="3646979" y="1961115"/>
+              <a:ext cx="628772" cy="23813"/>
+              <a:chOff x="4571513" y="1291709"/>
+              <a:chExt cx="2515087" cy="95250"/>
+            </a:xfrm>
+          </p:grpSpPr>
+          <p:sp>
+            <p:nvSpPr>
+              <p:cNvPr id="94" name="Rounded Rectangle 93"/>
+              <p:cNvSpPr/>
+              <p:nvPr/>
+            </p:nvSpPr>
+            <p:spPr>
+              <a:xfrm>
+                <a:off x="4572000" y="1291709"/>
+                <a:ext cx="2514600" cy="95250"/>
+              </a:xfrm>
+              <a:prstGeom prst="roundRect">
+                <a:avLst/>
+              </a:prstGeom>
+              <a:solidFill>
+                <a:schemeClr val="tx1"/>
+              </a:solidFill>
+              <a:ln>
+                <a:solidFill>
+                  <a:schemeClr val="tx1"/>
+                </a:solidFill>
+              </a:ln>
+            </p:spPr>
+            <p:style>
+              <a:lnRef idx="2">
+                <a:schemeClr val="accent1">
+                  <a:shade val="50000"/>
+                </a:schemeClr>
+              </a:lnRef>
+              <a:fillRef idx="1">
+                <a:schemeClr val="accent1"/>
+              </a:fillRef>
+              <a:effectRef idx="0">
+                <a:schemeClr val="accent1"/>
+              </a:effectRef>
+              <a:fontRef idx="minor">
+                <a:schemeClr val="lt1"/>
+              </a:fontRef>
+            </p:style>
+            <p:txBody>
+              <a:bodyPr rtlCol="0" anchor="ctr"/>
+              <a:lstStyle/>
+              <a:p>
+                <a:pPr algn="ctr"/>
+                <a:endParaRPr lang="en-US"/>
+              </a:p>
+            </p:txBody>
+          </p:sp>
+          <p:sp>
+            <p:nvSpPr>
+              <p:cNvPr id="95" name="Rounded Rectangle 94"/>
+              <p:cNvSpPr/>
+              <p:nvPr/>
+            </p:nvSpPr>
+            <p:spPr>
+              <a:xfrm>
+                <a:off x="4571513" y="1295400"/>
+                <a:ext cx="1261872" cy="85725"/>
+              </a:xfrm>
+              <a:prstGeom prst="roundRect">
+                <a:avLst/>
+              </a:prstGeom>
+              <a:pattFill prst="wdUpDiag">
+                <a:fgClr>
+                  <a:srgbClr val="FFC000"/>
+                </a:fgClr>
+                <a:bgClr>
+                  <a:srgbClr val="FFFF00"/>
+                </a:bgClr>
+              </a:pattFill>
+              <a:ln>
+                <a:noFill/>
+              </a:ln>
+            </p:spPr>
+            <p:style>
+              <a:lnRef idx="2">
+                <a:schemeClr val="accent1">
+                  <a:shade val="50000"/>
+                </a:schemeClr>
+              </a:lnRef>
+              <a:fillRef idx="1">
+                <a:schemeClr val="accent1"/>
+              </a:fillRef>
+              <a:effectRef idx="0">
+                <a:schemeClr val="accent1"/>
+              </a:effectRef>
+              <a:fontRef idx="minor">
+                <a:schemeClr val="lt1"/>
+              </a:fontRef>
+            </p:style>
+            <p:txBody>
+              <a:bodyPr rtlCol="0" anchor="ctr"/>
+              <a:lstStyle/>
+              <a:p>
+                <a:pPr algn="ctr"/>
+                <a:endParaRPr lang="en-US"/>
+              </a:p>
+            </p:txBody>
+          </p:sp>
+        </p:grpSp>
+        <p:grpSp>
+          <p:nvGrpSpPr>
+            <p:cNvPr id="96" name="Group 95"/>
+            <p:cNvGrpSpPr/>
+            <p:nvPr/>
+          </p:nvGrpSpPr>
+          <p:grpSpPr>
+            <a:xfrm>
+              <a:off x="3646979" y="2191143"/>
+              <a:ext cx="628772" cy="23813"/>
+              <a:chOff x="4571513" y="1291709"/>
+              <a:chExt cx="2515087" cy="95250"/>
+            </a:xfrm>
+          </p:grpSpPr>
+          <p:sp>
+            <p:nvSpPr>
+              <p:cNvPr id="97" name="Rounded Rectangle 96"/>
+              <p:cNvSpPr/>
+              <p:nvPr/>
+            </p:nvSpPr>
+            <p:spPr>
+              <a:xfrm>
+                <a:off x="4572000" y="1291709"/>
+                <a:ext cx="2514600" cy="95250"/>
+              </a:xfrm>
+              <a:prstGeom prst="roundRect">
+                <a:avLst/>
+              </a:prstGeom>
+              <a:solidFill>
+                <a:schemeClr val="tx1"/>
+              </a:solidFill>
+              <a:ln>
+                <a:solidFill>
+                  <a:schemeClr val="tx1"/>
+                </a:solidFill>
+              </a:ln>
+            </p:spPr>
+            <p:style>
+              <a:lnRef idx="2">
+                <a:schemeClr val="accent1">
+                  <a:shade val="50000"/>
+                </a:schemeClr>
+              </a:lnRef>
+              <a:fillRef idx="1">
+                <a:schemeClr val="accent1"/>
+              </a:fillRef>
+              <a:effectRef idx="0">
+                <a:schemeClr val="accent1"/>
+              </a:effectRef>
+              <a:fontRef idx="minor">
+                <a:schemeClr val="lt1"/>
+              </a:fontRef>
+            </p:style>
+            <p:txBody>
+              <a:bodyPr rtlCol="0" anchor="ctr"/>
+              <a:lstStyle/>
+              <a:p>
+                <a:pPr algn="ctr"/>
+                <a:endParaRPr lang="en-US"/>
+              </a:p>
+            </p:txBody>
+          </p:sp>
+          <p:sp>
+            <p:nvSpPr>
+              <p:cNvPr id="98" name="Rounded Rectangle 97"/>
+              <p:cNvSpPr/>
+              <p:nvPr/>
+            </p:nvSpPr>
+            <p:spPr>
+              <a:xfrm>
+                <a:off x="4571513" y="1295400"/>
+                <a:ext cx="1261872" cy="85725"/>
+              </a:xfrm>
+              <a:prstGeom prst="roundRect">
+                <a:avLst/>
+              </a:prstGeom>
+              <a:pattFill prst="wdUpDiag">
+                <a:fgClr>
+                  <a:srgbClr val="FFC000"/>
+                </a:fgClr>
+                <a:bgClr>
+                  <a:srgbClr val="FFFF00"/>
+                </a:bgClr>
+              </a:pattFill>
+              <a:ln>
+                <a:noFill/>
+              </a:ln>
+            </p:spPr>
+            <p:style>
+              <a:lnRef idx="2">
+                <a:schemeClr val="accent1">
+                  <a:shade val="50000"/>
+                </a:schemeClr>
+              </a:lnRef>
+              <a:fillRef idx="1">
+                <a:schemeClr val="accent1"/>
+              </a:fillRef>
+              <a:effectRef idx="0">
+                <a:schemeClr val="accent1"/>
+              </a:effectRef>
+              <a:fontRef idx="minor">
+                <a:schemeClr val="lt1"/>
+              </a:fontRef>
+            </p:style>
+            <p:txBody>
+              <a:bodyPr rtlCol="0" anchor="ctr"/>
+              <a:lstStyle/>
+              <a:p>
+                <a:pPr algn="ctr"/>
+                <a:endParaRPr lang="en-US"/>
+              </a:p>
+            </p:txBody>
+          </p:sp>
+        </p:grpSp>
+        <p:grpSp>
+          <p:nvGrpSpPr>
+            <p:cNvPr id="99" name="Group 98"/>
+            <p:cNvGrpSpPr/>
+            <p:nvPr/>
+          </p:nvGrpSpPr>
+          <p:grpSpPr>
+            <a:xfrm>
+              <a:off x="3646979" y="2429519"/>
+              <a:ext cx="628772" cy="23813"/>
+              <a:chOff x="4571513" y="1291709"/>
+              <a:chExt cx="2515087" cy="95250"/>
+            </a:xfrm>
+          </p:grpSpPr>
+          <p:sp>
+            <p:nvSpPr>
+              <p:cNvPr id="100" name="Rounded Rectangle 99"/>
+              <p:cNvSpPr/>
+              <p:nvPr/>
+            </p:nvSpPr>
+            <p:spPr>
+              <a:xfrm>
+                <a:off x="4572000" y="1291709"/>
+                <a:ext cx="2514600" cy="95250"/>
+              </a:xfrm>
+              <a:prstGeom prst="roundRect">
+                <a:avLst/>
+              </a:prstGeom>
+              <a:solidFill>
+                <a:schemeClr val="tx1"/>
+              </a:solidFill>
+              <a:ln>
+                <a:solidFill>
+                  <a:schemeClr val="tx1"/>
+                </a:solidFill>
+              </a:ln>
+            </p:spPr>
+            <p:style>
+              <a:lnRef idx="2">
+                <a:schemeClr val="accent1">
+                  <a:shade val="50000"/>
+                </a:schemeClr>
+              </a:lnRef>
+              <a:fillRef idx="1">
+                <a:schemeClr val="accent1"/>
+              </a:fillRef>
+              <a:effectRef idx="0">
+                <a:schemeClr val="accent1"/>
+              </a:effectRef>
+              <a:fontRef idx="minor">
+                <a:schemeClr val="lt1"/>
+              </a:fontRef>
+            </p:style>
+            <p:txBody>
+              <a:bodyPr rtlCol="0" anchor="ctr"/>
+              <a:lstStyle/>
+              <a:p>
+                <a:pPr algn="ctr"/>
+                <a:endParaRPr lang="en-US"/>
+              </a:p>
+            </p:txBody>
+          </p:sp>
+          <p:sp>
+            <p:nvSpPr>
+              <p:cNvPr id="101" name="Rounded Rectangle 100"/>
+              <p:cNvSpPr/>
+              <p:nvPr/>
+            </p:nvSpPr>
+            <p:spPr>
+              <a:xfrm>
+                <a:off x="4571513" y="1295400"/>
+                <a:ext cx="1261872" cy="85725"/>
+              </a:xfrm>
+              <a:prstGeom prst="roundRect">
+                <a:avLst/>
+              </a:prstGeom>
+              <a:pattFill prst="wdUpDiag">
+                <a:fgClr>
+                  <a:srgbClr val="FFC000"/>
+                </a:fgClr>
+                <a:bgClr>
+                  <a:srgbClr val="FFFF00"/>
+                </a:bgClr>
+              </a:pattFill>
+              <a:ln>
+                <a:noFill/>
+              </a:ln>
+            </p:spPr>
+            <p:style>
+              <a:lnRef idx="2">
+                <a:schemeClr val="accent1">
+                  <a:shade val="50000"/>
+                </a:schemeClr>
+              </a:lnRef>
+              <a:fillRef idx="1">
+                <a:schemeClr val="accent1"/>
+              </a:fillRef>
+              <a:effectRef idx="0">
+                <a:schemeClr val="accent1"/>
+              </a:effectRef>
+              <a:fontRef idx="minor">
+                <a:schemeClr val="lt1"/>
+              </a:fontRef>
+            </p:style>
+            <p:txBody>
+              <a:bodyPr rtlCol="0" anchor="ctr"/>
+              <a:lstStyle/>
+              <a:p>
+                <a:pPr algn="ctr"/>
+                <a:endParaRPr lang="en-US"/>
+              </a:p>
+            </p:txBody>
+          </p:sp>
+        </p:grpSp>
+        <p:grpSp>
+          <p:nvGrpSpPr>
+            <p:cNvPr id="102" name="Group 101"/>
+            <p:cNvGrpSpPr/>
+            <p:nvPr/>
+          </p:nvGrpSpPr>
+          <p:grpSpPr>
+            <a:xfrm>
+              <a:off x="3646979" y="2674092"/>
+              <a:ext cx="628772" cy="23813"/>
+              <a:chOff x="4571513" y="1291709"/>
+              <a:chExt cx="2515087" cy="95250"/>
+            </a:xfrm>
+          </p:grpSpPr>
+          <p:sp>
+            <p:nvSpPr>
+              <p:cNvPr id="103" name="Rounded Rectangle 102"/>
+              <p:cNvSpPr/>
+              <p:nvPr/>
+            </p:nvSpPr>
+            <p:spPr>
+              <a:xfrm>
+                <a:off x="4572000" y="1291709"/>
+                <a:ext cx="2514600" cy="95250"/>
+              </a:xfrm>
+              <a:prstGeom prst="roundRect">
+                <a:avLst/>
+              </a:prstGeom>
+              <a:solidFill>
+                <a:schemeClr val="tx1"/>
+              </a:solidFill>
+              <a:ln>
+                <a:solidFill>
+                  <a:schemeClr val="tx1"/>
+                </a:solidFill>
+              </a:ln>
+            </p:spPr>
+            <p:style>
+              <a:lnRef idx="2">
+                <a:schemeClr val="accent1">
+                  <a:shade val="50000"/>
+                </a:schemeClr>
+              </a:lnRef>
+              <a:fillRef idx="1">
+                <a:schemeClr val="accent1"/>
+              </a:fillRef>
+              <a:effectRef idx="0">
+                <a:schemeClr val="accent1"/>
+              </a:effectRef>
+              <a:fontRef idx="minor">
+                <a:schemeClr val="lt1"/>
+              </a:fontRef>
+            </p:style>
+            <p:txBody>
+              <a:bodyPr rtlCol="0" anchor="ctr"/>
+              <a:lstStyle/>
+              <a:p>
+                <a:pPr algn="ctr"/>
+                <a:endParaRPr lang="en-US"/>
+              </a:p>
+            </p:txBody>
+          </p:sp>
+          <p:sp>
+            <p:nvSpPr>
+              <p:cNvPr id="104" name="Rounded Rectangle 103"/>
+              <p:cNvSpPr/>
+              <p:nvPr/>
+            </p:nvSpPr>
+            <p:spPr>
+              <a:xfrm>
+                <a:off x="4571513" y="1295400"/>
+                <a:ext cx="1261872" cy="85725"/>
+              </a:xfrm>
+              <a:prstGeom prst="roundRect">
+                <a:avLst/>
+              </a:prstGeom>
+              <a:pattFill prst="wdUpDiag">
+                <a:fgClr>
+                  <a:srgbClr val="FFC000"/>
+                </a:fgClr>
+                <a:bgClr>
+                  <a:srgbClr val="FFFF00"/>
+                </a:bgClr>
+              </a:pattFill>
+              <a:ln>
+                <a:noFill/>
+              </a:ln>
+            </p:spPr>
+            <p:style>
+              <a:lnRef idx="2">
+                <a:schemeClr val="accent1">
+                  <a:shade val="50000"/>
+                </a:schemeClr>
+              </a:lnRef>
+              <a:fillRef idx="1">
+                <a:schemeClr val="accent1"/>
+              </a:fillRef>
+              <a:effectRef idx="0">
+                <a:schemeClr val="accent1"/>
+              </a:effectRef>
+              <a:fontRef idx="minor">
+                <a:schemeClr val="lt1"/>
+              </a:fontRef>
+            </p:style>
+            <p:txBody>
+              <a:bodyPr rtlCol="0" anchor="ctr"/>
+              <a:lstStyle/>
+              <a:p>
+                <a:pPr algn="ctr"/>
+                <a:endParaRPr lang="en-US"/>
+              </a:p>
+            </p:txBody>
+          </p:sp>
+        </p:grpSp>
+        <p:grpSp>
+          <p:nvGrpSpPr>
+            <p:cNvPr id="105" name="Group 104"/>
+            <p:cNvGrpSpPr/>
+            <p:nvPr/>
+          </p:nvGrpSpPr>
+          <p:grpSpPr>
+            <a:xfrm>
+              <a:off x="3646979" y="2914716"/>
+              <a:ext cx="628772" cy="23813"/>
+              <a:chOff x="4571513" y="1291709"/>
+              <a:chExt cx="2515087" cy="95250"/>
+            </a:xfrm>
+          </p:grpSpPr>
+          <p:sp>
+            <p:nvSpPr>
+              <p:cNvPr id="106" name="Rounded Rectangle 105"/>
+              <p:cNvSpPr/>
+              <p:nvPr/>
+            </p:nvSpPr>
+            <p:spPr>
+              <a:xfrm>
+                <a:off x="4572000" y="1291709"/>
+                <a:ext cx="2514600" cy="95250"/>
+              </a:xfrm>
+              <a:prstGeom prst="roundRect">
+                <a:avLst/>
+              </a:prstGeom>
+              <a:solidFill>
+                <a:schemeClr val="tx1"/>
+              </a:solidFill>
+              <a:ln>
+                <a:solidFill>
+                  <a:schemeClr val="tx1"/>
+                </a:solidFill>
+              </a:ln>
+            </p:spPr>
+            <p:style>
+              <a:lnRef idx="2">
+                <a:schemeClr val="accent1">
+                  <a:shade val="50000"/>
+                </a:schemeClr>
+              </a:lnRef>
+              <a:fillRef idx="1">
+                <a:schemeClr val="accent1"/>
+              </a:fillRef>
+              <a:effectRef idx="0">
+                <a:schemeClr val="accent1"/>
+              </a:effectRef>
+              <a:fontRef idx="minor">
+                <a:schemeClr val="lt1"/>
+              </a:fontRef>
+            </p:style>
+            <p:txBody>
+              <a:bodyPr rtlCol="0" anchor="ctr"/>
+              <a:lstStyle/>
+              <a:p>
+                <a:pPr algn="ctr"/>
+                <a:endParaRPr lang="en-US"/>
+              </a:p>
+            </p:txBody>
+          </p:sp>
+          <p:sp>
+            <p:nvSpPr>
+              <p:cNvPr id="107" name="Rounded Rectangle 106"/>
+              <p:cNvSpPr/>
+              <p:nvPr/>
+            </p:nvSpPr>
+            <p:spPr>
+              <a:xfrm>
+                <a:off x="4571513" y="1295400"/>
+                <a:ext cx="1261872" cy="85725"/>
+              </a:xfrm>
+              <a:prstGeom prst="roundRect">
+                <a:avLst/>
+              </a:prstGeom>
+              <a:pattFill prst="wdUpDiag">
+                <a:fgClr>
+                  <a:srgbClr val="FFC000"/>
+                </a:fgClr>
+                <a:bgClr>
+                  <a:srgbClr val="FFFF00"/>
+                </a:bgClr>
+              </a:pattFill>
+              <a:ln>
+                <a:noFill/>
+              </a:ln>
+            </p:spPr>
+            <p:style>
+              <a:lnRef idx="2">
+                <a:schemeClr val="accent1">
+                  <a:shade val="50000"/>
+                </a:schemeClr>
+              </a:lnRef>
+              <a:fillRef idx="1">
+                <a:schemeClr val="accent1"/>
+              </a:fillRef>
+              <a:effectRef idx="0">
+                <a:schemeClr val="accent1"/>
+              </a:effectRef>
+              <a:fontRef idx="minor">
+                <a:schemeClr val="lt1"/>
+              </a:fontRef>
+            </p:style>
+            <p:txBody>
+              <a:bodyPr rtlCol="0" anchor="ctr"/>
+              <a:lstStyle/>
+              <a:p>
+                <a:pPr algn="ctr"/>
+                <a:endParaRPr lang="en-US"/>
+              </a:p>
+            </p:txBody>
+          </p:sp>
+        </p:grpSp>
+        <p:grpSp>
+          <p:nvGrpSpPr>
+            <p:cNvPr id="108" name="Group 107"/>
+            <p:cNvGrpSpPr/>
+            <p:nvPr/>
+          </p:nvGrpSpPr>
+          <p:grpSpPr>
+            <a:xfrm>
+              <a:off x="3646979" y="3146761"/>
+              <a:ext cx="628650" cy="23813"/>
+              <a:chOff x="4572000" y="978930"/>
+              <a:chExt cx="2514600" cy="95250"/>
+            </a:xfrm>
+          </p:grpSpPr>
+          <p:sp>
+            <p:nvSpPr>
+              <p:cNvPr id="109" name="Rounded Rectangle 108"/>
+              <p:cNvSpPr/>
+              <p:nvPr/>
+            </p:nvSpPr>
+            <p:spPr>
+              <a:xfrm>
+                <a:off x="4572000" y="978930"/>
+                <a:ext cx="2514600" cy="95250"/>
+              </a:xfrm>
+              <a:prstGeom prst="roundRect">
+                <a:avLst/>
+              </a:prstGeom>
+              <a:solidFill>
+                <a:schemeClr val="tx1"/>
+              </a:solidFill>
+              <a:ln>
+                <a:solidFill>
+                  <a:schemeClr val="tx1"/>
+                </a:solidFill>
+              </a:ln>
+            </p:spPr>
+            <p:style>
+              <a:lnRef idx="2">
+                <a:schemeClr val="accent1">
+                  <a:shade val="50000"/>
+                </a:schemeClr>
+              </a:lnRef>
+              <a:fillRef idx="1">
+                <a:schemeClr val="accent1"/>
+              </a:fillRef>
+              <a:effectRef idx="0">
+                <a:schemeClr val="accent1"/>
+              </a:effectRef>
+              <a:fontRef idx="minor">
+                <a:schemeClr val="lt1"/>
+              </a:fontRef>
+            </p:style>
+            <p:txBody>
+              <a:bodyPr rtlCol="0" anchor="ctr"/>
+              <a:lstStyle/>
+              <a:p>
+                <a:pPr algn="ctr"/>
+                <a:endParaRPr lang="en-US"/>
+              </a:p>
+            </p:txBody>
+          </p:sp>
+          <p:sp>
+            <p:nvSpPr>
+              <p:cNvPr id="110" name="Rounded Rectangle 109"/>
+              <p:cNvSpPr/>
+              <p:nvPr/>
+            </p:nvSpPr>
+            <p:spPr>
+              <a:xfrm>
+                <a:off x="4572000" y="983692"/>
+                <a:ext cx="630936" cy="85725"/>
+              </a:xfrm>
+              <a:prstGeom prst="roundRect">
+                <a:avLst/>
+              </a:prstGeom>
+              <a:pattFill prst="wdUpDiag">
+                <a:fgClr>
+                  <a:schemeClr val="accent2">
+                    <a:lumMod val="60000"/>
+                    <a:lumOff val="40000"/>
+                  </a:schemeClr>
+                </a:fgClr>
+                <a:bgClr>
+                  <a:schemeClr val="accent2">
+                    <a:lumMod val="20000"/>
+                    <a:lumOff val="80000"/>
+                  </a:schemeClr>
+                </a:bgClr>
+              </a:pattFill>
+              <a:ln>
+                <a:noFill/>
+              </a:ln>
+            </p:spPr>
+            <p:style>
+              <a:lnRef idx="2">
+                <a:schemeClr val="accent1">
+                  <a:shade val="50000"/>
+                </a:schemeClr>
+              </a:lnRef>
+              <a:fillRef idx="1">
+                <a:schemeClr val="accent1"/>
+              </a:fillRef>
+              <a:effectRef idx="0">
+                <a:schemeClr val="accent1"/>
+              </a:effectRef>
+              <a:fontRef idx="minor">
+                <a:schemeClr val="lt1"/>
+              </a:fontRef>
+            </p:style>
+            <p:txBody>
+              <a:bodyPr rtlCol="0" anchor="ctr"/>
+              <a:lstStyle/>
+              <a:p>
+                <a:pPr algn="ctr"/>
+                <a:endParaRPr lang="en-US"/>
+              </a:p>
+            </p:txBody>
+          </p:sp>
+        </p:grpSp>
         <p:sp>
           <p:nvSpPr>
-            <p:cNvPr id="18" name="TextBox 17"/>
-            <p:cNvSpPr txBox="1"/>
+            <p:cNvPr id="111" name="Rectangle 110"/>
+            <p:cNvSpPr/>
             <p:nvPr/>
           </p:nvSpPr>
           <p:spPr>
             <a:xfrm>
-              <a:off x="7115351" y="1600200"/>
-              <a:ext cx="227626" cy="123111"/>
+              <a:off x="4439342" y="3277106"/>
+              <a:ext cx="360996" cy="215444"/>
             </a:xfrm>
             <a:prstGeom prst="rect">
               <a:avLst/>
             </a:prstGeom>
-            <a:noFill/>
-            <a:ln>
-              <a:noFill/>
-            </a:ln>
           </p:spPr>
           <p:txBody>
-            <a:bodyPr wrap="none" lIns="0" tIns="0" rIns="0" bIns="0" rtlCol="0">
+            <a:bodyPr wrap="none">
               <a:spAutoFit/>
             </a:bodyPr>
             <a:lstStyle/>
             <a:p>
               <a:r>
                 <a:rPr lang="en-US" sz="800" dirty="0" smtClean="0"/>
-                <a:t>100%</a:t>
+                <a:t>25%</a:t>
               </a:r>
               <a:endParaRPr lang="en-US" sz="800" dirty="0"/>
             </a:p>
           </p:txBody>
         </p:sp>
+        <p:sp>
+          <p:nvSpPr>
+            <p:cNvPr id="112" name="Rectangle 111"/>
+            <p:cNvSpPr/>
+            <p:nvPr/>
+          </p:nvSpPr>
+          <p:spPr>
+            <a:xfrm>
+              <a:off x="4851634" y="3254158"/>
+              <a:ext cx="343364" cy="215444"/>
+            </a:xfrm>
+            <a:prstGeom prst="rect">
+              <a:avLst/>
+            </a:prstGeom>
+          </p:spPr>
+          <p:txBody>
+            <a:bodyPr wrap="none">
+              <a:spAutoFit/>
+            </a:bodyPr>
+            <a:lstStyle/>
+            <a:p>
+              <a:r>
+                <a:rPr lang="en-US" sz="800" dirty="0" smtClean="0"/>
+                <a:t>SQL</a:t>
+              </a:r>
+            </a:p>
+          </p:txBody>
+        </p:sp>
+        <p:grpSp>
+          <p:nvGrpSpPr>
+            <p:cNvPr id="113" name="Group 112"/>
+            <p:cNvGrpSpPr/>
+            <p:nvPr/>
+          </p:nvGrpSpPr>
+          <p:grpSpPr>
+            <a:xfrm>
+              <a:off x="3646979" y="3361015"/>
+              <a:ext cx="628650" cy="23813"/>
+              <a:chOff x="4572000" y="978930"/>
+              <a:chExt cx="2514600" cy="95250"/>
+            </a:xfrm>
+          </p:grpSpPr>
+          <p:sp>
+            <p:nvSpPr>
+              <p:cNvPr id="114" name="Rounded Rectangle 113"/>
+              <p:cNvSpPr/>
+              <p:nvPr/>
+            </p:nvSpPr>
+            <p:spPr>
+              <a:xfrm>
+                <a:off x="4572000" y="978930"/>
+                <a:ext cx="2514600" cy="95250"/>
+              </a:xfrm>
+              <a:prstGeom prst="roundRect">
+                <a:avLst/>
+              </a:prstGeom>
+              <a:solidFill>
+                <a:schemeClr val="tx1"/>
+              </a:solidFill>
+              <a:ln>
+                <a:solidFill>
+                  <a:schemeClr val="tx1"/>
+                </a:solidFill>
+              </a:ln>
+            </p:spPr>
+            <p:style>
+              <a:lnRef idx="2">
+                <a:schemeClr val="accent1">
+                  <a:shade val="50000"/>
+                </a:schemeClr>
+              </a:lnRef>
+              <a:fillRef idx="1">
+                <a:schemeClr val="accent1"/>
+              </a:fillRef>
+              <a:effectRef idx="0">
+                <a:schemeClr val="accent1"/>
+              </a:effectRef>
+              <a:fontRef idx="minor">
+                <a:schemeClr val="lt1"/>
+              </a:fontRef>
+            </p:style>
+            <p:txBody>
+              <a:bodyPr rtlCol="0" anchor="ctr"/>
+              <a:lstStyle/>
+              <a:p>
+                <a:pPr algn="ctr"/>
+                <a:endParaRPr lang="en-US"/>
+              </a:p>
+            </p:txBody>
+          </p:sp>
+          <p:sp>
+            <p:nvSpPr>
+              <p:cNvPr id="115" name="Rounded Rectangle 114"/>
+              <p:cNvSpPr/>
+              <p:nvPr/>
+            </p:nvSpPr>
+            <p:spPr>
+              <a:xfrm>
+                <a:off x="4572000" y="983692"/>
+                <a:ext cx="630936" cy="85725"/>
+              </a:xfrm>
+              <a:prstGeom prst="roundRect">
+                <a:avLst/>
+              </a:prstGeom>
+              <a:pattFill prst="wdUpDiag">
+                <a:fgClr>
+                  <a:schemeClr val="accent2">
+                    <a:lumMod val="60000"/>
+                    <a:lumOff val="40000"/>
+                  </a:schemeClr>
+                </a:fgClr>
+                <a:bgClr>
+                  <a:schemeClr val="accent2">
+                    <a:lumMod val="20000"/>
+                    <a:lumOff val="80000"/>
+                  </a:schemeClr>
+                </a:bgClr>
+              </a:pattFill>
+              <a:ln>
+                <a:noFill/>
+              </a:ln>
+            </p:spPr>
+            <p:style>
+              <a:lnRef idx="2">
+                <a:schemeClr val="accent1">
+                  <a:shade val="50000"/>
+                </a:schemeClr>
+              </a:lnRef>
+              <a:fillRef idx="1">
+                <a:schemeClr val="accent1"/>
+              </a:fillRef>
+              <a:effectRef idx="0">
+                <a:schemeClr val="accent1"/>
+              </a:effectRef>
+              <a:fontRef idx="minor">
+                <a:schemeClr val="lt1"/>
+              </a:fontRef>
+            </p:style>
+            <p:txBody>
+              <a:bodyPr rtlCol="0" anchor="ctr"/>
+              <a:lstStyle/>
+              <a:p>
+                <a:pPr algn="ctr"/>
+                <a:endParaRPr lang="en-US"/>
+              </a:p>
+            </p:txBody>
+          </p:sp>
+        </p:grpSp>
+        <p:sp>
+          <p:nvSpPr>
+            <p:cNvPr id="116" name="Rectangle 115"/>
+            <p:cNvSpPr/>
+            <p:nvPr/>
+          </p:nvSpPr>
+          <p:spPr>
+            <a:xfrm>
+              <a:off x="4851634" y="3610041"/>
+              <a:ext cx="511679" cy="215444"/>
+            </a:xfrm>
+            <a:prstGeom prst="rect">
+              <a:avLst/>
+            </a:prstGeom>
+          </p:spPr>
+          <p:txBody>
+            <a:bodyPr wrap="none">
+              <a:spAutoFit/>
+            </a:bodyPr>
+            <a:lstStyle/>
+            <a:p>
+              <a:r>
+                <a:rPr lang="en-US" sz="800" dirty="0" err="1" smtClean="0"/>
+                <a:t>FireBird</a:t>
+              </a:r>
+              <a:endParaRPr lang="en-US" sz="800" dirty="0"/>
+            </a:p>
+          </p:txBody>
+        </p:sp>
+        <p:sp>
+          <p:nvSpPr>
+            <p:cNvPr id="117" name="Rectangle 116"/>
+            <p:cNvSpPr/>
+            <p:nvPr/>
+          </p:nvSpPr>
+          <p:spPr>
+            <a:xfrm>
+              <a:off x="4439342" y="3608041"/>
+              <a:ext cx="360996" cy="215444"/>
+            </a:xfrm>
+            <a:prstGeom prst="rect">
+              <a:avLst/>
+            </a:prstGeom>
+          </p:spPr>
+          <p:txBody>
+            <a:bodyPr wrap="none">
+              <a:spAutoFit/>
+            </a:bodyPr>
+            <a:lstStyle/>
+            <a:p>
+              <a:r>
+                <a:rPr lang="en-US" sz="800" dirty="0" smtClean="0"/>
+                <a:t>25%</a:t>
+              </a:r>
+              <a:endParaRPr lang="en-US" sz="800" dirty="0"/>
+            </a:p>
+          </p:txBody>
+        </p:sp>
+        <p:grpSp>
+          <p:nvGrpSpPr>
+            <p:cNvPr id="118" name="Group 117"/>
+            <p:cNvGrpSpPr/>
+            <p:nvPr/>
+          </p:nvGrpSpPr>
+          <p:grpSpPr>
+            <a:xfrm>
+              <a:off x="3646979" y="3688733"/>
+              <a:ext cx="628650" cy="23813"/>
+              <a:chOff x="4572000" y="978930"/>
+              <a:chExt cx="2514600" cy="95250"/>
+            </a:xfrm>
+          </p:grpSpPr>
+          <p:sp>
+            <p:nvSpPr>
+              <p:cNvPr id="119" name="Rounded Rectangle 118"/>
+              <p:cNvSpPr/>
+              <p:nvPr/>
+            </p:nvSpPr>
+            <p:spPr>
+              <a:xfrm>
+                <a:off x="4572000" y="978930"/>
+                <a:ext cx="2514600" cy="95250"/>
+              </a:xfrm>
+              <a:prstGeom prst="roundRect">
+                <a:avLst/>
+              </a:prstGeom>
+              <a:solidFill>
+                <a:schemeClr val="tx1"/>
+              </a:solidFill>
+              <a:ln>
+                <a:solidFill>
+                  <a:schemeClr val="tx1"/>
+                </a:solidFill>
+              </a:ln>
+            </p:spPr>
+            <p:style>
+              <a:lnRef idx="2">
+                <a:schemeClr val="accent1">
+                  <a:shade val="50000"/>
+                </a:schemeClr>
+              </a:lnRef>
+              <a:fillRef idx="1">
+                <a:schemeClr val="accent1"/>
+              </a:fillRef>
+              <a:effectRef idx="0">
+                <a:schemeClr val="accent1"/>
+              </a:effectRef>
+              <a:fontRef idx="minor">
+                <a:schemeClr val="lt1"/>
+              </a:fontRef>
+            </p:style>
+            <p:txBody>
+              <a:bodyPr rtlCol="0" anchor="ctr"/>
+              <a:lstStyle/>
+              <a:p>
+                <a:pPr algn="ctr"/>
+                <a:endParaRPr lang="en-US"/>
+              </a:p>
+            </p:txBody>
+          </p:sp>
+          <p:sp>
+            <p:nvSpPr>
+              <p:cNvPr id="120" name="Rounded Rectangle 119"/>
+              <p:cNvSpPr/>
+              <p:nvPr/>
+            </p:nvSpPr>
+            <p:spPr>
+              <a:xfrm>
+                <a:off x="4572000" y="983692"/>
+                <a:ext cx="630936" cy="85725"/>
+              </a:xfrm>
+              <a:prstGeom prst="roundRect">
+                <a:avLst/>
+              </a:prstGeom>
+              <a:pattFill prst="wdUpDiag">
+                <a:fgClr>
+                  <a:schemeClr val="accent2">
+                    <a:lumMod val="60000"/>
+                    <a:lumOff val="40000"/>
+                  </a:schemeClr>
+                </a:fgClr>
+                <a:bgClr>
+                  <a:schemeClr val="accent2">
+                    <a:lumMod val="20000"/>
+                    <a:lumOff val="80000"/>
+                  </a:schemeClr>
+                </a:bgClr>
+              </a:pattFill>
+              <a:ln>
+                <a:noFill/>
+              </a:ln>
+            </p:spPr>
+            <p:style>
+              <a:lnRef idx="2">
+                <a:schemeClr val="accent1">
+                  <a:shade val="50000"/>
+                </a:schemeClr>
+              </a:lnRef>
+              <a:fillRef idx="1">
+                <a:schemeClr val="accent1"/>
+              </a:fillRef>
+              <a:effectRef idx="0">
+                <a:schemeClr val="accent1"/>
+              </a:effectRef>
+              <a:fontRef idx="minor">
+                <a:schemeClr val="lt1"/>
+              </a:fontRef>
+            </p:style>
+            <p:txBody>
+              <a:bodyPr rtlCol="0" anchor="ctr"/>
+              <a:lstStyle/>
+              <a:p>
+                <a:pPr algn="ctr"/>
+                <a:endParaRPr lang="en-US"/>
+              </a:p>
+            </p:txBody>
+          </p:sp>
+        </p:grpSp>
       </p:grpSp>
     </p:spTree>
     <p:extLst>
       <p:ext uri="{BB962C8B-B14F-4D97-AF65-F5344CB8AC3E}">
-        <p14:creationId xmlns:p14="http://schemas.microsoft.com/office/powerpoint/2010/main" val="2928096514"/>
+        <p14:creationId xmlns:p14="http://schemas.microsoft.com/office/powerpoint/2010/main" val="3829095796"/>
       </p:ext>
     </p:extLst>
   </p:cSld>

--- a/WebApp/images/ProgressBars/progresbars.pptx
+++ b/WebApp/images/ProgressBars/progresbars.pptx
@@ -289,7 +289,7 @@
           <a:p>
             <a:fld id="{2F3CC852-900F-4F0D-8928-110D52D92B9F}" type="datetimeFigureOut">
               <a:rPr lang="en-US" smtClean="0"/>
-              <a:t>4/24/2015</a:t>
+              <a:t>4/26/2015</a:t>
             </a:fld>
             <a:endParaRPr lang="en-US"/>
           </a:p>
@@ -459,7 +459,7 @@
           <a:p>
             <a:fld id="{2F3CC852-900F-4F0D-8928-110D52D92B9F}" type="datetimeFigureOut">
               <a:rPr lang="en-US" smtClean="0"/>
-              <a:t>4/24/2015</a:t>
+              <a:t>4/26/2015</a:t>
             </a:fld>
             <a:endParaRPr lang="en-US"/>
           </a:p>
@@ -639,7 +639,7 @@
           <a:p>
             <a:fld id="{2F3CC852-900F-4F0D-8928-110D52D92B9F}" type="datetimeFigureOut">
               <a:rPr lang="en-US" smtClean="0"/>
-              <a:t>4/24/2015</a:t>
+              <a:t>4/26/2015</a:t>
             </a:fld>
             <a:endParaRPr lang="en-US"/>
           </a:p>
@@ -809,7 +809,7 @@
           <a:p>
             <a:fld id="{2F3CC852-900F-4F0D-8928-110D52D92B9F}" type="datetimeFigureOut">
               <a:rPr lang="en-US" smtClean="0"/>
-              <a:t>4/24/2015</a:t>
+              <a:t>4/26/2015</a:t>
             </a:fld>
             <a:endParaRPr lang="en-US"/>
           </a:p>
@@ -1055,7 +1055,7 @@
           <a:p>
             <a:fld id="{2F3CC852-900F-4F0D-8928-110D52D92B9F}" type="datetimeFigureOut">
               <a:rPr lang="en-US" smtClean="0"/>
-              <a:t>4/24/2015</a:t>
+              <a:t>4/26/2015</a:t>
             </a:fld>
             <a:endParaRPr lang="en-US"/>
           </a:p>
@@ -1343,7 +1343,7 @@
           <a:p>
             <a:fld id="{2F3CC852-900F-4F0D-8928-110D52D92B9F}" type="datetimeFigureOut">
               <a:rPr lang="en-US" smtClean="0"/>
-              <a:t>4/24/2015</a:t>
+              <a:t>4/26/2015</a:t>
             </a:fld>
             <a:endParaRPr lang="en-US"/>
           </a:p>
@@ -1765,7 +1765,7 @@
           <a:p>
             <a:fld id="{2F3CC852-900F-4F0D-8928-110D52D92B9F}" type="datetimeFigureOut">
               <a:rPr lang="en-US" smtClean="0"/>
-              <a:t>4/24/2015</a:t>
+              <a:t>4/26/2015</a:t>
             </a:fld>
             <a:endParaRPr lang="en-US"/>
           </a:p>
@@ -1883,7 +1883,7 @@
           <a:p>
             <a:fld id="{2F3CC852-900F-4F0D-8928-110D52D92B9F}" type="datetimeFigureOut">
               <a:rPr lang="en-US" smtClean="0"/>
-              <a:t>4/24/2015</a:t>
+              <a:t>4/26/2015</a:t>
             </a:fld>
             <a:endParaRPr lang="en-US"/>
           </a:p>
@@ -1978,7 +1978,7 @@
           <a:p>
             <a:fld id="{2F3CC852-900F-4F0D-8928-110D52D92B9F}" type="datetimeFigureOut">
               <a:rPr lang="en-US" smtClean="0"/>
-              <a:t>4/24/2015</a:t>
+              <a:t>4/26/2015</a:t>
             </a:fld>
             <a:endParaRPr lang="en-US"/>
           </a:p>
@@ -2255,7 +2255,7 @@
           <a:p>
             <a:fld id="{2F3CC852-900F-4F0D-8928-110D52D92B9F}" type="datetimeFigureOut">
               <a:rPr lang="en-US" smtClean="0"/>
-              <a:t>4/24/2015</a:t>
+              <a:t>4/26/2015</a:t>
             </a:fld>
             <a:endParaRPr lang="en-US"/>
           </a:p>
@@ -2508,7 +2508,7 @@
           <a:p>
             <a:fld id="{2F3CC852-900F-4F0D-8928-110D52D92B9F}" type="datetimeFigureOut">
               <a:rPr lang="en-US" smtClean="0"/>
-              <a:t>4/24/2015</a:t>
+              <a:t>4/26/2015</a:t>
             </a:fld>
             <a:endParaRPr lang="en-US"/>
           </a:p>
@@ -2721,7 +2721,7 @@
           <a:p>
             <a:fld id="{2F3CC852-900F-4F0D-8928-110D52D92B9F}" type="datetimeFigureOut">
               <a:rPr lang="en-US" smtClean="0"/>
-              <a:t>4/24/2015</a:t>
+              <a:t>4/26/2015</a:t>
             </a:fld>
             <a:endParaRPr lang="en-US"/>
           </a:p>
@@ -3096,3327 +3096,6 @@
           <a:chExt cx="0" cy="0"/>
         </a:xfrm>
       </p:grpSpPr>
-      <p:grpSp>
-        <p:nvGrpSpPr>
-          <p:cNvPr id="19" name="Group 18"/>
-          <p:cNvGrpSpPr/>
-          <p:nvPr/>
-        </p:nvGrpSpPr>
-        <p:grpSpPr>
-          <a:xfrm>
-            <a:off x="1420368" y="6072188"/>
-            <a:ext cx="628650" cy="23813"/>
-            <a:chOff x="4572000" y="978930"/>
-            <a:chExt cx="2514600" cy="95250"/>
-          </a:xfrm>
-        </p:grpSpPr>
-        <p:sp>
-          <p:nvSpPr>
-            <p:cNvPr id="5" name="Rounded Rectangle 4"/>
-            <p:cNvSpPr/>
-            <p:nvPr/>
-          </p:nvSpPr>
-          <p:spPr>
-            <a:xfrm>
-              <a:off x="4572000" y="978930"/>
-              <a:ext cx="2514600" cy="95250"/>
-            </a:xfrm>
-            <a:prstGeom prst="roundRect">
-              <a:avLst/>
-            </a:prstGeom>
-            <a:solidFill>
-              <a:schemeClr val="tx1"/>
-            </a:solidFill>
-            <a:ln>
-              <a:solidFill>
-                <a:schemeClr val="tx1"/>
-              </a:solidFill>
-            </a:ln>
-          </p:spPr>
-          <p:style>
-            <a:lnRef idx="2">
-              <a:schemeClr val="accent1">
-                <a:shade val="50000"/>
-              </a:schemeClr>
-            </a:lnRef>
-            <a:fillRef idx="1">
-              <a:schemeClr val="accent1"/>
-            </a:fillRef>
-            <a:effectRef idx="0">
-              <a:schemeClr val="accent1"/>
-            </a:effectRef>
-            <a:fontRef idx="minor">
-              <a:schemeClr val="lt1"/>
-            </a:fontRef>
-          </p:style>
-          <p:txBody>
-            <a:bodyPr rtlCol="0" anchor="ctr"/>
-            <a:lstStyle/>
-            <a:p>
-              <a:pPr algn="ctr"/>
-              <a:endParaRPr lang="en-US"/>
-            </a:p>
-          </p:txBody>
-        </p:sp>
-        <p:sp>
-          <p:nvSpPr>
-            <p:cNvPr id="15" name="Rounded Rectangle 14"/>
-            <p:cNvSpPr/>
-            <p:nvPr/>
-          </p:nvSpPr>
-          <p:spPr>
-            <a:xfrm>
-              <a:off x="4572000" y="983692"/>
-              <a:ext cx="630936" cy="85725"/>
-            </a:xfrm>
-            <a:prstGeom prst="roundRect">
-              <a:avLst/>
-            </a:prstGeom>
-            <a:pattFill prst="wdUpDiag">
-              <a:fgClr>
-                <a:schemeClr val="accent2">
-                  <a:lumMod val="60000"/>
-                  <a:lumOff val="40000"/>
-                </a:schemeClr>
-              </a:fgClr>
-              <a:bgClr>
-                <a:schemeClr val="accent2">
-                  <a:lumMod val="20000"/>
-                  <a:lumOff val="80000"/>
-                </a:schemeClr>
-              </a:bgClr>
-            </a:pattFill>
-            <a:ln>
-              <a:noFill/>
-            </a:ln>
-          </p:spPr>
-          <p:style>
-            <a:lnRef idx="2">
-              <a:schemeClr val="accent1">
-                <a:shade val="50000"/>
-              </a:schemeClr>
-            </a:lnRef>
-            <a:fillRef idx="1">
-              <a:schemeClr val="accent1"/>
-            </a:fillRef>
-            <a:effectRef idx="0">
-              <a:schemeClr val="accent1"/>
-            </a:effectRef>
-            <a:fontRef idx="minor">
-              <a:schemeClr val="lt1"/>
-            </a:fontRef>
-          </p:style>
-          <p:txBody>
-            <a:bodyPr rtlCol="0" anchor="ctr"/>
-            <a:lstStyle/>
-            <a:p>
-              <a:pPr algn="ctr"/>
-              <a:endParaRPr lang="en-US"/>
-            </a:p>
-          </p:txBody>
-        </p:sp>
-      </p:grpSp>
-      <p:grpSp>
-        <p:nvGrpSpPr>
-          <p:cNvPr id="20" name="Group 19"/>
-          <p:cNvGrpSpPr/>
-          <p:nvPr/>
-        </p:nvGrpSpPr>
-        <p:grpSpPr>
-          <a:xfrm>
-            <a:off x="944393" y="4270892"/>
-            <a:ext cx="628772" cy="23813"/>
-            <a:chOff x="4571513" y="1291709"/>
-            <a:chExt cx="2515087" cy="95250"/>
-          </a:xfrm>
-        </p:grpSpPr>
-        <p:sp>
-          <p:nvSpPr>
-            <p:cNvPr id="6" name="Rounded Rectangle 5"/>
-            <p:cNvSpPr/>
-            <p:nvPr/>
-          </p:nvSpPr>
-          <p:spPr>
-            <a:xfrm>
-              <a:off x="4572000" y="1291709"/>
-              <a:ext cx="2514600" cy="95250"/>
-            </a:xfrm>
-            <a:prstGeom prst="roundRect">
-              <a:avLst/>
-            </a:prstGeom>
-            <a:solidFill>
-              <a:schemeClr val="tx1"/>
-            </a:solidFill>
-            <a:ln>
-              <a:solidFill>
-                <a:schemeClr val="tx1"/>
-              </a:solidFill>
-            </a:ln>
-          </p:spPr>
-          <p:style>
-            <a:lnRef idx="2">
-              <a:schemeClr val="accent1">
-                <a:shade val="50000"/>
-              </a:schemeClr>
-            </a:lnRef>
-            <a:fillRef idx="1">
-              <a:schemeClr val="accent1"/>
-            </a:fillRef>
-            <a:effectRef idx="0">
-              <a:schemeClr val="accent1"/>
-            </a:effectRef>
-            <a:fontRef idx="minor">
-              <a:schemeClr val="lt1"/>
-            </a:fontRef>
-          </p:style>
-          <p:txBody>
-            <a:bodyPr rtlCol="0" anchor="ctr"/>
-            <a:lstStyle/>
-            <a:p>
-              <a:pPr algn="ctr"/>
-              <a:endParaRPr lang="en-US"/>
-            </a:p>
-          </p:txBody>
-        </p:sp>
-        <p:sp>
-          <p:nvSpPr>
-            <p:cNvPr id="13" name="Rounded Rectangle 12"/>
-            <p:cNvSpPr/>
-            <p:nvPr/>
-          </p:nvSpPr>
-          <p:spPr>
-            <a:xfrm>
-              <a:off x="4571513" y="1295400"/>
-              <a:ext cx="1261872" cy="85725"/>
-            </a:xfrm>
-            <a:prstGeom prst="roundRect">
-              <a:avLst/>
-            </a:prstGeom>
-            <a:pattFill prst="wdUpDiag">
-              <a:fgClr>
-                <a:srgbClr val="FFC000"/>
-              </a:fgClr>
-              <a:bgClr>
-                <a:srgbClr val="FFFF00"/>
-              </a:bgClr>
-            </a:pattFill>
-            <a:ln>
-              <a:noFill/>
-            </a:ln>
-          </p:spPr>
-          <p:style>
-            <a:lnRef idx="2">
-              <a:schemeClr val="accent1">
-                <a:shade val="50000"/>
-              </a:schemeClr>
-            </a:lnRef>
-            <a:fillRef idx="1">
-              <a:schemeClr val="accent1"/>
-            </a:fillRef>
-            <a:effectRef idx="0">
-              <a:schemeClr val="accent1"/>
-            </a:effectRef>
-            <a:fontRef idx="minor">
-              <a:schemeClr val="lt1"/>
-            </a:fontRef>
-          </p:style>
-          <p:txBody>
-            <a:bodyPr rtlCol="0" anchor="ctr"/>
-            <a:lstStyle/>
-            <a:p>
-              <a:pPr algn="ctr"/>
-              <a:endParaRPr lang="en-US"/>
-            </a:p>
-          </p:txBody>
-        </p:sp>
-      </p:grpSp>
-      <p:grpSp>
-        <p:nvGrpSpPr>
-          <p:cNvPr id="21" name="Group 20"/>
-          <p:cNvGrpSpPr/>
-          <p:nvPr/>
-        </p:nvGrpSpPr>
-        <p:grpSpPr>
-          <a:xfrm>
-            <a:off x="914400" y="296036"/>
-            <a:ext cx="2514600" cy="95250"/>
-            <a:chOff x="4572000" y="2176820"/>
-            <a:chExt cx="2514600" cy="95250"/>
-          </a:xfrm>
-        </p:grpSpPr>
-        <p:sp>
-          <p:nvSpPr>
-            <p:cNvPr id="7" name="Rounded Rectangle 6"/>
-            <p:cNvSpPr/>
-            <p:nvPr/>
-          </p:nvSpPr>
-          <p:spPr>
-            <a:xfrm>
-              <a:off x="4572000" y="2176820"/>
-              <a:ext cx="2514600" cy="95250"/>
-            </a:xfrm>
-            <a:prstGeom prst="roundRect">
-              <a:avLst/>
-            </a:prstGeom>
-            <a:solidFill>
-              <a:schemeClr val="tx1"/>
-            </a:solidFill>
-            <a:ln>
-              <a:solidFill>
-                <a:schemeClr val="tx1"/>
-              </a:solidFill>
-            </a:ln>
-          </p:spPr>
-          <p:style>
-            <a:lnRef idx="2">
-              <a:schemeClr val="accent1">
-                <a:shade val="50000"/>
-              </a:schemeClr>
-            </a:lnRef>
-            <a:fillRef idx="1">
-              <a:schemeClr val="accent1"/>
-            </a:fillRef>
-            <a:effectRef idx="0">
-              <a:schemeClr val="accent1"/>
-            </a:effectRef>
-            <a:fontRef idx="minor">
-              <a:schemeClr val="lt1"/>
-            </a:fontRef>
-          </p:style>
-          <p:txBody>
-            <a:bodyPr rtlCol="0" anchor="ctr"/>
-            <a:lstStyle/>
-            <a:p>
-              <a:pPr algn="ctr"/>
-              <a:endParaRPr lang="en-US"/>
-            </a:p>
-          </p:txBody>
-        </p:sp>
-        <p:sp>
-          <p:nvSpPr>
-            <p:cNvPr id="12" name="Rounded Rectangle 11"/>
-            <p:cNvSpPr/>
-            <p:nvPr/>
-          </p:nvSpPr>
-          <p:spPr>
-            <a:xfrm>
-              <a:off x="4572000" y="2184821"/>
-              <a:ext cx="2514600" cy="85725"/>
-            </a:xfrm>
-            <a:prstGeom prst="roundRect">
-              <a:avLst/>
-            </a:prstGeom>
-            <a:pattFill prst="wdUpDiag">
-              <a:fgClr>
-                <a:srgbClr val="00B050"/>
-              </a:fgClr>
-              <a:bgClr>
-                <a:schemeClr val="accent3">
-                  <a:lumMod val="40000"/>
-                  <a:lumOff val="60000"/>
-                </a:schemeClr>
-              </a:bgClr>
-            </a:pattFill>
-            <a:ln>
-              <a:noFill/>
-            </a:ln>
-          </p:spPr>
-          <p:style>
-            <a:lnRef idx="2">
-              <a:schemeClr val="accent1">
-                <a:shade val="50000"/>
-              </a:schemeClr>
-            </a:lnRef>
-            <a:fillRef idx="1">
-              <a:schemeClr val="accent1"/>
-            </a:fillRef>
-            <a:effectRef idx="0">
-              <a:schemeClr val="accent1"/>
-            </a:effectRef>
-            <a:fontRef idx="minor">
-              <a:schemeClr val="lt1"/>
-            </a:fontRef>
-          </p:style>
-          <p:txBody>
-            <a:bodyPr rtlCol="0" anchor="ctr"/>
-            <a:lstStyle/>
-            <a:p>
-              <a:pPr algn="ctr"/>
-              <a:endParaRPr lang="en-US"/>
-            </a:p>
-          </p:txBody>
-        </p:sp>
-      </p:grpSp>
-      <p:sp>
-        <p:nvSpPr>
-          <p:cNvPr id="3" name="Rectangle 2"/>
-          <p:cNvSpPr/>
-          <p:nvPr/>
-        </p:nvSpPr>
-        <p:spPr>
-          <a:xfrm>
-            <a:off x="4417868" y="170997"/>
-            <a:ext cx="952505" cy="215444"/>
-          </a:xfrm>
-          <a:prstGeom prst="rect">
-            <a:avLst/>
-          </a:prstGeom>
-        </p:spPr>
-        <p:txBody>
-          <a:bodyPr wrap="none">
-            <a:spAutoFit/>
-          </a:bodyPr>
-          <a:lstStyle/>
-          <a:p>
-            <a:r>
-              <a:rPr lang="en-US" sz="800" dirty="0"/>
-              <a:t>Visual Studio 2010</a:t>
-            </a:r>
-          </a:p>
-        </p:txBody>
-      </p:sp>
-      <p:sp>
-        <p:nvSpPr>
-          <p:cNvPr id="24" name="Rectangle 23"/>
-          <p:cNvSpPr/>
-          <p:nvPr/>
-        </p:nvSpPr>
-        <p:spPr>
-          <a:xfrm>
-            <a:off x="4417868" y="491717"/>
-            <a:ext cx="670376" cy="215444"/>
-          </a:xfrm>
-          <a:prstGeom prst="rect">
-            <a:avLst/>
-          </a:prstGeom>
-        </p:spPr>
-        <p:txBody>
-          <a:bodyPr wrap="none">
-            <a:spAutoFit/>
-          </a:bodyPr>
-          <a:lstStyle/>
-          <a:p>
-            <a:r>
-              <a:rPr lang="en-US" sz="800" dirty="0"/>
-              <a:t>Visual </a:t>
-            </a:r>
-            <a:r>
-              <a:rPr lang="en-US" sz="800" dirty="0" smtClean="0"/>
-              <a:t>Basic</a:t>
-            </a:r>
-            <a:endParaRPr lang="en-US" sz="800" dirty="0"/>
-          </a:p>
-        </p:txBody>
-      </p:sp>
-      <p:sp>
-        <p:nvSpPr>
-          <p:cNvPr id="4" name="Rectangle 3"/>
-          <p:cNvSpPr/>
-          <p:nvPr/>
-        </p:nvSpPr>
-        <p:spPr>
-          <a:xfrm>
-            <a:off x="4417868" y="812437"/>
-            <a:ext cx="1292341" cy="215444"/>
-          </a:xfrm>
-          <a:prstGeom prst="rect">
-            <a:avLst/>
-          </a:prstGeom>
-        </p:spPr>
-        <p:txBody>
-          <a:bodyPr wrap="none">
-            <a:spAutoFit/>
-          </a:bodyPr>
-          <a:lstStyle/>
-          <a:p>
-            <a:r>
-              <a:rPr lang="en-US" sz="800" dirty="0"/>
-              <a:t>Software versioning (SVN) </a:t>
-            </a:r>
-          </a:p>
-        </p:txBody>
-      </p:sp>
-      <p:grpSp>
-        <p:nvGrpSpPr>
-          <p:cNvPr id="25" name="Group 24"/>
-          <p:cNvGrpSpPr/>
-          <p:nvPr/>
-        </p:nvGrpSpPr>
-        <p:grpSpPr>
-          <a:xfrm>
-            <a:off x="914400" y="628758"/>
-            <a:ext cx="2514600" cy="95250"/>
-            <a:chOff x="4572000" y="2176820"/>
-            <a:chExt cx="2514600" cy="95250"/>
-          </a:xfrm>
-        </p:grpSpPr>
-        <p:sp>
-          <p:nvSpPr>
-            <p:cNvPr id="26" name="Rounded Rectangle 25"/>
-            <p:cNvSpPr/>
-            <p:nvPr/>
-          </p:nvSpPr>
-          <p:spPr>
-            <a:xfrm>
-              <a:off x="4572000" y="2176820"/>
-              <a:ext cx="2514600" cy="95250"/>
-            </a:xfrm>
-            <a:prstGeom prst="roundRect">
-              <a:avLst/>
-            </a:prstGeom>
-            <a:solidFill>
-              <a:schemeClr val="tx1"/>
-            </a:solidFill>
-            <a:ln>
-              <a:solidFill>
-                <a:schemeClr val="tx1"/>
-              </a:solidFill>
-            </a:ln>
-          </p:spPr>
-          <p:style>
-            <a:lnRef idx="2">
-              <a:schemeClr val="accent1">
-                <a:shade val="50000"/>
-              </a:schemeClr>
-            </a:lnRef>
-            <a:fillRef idx="1">
-              <a:schemeClr val="accent1"/>
-            </a:fillRef>
-            <a:effectRef idx="0">
-              <a:schemeClr val="accent1"/>
-            </a:effectRef>
-            <a:fontRef idx="minor">
-              <a:schemeClr val="lt1"/>
-            </a:fontRef>
-          </p:style>
-          <p:txBody>
-            <a:bodyPr rtlCol="0" anchor="ctr"/>
-            <a:lstStyle/>
-            <a:p>
-              <a:pPr algn="ctr"/>
-              <a:endParaRPr lang="en-US"/>
-            </a:p>
-          </p:txBody>
-        </p:sp>
-        <p:sp>
-          <p:nvSpPr>
-            <p:cNvPr id="27" name="Rounded Rectangle 26"/>
-            <p:cNvSpPr/>
-            <p:nvPr/>
-          </p:nvSpPr>
-          <p:spPr>
-            <a:xfrm>
-              <a:off x="4572000" y="2184821"/>
-              <a:ext cx="2514600" cy="85725"/>
-            </a:xfrm>
-            <a:prstGeom prst="roundRect">
-              <a:avLst/>
-            </a:prstGeom>
-            <a:pattFill prst="wdUpDiag">
-              <a:fgClr>
-                <a:srgbClr val="00B050"/>
-              </a:fgClr>
-              <a:bgClr>
-                <a:schemeClr val="accent3">
-                  <a:lumMod val="40000"/>
-                  <a:lumOff val="60000"/>
-                </a:schemeClr>
-              </a:bgClr>
-            </a:pattFill>
-            <a:ln>
-              <a:noFill/>
-            </a:ln>
-          </p:spPr>
-          <p:style>
-            <a:lnRef idx="2">
-              <a:schemeClr val="accent1">
-                <a:shade val="50000"/>
-              </a:schemeClr>
-            </a:lnRef>
-            <a:fillRef idx="1">
-              <a:schemeClr val="accent1"/>
-            </a:fillRef>
-            <a:effectRef idx="0">
-              <a:schemeClr val="accent1"/>
-            </a:effectRef>
-            <a:fontRef idx="minor">
-              <a:schemeClr val="lt1"/>
-            </a:fontRef>
-          </p:style>
-          <p:txBody>
-            <a:bodyPr rtlCol="0" anchor="ctr"/>
-            <a:lstStyle/>
-            <a:p>
-              <a:pPr algn="ctr"/>
-              <a:endParaRPr lang="en-US"/>
-            </a:p>
-          </p:txBody>
-        </p:sp>
-      </p:grpSp>
-      <p:grpSp>
-        <p:nvGrpSpPr>
-          <p:cNvPr id="28" name="Group 27"/>
-          <p:cNvGrpSpPr/>
-          <p:nvPr/>
-        </p:nvGrpSpPr>
-        <p:grpSpPr>
-          <a:xfrm>
-            <a:off x="914400" y="995342"/>
-            <a:ext cx="628650" cy="23813"/>
-            <a:chOff x="4572000" y="2176820"/>
-            <a:chExt cx="2514600" cy="95250"/>
-          </a:xfrm>
-        </p:grpSpPr>
-        <p:sp>
-          <p:nvSpPr>
-            <p:cNvPr id="29" name="Rounded Rectangle 28"/>
-            <p:cNvSpPr/>
-            <p:nvPr/>
-          </p:nvSpPr>
-          <p:spPr>
-            <a:xfrm>
-              <a:off x="4572000" y="2176820"/>
-              <a:ext cx="2514600" cy="95250"/>
-            </a:xfrm>
-            <a:prstGeom prst="roundRect">
-              <a:avLst/>
-            </a:prstGeom>
-            <a:solidFill>
-              <a:schemeClr val="tx1"/>
-            </a:solidFill>
-            <a:ln>
-              <a:solidFill>
-                <a:schemeClr val="tx1"/>
-              </a:solidFill>
-            </a:ln>
-          </p:spPr>
-          <p:style>
-            <a:lnRef idx="2">
-              <a:schemeClr val="accent1">
-                <a:shade val="50000"/>
-              </a:schemeClr>
-            </a:lnRef>
-            <a:fillRef idx="1">
-              <a:schemeClr val="accent1"/>
-            </a:fillRef>
-            <a:effectRef idx="0">
-              <a:schemeClr val="accent1"/>
-            </a:effectRef>
-            <a:fontRef idx="minor">
-              <a:schemeClr val="lt1"/>
-            </a:fontRef>
-          </p:style>
-          <p:txBody>
-            <a:bodyPr rtlCol="0" anchor="ctr"/>
-            <a:lstStyle/>
-            <a:p>
-              <a:pPr algn="ctr"/>
-              <a:endParaRPr lang="en-US"/>
-            </a:p>
-          </p:txBody>
-        </p:sp>
-        <p:sp>
-          <p:nvSpPr>
-            <p:cNvPr id="30" name="Rounded Rectangle 29"/>
-            <p:cNvSpPr/>
-            <p:nvPr/>
-          </p:nvSpPr>
-          <p:spPr>
-            <a:xfrm>
-              <a:off x="4572000" y="2184821"/>
-              <a:ext cx="2514600" cy="85725"/>
-            </a:xfrm>
-            <a:prstGeom prst="roundRect">
-              <a:avLst/>
-            </a:prstGeom>
-            <a:pattFill prst="wdUpDiag">
-              <a:fgClr>
-                <a:srgbClr val="00B050"/>
-              </a:fgClr>
-              <a:bgClr>
-                <a:schemeClr val="accent3">
-                  <a:lumMod val="40000"/>
-                  <a:lumOff val="60000"/>
-                </a:schemeClr>
-              </a:bgClr>
-            </a:pattFill>
-            <a:ln>
-              <a:noFill/>
-            </a:ln>
-          </p:spPr>
-          <p:style>
-            <a:lnRef idx="2">
-              <a:schemeClr val="accent1">
-                <a:shade val="50000"/>
-              </a:schemeClr>
-            </a:lnRef>
-            <a:fillRef idx="1">
-              <a:schemeClr val="accent1"/>
-            </a:fillRef>
-            <a:effectRef idx="0">
-              <a:schemeClr val="accent1"/>
-            </a:effectRef>
-            <a:fontRef idx="minor">
-              <a:schemeClr val="lt1"/>
-            </a:fontRef>
-          </p:style>
-          <p:txBody>
-            <a:bodyPr rtlCol="0" anchor="ctr"/>
-            <a:lstStyle/>
-            <a:p>
-              <a:pPr algn="ctr"/>
-              <a:endParaRPr lang="en-US"/>
-            </a:p>
-          </p:txBody>
-        </p:sp>
-      </p:grpSp>
-      <p:sp>
-        <p:nvSpPr>
-          <p:cNvPr id="31" name="Rectangle 30"/>
-          <p:cNvSpPr/>
-          <p:nvPr/>
-        </p:nvSpPr>
-        <p:spPr>
-          <a:xfrm>
-            <a:off x="4417868" y="1133157"/>
-            <a:ext cx="290464" cy="215444"/>
-          </a:xfrm>
-          <a:prstGeom prst="rect">
-            <a:avLst/>
-          </a:prstGeom>
-        </p:spPr>
-        <p:txBody>
-          <a:bodyPr wrap="none">
-            <a:spAutoFit/>
-          </a:bodyPr>
-          <a:lstStyle/>
-          <a:p>
-            <a:r>
-              <a:rPr lang="en-US" sz="800" dirty="0" smtClean="0"/>
-              <a:t>C#</a:t>
-            </a:r>
-            <a:endParaRPr lang="en-US" sz="800" dirty="0"/>
-          </a:p>
-        </p:txBody>
-      </p:sp>
-      <p:sp>
-        <p:nvSpPr>
-          <p:cNvPr id="32" name="Rectangle 31"/>
-          <p:cNvSpPr/>
-          <p:nvPr/>
-        </p:nvSpPr>
-        <p:spPr>
-          <a:xfrm>
-            <a:off x="4417868" y="1453877"/>
-            <a:ext cx="341760" cy="215444"/>
-          </a:xfrm>
-          <a:prstGeom prst="rect">
-            <a:avLst/>
-          </a:prstGeom>
-        </p:spPr>
-        <p:txBody>
-          <a:bodyPr wrap="none">
-            <a:spAutoFit/>
-          </a:bodyPr>
-          <a:lstStyle/>
-          <a:p>
-            <a:r>
-              <a:rPr lang="en-US" sz="800" dirty="0" smtClean="0"/>
-              <a:t>C++</a:t>
-            </a:r>
-            <a:endParaRPr lang="en-US" sz="800" dirty="0"/>
-          </a:p>
-        </p:txBody>
-      </p:sp>
-      <p:sp>
-        <p:nvSpPr>
-          <p:cNvPr id="33" name="Rectangle 32"/>
-          <p:cNvSpPr/>
-          <p:nvPr/>
-        </p:nvSpPr>
-        <p:spPr>
-          <a:xfrm>
-            <a:off x="4417868" y="1774597"/>
-            <a:ext cx="240772" cy="215444"/>
-          </a:xfrm>
-          <a:prstGeom prst="rect">
-            <a:avLst/>
-          </a:prstGeom>
-        </p:spPr>
-        <p:txBody>
-          <a:bodyPr wrap="none">
-            <a:spAutoFit/>
-          </a:bodyPr>
-          <a:lstStyle/>
-          <a:p>
-            <a:r>
-              <a:rPr lang="en-US" sz="800" dirty="0" smtClean="0"/>
-              <a:t>R</a:t>
-            </a:r>
-            <a:endParaRPr lang="en-US" sz="800" dirty="0"/>
-          </a:p>
-        </p:txBody>
-      </p:sp>
-      <p:sp>
-        <p:nvSpPr>
-          <p:cNvPr id="34" name="Rectangle 33"/>
-          <p:cNvSpPr/>
-          <p:nvPr/>
-        </p:nvSpPr>
-        <p:spPr>
-          <a:xfrm>
-            <a:off x="4417868" y="2095317"/>
-            <a:ext cx="377026" cy="215444"/>
-          </a:xfrm>
-          <a:prstGeom prst="rect">
-            <a:avLst/>
-          </a:prstGeom>
-        </p:spPr>
-        <p:txBody>
-          <a:bodyPr wrap="none">
-            <a:spAutoFit/>
-          </a:bodyPr>
-          <a:lstStyle/>
-          <a:p>
-            <a:r>
-              <a:rPr lang="en-US" sz="800" dirty="0" smtClean="0"/>
-              <a:t>SPSS</a:t>
-            </a:r>
-            <a:endParaRPr lang="en-US" sz="800" dirty="0"/>
-          </a:p>
-        </p:txBody>
-      </p:sp>
-      <p:sp>
-        <p:nvSpPr>
-          <p:cNvPr id="35" name="Rectangle 34"/>
-          <p:cNvSpPr/>
-          <p:nvPr/>
-        </p:nvSpPr>
-        <p:spPr>
-          <a:xfrm>
-            <a:off x="4417868" y="2416037"/>
-            <a:ext cx="665567" cy="215444"/>
-          </a:xfrm>
-          <a:prstGeom prst="rect">
-            <a:avLst/>
-          </a:prstGeom>
-        </p:spPr>
-        <p:txBody>
-          <a:bodyPr wrap="none">
-            <a:spAutoFit/>
-          </a:bodyPr>
-          <a:lstStyle/>
-          <a:p>
-            <a:r>
-              <a:rPr lang="en-US" sz="800" dirty="0" smtClean="0"/>
-              <a:t>INNO setup</a:t>
-            </a:r>
-            <a:endParaRPr lang="en-US" sz="800" dirty="0"/>
-          </a:p>
-        </p:txBody>
-      </p:sp>
-      <p:sp>
-        <p:nvSpPr>
-          <p:cNvPr id="8" name="Rectangle 7"/>
-          <p:cNvSpPr/>
-          <p:nvPr/>
-        </p:nvSpPr>
-        <p:spPr>
-          <a:xfrm>
-            <a:off x="4417868" y="2736757"/>
-            <a:ext cx="383438" cy="215444"/>
-          </a:xfrm>
-          <a:prstGeom prst="rect">
-            <a:avLst/>
-          </a:prstGeom>
-        </p:spPr>
-        <p:txBody>
-          <a:bodyPr wrap="none">
-            <a:spAutoFit/>
-          </a:bodyPr>
-          <a:lstStyle/>
-          <a:p>
-            <a:r>
-              <a:rPr lang="en-US" sz="800" dirty="0" err="1"/>
-              <a:t>.Net</a:t>
-            </a:r>
-            <a:r>
-              <a:rPr lang="en-US" sz="800" dirty="0"/>
-              <a:t> </a:t>
-            </a:r>
-          </a:p>
-        </p:txBody>
-      </p:sp>
-      <p:sp>
-        <p:nvSpPr>
-          <p:cNvPr id="9" name="Rectangle 8"/>
-          <p:cNvSpPr/>
-          <p:nvPr/>
-        </p:nvSpPr>
-        <p:spPr>
-          <a:xfrm>
-            <a:off x="4417868" y="3057477"/>
-            <a:ext cx="715260" cy="215444"/>
-          </a:xfrm>
-          <a:prstGeom prst="rect">
-            <a:avLst/>
-          </a:prstGeom>
-        </p:spPr>
-        <p:txBody>
-          <a:bodyPr wrap="none">
-            <a:spAutoFit/>
-          </a:bodyPr>
-          <a:lstStyle/>
-          <a:p>
-            <a:r>
-              <a:rPr lang="en-US" sz="800" dirty="0"/>
-              <a:t>ARCGIS 10.0 </a:t>
-            </a:r>
-          </a:p>
-        </p:txBody>
-      </p:sp>
-      <p:sp>
-        <p:nvSpPr>
-          <p:cNvPr id="10" name="Rectangle 9"/>
-          <p:cNvSpPr/>
-          <p:nvPr/>
-        </p:nvSpPr>
-        <p:spPr>
-          <a:xfrm>
-            <a:off x="4417868" y="3698915"/>
-            <a:ext cx="1091966" cy="215444"/>
-          </a:xfrm>
-          <a:prstGeom prst="rect">
-            <a:avLst/>
-          </a:prstGeom>
-        </p:spPr>
-        <p:txBody>
-          <a:bodyPr wrap="none">
-            <a:spAutoFit/>
-          </a:bodyPr>
-          <a:lstStyle/>
-          <a:p>
-            <a:r>
-              <a:rPr lang="en-US" sz="800" dirty="0"/>
-              <a:t>Microsoft Office tools</a:t>
-            </a:r>
-          </a:p>
-        </p:txBody>
-      </p:sp>
-      <p:sp>
-        <p:nvSpPr>
-          <p:cNvPr id="11" name="Rectangle 10"/>
-          <p:cNvSpPr/>
-          <p:nvPr/>
-        </p:nvSpPr>
-        <p:spPr>
-          <a:xfrm>
-            <a:off x="4417868" y="3378197"/>
-            <a:ext cx="409086" cy="215444"/>
-          </a:xfrm>
-          <a:prstGeom prst="rect">
-            <a:avLst/>
-          </a:prstGeom>
-        </p:spPr>
-        <p:txBody>
-          <a:bodyPr wrap="none">
-            <a:spAutoFit/>
-          </a:bodyPr>
-          <a:lstStyle/>
-          <a:p>
-            <a:r>
-              <a:rPr lang="en-US" sz="800" dirty="0"/>
-              <a:t>Gimp</a:t>
-            </a:r>
-          </a:p>
-        </p:txBody>
-      </p:sp>
-      <p:sp>
-        <p:nvSpPr>
-          <p:cNvPr id="36" name="Rectangle 35"/>
-          <p:cNvSpPr/>
-          <p:nvPr/>
-        </p:nvSpPr>
-        <p:spPr>
-          <a:xfrm>
-            <a:off x="3709414" y="170997"/>
-            <a:ext cx="412292" cy="215444"/>
-          </a:xfrm>
-          <a:prstGeom prst="rect">
-            <a:avLst/>
-          </a:prstGeom>
-        </p:spPr>
-        <p:txBody>
-          <a:bodyPr wrap="none">
-            <a:spAutoFit/>
-          </a:bodyPr>
-          <a:lstStyle/>
-          <a:p>
-            <a:r>
-              <a:rPr lang="en-US" sz="800" dirty="0" smtClean="0"/>
-              <a:t>100%</a:t>
-            </a:r>
-            <a:endParaRPr lang="en-US" sz="800" dirty="0"/>
-          </a:p>
-        </p:txBody>
-      </p:sp>
-      <p:sp>
-        <p:nvSpPr>
-          <p:cNvPr id="37" name="Rectangle 36"/>
-          <p:cNvSpPr/>
-          <p:nvPr/>
-        </p:nvSpPr>
-        <p:spPr>
-          <a:xfrm>
-            <a:off x="3709414" y="485155"/>
-            <a:ext cx="412292" cy="215444"/>
-          </a:xfrm>
-          <a:prstGeom prst="rect">
-            <a:avLst/>
-          </a:prstGeom>
-        </p:spPr>
-        <p:txBody>
-          <a:bodyPr wrap="none">
-            <a:spAutoFit/>
-          </a:bodyPr>
-          <a:lstStyle/>
-          <a:p>
-            <a:r>
-              <a:rPr lang="en-US" sz="800" dirty="0" smtClean="0"/>
-              <a:t>100%</a:t>
-            </a:r>
-            <a:endParaRPr lang="en-US" sz="800" dirty="0"/>
-          </a:p>
-        </p:txBody>
-      </p:sp>
-      <p:sp>
-        <p:nvSpPr>
-          <p:cNvPr id="38" name="Rectangle 37"/>
-          <p:cNvSpPr/>
-          <p:nvPr/>
-        </p:nvSpPr>
-        <p:spPr>
-          <a:xfrm>
-            <a:off x="3709414" y="812437"/>
-            <a:ext cx="412292" cy="215444"/>
-          </a:xfrm>
-          <a:prstGeom prst="rect">
-            <a:avLst/>
-          </a:prstGeom>
-        </p:spPr>
-        <p:txBody>
-          <a:bodyPr wrap="none">
-            <a:spAutoFit/>
-          </a:bodyPr>
-          <a:lstStyle/>
-          <a:p>
-            <a:r>
-              <a:rPr lang="en-US" sz="800" dirty="0" smtClean="0"/>
-              <a:t>100%</a:t>
-            </a:r>
-            <a:endParaRPr lang="en-US" sz="800" dirty="0"/>
-          </a:p>
-        </p:txBody>
-      </p:sp>
-      <p:sp>
-        <p:nvSpPr>
-          <p:cNvPr id="39" name="Rectangle 38"/>
-          <p:cNvSpPr/>
-          <p:nvPr/>
-        </p:nvSpPr>
-        <p:spPr>
-          <a:xfrm>
-            <a:off x="3709414" y="1133157"/>
-            <a:ext cx="412292" cy="215444"/>
-          </a:xfrm>
-          <a:prstGeom prst="rect">
-            <a:avLst/>
-          </a:prstGeom>
-        </p:spPr>
-        <p:txBody>
-          <a:bodyPr wrap="none">
-            <a:spAutoFit/>
-          </a:bodyPr>
-          <a:lstStyle/>
-          <a:p>
-            <a:r>
-              <a:rPr lang="en-US" sz="800" dirty="0" smtClean="0"/>
-              <a:t>100%</a:t>
-            </a:r>
-            <a:endParaRPr lang="en-US" sz="800" dirty="0"/>
-          </a:p>
-        </p:txBody>
-      </p:sp>
-      <p:sp>
-        <p:nvSpPr>
-          <p:cNvPr id="40" name="Rectangle 39"/>
-          <p:cNvSpPr/>
-          <p:nvPr/>
-        </p:nvSpPr>
-        <p:spPr>
-          <a:xfrm>
-            <a:off x="3709414" y="1453877"/>
-            <a:ext cx="412292" cy="215444"/>
-          </a:xfrm>
-          <a:prstGeom prst="rect">
-            <a:avLst/>
-          </a:prstGeom>
-        </p:spPr>
-        <p:txBody>
-          <a:bodyPr wrap="none">
-            <a:spAutoFit/>
-          </a:bodyPr>
-          <a:lstStyle/>
-          <a:p>
-            <a:r>
-              <a:rPr lang="en-US" sz="800" dirty="0" smtClean="0"/>
-              <a:t>100%</a:t>
-            </a:r>
-            <a:endParaRPr lang="en-US" sz="800" dirty="0"/>
-          </a:p>
-        </p:txBody>
-      </p:sp>
-      <p:sp>
-        <p:nvSpPr>
-          <p:cNvPr id="41" name="Rectangle 40"/>
-          <p:cNvSpPr/>
-          <p:nvPr/>
-        </p:nvSpPr>
-        <p:spPr>
-          <a:xfrm>
-            <a:off x="3709414" y="1774597"/>
-            <a:ext cx="412292" cy="215444"/>
-          </a:xfrm>
-          <a:prstGeom prst="rect">
-            <a:avLst/>
-          </a:prstGeom>
-        </p:spPr>
-        <p:txBody>
-          <a:bodyPr wrap="none">
-            <a:spAutoFit/>
-          </a:bodyPr>
-          <a:lstStyle/>
-          <a:p>
-            <a:r>
-              <a:rPr lang="en-US" sz="800" dirty="0" smtClean="0"/>
-              <a:t>100%</a:t>
-            </a:r>
-            <a:endParaRPr lang="en-US" sz="800" dirty="0"/>
-          </a:p>
-        </p:txBody>
-      </p:sp>
-      <p:sp>
-        <p:nvSpPr>
-          <p:cNvPr id="42" name="Rectangle 41"/>
-          <p:cNvSpPr/>
-          <p:nvPr/>
-        </p:nvSpPr>
-        <p:spPr>
-          <a:xfrm>
-            <a:off x="3709414" y="2095317"/>
-            <a:ext cx="412292" cy="215444"/>
-          </a:xfrm>
-          <a:prstGeom prst="rect">
-            <a:avLst/>
-          </a:prstGeom>
-        </p:spPr>
-        <p:txBody>
-          <a:bodyPr wrap="none">
-            <a:spAutoFit/>
-          </a:bodyPr>
-          <a:lstStyle/>
-          <a:p>
-            <a:r>
-              <a:rPr lang="en-US" sz="800" dirty="0" smtClean="0"/>
-              <a:t>100%</a:t>
-            </a:r>
-            <a:endParaRPr lang="en-US" sz="800" dirty="0"/>
-          </a:p>
-        </p:txBody>
-      </p:sp>
-      <p:sp>
-        <p:nvSpPr>
-          <p:cNvPr id="43" name="Rectangle 42"/>
-          <p:cNvSpPr/>
-          <p:nvPr/>
-        </p:nvSpPr>
-        <p:spPr>
-          <a:xfrm>
-            <a:off x="3709414" y="2416037"/>
-            <a:ext cx="412292" cy="215444"/>
-          </a:xfrm>
-          <a:prstGeom prst="rect">
-            <a:avLst/>
-          </a:prstGeom>
-        </p:spPr>
-        <p:txBody>
-          <a:bodyPr wrap="none">
-            <a:spAutoFit/>
-          </a:bodyPr>
-          <a:lstStyle/>
-          <a:p>
-            <a:r>
-              <a:rPr lang="en-US" sz="800" dirty="0" smtClean="0"/>
-              <a:t>100%</a:t>
-            </a:r>
-            <a:endParaRPr lang="en-US" sz="800" dirty="0"/>
-          </a:p>
-        </p:txBody>
-      </p:sp>
-      <p:sp>
-        <p:nvSpPr>
-          <p:cNvPr id="44" name="Rectangle 43"/>
-          <p:cNvSpPr/>
-          <p:nvPr/>
-        </p:nvSpPr>
-        <p:spPr>
-          <a:xfrm>
-            <a:off x="3709414" y="2736757"/>
-            <a:ext cx="412292" cy="215444"/>
-          </a:xfrm>
-          <a:prstGeom prst="rect">
-            <a:avLst/>
-          </a:prstGeom>
-        </p:spPr>
-        <p:txBody>
-          <a:bodyPr wrap="none">
-            <a:spAutoFit/>
-          </a:bodyPr>
-          <a:lstStyle/>
-          <a:p>
-            <a:r>
-              <a:rPr lang="en-US" sz="800" dirty="0" smtClean="0"/>
-              <a:t>100%</a:t>
-            </a:r>
-            <a:endParaRPr lang="en-US" sz="800" dirty="0"/>
-          </a:p>
-        </p:txBody>
-      </p:sp>
-      <p:sp>
-        <p:nvSpPr>
-          <p:cNvPr id="45" name="Rectangle 44"/>
-          <p:cNvSpPr/>
-          <p:nvPr/>
-        </p:nvSpPr>
-        <p:spPr>
-          <a:xfrm>
-            <a:off x="3709414" y="3057477"/>
-            <a:ext cx="412292" cy="215444"/>
-          </a:xfrm>
-          <a:prstGeom prst="rect">
-            <a:avLst/>
-          </a:prstGeom>
-        </p:spPr>
-        <p:txBody>
-          <a:bodyPr wrap="none">
-            <a:spAutoFit/>
-          </a:bodyPr>
-          <a:lstStyle/>
-          <a:p>
-            <a:r>
-              <a:rPr lang="en-US" sz="800" dirty="0" smtClean="0"/>
-              <a:t>100%</a:t>
-            </a:r>
-            <a:endParaRPr lang="en-US" sz="800" dirty="0"/>
-          </a:p>
-        </p:txBody>
-      </p:sp>
-      <p:sp>
-        <p:nvSpPr>
-          <p:cNvPr id="46" name="Rectangle 45"/>
-          <p:cNvSpPr/>
-          <p:nvPr/>
-        </p:nvSpPr>
-        <p:spPr>
-          <a:xfrm>
-            <a:off x="3709414" y="3378197"/>
-            <a:ext cx="412292" cy="215444"/>
-          </a:xfrm>
-          <a:prstGeom prst="rect">
-            <a:avLst/>
-          </a:prstGeom>
-        </p:spPr>
-        <p:txBody>
-          <a:bodyPr wrap="none">
-            <a:spAutoFit/>
-          </a:bodyPr>
-          <a:lstStyle/>
-          <a:p>
-            <a:r>
-              <a:rPr lang="en-US" sz="800" dirty="0" smtClean="0"/>
-              <a:t>100%</a:t>
-            </a:r>
-            <a:endParaRPr lang="en-US" sz="800" dirty="0"/>
-          </a:p>
-        </p:txBody>
-      </p:sp>
-      <p:sp>
-        <p:nvSpPr>
-          <p:cNvPr id="47" name="Rectangle 46"/>
-          <p:cNvSpPr/>
-          <p:nvPr/>
-        </p:nvSpPr>
-        <p:spPr>
-          <a:xfrm>
-            <a:off x="3709414" y="3698915"/>
-            <a:ext cx="412292" cy="215444"/>
-          </a:xfrm>
-          <a:prstGeom prst="rect">
-            <a:avLst/>
-          </a:prstGeom>
-        </p:spPr>
-        <p:txBody>
-          <a:bodyPr wrap="none">
-            <a:spAutoFit/>
-          </a:bodyPr>
-          <a:lstStyle/>
-          <a:p>
-            <a:r>
-              <a:rPr lang="en-US" sz="800" dirty="0" smtClean="0"/>
-              <a:t>100%</a:t>
-            </a:r>
-            <a:endParaRPr lang="en-US" sz="800" dirty="0"/>
-          </a:p>
-        </p:txBody>
-      </p:sp>
-      <p:grpSp>
-        <p:nvGrpSpPr>
-          <p:cNvPr id="48" name="Group 47"/>
-          <p:cNvGrpSpPr/>
-          <p:nvPr/>
-        </p:nvGrpSpPr>
-        <p:grpSpPr>
-          <a:xfrm>
-            <a:off x="914400" y="1317823"/>
-            <a:ext cx="2514600" cy="95250"/>
-            <a:chOff x="4572000" y="2176820"/>
-            <a:chExt cx="2514600" cy="95250"/>
-          </a:xfrm>
-        </p:grpSpPr>
-        <p:sp>
-          <p:nvSpPr>
-            <p:cNvPr id="49" name="Rounded Rectangle 48"/>
-            <p:cNvSpPr/>
-            <p:nvPr/>
-          </p:nvSpPr>
-          <p:spPr>
-            <a:xfrm>
-              <a:off x="4572000" y="2176820"/>
-              <a:ext cx="2514600" cy="95250"/>
-            </a:xfrm>
-            <a:prstGeom prst="roundRect">
-              <a:avLst/>
-            </a:prstGeom>
-            <a:solidFill>
-              <a:schemeClr val="tx1"/>
-            </a:solidFill>
-            <a:ln>
-              <a:solidFill>
-                <a:schemeClr val="tx1"/>
-              </a:solidFill>
-            </a:ln>
-          </p:spPr>
-          <p:style>
-            <a:lnRef idx="2">
-              <a:schemeClr val="accent1">
-                <a:shade val="50000"/>
-              </a:schemeClr>
-            </a:lnRef>
-            <a:fillRef idx="1">
-              <a:schemeClr val="accent1"/>
-            </a:fillRef>
-            <a:effectRef idx="0">
-              <a:schemeClr val="accent1"/>
-            </a:effectRef>
-            <a:fontRef idx="minor">
-              <a:schemeClr val="lt1"/>
-            </a:fontRef>
-          </p:style>
-          <p:txBody>
-            <a:bodyPr rtlCol="0" anchor="ctr"/>
-            <a:lstStyle/>
-            <a:p>
-              <a:pPr algn="ctr"/>
-              <a:endParaRPr lang="en-US"/>
-            </a:p>
-          </p:txBody>
-        </p:sp>
-        <p:sp>
-          <p:nvSpPr>
-            <p:cNvPr id="50" name="Rounded Rectangle 49"/>
-            <p:cNvSpPr/>
-            <p:nvPr/>
-          </p:nvSpPr>
-          <p:spPr>
-            <a:xfrm>
-              <a:off x="4572000" y="2184821"/>
-              <a:ext cx="2514600" cy="85725"/>
-            </a:xfrm>
-            <a:prstGeom prst="roundRect">
-              <a:avLst/>
-            </a:prstGeom>
-            <a:pattFill prst="wdUpDiag">
-              <a:fgClr>
-                <a:srgbClr val="00B050"/>
-              </a:fgClr>
-              <a:bgClr>
-                <a:schemeClr val="accent3">
-                  <a:lumMod val="40000"/>
-                  <a:lumOff val="60000"/>
-                </a:schemeClr>
-              </a:bgClr>
-            </a:pattFill>
-            <a:ln>
-              <a:noFill/>
-            </a:ln>
-          </p:spPr>
-          <p:style>
-            <a:lnRef idx="2">
-              <a:schemeClr val="accent1">
-                <a:shade val="50000"/>
-              </a:schemeClr>
-            </a:lnRef>
-            <a:fillRef idx="1">
-              <a:schemeClr val="accent1"/>
-            </a:fillRef>
-            <a:effectRef idx="0">
-              <a:schemeClr val="accent1"/>
-            </a:effectRef>
-            <a:fontRef idx="minor">
-              <a:schemeClr val="lt1"/>
-            </a:fontRef>
-          </p:style>
-          <p:txBody>
-            <a:bodyPr rtlCol="0" anchor="ctr"/>
-            <a:lstStyle/>
-            <a:p>
-              <a:pPr algn="ctr"/>
-              <a:endParaRPr lang="en-US"/>
-            </a:p>
-          </p:txBody>
-        </p:sp>
-      </p:grpSp>
-      <p:grpSp>
-        <p:nvGrpSpPr>
-          <p:cNvPr id="51" name="Group 50"/>
-          <p:cNvGrpSpPr/>
-          <p:nvPr/>
-        </p:nvGrpSpPr>
-        <p:grpSpPr>
-          <a:xfrm>
-            <a:off x="922020" y="1590918"/>
-            <a:ext cx="2514600" cy="95250"/>
-            <a:chOff x="4572000" y="2176820"/>
-            <a:chExt cx="2514600" cy="95250"/>
-          </a:xfrm>
-        </p:grpSpPr>
-        <p:sp>
-          <p:nvSpPr>
-            <p:cNvPr id="52" name="Rounded Rectangle 51"/>
-            <p:cNvSpPr/>
-            <p:nvPr/>
-          </p:nvSpPr>
-          <p:spPr>
-            <a:xfrm>
-              <a:off x="4572000" y="2176820"/>
-              <a:ext cx="2514600" cy="95250"/>
-            </a:xfrm>
-            <a:prstGeom prst="roundRect">
-              <a:avLst/>
-            </a:prstGeom>
-            <a:solidFill>
-              <a:schemeClr val="tx1"/>
-            </a:solidFill>
-            <a:ln>
-              <a:solidFill>
-                <a:schemeClr val="tx1"/>
-              </a:solidFill>
-            </a:ln>
-          </p:spPr>
-          <p:style>
-            <a:lnRef idx="2">
-              <a:schemeClr val="accent1">
-                <a:shade val="50000"/>
-              </a:schemeClr>
-            </a:lnRef>
-            <a:fillRef idx="1">
-              <a:schemeClr val="accent1"/>
-            </a:fillRef>
-            <a:effectRef idx="0">
-              <a:schemeClr val="accent1"/>
-            </a:effectRef>
-            <a:fontRef idx="minor">
-              <a:schemeClr val="lt1"/>
-            </a:fontRef>
-          </p:style>
-          <p:txBody>
-            <a:bodyPr rtlCol="0" anchor="ctr"/>
-            <a:lstStyle/>
-            <a:p>
-              <a:pPr algn="ctr"/>
-              <a:endParaRPr lang="en-US"/>
-            </a:p>
-          </p:txBody>
-        </p:sp>
-        <p:sp>
-          <p:nvSpPr>
-            <p:cNvPr id="53" name="Rounded Rectangle 52"/>
-            <p:cNvSpPr/>
-            <p:nvPr/>
-          </p:nvSpPr>
-          <p:spPr>
-            <a:xfrm>
-              <a:off x="4572000" y="2184821"/>
-              <a:ext cx="2514600" cy="85725"/>
-            </a:xfrm>
-            <a:prstGeom prst="roundRect">
-              <a:avLst/>
-            </a:prstGeom>
-            <a:pattFill prst="wdUpDiag">
-              <a:fgClr>
-                <a:srgbClr val="00B050"/>
-              </a:fgClr>
-              <a:bgClr>
-                <a:schemeClr val="accent3">
-                  <a:lumMod val="40000"/>
-                  <a:lumOff val="60000"/>
-                </a:schemeClr>
-              </a:bgClr>
-            </a:pattFill>
-            <a:ln>
-              <a:noFill/>
-            </a:ln>
-          </p:spPr>
-          <p:style>
-            <a:lnRef idx="2">
-              <a:schemeClr val="accent1">
-                <a:shade val="50000"/>
-              </a:schemeClr>
-            </a:lnRef>
-            <a:fillRef idx="1">
-              <a:schemeClr val="accent1"/>
-            </a:fillRef>
-            <a:effectRef idx="0">
-              <a:schemeClr val="accent1"/>
-            </a:effectRef>
-            <a:fontRef idx="minor">
-              <a:schemeClr val="lt1"/>
-            </a:fontRef>
-          </p:style>
-          <p:txBody>
-            <a:bodyPr rtlCol="0" anchor="ctr"/>
-            <a:lstStyle/>
-            <a:p>
-              <a:pPr algn="ctr"/>
-              <a:endParaRPr lang="en-US"/>
-            </a:p>
-          </p:txBody>
-        </p:sp>
-      </p:grpSp>
-      <p:grpSp>
-        <p:nvGrpSpPr>
-          <p:cNvPr id="54" name="Group 53"/>
-          <p:cNvGrpSpPr/>
-          <p:nvPr/>
-        </p:nvGrpSpPr>
-        <p:grpSpPr>
-          <a:xfrm>
-            <a:off x="952500" y="1949145"/>
-            <a:ext cx="2514600" cy="95250"/>
-            <a:chOff x="4572000" y="2176820"/>
-            <a:chExt cx="2514600" cy="95250"/>
-          </a:xfrm>
-        </p:grpSpPr>
-        <p:sp>
-          <p:nvSpPr>
-            <p:cNvPr id="55" name="Rounded Rectangle 54"/>
-            <p:cNvSpPr/>
-            <p:nvPr/>
-          </p:nvSpPr>
-          <p:spPr>
-            <a:xfrm>
-              <a:off x="4572000" y="2176820"/>
-              <a:ext cx="2514600" cy="95250"/>
-            </a:xfrm>
-            <a:prstGeom prst="roundRect">
-              <a:avLst/>
-            </a:prstGeom>
-            <a:solidFill>
-              <a:schemeClr val="tx1"/>
-            </a:solidFill>
-            <a:ln>
-              <a:solidFill>
-                <a:schemeClr val="tx1"/>
-              </a:solidFill>
-            </a:ln>
-          </p:spPr>
-          <p:style>
-            <a:lnRef idx="2">
-              <a:schemeClr val="accent1">
-                <a:shade val="50000"/>
-              </a:schemeClr>
-            </a:lnRef>
-            <a:fillRef idx="1">
-              <a:schemeClr val="accent1"/>
-            </a:fillRef>
-            <a:effectRef idx="0">
-              <a:schemeClr val="accent1"/>
-            </a:effectRef>
-            <a:fontRef idx="minor">
-              <a:schemeClr val="lt1"/>
-            </a:fontRef>
-          </p:style>
-          <p:txBody>
-            <a:bodyPr rtlCol="0" anchor="ctr"/>
-            <a:lstStyle/>
-            <a:p>
-              <a:pPr algn="ctr"/>
-              <a:endParaRPr lang="en-US"/>
-            </a:p>
-          </p:txBody>
-        </p:sp>
-        <p:sp>
-          <p:nvSpPr>
-            <p:cNvPr id="56" name="Rounded Rectangle 55"/>
-            <p:cNvSpPr/>
-            <p:nvPr/>
-          </p:nvSpPr>
-          <p:spPr>
-            <a:xfrm>
-              <a:off x="4572000" y="2184821"/>
-              <a:ext cx="2514600" cy="85725"/>
-            </a:xfrm>
-            <a:prstGeom prst="roundRect">
-              <a:avLst/>
-            </a:prstGeom>
-            <a:pattFill prst="wdUpDiag">
-              <a:fgClr>
-                <a:srgbClr val="00B050"/>
-              </a:fgClr>
-              <a:bgClr>
-                <a:schemeClr val="accent3">
-                  <a:lumMod val="40000"/>
-                  <a:lumOff val="60000"/>
-                </a:schemeClr>
-              </a:bgClr>
-            </a:pattFill>
-            <a:ln>
-              <a:noFill/>
-            </a:ln>
-          </p:spPr>
-          <p:style>
-            <a:lnRef idx="2">
-              <a:schemeClr val="accent1">
-                <a:shade val="50000"/>
-              </a:schemeClr>
-            </a:lnRef>
-            <a:fillRef idx="1">
-              <a:schemeClr val="accent1"/>
-            </a:fillRef>
-            <a:effectRef idx="0">
-              <a:schemeClr val="accent1"/>
-            </a:effectRef>
-            <a:fontRef idx="minor">
-              <a:schemeClr val="lt1"/>
-            </a:fontRef>
-          </p:style>
-          <p:txBody>
-            <a:bodyPr rtlCol="0" anchor="ctr"/>
-            <a:lstStyle/>
-            <a:p>
-              <a:pPr algn="ctr"/>
-              <a:endParaRPr lang="en-US"/>
-            </a:p>
-          </p:txBody>
-        </p:sp>
-      </p:grpSp>
-      <p:grpSp>
-        <p:nvGrpSpPr>
-          <p:cNvPr id="57" name="Group 56"/>
-          <p:cNvGrpSpPr/>
-          <p:nvPr/>
-        </p:nvGrpSpPr>
-        <p:grpSpPr>
-          <a:xfrm>
-            <a:off x="922020" y="2279983"/>
-            <a:ext cx="2514600" cy="95250"/>
-            <a:chOff x="4572000" y="2176820"/>
-            <a:chExt cx="2514600" cy="95250"/>
-          </a:xfrm>
-        </p:grpSpPr>
-        <p:sp>
-          <p:nvSpPr>
-            <p:cNvPr id="58" name="Rounded Rectangle 57"/>
-            <p:cNvSpPr/>
-            <p:nvPr/>
-          </p:nvSpPr>
-          <p:spPr>
-            <a:xfrm>
-              <a:off x="4572000" y="2176820"/>
-              <a:ext cx="2514600" cy="95250"/>
-            </a:xfrm>
-            <a:prstGeom prst="roundRect">
-              <a:avLst/>
-            </a:prstGeom>
-            <a:solidFill>
-              <a:schemeClr val="tx1"/>
-            </a:solidFill>
-            <a:ln>
-              <a:solidFill>
-                <a:schemeClr val="tx1"/>
-              </a:solidFill>
-            </a:ln>
-          </p:spPr>
-          <p:style>
-            <a:lnRef idx="2">
-              <a:schemeClr val="accent1">
-                <a:shade val="50000"/>
-              </a:schemeClr>
-            </a:lnRef>
-            <a:fillRef idx="1">
-              <a:schemeClr val="accent1"/>
-            </a:fillRef>
-            <a:effectRef idx="0">
-              <a:schemeClr val="accent1"/>
-            </a:effectRef>
-            <a:fontRef idx="minor">
-              <a:schemeClr val="lt1"/>
-            </a:fontRef>
-          </p:style>
-          <p:txBody>
-            <a:bodyPr rtlCol="0" anchor="ctr"/>
-            <a:lstStyle/>
-            <a:p>
-              <a:pPr algn="ctr"/>
-              <a:endParaRPr lang="en-US"/>
-            </a:p>
-          </p:txBody>
-        </p:sp>
-        <p:sp>
-          <p:nvSpPr>
-            <p:cNvPr id="59" name="Rounded Rectangle 58"/>
-            <p:cNvSpPr/>
-            <p:nvPr/>
-          </p:nvSpPr>
-          <p:spPr>
-            <a:xfrm>
-              <a:off x="4572000" y="2184821"/>
-              <a:ext cx="2514600" cy="85725"/>
-            </a:xfrm>
-            <a:prstGeom prst="roundRect">
-              <a:avLst/>
-            </a:prstGeom>
-            <a:pattFill prst="wdUpDiag">
-              <a:fgClr>
-                <a:srgbClr val="00B050"/>
-              </a:fgClr>
-              <a:bgClr>
-                <a:schemeClr val="accent3">
-                  <a:lumMod val="40000"/>
-                  <a:lumOff val="60000"/>
-                </a:schemeClr>
-              </a:bgClr>
-            </a:pattFill>
-            <a:ln>
-              <a:noFill/>
-            </a:ln>
-          </p:spPr>
-          <p:style>
-            <a:lnRef idx="2">
-              <a:schemeClr val="accent1">
-                <a:shade val="50000"/>
-              </a:schemeClr>
-            </a:lnRef>
-            <a:fillRef idx="1">
-              <a:schemeClr val="accent1"/>
-            </a:fillRef>
-            <a:effectRef idx="0">
-              <a:schemeClr val="accent1"/>
-            </a:effectRef>
-            <a:fontRef idx="minor">
-              <a:schemeClr val="lt1"/>
-            </a:fontRef>
-          </p:style>
-          <p:txBody>
-            <a:bodyPr rtlCol="0" anchor="ctr"/>
-            <a:lstStyle/>
-            <a:p>
-              <a:pPr algn="ctr"/>
-              <a:endParaRPr lang="en-US"/>
-            </a:p>
-          </p:txBody>
-        </p:sp>
-      </p:grpSp>
-      <p:grpSp>
-        <p:nvGrpSpPr>
-          <p:cNvPr id="60" name="Group 59"/>
-          <p:cNvGrpSpPr/>
-          <p:nvPr/>
-        </p:nvGrpSpPr>
-        <p:grpSpPr>
-          <a:xfrm>
-            <a:off x="975360" y="2620911"/>
-            <a:ext cx="2514600" cy="95250"/>
-            <a:chOff x="4572000" y="2176820"/>
-            <a:chExt cx="2514600" cy="95250"/>
-          </a:xfrm>
-        </p:grpSpPr>
-        <p:sp>
-          <p:nvSpPr>
-            <p:cNvPr id="61" name="Rounded Rectangle 60"/>
-            <p:cNvSpPr/>
-            <p:nvPr/>
-          </p:nvSpPr>
-          <p:spPr>
-            <a:xfrm>
-              <a:off x="4572000" y="2176820"/>
-              <a:ext cx="2514600" cy="95250"/>
-            </a:xfrm>
-            <a:prstGeom prst="roundRect">
-              <a:avLst/>
-            </a:prstGeom>
-            <a:solidFill>
-              <a:schemeClr val="tx1"/>
-            </a:solidFill>
-            <a:ln>
-              <a:solidFill>
-                <a:schemeClr val="tx1"/>
-              </a:solidFill>
-            </a:ln>
-          </p:spPr>
-          <p:style>
-            <a:lnRef idx="2">
-              <a:schemeClr val="accent1">
-                <a:shade val="50000"/>
-              </a:schemeClr>
-            </a:lnRef>
-            <a:fillRef idx="1">
-              <a:schemeClr val="accent1"/>
-            </a:fillRef>
-            <a:effectRef idx="0">
-              <a:schemeClr val="accent1"/>
-            </a:effectRef>
-            <a:fontRef idx="minor">
-              <a:schemeClr val="lt1"/>
-            </a:fontRef>
-          </p:style>
-          <p:txBody>
-            <a:bodyPr rtlCol="0" anchor="ctr"/>
-            <a:lstStyle/>
-            <a:p>
-              <a:pPr algn="ctr"/>
-              <a:endParaRPr lang="en-US"/>
-            </a:p>
-          </p:txBody>
-        </p:sp>
-        <p:sp>
-          <p:nvSpPr>
-            <p:cNvPr id="62" name="Rounded Rectangle 61"/>
-            <p:cNvSpPr/>
-            <p:nvPr/>
-          </p:nvSpPr>
-          <p:spPr>
-            <a:xfrm>
-              <a:off x="4572000" y="2184821"/>
-              <a:ext cx="2514600" cy="85725"/>
-            </a:xfrm>
-            <a:prstGeom prst="roundRect">
-              <a:avLst/>
-            </a:prstGeom>
-            <a:pattFill prst="wdUpDiag">
-              <a:fgClr>
-                <a:srgbClr val="00B050"/>
-              </a:fgClr>
-              <a:bgClr>
-                <a:schemeClr val="accent3">
-                  <a:lumMod val="40000"/>
-                  <a:lumOff val="60000"/>
-                </a:schemeClr>
-              </a:bgClr>
-            </a:pattFill>
-            <a:ln>
-              <a:noFill/>
-            </a:ln>
-          </p:spPr>
-          <p:style>
-            <a:lnRef idx="2">
-              <a:schemeClr val="accent1">
-                <a:shade val="50000"/>
-              </a:schemeClr>
-            </a:lnRef>
-            <a:fillRef idx="1">
-              <a:schemeClr val="accent1"/>
-            </a:fillRef>
-            <a:effectRef idx="0">
-              <a:schemeClr val="accent1"/>
-            </a:effectRef>
-            <a:fontRef idx="minor">
-              <a:schemeClr val="lt1"/>
-            </a:fontRef>
-          </p:style>
-          <p:txBody>
-            <a:bodyPr rtlCol="0" anchor="ctr"/>
-            <a:lstStyle/>
-            <a:p>
-              <a:pPr algn="ctr"/>
-              <a:endParaRPr lang="en-US"/>
-            </a:p>
-          </p:txBody>
-        </p:sp>
-      </p:grpSp>
-      <p:grpSp>
-        <p:nvGrpSpPr>
-          <p:cNvPr id="63" name="Group 62"/>
-          <p:cNvGrpSpPr/>
-          <p:nvPr/>
-        </p:nvGrpSpPr>
-        <p:grpSpPr>
-          <a:xfrm>
-            <a:off x="952500" y="2921423"/>
-            <a:ext cx="2514600" cy="95250"/>
-            <a:chOff x="4572000" y="2176820"/>
-            <a:chExt cx="2514600" cy="95250"/>
-          </a:xfrm>
-        </p:grpSpPr>
-        <p:sp>
-          <p:nvSpPr>
-            <p:cNvPr id="64" name="Rounded Rectangle 63"/>
-            <p:cNvSpPr/>
-            <p:nvPr/>
-          </p:nvSpPr>
-          <p:spPr>
-            <a:xfrm>
-              <a:off x="4572000" y="2176820"/>
-              <a:ext cx="2514600" cy="95250"/>
-            </a:xfrm>
-            <a:prstGeom prst="roundRect">
-              <a:avLst/>
-            </a:prstGeom>
-            <a:solidFill>
-              <a:schemeClr val="tx1"/>
-            </a:solidFill>
-            <a:ln>
-              <a:solidFill>
-                <a:schemeClr val="tx1"/>
-              </a:solidFill>
-            </a:ln>
-          </p:spPr>
-          <p:style>
-            <a:lnRef idx="2">
-              <a:schemeClr val="accent1">
-                <a:shade val="50000"/>
-              </a:schemeClr>
-            </a:lnRef>
-            <a:fillRef idx="1">
-              <a:schemeClr val="accent1"/>
-            </a:fillRef>
-            <a:effectRef idx="0">
-              <a:schemeClr val="accent1"/>
-            </a:effectRef>
-            <a:fontRef idx="minor">
-              <a:schemeClr val="lt1"/>
-            </a:fontRef>
-          </p:style>
-          <p:txBody>
-            <a:bodyPr rtlCol="0" anchor="ctr"/>
-            <a:lstStyle/>
-            <a:p>
-              <a:pPr algn="ctr"/>
-              <a:endParaRPr lang="en-US"/>
-            </a:p>
-          </p:txBody>
-        </p:sp>
-        <p:sp>
-          <p:nvSpPr>
-            <p:cNvPr id="65" name="Rounded Rectangle 64"/>
-            <p:cNvSpPr/>
-            <p:nvPr/>
-          </p:nvSpPr>
-          <p:spPr>
-            <a:xfrm>
-              <a:off x="4572000" y="2184821"/>
-              <a:ext cx="2514600" cy="85725"/>
-            </a:xfrm>
-            <a:prstGeom prst="roundRect">
-              <a:avLst/>
-            </a:prstGeom>
-            <a:pattFill prst="wdUpDiag">
-              <a:fgClr>
-                <a:srgbClr val="00B050"/>
-              </a:fgClr>
-              <a:bgClr>
-                <a:schemeClr val="accent3">
-                  <a:lumMod val="40000"/>
-                  <a:lumOff val="60000"/>
-                </a:schemeClr>
-              </a:bgClr>
-            </a:pattFill>
-            <a:ln>
-              <a:noFill/>
-            </a:ln>
-          </p:spPr>
-          <p:style>
-            <a:lnRef idx="2">
-              <a:schemeClr val="accent1">
-                <a:shade val="50000"/>
-              </a:schemeClr>
-            </a:lnRef>
-            <a:fillRef idx="1">
-              <a:schemeClr val="accent1"/>
-            </a:fillRef>
-            <a:effectRef idx="0">
-              <a:schemeClr val="accent1"/>
-            </a:effectRef>
-            <a:fontRef idx="minor">
-              <a:schemeClr val="lt1"/>
-            </a:fontRef>
-          </p:style>
-          <p:txBody>
-            <a:bodyPr rtlCol="0" anchor="ctr"/>
-            <a:lstStyle/>
-            <a:p>
-              <a:pPr algn="ctr"/>
-              <a:endParaRPr lang="en-US"/>
-            </a:p>
-          </p:txBody>
-        </p:sp>
-      </p:grpSp>
-      <p:grpSp>
-        <p:nvGrpSpPr>
-          <p:cNvPr id="66" name="Group 65"/>
-          <p:cNvGrpSpPr/>
-          <p:nvPr/>
-        </p:nvGrpSpPr>
-        <p:grpSpPr>
-          <a:xfrm>
-            <a:off x="952500" y="3220358"/>
-            <a:ext cx="2514600" cy="95250"/>
-            <a:chOff x="4572000" y="2176820"/>
-            <a:chExt cx="2514600" cy="95250"/>
-          </a:xfrm>
-        </p:grpSpPr>
-        <p:sp>
-          <p:nvSpPr>
-            <p:cNvPr id="67" name="Rounded Rectangle 66"/>
-            <p:cNvSpPr/>
-            <p:nvPr/>
-          </p:nvSpPr>
-          <p:spPr>
-            <a:xfrm>
-              <a:off x="4572000" y="2176820"/>
-              <a:ext cx="2514600" cy="95250"/>
-            </a:xfrm>
-            <a:prstGeom prst="roundRect">
-              <a:avLst/>
-            </a:prstGeom>
-            <a:solidFill>
-              <a:schemeClr val="tx1"/>
-            </a:solidFill>
-            <a:ln>
-              <a:solidFill>
-                <a:schemeClr val="tx1"/>
-              </a:solidFill>
-            </a:ln>
-          </p:spPr>
-          <p:style>
-            <a:lnRef idx="2">
-              <a:schemeClr val="accent1">
-                <a:shade val="50000"/>
-              </a:schemeClr>
-            </a:lnRef>
-            <a:fillRef idx="1">
-              <a:schemeClr val="accent1"/>
-            </a:fillRef>
-            <a:effectRef idx="0">
-              <a:schemeClr val="accent1"/>
-            </a:effectRef>
-            <a:fontRef idx="minor">
-              <a:schemeClr val="lt1"/>
-            </a:fontRef>
-          </p:style>
-          <p:txBody>
-            <a:bodyPr rtlCol="0" anchor="ctr"/>
-            <a:lstStyle/>
-            <a:p>
-              <a:pPr algn="ctr"/>
-              <a:endParaRPr lang="en-US"/>
-            </a:p>
-          </p:txBody>
-        </p:sp>
-        <p:sp>
-          <p:nvSpPr>
-            <p:cNvPr id="68" name="Rounded Rectangle 67"/>
-            <p:cNvSpPr/>
-            <p:nvPr/>
-          </p:nvSpPr>
-          <p:spPr>
-            <a:xfrm>
-              <a:off x="4572000" y="2184821"/>
-              <a:ext cx="2514600" cy="85725"/>
-            </a:xfrm>
-            <a:prstGeom prst="roundRect">
-              <a:avLst/>
-            </a:prstGeom>
-            <a:pattFill prst="wdUpDiag">
-              <a:fgClr>
-                <a:srgbClr val="00B050"/>
-              </a:fgClr>
-              <a:bgClr>
-                <a:schemeClr val="accent3">
-                  <a:lumMod val="40000"/>
-                  <a:lumOff val="60000"/>
-                </a:schemeClr>
-              </a:bgClr>
-            </a:pattFill>
-            <a:ln>
-              <a:noFill/>
-            </a:ln>
-          </p:spPr>
-          <p:style>
-            <a:lnRef idx="2">
-              <a:schemeClr val="accent1">
-                <a:shade val="50000"/>
-              </a:schemeClr>
-            </a:lnRef>
-            <a:fillRef idx="1">
-              <a:schemeClr val="accent1"/>
-            </a:fillRef>
-            <a:effectRef idx="0">
-              <a:schemeClr val="accent1"/>
-            </a:effectRef>
-            <a:fontRef idx="minor">
-              <a:schemeClr val="lt1"/>
-            </a:fontRef>
-          </p:style>
-          <p:txBody>
-            <a:bodyPr rtlCol="0" anchor="ctr"/>
-            <a:lstStyle/>
-            <a:p>
-              <a:pPr algn="ctr"/>
-              <a:endParaRPr lang="en-US"/>
-            </a:p>
-          </p:txBody>
-        </p:sp>
-      </p:grpSp>
-      <p:grpSp>
-        <p:nvGrpSpPr>
-          <p:cNvPr id="69" name="Group 68"/>
-          <p:cNvGrpSpPr/>
-          <p:nvPr/>
-        </p:nvGrpSpPr>
-        <p:grpSpPr>
-          <a:xfrm>
-            <a:off x="975360" y="3602691"/>
-            <a:ext cx="2514600" cy="95250"/>
-            <a:chOff x="4572000" y="2176820"/>
-            <a:chExt cx="2514600" cy="95250"/>
-          </a:xfrm>
-        </p:grpSpPr>
-        <p:sp>
-          <p:nvSpPr>
-            <p:cNvPr id="70" name="Rounded Rectangle 69"/>
-            <p:cNvSpPr/>
-            <p:nvPr/>
-          </p:nvSpPr>
-          <p:spPr>
-            <a:xfrm>
-              <a:off x="4572000" y="2176820"/>
-              <a:ext cx="2514600" cy="95250"/>
-            </a:xfrm>
-            <a:prstGeom prst="roundRect">
-              <a:avLst/>
-            </a:prstGeom>
-            <a:solidFill>
-              <a:schemeClr val="tx1"/>
-            </a:solidFill>
-            <a:ln>
-              <a:solidFill>
-                <a:schemeClr val="tx1"/>
-              </a:solidFill>
-            </a:ln>
-          </p:spPr>
-          <p:style>
-            <a:lnRef idx="2">
-              <a:schemeClr val="accent1">
-                <a:shade val="50000"/>
-              </a:schemeClr>
-            </a:lnRef>
-            <a:fillRef idx="1">
-              <a:schemeClr val="accent1"/>
-            </a:fillRef>
-            <a:effectRef idx="0">
-              <a:schemeClr val="accent1"/>
-            </a:effectRef>
-            <a:fontRef idx="minor">
-              <a:schemeClr val="lt1"/>
-            </a:fontRef>
-          </p:style>
-          <p:txBody>
-            <a:bodyPr rtlCol="0" anchor="ctr"/>
-            <a:lstStyle/>
-            <a:p>
-              <a:pPr algn="ctr"/>
-              <a:endParaRPr lang="en-US"/>
-            </a:p>
-          </p:txBody>
-        </p:sp>
-        <p:sp>
-          <p:nvSpPr>
-            <p:cNvPr id="71" name="Rounded Rectangle 70"/>
-            <p:cNvSpPr/>
-            <p:nvPr/>
-          </p:nvSpPr>
-          <p:spPr>
-            <a:xfrm>
-              <a:off x="4572000" y="2184821"/>
-              <a:ext cx="2514600" cy="85725"/>
-            </a:xfrm>
-            <a:prstGeom prst="roundRect">
-              <a:avLst/>
-            </a:prstGeom>
-            <a:pattFill prst="wdUpDiag">
-              <a:fgClr>
-                <a:srgbClr val="00B050"/>
-              </a:fgClr>
-              <a:bgClr>
-                <a:schemeClr val="accent3">
-                  <a:lumMod val="40000"/>
-                  <a:lumOff val="60000"/>
-                </a:schemeClr>
-              </a:bgClr>
-            </a:pattFill>
-            <a:ln>
-              <a:noFill/>
-            </a:ln>
-          </p:spPr>
-          <p:style>
-            <a:lnRef idx="2">
-              <a:schemeClr val="accent1">
-                <a:shade val="50000"/>
-              </a:schemeClr>
-            </a:lnRef>
-            <a:fillRef idx="1">
-              <a:schemeClr val="accent1"/>
-            </a:fillRef>
-            <a:effectRef idx="0">
-              <a:schemeClr val="accent1"/>
-            </a:effectRef>
-            <a:fontRef idx="minor">
-              <a:schemeClr val="lt1"/>
-            </a:fontRef>
-          </p:style>
-          <p:txBody>
-            <a:bodyPr rtlCol="0" anchor="ctr"/>
-            <a:lstStyle/>
-            <a:p>
-              <a:pPr algn="ctr"/>
-              <a:endParaRPr lang="en-US"/>
-            </a:p>
-          </p:txBody>
-        </p:sp>
-      </p:grpSp>
-      <p:grpSp>
-        <p:nvGrpSpPr>
-          <p:cNvPr id="72" name="Group 71"/>
-          <p:cNvGrpSpPr/>
-          <p:nvPr/>
-        </p:nvGrpSpPr>
-        <p:grpSpPr>
-          <a:xfrm>
-            <a:off x="967740" y="3883581"/>
-            <a:ext cx="2514600" cy="95250"/>
-            <a:chOff x="4572000" y="2176820"/>
-            <a:chExt cx="2514600" cy="95250"/>
-          </a:xfrm>
-        </p:grpSpPr>
-        <p:sp>
-          <p:nvSpPr>
-            <p:cNvPr id="73" name="Rounded Rectangle 72"/>
-            <p:cNvSpPr/>
-            <p:nvPr/>
-          </p:nvSpPr>
-          <p:spPr>
-            <a:xfrm>
-              <a:off x="4572000" y="2176820"/>
-              <a:ext cx="2514600" cy="95250"/>
-            </a:xfrm>
-            <a:prstGeom prst="roundRect">
-              <a:avLst/>
-            </a:prstGeom>
-            <a:solidFill>
-              <a:schemeClr val="tx1"/>
-            </a:solidFill>
-            <a:ln>
-              <a:solidFill>
-                <a:schemeClr val="tx1"/>
-              </a:solidFill>
-            </a:ln>
-          </p:spPr>
-          <p:style>
-            <a:lnRef idx="2">
-              <a:schemeClr val="accent1">
-                <a:shade val="50000"/>
-              </a:schemeClr>
-            </a:lnRef>
-            <a:fillRef idx="1">
-              <a:schemeClr val="accent1"/>
-            </a:fillRef>
-            <a:effectRef idx="0">
-              <a:schemeClr val="accent1"/>
-            </a:effectRef>
-            <a:fontRef idx="minor">
-              <a:schemeClr val="lt1"/>
-            </a:fontRef>
-          </p:style>
-          <p:txBody>
-            <a:bodyPr rtlCol="0" anchor="ctr"/>
-            <a:lstStyle/>
-            <a:p>
-              <a:pPr algn="ctr"/>
-              <a:endParaRPr lang="en-US"/>
-            </a:p>
-          </p:txBody>
-        </p:sp>
-        <p:sp>
-          <p:nvSpPr>
-            <p:cNvPr id="74" name="Rounded Rectangle 73"/>
-            <p:cNvSpPr/>
-            <p:nvPr/>
-          </p:nvSpPr>
-          <p:spPr>
-            <a:xfrm>
-              <a:off x="4572000" y="2184821"/>
-              <a:ext cx="2514600" cy="85725"/>
-            </a:xfrm>
-            <a:prstGeom prst="roundRect">
-              <a:avLst/>
-            </a:prstGeom>
-            <a:pattFill prst="wdUpDiag">
-              <a:fgClr>
-                <a:srgbClr val="00B050"/>
-              </a:fgClr>
-              <a:bgClr>
-                <a:schemeClr val="accent3">
-                  <a:lumMod val="40000"/>
-                  <a:lumOff val="60000"/>
-                </a:schemeClr>
-              </a:bgClr>
-            </a:pattFill>
-            <a:ln>
-              <a:noFill/>
-            </a:ln>
-          </p:spPr>
-          <p:style>
-            <a:lnRef idx="2">
-              <a:schemeClr val="accent1">
-                <a:shade val="50000"/>
-              </a:schemeClr>
-            </a:lnRef>
-            <a:fillRef idx="1">
-              <a:schemeClr val="accent1"/>
-            </a:fillRef>
-            <a:effectRef idx="0">
-              <a:schemeClr val="accent1"/>
-            </a:effectRef>
-            <a:fontRef idx="minor">
-              <a:schemeClr val="lt1"/>
-            </a:fontRef>
-          </p:style>
-          <p:txBody>
-            <a:bodyPr rtlCol="0" anchor="ctr"/>
-            <a:lstStyle/>
-            <a:p>
-              <a:pPr algn="ctr"/>
-              <a:endParaRPr lang="en-US"/>
-            </a:p>
-          </p:txBody>
-        </p:sp>
-      </p:grpSp>
-      <p:sp>
-        <p:nvSpPr>
-          <p:cNvPr id="75" name="Rectangle 74"/>
-          <p:cNvSpPr/>
-          <p:nvPr/>
-        </p:nvSpPr>
-        <p:spPr>
-          <a:xfrm>
-            <a:off x="3755135" y="4086225"/>
-            <a:ext cx="360996" cy="215444"/>
-          </a:xfrm>
-          <a:prstGeom prst="rect">
-            <a:avLst/>
-          </a:prstGeom>
-        </p:spPr>
-        <p:txBody>
-          <a:bodyPr wrap="none">
-            <a:spAutoFit/>
-          </a:bodyPr>
-          <a:lstStyle/>
-          <a:p>
-            <a:r>
-              <a:rPr lang="en-US" sz="800" dirty="0" smtClean="0"/>
-              <a:t>50%</a:t>
-            </a:r>
-            <a:endParaRPr lang="en-US" sz="800" dirty="0"/>
-          </a:p>
-        </p:txBody>
-      </p:sp>
-      <p:sp>
-        <p:nvSpPr>
-          <p:cNvPr id="76" name="Rectangle 75"/>
-          <p:cNvSpPr/>
-          <p:nvPr/>
-        </p:nvSpPr>
-        <p:spPr>
-          <a:xfrm>
-            <a:off x="4557710" y="4018836"/>
-            <a:ext cx="239168" cy="215444"/>
-          </a:xfrm>
-          <a:prstGeom prst="rect">
-            <a:avLst/>
-          </a:prstGeom>
-        </p:spPr>
-        <p:txBody>
-          <a:bodyPr wrap="none">
-            <a:spAutoFit/>
-          </a:bodyPr>
-          <a:lstStyle/>
-          <a:p>
-            <a:r>
-              <a:rPr lang="en-US" sz="800" dirty="0" smtClean="0"/>
-              <a:t>C</a:t>
-            </a:r>
-            <a:endParaRPr lang="en-US" sz="800" dirty="0"/>
-          </a:p>
-        </p:txBody>
-      </p:sp>
-      <p:grpSp>
-        <p:nvGrpSpPr>
-          <p:cNvPr id="77" name="Group 76"/>
-          <p:cNvGrpSpPr/>
-          <p:nvPr/>
-        </p:nvGrpSpPr>
-        <p:grpSpPr>
-          <a:xfrm>
-            <a:off x="975360" y="4518541"/>
-            <a:ext cx="2515087" cy="95250"/>
-            <a:chOff x="4571513" y="1291709"/>
-            <a:chExt cx="2515087" cy="95250"/>
-          </a:xfrm>
-        </p:grpSpPr>
-        <p:sp>
-          <p:nvSpPr>
-            <p:cNvPr id="78" name="Rounded Rectangle 77"/>
-            <p:cNvSpPr/>
-            <p:nvPr/>
-          </p:nvSpPr>
-          <p:spPr>
-            <a:xfrm>
-              <a:off x="4572000" y="1291709"/>
-              <a:ext cx="2514600" cy="95250"/>
-            </a:xfrm>
-            <a:prstGeom prst="roundRect">
-              <a:avLst/>
-            </a:prstGeom>
-            <a:solidFill>
-              <a:schemeClr val="tx1"/>
-            </a:solidFill>
-            <a:ln>
-              <a:solidFill>
-                <a:schemeClr val="tx1"/>
-              </a:solidFill>
-            </a:ln>
-          </p:spPr>
-          <p:style>
-            <a:lnRef idx="2">
-              <a:schemeClr val="accent1">
-                <a:shade val="50000"/>
-              </a:schemeClr>
-            </a:lnRef>
-            <a:fillRef idx="1">
-              <a:schemeClr val="accent1"/>
-            </a:fillRef>
-            <a:effectRef idx="0">
-              <a:schemeClr val="accent1"/>
-            </a:effectRef>
-            <a:fontRef idx="minor">
-              <a:schemeClr val="lt1"/>
-            </a:fontRef>
-          </p:style>
-          <p:txBody>
-            <a:bodyPr rtlCol="0" anchor="ctr"/>
-            <a:lstStyle/>
-            <a:p>
-              <a:pPr algn="ctr"/>
-              <a:endParaRPr lang="en-US"/>
-            </a:p>
-          </p:txBody>
-        </p:sp>
-        <p:sp>
-          <p:nvSpPr>
-            <p:cNvPr id="79" name="Rounded Rectangle 78"/>
-            <p:cNvSpPr/>
-            <p:nvPr/>
-          </p:nvSpPr>
-          <p:spPr>
-            <a:xfrm>
-              <a:off x="4571513" y="1295400"/>
-              <a:ext cx="1261872" cy="85725"/>
-            </a:xfrm>
-            <a:prstGeom prst="roundRect">
-              <a:avLst/>
-            </a:prstGeom>
-            <a:pattFill prst="wdUpDiag">
-              <a:fgClr>
-                <a:srgbClr val="FFC000"/>
-              </a:fgClr>
-              <a:bgClr>
-                <a:srgbClr val="FFFF00"/>
-              </a:bgClr>
-            </a:pattFill>
-            <a:ln>
-              <a:noFill/>
-            </a:ln>
-          </p:spPr>
-          <p:style>
-            <a:lnRef idx="2">
-              <a:schemeClr val="accent1">
-                <a:shade val="50000"/>
-              </a:schemeClr>
-            </a:lnRef>
-            <a:fillRef idx="1">
-              <a:schemeClr val="accent1"/>
-            </a:fillRef>
-            <a:effectRef idx="0">
-              <a:schemeClr val="accent1"/>
-            </a:effectRef>
-            <a:fontRef idx="minor">
-              <a:schemeClr val="lt1"/>
-            </a:fontRef>
-          </p:style>
-          <p:txBody>
-            <a:bodyPr rtlCol="0" anchor="ctr"/>
-            <a:lstStyle/>
-            <a:p>
-              <a:pPr algn="ctr"/>
-              <a:endParaRPr lang="en-US"/>
-            </a:p>
-          </p:txBody>
-        </p:sp>
-      </p:grpSp>
-      <p:sp>
-        <p:nvSpPr>
-          <p:cNvPr id="80" name="Rectangle 79"/>
-          <p:cNvSpPr/>
-          <p:nvPr/>
-        </p:nvSpPr>
-        <p:spPr>
-          <a:xfrm>
-            <a:off x="3796776" y="4337566"/>
-            <a:ext cx="360996" cy="215444"/>
-          </a:xfrm>
-          <a:prstGeom prst="rect">
-            <a:avLst/>
-          </a:prstGeom>
-        </p:spPr>
-        <p:txBody>
-          <a:bodyPr wrap="none">
-            <a:spAutoFit/>
-          </a:bodyPr>
-          <a:lstStyle/>
-          <a:p>
-            <a:r>
-              <a:rPr lang="en-US" sz="800" dirty="0" smtClean="0"/>
-              <a:t>50%</a:t>
-            </a:r>
-            <a:endParaRPr lang="en-US" sz="800" dirty="0"/>
-          </a:p>
-        </p:txBody>
-      </p:sp>
-      <p:sp>
-        <p:nvSpPr>
-          <p:cNvPr id="81" name="Rectangle 80"/>
-          <p:cNvSpPr/>
-          <p:nvPr/>
-        </p:nvSpPr>
-        <p:spPr>
-          <a:xfrm>
-            <a:off x="4629625" y="4270534"/>
-            <a:ext cx="429926" cy="215444"/>
-          </a:xfrm>
-          <a:prstGeom prst="rect">
-            <a:avLst/>
-          </a:prstGeom>
-        </p:spPr>
-        <p:txBody>
-          <a:bodyPr wrap="none">
-            <a:spAutoFit/>
-          </a:bodyPr>
-          <a:lstStyle/>
-          <a:p>
-            <a:r>
-              <a:rPr lang="en-US" sz="800" dirty="0" smtClean="0"/>
-              <a:t>HTML</a:t>
-            </a:r>
-            <a:endParaRPr lang="en-US" sz="800" dirty="0"/>
-          </a:p>
-        </p:txBody>
-      </p:sp>
-      <p:grpSp>
-        <p:nvGrpSpPr>
-          <p:cNvPr id="82" name="Group 81"/>
-          <p:cNvGrpSpPr/>
-          <p:nvPr/>
-        </p:nvGrpSpPr>
-        <p:grpSpPr>
-          <a:xfrm>
-            <a:off x="913913" y="4876800"/>
-            <a:ext cx="2515087" cy="95250"/>
-            <a:chOff x="4571513" y="1291709"/>
-            <a:chExt cx="2515087" cy="95250"/>
-          </a:xfrm>
-        </p:grpSpPr>
-        <p:sp>
-          <p:nvSpPr>
-            <p:cNvPr id="83" name="Rounded Rectangle 82"/>
-            <p:cNvSpPr/>
-            <p:nvPr/>
-          </p:nvSpPr>
-          <p:spPr>
-            <a:xfrm>
-              <a:off x="4572000" y="1291709"/>
-              <a:ext cx="2514600" cy="95250"/>
-            </a:xfrm>
-            <a:prstGeom prst="roundRect">
-              <a:avLst/>
-            </a:prstGeom>
-            <a:solidFill>
-              <a:schemeClr val="tx1"/>
-            </a:solidFill>
-            <a:ln>
-              <a:solidFill>
-                <a:schemeClr val="tx1"/>
-              </a:solidFill>
-            </a:ln>
-          </p:spPr>
-          <p:style>
-            <a:lnRef idx="2">
-              <a:schemeClr val="accent1">
-                <a:shade val="50000"/>
-              </a:schemeClr>
-            </a:lnRef>
-            <a:fillRef idx="1">
-              <a:schemeClr val="accent1"/>
-            </a:fillRef>
-            <a:effectRef idx="0">
-              <a:schemeClr val="accent1"/>
-            </a:effectRef>
-            <a:fontRef idx="minor">
-              <a:schemeClr val="lt1"/>
-            </a:fontRef>
-          </p:style>
-          <p:txBody>
-            <a:bodyPr rtlCol="0" anchor="ctr"/>
-            <a:lstStyle/>
-            <a:p>
-              <a:pPr algn="ctr"/>
-              <a:endParaRPr lang="en-US"/>
-            </a:p>
-          </p:txBody>
-        </p:sp>
-        <p:sp>
-          <p:nvSpPr>
-            <p:cNvPr id="84" name="Rounded Rectangle 83"/>
-            <p:cNvSpPr/>
-            <p:nvPr/>
-          </p:nvSpPr>
-          <p:spPr>
-            <a:xfrm>
-              <a:off x="4571513" y="1295400"/>
-              <a:ext cx="1261872" cy="85725"/>
-            </a:xfrm>
-            <a:prstGeom prst="roundRect">
-              <a:avLst/>
-            </a:prstGeom>
-            <a:pattFill prst="wdUpDiag">
-              <a:fgClr>
-                <a:srgbClr val="FFC000"/>
-              </a:fgClr>
-              <a:bgClr>
-                <a:srgbClr val="FFFF00"/>
-              </a:bgClr>
-            </a:pattFill>
-            <a:ln>
-              <a:noFill/>
-            </a:ln>
-          </p:spPr>
-          <p:style>
-            <a:lnRef idx="2">
-              <a:schemeClr val="accent1">
-                <a:shade val="50000"/>
-              </a:schemeClr>
-            </a:lnRef>
-            <a:fillRef idx="1">
-              <a:schemeClr val="accent1"/>
-            </a:fillRef>
-            <a:effectRef idx="0">
-              <a:schemeClr val="accent1"/>
-            </a:effectRef>
-            <a:fontRef idx="minor">
-              <a:schemeClr val="lt1"/>
-            </a:fontRef>
-          </p:style>
-          <p:txBody>
-            <a:bodyPr rtlCol="0" anchor="ctr"/>
-            <a:lstStyle/>
-            <a:p>
-              <a:pPr algn="ctr"/>
-              <a:endParaRPr lang="en-US"/>
-            </a:p>
-          </p:txBody>
-        </p:sp>
-      </p:grpSp>
-      <p:sp>
-        <p:nvSpPr>
-          <p:cNvPr id="85" name="Rectangle 84"/>
-          <p:cNvSpPr/>
-          <p:nvPr/>
-        </p:nvSpPr>
-        <p:spPr>
-          <a:xfrm>
-            <a:off x="3796776" y="4706898"/>
-            <a:ext cx="360996" cy="215444"/>
-          </a:xfrm>
-          <a:prstGeom prst="rect">
-            <a:avLst/>
-          </a:prstGeom>
-        </p:spPr>
-        <p:txBody>
-          <a:bodyPr wrap="none">
-            <a:spAutoFit/>
-          </a:bodyPr>
-          <a:lstStyle/>
-          <a:p>
-            <a:r>
-              <a:rPr lang="en-US" sz="800" dirty="0" smtClean="0"/>
-              <a:t>50%</a:t>
-            </a:r>
-            <a:endParaRPr lang="en-US" sz="800" dirty="0"/>
-          </a:p>
-        </p:txBody>
-      </p:sp>
-      <p:sp>
-        <p:nvSpPr>
-          <p:cNvPr id="86" name="Rectangle 85"/>
-          <p:cNvSpPr/>
-          <p:nvPr/>
-        </p:nvSpPr>
-        <p:spPr>
-          <a:xfrm>
-            <a:off x="4607190" y="4639866"/>
-            <a:ext cx="332142" cy="215444"/>
-          </a:xfrm>
-          <a:prstGeom prst="rect">
-            <a:avLst/>
-          </a:prstGeom>
-        </p:spPr>
-        <p:txBody>
-          <a:bodyPr wrap="none">
-            <a:spAutoFit/>
-          </a:bodyPr>
-          <a:lstStyle/>
-          <a:p>
-            <a:r>
-              <a:rPr lang="en-US" sz="800" dirty="0" smtClean="0"/>
-              <a:t>CSS</a:t>
-            </a:r>
-            <a:endParaRPr lang="en-US" sz="800" dirty="0"/>
-          </a:p>
-        </p:txBody>
-      </p:sp>
-      <p:grpSp>
-        <p:nvGrpSpPr>
-          <p:cNvPr id="87" name="Group 86"/>
-          <p:cNvGrpSpPr/>
-          <p:nvPr/>
-        </p:nvGrpSpPr>
-        <p:grpSpPr>
-          <a:xfrm>
-            <a:off x="990113" y="5257800"/>
-            <a:ext cx="2515087" cy="95250"/>
-            <a:chOff x="4571513" y="1291709"/>
-            <a:chExt cx="2515087" cy="95250"/>
-          </a:xfrm>
-        </p:grpSpPr>
-        <p:sp>
-          <p:nvSpPr>
-            <p:cNvPr id="88" name="Rounded Rectangle 87"/>
-            <p:cNvSpPr/>
-            <p:nvPr/>
-          </p:nvSpPr>
-          <p:spPr>
-            <a:xfrm>
-              <a:off x="4572000" y="1291709"/>
-              <a:ext cx="2514600" cy="95250"/>
-            </a:xfrm>
-            <a:prstGeom prst="roundRect">
-              <a:avLst/>
-            </a:prstGeom>
-            <a:solidFill>
-              <a:schemeClr val="tx1"/>
-            </a:solidFill>
-            <a:ln>
-              <a:solidFill>
-                <a:schemeClr val="tx1"/>
-              </a:solidFill>
-            </a:ln>
-          </p:spPr>
-          <p:style>
-            <a:lnRef idx="2">
-              <a:schemeClr val="accent1">
-                <a:shade val="50000"/>
-              </a:schemeClr>
-            </a:lnRef>
-            <a:fillRef idx="1">
-              <a:schemeClr val="accent1"/>
-            </a:fillRef>
-            <a:effectRef idx="0">
-              <a:schemeClr val="accent1"/>
-            </a:effectRef>
-            <a:fontRef idx="minor">
-              <a:schemeClr val="lt1"/>
-            </a:fontRef>
-          </p:style>
-          <p:txBody>
-            <a:bodyPr rtlCol="0" anchor="ctr"/>
-            <a:lstStyle/>
-            <a:p>
-              <a:pPr algn="ctr"/>
-              <a:endParaRPr lang="en-US"/>
-            </a:p>
-          </p:txBody>
-        </p:sp>
-        <p:sp>
-          <p:nvSpPr>
-            <p:cNvPr id="89" name="Rounded Rectangle 88"/>
-            <p:cNvSpPr/>
-            <p:nvPr/>
-          </p:nvSpPr>
-          <p:spPr>
-            <a:xfrm>
-              <a:off x="4571513" y="1295400"/>
-              <a:ext cx="1261872" cy="85725"/>
-            </a:xfrm>
-            <a:prstGeom prst="roundRect">
-              <a:avLst/>
-            </a:prstGeom>
-            <a:pattFill prst="wdUpDiag">
-              <a:fgClr>
-                <a:srgbClr val="FFC000"/>
-              </a:fgClr>
-              <a:bgClr>
-                <a:srgbClr val="FFFF00"/>
-              </a:bgClr>
-            </a:pattFill>
-            <a:ln>
-              <a:noFill/>
-            </a:ln>
-          </p:spPr>
-          <p:style>
-            <a:lnRef idx="2">
-              <a:schemeClr val="accent1">
-                <a:shade val="50000"/>
-              </a:schemeClr>
-            </a:lnRef>
-            <a:fillRef idx="1">
-              <a:schemeClr val="accent1"/>
-            </a:fillRef>
-            <a:effectRef idx="0">
-              <a:schemeClr val="accent1"/>
-            </a:effectRef>
-            <a:fontRef idx="minor">
-              <a:schemeClr val="lt1"/>
-            </a:fontRef>
-          </p:style>
-          <p:txBody>
-            <a:bodyPr rtlCol="0" anchor="ctr"/>
-            <a:lstStyle/>
-            <a:p>
-              <a:pPr algn="ctr"/>
-              <a:endParaRPr lang="en-US"/>
-            </a:p>
-          </p:txBody>
-        </p:sp>
-      </p:grpSp>
-      <p:sp>
-        <p:nvSpPr>
-          <p:cNvPr id="90" name="Rectangle 89"/>
-          <p:cNvSpPr/>
-          <p:nvPr/>
-        </p:nvSpPr>
-        <p:spPr>
-          <a:xfrm>
-            <a:off x="3949176" y="5037654"/>
-            <a:ext cx="360996" cy="215444"/>
-          </a:xfrm>
-          <a:prstGeom prst="rect">
-            <a:avLst/>
-          </a:prstGeom>
-        </p:spPr>
-        <p:txBody>
-          <a:bodyPr wrap="none">
-            <a:spAutoFit/>
-          </a:bodyPr>
-          <a:lstStyle/>
-          <a:p>
-            <a:r>
-              <a:rPr lang="en-US" sz="800" dirty="0" smtClean="0"/>
-              <a:t>50%</a:t>
-            </a:r>
-            <a:endParaRPr lang="en-US" sz="800" dirty="0"/>
-          </a:p>
-        </p:txBody>
-      </p:sp>
-      <p:sp>
-        <p:nvSpPr>
-          <p:cNvPr id="91" name="Rectangle 90"/>
-          <p:cNvSpPr/>
-          <p:nvPr/>
-        </p:nvSpPr>
-        <p:spPr>
-          <a:xfrm>
-            <a:off x="4686756" y="4976694"/>
-            <a:ext cx="599844" cy="215444"/>
-          </a:xfrm>
-          <a:prstGeom prst="rect">
-            <a:avLst/>
-          </a:prstGeom>
-        </p:spPr>
-        <p:txBody>
-          <a:bodyPr wrap="none">
-            <a:spAutoFit/>
-          </a:bodyPr>
-          <a:lstStyle/>
-          <a:p>
-            <a:r>
-              <a:rPr lang="en-US" sz="800" dirty="0" smtClean="0"/>
-              <a:t>JavaScript</a:t>
-            </a:r>
-            <a:endParaRPr lang="en-US" sz="800" dirty="0"/>
-          </a:p>
-        </p:txBody>
-      </p:sp>
-      <p:sp>
-        <p:nvSpPr>
-          <p:cNvPr id="14" name="Rectangle 13"/>
-          <p:cNvSpPr/>
-          <p:nvPr/>
-        </p:nvSpPr>
-        <p:spPr>
-          <a:xfrm>
-            <a:off x="4701086" y="5540932"/>
-            <a:ext cx="562975" cy="215444"/>
-          </a:xfrm>
-          <a:prstGeom prst="rect">
-            <a:avLst/>
-          </a:prstGeom>
-        </p:spPr>
-        <p:txBody>
-          <a:bodyPr wrap="none">
-            <a:spAutoFit/>
-          </a:bodyPr>
-          <a:lstStyle/>
-          <a:p>
-            <a:r>
-              <a:rPr lang="en-US" sz="800" dirty="0"/>
-              <a:t>MATLAB </a:t>
-            </a:r>
-          </a:p>
-        </p:txBody>
-      </p:sp>
-      <p:sp>
-        <p:nvSpPr>
-          <p:cNvPr id="92" name="Rectangle 91"/>
-          <p:cNvSpPr/>
-          <p:nvPr/>
-        </p:nvSpPr>
-        <p:spPr>
-          <a:xfrm>
-            <a:off x="3949176" y="5556172"/>
-            <a:ext cx="360996" cy="215444"/>
-          </a:xfrm>
-          <a:prstGeom prst="rect">
-            <a:avLst/>
-          </a:prstGeom>
-        </p:spPr>
-        <p:txBody>
-          <a:bodyPr wrap="none">
-            <a:spAutoFit/>
-          </a:bodyPr>
-          <a:lstStyle/>
-          <a:p>
-            <a:r>
-              <a:rPr lang="en-US" sz="800" dirty="0" smtClean="0"/>
-              <a:t>50%</a:t>
-            </a:r>
-            <a:endParaRPr lang="en-US" sz="800" dirty="0"/>
-          </a:p>
-        </p:txBody>
-      </p:sp>
-      <p:grpSp>
-        <p:nvGrpSpPr>
-          <p:cNvPr id="93" name="Group 92"/>
-          <p:cNvGrpSpPr/>
-          <p:nvPr/>
-        </p:nvGrpSpPr>
-        <p:grpSpPr>
-          <a:xfrm>
-            <a:off x="944393" y="5722501"/>
-            <a:ext cx="2515087" cy="95250"/>
-            <a:chOff x="4571513" y="1291709"/>
-            <a:chExt cx="2515087" cy="95250"/>
-          </a:xfrm>
-        </p:grpSpPr>
-        <p:sp>
-          <p:nvSpPr>
-            <p:cNvPr id="94" name="Rounded Rectangle 93"/>
-            <p:cNvSpPr/>
-            <p:nvPr/>
-          </p:nvSpPr>
-          <p:spPr>
-            <a:xfrm>
-              <a:off x="4572000" y="1291709"/>
-              <a:ext cx="2514600" cy="95250"/>
-            </a:xfrm>
-            <a:prstGeom prst="roundRect">
-              <a:avLst/>
-            </a:prstGeom>
-            <a:solidFill>
-              <a:schemeClr val="tx1"/>
-            </a:solidFill>
-            <a:ln>
-              <a:solidFill>
-                <a:schemeClr val="tx1"/>
-              </a:solidFill>
-            </a:ln>
-          </p:spPr>
-          <p:style>
-            <a:lnRef idx="2">
-              <a:schemeClr val="accent1">
-                <a:shade val="50000"/>
-              </a:schemeClr>
-            </a:lnRef>
-            <a:fillRef idx="1">
-              <a:schemeClr val="accent1"/>
-            </a:fillRef>
-            <a:effectRef idx="0">
-              <a:schemeClr val="accent1"/>
-            </a:effectRef>
-            <a:fontRef idx="minor">
-              <a:schemeClr val="lt1"/>
-            </a:fontRef>
-          </p:style>
-          <p:txBody>
-            <a:bodyPr rtlCol="0" anchor="ctr"/>
-            <a:lstStyle/>
-            <a:p>
-              <a:pPr algn="ctr"/>
-              <a:endParaRPr lang="en-US"/>
-            </a:p>
-          </p:txBody>
-        </p:sp>
-        <p:sp>
-          <p:nvSpPr>
-            <p:cNvPr id="95" name="Rounded Rectangle 94"/>
-            <p:cNvSpPr/>
-            <p:nvPr/>
-          </p:nvSpPr>
-          <p:spPr>
-            <a:xfrm>
-              <a:off x="4571513" y="1295400"/>
-              <a:ext cx="1261872" cy="85725"/>
-            </a:xfrm>
-            <a:prstGeom prst="roundRect">
-              <a:avLst/>
-            </a:prstGeom>
-            <a:pattFill prst="wdUpDiag">
-              <a:fgClr>
-                <a:srgbClr val="FFC000"/>
-              </a:fgClr>
-              <a:bgClr>
-                <a:srgbClr val="FFFF00"/>
-              </a:bgClr>
-            </a:pattFill>
-            <a:ln>
-              <a:noFill/>
-            </a:ln>
-          </p:spPr>
-          <p:style>
-            <a:lnRef idx="2">
-              <a:schemeClr val="accent1">
-                <a:shade val="50000"/>
-              </a:schemeClr>
-            </a:lnRef>
-            <a:fillRef idx="1">
-              <a:schemeClr val="accent1"/>
-            </a:fillRef>
-            <a:effectRef idx="0">
-              <a:schemeClr val="accent1"/>
-            </a:effectRef>
-            <a:fontRef idx="minor">
-              <a:schemeClr val="lt1"/>
-            </a:fontRef>
-          </p:style>
-          <p:txBody>
-            <a:bodyPr rtlCol="0" anchor="ctr"/>
-            <a:lstStyle/>
-            <a:p>
-              <a:pPr algn="ctr"/>
-              <a:endParaRPr lang="en-US"/>
-            </a:p>
-          </p:txBody>
-        </p:sp>
-      </p:grpSp>
-      <p:sp>
-        <p:nvSpPr>
-          <p:cNvPr id="96" name="Rectangle 95"/>
-          <p:cNvSpPr/>
-          <p:nvPr/>
-        </p:nvSpPr>
-        <p:spPr>
-          <a:xfrm>
-            <a:off x="3978027" y="5905622"/>
-            <a:ext cx="360996" cy="215444"/>
-          </a:xfrm>
-          <a:prstGeom prst="rect">
-            <a:avLst/>
-          </a:prstGeom>
-        </p:spPr>
-        <p:txBody>
-          <a:bodyPr wrap="none">
-            <a:spAutoFit/>
-          </a:bodyPr>
-          <a:lstStyle/>
-          <a:p>
-            <a:r>
-              <a:rPr lang="en-US" sz="800" dirty="0" smtClean="0"/>
-              <a:t>25%</a:t>
-            </a:r>
-            <a:endParaRPr lang="en-US" sz="800" dirty="0"/>
-          </a:p>
-        </p:txBody>
-      </p:sp>
-      <p:sp>
-        <p:nvSpPr>
-          <p:cNvPr id="97" name="Rectangle 96"/>
-          <p:cNvSpPr/>
-          <p:nvPr/>
-        </p:nvSpPr>
-        <p:spPr>
-          <a:xfrm>
-            <a:off x="4689897" y="5811917"/>
-            <a:ext cx="1818255" cy="369332"/>
-          </a:xfrm>
-          <a:prstGeom prst="rect">
-            <a:avLst/>
-          </a:prstGeom>
-        </p:spPr>
-        <p:txBody>
-          <a:bodyPr wrap="none">
-            <a:spAutoFit/>
-          </a:bodyPr>
-          <a:lstStyle/>
-          <a:p>
-            <a:r>
-              <a:rPr lang="en-US" dirty="0" err="1" smtClean="0"/>
-              <a:t>FireBird</a:t>
-            </a:r>
-            <a:r>
-              <a:rPr lang="en-US" dirty="0" smtClean="0"/>
-              <a:t> database</a:t>
-            </a:r>
-            <a:endParaRPr lang="en-US" dirty="0"/>
-          </a:p>
-        </p:txBody>
-      </p:sp>
-      <p:grpSp>
-        <p:nvGrpSpPr>
-          <p:cNvPr id="98" name="Group 97"/>
-          <p:cNvGrpSpPr/>
-          <p:nvPr/>
-        </p:nvGrpSpPr>
-        <p:grpSpPr>
-          <a:xfrm>
-            <a:off x="1104900" y="6477000"/>
-            <a:ext cx="2514600" cy="95250"/>
-            <a:chOff x="4572000" y="978930"/>
-            <a:chExt cx="2514600" cy="95250"/>
-          </a:xfrm>
-        </p:grpSpPr>
-        <p:sp>
-          <p:nvSpPr>
-            <p:cNvPr id="99" name="Rounded Rectangle 98"/>
-            <p:cNvSpPr/>
-            <p:nvPr/>
-          </p:nvSpPr>
-          <p:spPr>
-            <a:xfrm>
-              <a:off x="4572000" y="978930"/>
-              <a:ext cx="2514600" cy="95250"/>
-            </a:xfrm>
-            <a:prstGeom prst="roundRect">
-              <a:avLst/>
-            </a:prstGeom>
-            <a:solidFill>
-              <a:schemeClr val="tx1"/>
-            </a:solidFill>
-            <a:ln>
-              <a:solidFill>
-                <a:schemeClr val="tx1"/>
-              </a:solidFill>
-            </a:ln>
-          </p:spPr>
-          <p:style>
-            <a:lnRef idx="2">
-              <a:schemeClr val="accent1">
-                <a:shade val="50000"/>
-              </a:schemeClr>
-            </a:lnRef>
-            <a:fillRef idx="1">
-              <a:schemeClr val="accent1"/>
-            </a:fillRef>
-            <a:effectRef idx="0">
-              <a:schemeClr val="accent1"/>
-            </a:effectRef>
-            <a:fontRef idx="minor">
-              <a:schemeClr val="lt1"/>
-            </a:fontRef>
-          </p:style>
-          <p:txBody>
-            <a:bodyPr rtlCol="0" anchor="ctr"/>
-            <a:lstStyle/>
-            <a:p>
-              <a:pPr algn="ctr"/>
-              <a:endParaRPr lang="en-US"/>
-            </a:p>
-          </p:txBody>
-        </p:sp>
-        <p:sp>
-          <p:nvSpPr>
-            <p:cNvPr id="100" name="Rounded Rectangle 99"/>
-            <p:cNvSpPr/>
-            <p:nvPr/>
-          </p:nvSpPr>
-          <p:spPr>
-            <a:xfrm>
-              <a:off x="4572000" y="983692"/>
-              <a:ext cx="630936" cy="85725"/>
-            </a:xfrm>
-            <a:prstGeom prst="roundRect">
-              <a:avLst/>
-            </a:prstGeom>
-            <a:pattFill prst="wdUpDiag">
-              <a:fgClr>
-                <a:schemeClr val="accent2">
-                  <a:lumMod val="60000"/>
-                  <a:lumOff val="40000"/>
-                </a:schemeClr>
-              </a:fgClr>
-              <a:bgClr>
-                <a:schemeClr val="accent2">
-                  <a:lumMod val="20000"/>
-                  <a:lumOff val="80000"/>
-                </a:schemeClr>
-              </a:bgClr>
-            </a:pattFill>
-            <a:ln>
-              <a:noFill/>
-            </a:ln>
-          </p:spPr>
-          <p:style>
-            <a:lnRef idx="2">
-              <a:schemeClr val="accent1">
-                <a:shade val="50000"/>
-              </a:schemeClr>
-            </a:lnRef>
-            <a:fillRef idx="1">
-              <a:schemeClr val="accent1"/>
-            </a:fillRef>
-            <a:effectRef idx="0">
-              <a:schemeClr val="accent1"/>
-            </a:effectRef>
-            <a:fontRef idx="minor">
-              <a:schemeClr val="lt1"/>
-            </a:fontRef>
-          </p:style>
-          <p:txBody>
-            <a:bodyPr rtlCol="0" anchor="ctr"/>
-            <a:lstStyle/>
-            <a:p>
-              <a:pPr algn="ctr"/>
-              <a:endParaRPr lang="en-US"/>
-            </a:p>
-          </p:txBody>
-        </p:sp>
-      </p:grpSp>
-      <p:sp>
-        <p:nvSpPr>
-          <p:cNvPr id="102" name="Rectangle 101"/>
-          <p:cNvSpPr/>
-          <p:nvPr/>
-        </p:nvSpPr>
-        <p:spPr>
-          <a:xfrm>
-            <a:off x="4047042" y="6292334"/>
-            <a:ext cx="360996" cy="215444"/>
-          </a:xfrm>
-          <a:prstGeom prst="rect">
-            <a:avLst/>
-          </a:prstGeom>
-        </p:spPr>
-        <p:txBody>
-          <a:bodyPr wrap="none">
-            <a:spAutoFit/>
-          </a:bodyPr>
-          <a:lstStyle/>
-          <a:p>
-            <a:r>
-              <a:rPr lang="en-US" sz="800" dirty="0" smtClean="0"/>
-              <a:t>25%</a:t>
-            </a:r>
-            <a:endParaRPr lang="en-US" sz="800" dirty="0"/>
-          </a:p>
-        </p:txBody>
-      </p:sp>
-      <p:sp>
-        <p:nvSpPr>
-          <p:cNvPr id="103" name="Rectangle 102"/>
-          <p:cNvSpPr/>
-          <p:nvPr/>
-        </p:nvSpPr>
-        <p:spPr>
-          <a:xfrm>
-            <a:off x="4781845" y="6257928"/>
-            <a:ext cx="481222" cy="215444"/>
-          </a:xfrm>
-          <a:prstGeom prst="rect">
-            <a:avLst/>
-          </a:prstGeom>
-        </p:spPr>
-        <p:txBody>
-          <a:bodyPr wrap="none">
-            <a:spAutoFit/>
-          </a:bodyPr>
-          <a:lstStyle/>
-          <a:p>
-            <a:r>
-              <a:rPr lang="en-US" sz="800" dirty="0" smtClean="0"/>
-              <a:t>Python</a:t>
-            </a:r>
-            <a:endParaRPr lang="en-US" sz="800" dirty="0"/>
-          </a:p>
-        </p:txBody>
-      </p:sp>
       <p:sp>
         <p:nvSpPr>
           <p:cNvPr id="104" name="Rectangle 103"/>
@@ -6594,6 +3273,3846 @@
           </a:p>
         </p:txBody>
       </p:sp>
+      <p:grpSp>
+        <p:nvGrpSpPr>
+          <p:cNvPr id="194" name="Group 193"/>
+          <p:cNvGrpSpPr/>
+          <p:nvPr/>
+        </p:nvGrpSpPr>
+        <p:grpSpPr>
+          <a:xfrm>
+            <a:off x="251460" y="528488"/>
+            <a:ext cx="5535412" cy="3112860"/>
+            <a:chOff x="251460" y="528488"/>
+            <a:chExt cx="5535412" cy="3112860"/>
+          </a:xfrm>
+        </p:grpSpPr>
+        <p:grpSp>
+          <p:nvGrpSpPr>
+            <p:cNvPr id="192" name="Group 191"/>
+            <p:cNvGrpSpPr/>
+            <p:nvPr/>
+          </p:nvGrpSpPr>
+          <p:grpSpPr>
+            <a:xfrm>
+              <a:off x="251460" y="528488"/>
+              <a:ext cx="2998997" cy="3112860"/>
+              <a:chOff x="251460" y="536709"/>
+              <a:chExt cx="2998997" cy="3112860"/>
+            </a:xfrm>
+          </p:grpSpPr>
+          <p:grpSp>
+            <p:nvGrpSpPr>
+              <p:cNvPr id="2" name="Group 1"/>
+              <p:cNvGrpSpPr/>
+              <p:nvPr/>
+            </p:nvGrpSpPr>
+            <p:grpSpPr>
+              <a:xfrm>
+                <a:off x="251460" y="536709"/>
+                <a:ext cx="2659161" cy="215444"/>
+                <a:chOff x="251460" y="536709"/>
+                <a:chExt cx="2659161" cy="215444"/>
+              </a:xfrm>
+            </p:grpSpPr>
+            <p:grpSp>
+              <p:nvGrpSpPr>
+                <p:cNvPr id="21" name="Group 20"/>
+                <p:cNvGrpSpPr/>
+                <p:nvPr/>
+              </p:nvGrpSpPr>
+              <p:grpSpPr>
+                <a:xfrm>
+                  <a:off x="251460" y="596806"/>
+                  <a:ext cx="1257300" cy="95250"/>
+                  <a:chOff x="4572000" y="2176820"/>
+                  <a:chExt cx="2514600" cy="95250"/>
+                </a:xfrm>
+              </p:grpSpPr>
+              <p:sp>
+                <p:nvSpPr>
+                  <p:cNvPr id="7" name="Rounded Rectangle 6"/>
+                  <p:cNvSpPr/>
+                  <p:nvPr/>
+                </p:nvSpPr>
+                <p:spPr>
+                  <a:xfrm>
+                    <a:off x="4572000" y="2176820"/>
+                    <a:ext cx="2514600" cy="95250"/>
+                  </a:xfrm>
+                  <a:prstGeom prst="roundRect">
+                    <a:avLst/>
+                  </a:prstGeom>
+                  <a:solidFill>
+                    <a:schemeClr val="tx1"/>
+                  </a:solidFill>
+                  <a:ln>
+                    <a:solidFill>
+                      <a:schemeClr val="tx1"/>
+                    </a:solidFill>
+                  </a:ln>
+                </p:spPr>
+                <p:style>
+                  <a:lnRef idx="2">
+                    <a:schemeClr val="accent1">
+                      <a:shade val="50000"/>
+                    </a:schemeClr>
+                  </a:lnRef>
+                  <a:fillRef idx="1">
+                    <a:schemeClr val="accent1"/>
+                  </a:fillRef>
+                  <a:effectRef idx="0">
+                    <a:schemeClr val="accent1"/>
+                  </a:effectRef>
+                  <a:fontRef idx="minor">
+                    <a:schemeClr val="lt1"/>
+                  </a:fontRef>
+                </p:style>
+                <p:txBody>
+                  <a:bodyPr rtlCol="0" anchor="ctr"/>
+                  <a:lstStyle/>
+                  <a:p>
+                    <a:pPr algn="ctr"/>
+                    <a:endParaRPr lang="en-US"/>
+                  </a:p>
+                </p:txBody>
+              </p:sp>
+              <p:sp>
+                <p:nvSpPr>
+                  <p:cNvPr id="12" name="Rounded Rectangle 11"/>
+                  <p:cNvSpPr/>
+                  <p:nvPr/>
+                </p:nvSpPr>
+                <p:spPr>
+                  <a:xfrm>
+                    <a:off x="4572000" y="2184821"/>
+                    <a:ext cx="2514600" cy="85725"/>
+                  </a:xfrm>
+                  <a:prstGeom prst="roundRect">
+                    <a:avLst/>
+                  </a:prstGeom>
+                  <a:pattFill prst="wdUpDiag">
+                    <a:fgClr>
+                      <a:srgbClr val="00B050"/>
+                    </a:fgClr>
+                    <a:bgClr>
+                      <a:schemeClr val="accent3">
+                        <a:lumMod val="40000"/>
+                        <a:lumOff val="60000"/>
+                      </a:schemeClr>
+                    </a:bgClr>
+                  </a:pattFill>
+                  <a:ln>
+                    <a:noFill/>
+                  </a:ln>
+                </p:spPr>
+                <p:style>
+                  <a:lnRef idx="2">
+                    <a:schemeClr val="accent1">
+                      <a:shade val="50000"/>
+                    </a:schemeClr>
+                  </a:lnRef>
+                  <a:fillRef idx="1">
+                    <a:schemeClr val="accent1"/>
+                  </a:fillRef>
+                  <a:effectRef idx="0">
+                    <a:schemeClr val="accent1"/>
+                  </a:effectRef>
+                  <a:fontRef idx="minor">
+                    <a:schemeClr val="lt1"/>
+                  </a:fontRef>
+                </p:style>
+                <p:txBody>
+                  <a:bodyPr rtlCol="0" anchor="ctr"/>
+                  <a:lstStyle/>
+                  <a:p>
+                    <a:pPr algn="ctr"/>
+                    <a:endParaRPr lang="en-US"/>
+                  </a:p>
+                </p:txBody>
+              </p:sp>
+            </p:grpSp>
+            <p:sp>
+              <p:nvSpPr>
+                <p:cNvPr id="3" name="Rectangle 2"/>
+                <p:cNvSpPr/>
+                <p:nvPr/>
+              </p:nvSpPr>
+              <p:spPr>
+                <a:xfrm>
+                  <a:off x="1958116" y="536709"/>
+                  <a:ext cx="952505" cy="215444"/>
+                </a:xfrm>
+                <a:prstGeom prst="rect">
+                  <a:avLst/>
+                </a:prstGeom>
+              </p:spPr>
+              <p:txBody>
+                <a:bodyPr wrap="none">
+                  <a:spAutoFit/>
+                </a:bodyPr>
+                <a:lstStyle/>
+                <a:p>
+                  <a:r>
+                    <a:rPr lang="en-US" sz="800" dirty="0"/>
+                    <a:t>Visual Studio 2010</a:t>
+                  </a:r>
+                </a:p>
+              </p:txBody>
+            </p:sp>
+            <p:sp>
+              <p:nvSpPr>
+                <p:cNvPr id="36" name="Rectangle 35"/>
+                <p:cNvSpPr/>
+                <p:nvPr/>
+              </p:nvSpPr>
+              <p:spPr>
+                <a:xfrm>
+                  <a:off x="1593124" y="536709"/>
+                  <a:ext cx="412292" cy="215444"/>
+                </a:xfrm>
+                <a:prstGeom prst="rect">
+                  <a:avLst/>
+                </a:prstGeom>
+              </p:spPr>
+              <p:txBody>
+                <a:bodyPr wrap="none">
+                  <a:spAutoFit/>
+                </a:bodyPr>
+                <a:lstStyle/>
+                <a:p>
+                  <a:r>
+                    <a:rPr lang="en-US" sz="800" dirty="0" smtClean="0"/>
+                    <a:t>100%</a:t>
+                  </a:r>
+                  <a:endParaRPr lang="en-US" sz="800" dirty="0"/>
+                </a:p>
+              </p:txBody>
+            </p:sp>
+          </p:grpSp>
+          <p:grpSp>
+            <p:nvGrpSpPr>
+              <p:cNvPr id="16" name="Group 15"/>
+              <p:cNvGrpSpPr/>
+              <p:nvPr/>
+            </p:nvGrpSpPr>
+            <p:grpSpPr>
+              <a:xfrm>
+                <a:off x="251460" y="800110"/>
+                <a:ext cx="2377032" cy="215444"/>
+                <a:chOff x="251460" y="781092"/>
+                <a:chExt cx="2377032" cy="215444"/>
+              </a:xfrm>
+            </p:grpSpPr>
+            <p:sp>
+              <p:nvSpPr>
+                <p:cNvPr id="24" name="Rectangle 23"/>
+                <p:cNvSpPr/>
+                <p:nvPr/>
+              </p:nvSpPr>
+              <p:spPr>
+                <a:xfrm>
+                  <a:off x="1958116" y="781092"/>
+                  <a:ext cx="670376" cy="215444"/>
+                </a:xfrm>
+                <a:prstGeom prst="rect">
+                  <a:avLst/>
+                </a:prstGeom>
+              </p:spPr>
+              <p:txBody>
+                <a:bodyPr wrap="none">
+                  <a:spAutoFit/>
+                </a:bodyPr>
+                <a:lstStyle/>
+                <a:p>
+                  <a:r>
+                    <a:rPr lang="en-US" sz="800" dirty="0"/>
+                    <a:t>Visual </a:t>
+                  </a:r>
+                  <a:r>
+                    <a:rPr lang="en-US" sz="800" dirty="0" smtClean="0"/>
+                    <a:t>Basic</a:t>
+                  </a:r>
+                  <a:endParaRPr lang="en-US" sz="800" dirty="0"/>
+                </a:p>
+              </p:txBody>
+            </p:sp>
+            <p:sp>
+              <p:nvSpPr>
+                <p:cNvPr id="37" name="Rectangle 36"/>
+                <p:cNvSpPr/>
+                <p:nvPr/>
+              </p:nvSpPr>
+              <p:spPr>
+                <a:xfrm>
+                  <a:off x="1593124" y="781092"/>
+                  <a:ext cx="412292" cy="215444"/>
+                </a:xfrm>
+                <a:prstGeom prst="rect">
+                  <a:avLst/>
+                </a:prstGeom>
+              </p:spPr>
+              <p:txBody>
+                <a:bodyPr wrap="none">
+                  <a:spAutoFit/>
+                </a:bodyPr>
+                <a:lstStyle/>
+                <a:p>
+                  <a:r>
+                    <a:rPr lang="en-US" sz="800" dirty="0" smtClean="0"/>
+                    <a:t>100%</a:t>
+                  </a:r>
+                  <a:endParaRPr lang="en-US" sz="800" dirty="0"/>
+                </a:p>
+              </p:txBody>
+            </p:sp>
+            <p:grpSp>
+              <p:nvGrpSpPr>
+                <p:cNvPr id="118" name="Group 117"/>
+                <p:cNvGrpSpPr/>
+                <p:nvPr/>
+              </p:nvGrpSpPr>
+              <p:grpSpPr>
+                <a:xfrm>
+                  <a:off x="251460" y="841189"/>
+                  <a:ext cx="1257300" cy="95250"/>
+                  <a:chOff x="4572000" y="2176820"/>
+                  <a:chExt cx="2514600" cy="95250"/>
+                </a:xfrm>
+              </p:grpSpPr>
+              <p:sp>
+                <p:nvSpPr>
+                  <p:cNvPr id="119" name="Rounded Rectangle 118"/>
+                  <p:cNvSpPr/>
+                  <p:nvPr/>
+                </p:nvSpPr>
+                <p:spPr>
+                  <a:xfrm>
+                    <a:off x="4572000" y="2176820"/>
+                    <a:ext cx="2514600" cy="95250"/>
+                  </a:xfrm>
+                  <a:prstGeom prst="roundRect">
+                    <a:avLst/>
+                  </a:prstGeom>
+                  <a:solidFill>
+                    <a:schemeClr val="tx1"/>
+                  </a:solidFill>
+                  <a:ln>
+                    <a:solidFill>
+                      <a:schemeClr val="tx1"/>
+                    </a:solidFill>
+                  </a:ln>
+                </p:spPr>
+                <p:style>
+                  <a:lnRef idx="2">
+                    <a:schemeClr val="accent1">
+                      <a:shade val="50000"/>
+                    </a:schemeClr>
+                  </a:lnRef>
+                  <a:fillRef idx="1">
+                    <a:schemeClr val="accent1"/>
+                  </a:fillRef>
+                  <a:effectRef idx="0">
+                    <a:schemeClr val="accent1"/>
+                  </a:effectRef>
+                  <a:fontRef idx="minor">
+                    <a:schemeClr val="lt1"/>
+                  </a:fontRef>
+                </p:style>
+                <p:txBody>
+                  <a:bodyPr rtlCol="0" anchor="ctr"/>
+                  <a:lstStyle/>
+                  <a:p>
+                    <a:pPr algn="ctr"/>
+                    <a:endParaRPr lang="en-US"/>
+                  </a:p>
+                </p:txBody>
+              </p:sp>
+              <p:sp>
+                <p:nvSpPr>
+                  <p:cNvPr id="120" name="Rounded Rectangle 119"/>
+                  <p:cNvSpPr/>
+                  <p:nvPr/>
+                </p:nvSpPr>
+                <p:spPr>
+                  <a:xfrm>
+                    <a:off x="4572000" y="2184821"/>
+                    <a:ext cx="2514600" cy="85725"/>
+                  </a:xfrm>
+                  <a:prstGeom prst="roundRect">
+                    <a:avLst/>
+                  </a:prstGeom>
+                  <a:pattFill prst="wdUpDiag">
+                    <a:fgClr>
+                      <a:srgbClr val="00B050"/>
+                    </a:fgClr>
+                    <a:bgClr>
+                      <a:schemeClr val="accent3">
+                        <a:lumMod val="40000"/>
+                        <a:lumOff val="60000"/>
+                      </a:schemeClr>
+                    </a:bgClr>
+                  </a:pattFill>
+                  <a:ln>
+                    <a:noFill/>
+                  </a:ln>
+                </p:spPr>
+                <p:style>
+                  <a:lnRef idx="2">
+                    <a:schemeClr val="accent1">
+                      <a:shade val="50000"/>
+                    </a:schemeClr>
+                  </a:lnRef>
+                  <a:fillRef idx="1">
+                    <a:schemeClr val="accent1"/>
+                  </a:fillRef>
+                  <a:effectRef idx="0">
+                    <a:schemeClr val="accent1"/>
+                  </a:effectRef>
+                  <a:fontRef idx="minor">
+                    <a:schemeClr val="lt1"/>
+                  </a:fontRef>
+                </p:style>
+                <p:txBody>
+                  <a:bodyPr rtlCol="0" anchor="ctr"/>
+                  <a:lstStyle/>
+                  <a:p>
+                    <a:pPr algn="ctr"/>
+                    <a:endParaRPr lang="en-US"/>
+                  </a:p>
+                </p:txBody>
+              </p:sp>
+            </p:grpSp>
+          </p:grpSp>
+          <p:grpSp>
+            <p:nvGrpSpPr>
+              <p:cNvPr id="17" name="Group 16"/>
+              <p:cNvGrpSpPr/>
+              <p:nvPr/>
+            </p:nvGrpSpPr>
+            <p:grpSpPr>
+              <a:xfrm>
+                <a:off x="251460" y="1063511"/>
+                <a:ext cx="2998997" cy="215444"/>
+                <a:chOff x="251460" y="1040173"/>
+                <a:chExt cx="2998997" cy="215444"/>
+              </a:xfrm>
+            </p:grpSpPr>
+            <p:sp>
+              <p:nvSpPr>
+                <p:cNvPr id="4" name="Rectangle 3"/>
+                <p:cNvSpPr/>
+                <p:nvPr/>
+              </p:nvSpPr>
+              <p:spPr>
+                <a:xfrm>
+                  <a:off x="1958116" y="1040173"/>
+                  <a:ext cx="1292341" cy="215444"/>
+                </a:xfrm>
+                <a:prstGeom prst="rect">
+                  <a:avLst/>
+                </a:prstGeom>
+              </p:spPr>
+              <p:txBody>
+                <a:bodyPr wrap="none">
+                  <a:spAutoFit/>
+                </a:bodyPr>
+                <a:lstStyle/>
+                <a:p>
+                  <a:r>
+                    <a:rPr lang="en-US" sz="800" dirty="0"/>
+                    <a:t>Software versioning (SVN) </a:t>
+                  </a:r>
+                </a:p>
+              </p:txBody>
+            </p:sp>
+            <p:sp>
+              <p:nvSpPr>
+                <p:cNvPr id="38" name="Rectangle 37"/>
+                <p:cNvSpPr/>
+                <p:nvPr/>
+              </p:nvSpPr>
+              <p:spPr>
+                <a:xfrm>
+                  <a:off x="1593124" y="1040173"/>
+                  <a:ext cx="412292" cy="215444"/>
+                </a:xfrm>
+                <a:prstGeom prst="rect">
+                  <a:avLst/>
+                </a:prstGeom>
+              </p:spPr>
+              <p:txBody>
+                <a:bodyPr wrap="none">
+                  <a:spAutoFit/>
+                </a:bodyPr>
+                <a:lstStyle/>
+                <a:p>
+                  <a:r>
+                    <a:rPr lang="en-US" sz="800" dirty="0" smtClean="0"/>
+                    <a:t>100%</a:t>
+                  </a:r>
+                  <a:endParaRPr lang="en-US" sz="800" dirty="0"/>
+                </a:p>
+              </p:txBody>
+            </p:sp>
+            <p:grpSp>
+              <p:nvGrpSpPr>
+                <p:cNvPr id="121" name="Group 120"/>
+                <p:cNvGrpSpPr/>
+                <p:nvPr/>
+              </p:nvGrpSpPr>
+              <p:grpSpPr>
+                <a:xfrm>
+                  <a:off x="251460" y="1100270"/>
+                  <a:ext cx="1257300" cy="95250"/>
+                  <a:chOff x="4572000" y="2176820"/>
+                  <a:chExt cx="2514600" cy="95250"/>
+                </a:xfrm>
+              </p:grpSpPr>
+              <p:sp>
+                <p:nvSpPr>
+                  <p:cNvPr id="122" name="Rounded Rectangle 121"/>
+                  <p:cNvSpPr/>
+                  <p:nvPr/>
+                </p:nvSpPr>
+                <p:spPr>
+                  <a:xfrm>
+                    <a:off x="4572000" y="2176820"/>
+                    <a:ext cx="2514600" cy="95250"/>
+                  </a:xfrm>
+                  <a:prstGeom prst="roundRect">
+                    <a:avLst/>
+                  </a:prstGeom>
+                  <a:solidFill>
+                    <a:schemeClr val="tx1"/>
+                  </a:solidFill>
+                  <a:ln>
+                    <a:solidFill>
+                      <a:schemeClr val="tx1"/>
+                    </a:solidFill>
+                  </a:ln>
+                </p:spPr>
+                <p:style>
+                  <a:lnRef idx="2">
+                    <a:schemeClr val="accent1">
+                      <a:shade val="50000"/>
+                    </a:schemeClr>
+                  </a:lnRef>
+                  <a:fillRef idx="1">
+                    <a:schemeClr val="accent1"/>
+                  </a:fillRef>
+                  <a:effectRef idx="0">
+                    <a:schemeClr val="accent1"/>
+                  </a:effectRef>
+                  <a:fontRef idx="minor">
+                    <a:schemeClr val="lt1"/>
+                  </a:fontRef>
+                </p:style>
+                <p:txBody>
+                  <a:bodyPr rtlCol="0" anchor="ctr"/>
+                  <a:lstStyle/>
+                  <a:p>
+                    <a:pPr algn="ctr"/>
+                    <a:endParaRPr lang="en-US"/>
+                  </a:p>
+                </p:txBody>
+              </p:sp>
+              <p:sp>
+                <p:nvSpPr>
+                  <p:cNvPr id="123" name="Rounded Rectangle 122"/>
+                  <p:cNvSpPr/>
+                  <p:nvPr/>
+                </p:nvSpPr>
+                <p:spPr>
+                  <a:xfrm>
+                    <a:off x="4572000" y="2184821"/>
+                    <a:ext cx="2514600" cy="85725"/>
+                  </a:xfrm>
+                  <a:prstGeom prst="roundRect">
+                    <a:avLst/>
+                  </a:prstGeom>
+                  <a:pattFill prst="wdUpDiag">
+                    <a:fgClr>
+                      <a:srgbClr val="00B050"/>
+                    </a:fgClr>
+                    <a:bgClr>
+                      <a:schemeClr val="accent3">
+                        <a:lumMod val="40000"/>
+                        <a:lumOff val="60000"/>
+                      </a:schemeClr>
+                    </a:bgClr>
+                  </a:pattFill>
+                  <a:ln>
+                    <a:noFill/>
+                  </a:ln>
+                </p:spPr>
+                <p:style>
+                  <a:lnRef idx="2">
+                    <a:schemeClr val="accent1">
+                      <a:shade val="50000"/>
+                    </a:schemeClr>
+                  </a:lnRef>
+                  <a:fillRef idx="1">
+                    <a:schemeClr val="accent1"/>
+                  </a:fillRef>
+                  <a:effectRef idx="0">
+                    <a:schemeClr val="accent1"/>
+                  </a:effectRef>
+                  <a:fontRef idx="minor">
+                    <a:schemeClr val="lt1"/>
+                  </a:fontRef>
+                </p:style>
+                <p:txBody>
+                  <a:bodyPr rtlCol="0" anchor="ctr"/>
+                  <a:lstStyle/>
+                  <a:p>
+                    <a:pPr algn="ctr"/>
+                    <a:endParaRPr lang="en-US"/>
+                  </a:p>
+                </p:txBody>
+              </p:sp>
+            </p:grpSp>
+          </p:grpSp>
+          <p:grpSp>
+            <p:nvGrpSpPr>
+              <p:cNvPr id="18" name="Group 17"/>
+              <p:cNvGrpSpPr/>
+              <p:nvPr/>
+            </p:nvGrpSpPr>
+            <p:grpSpPr>
+              <a:xfrm>
+                <a:off x="251460" y="1326912"/>
+                <a:ext cx="1997120" cy="215444"/>
+                <a:chOff x="251460" y="1308556"/>
+                <a:chExt cx="1997120" cy="215444"/>
+              </a:xfrm>
+            </p:grpSpPr>
+            <p:sp>
+              <p:nvSpPr>
+                <p:cNvPr id="31" name="Rectangle 30"/>
+                <p:cNvSpPr/>
+                <p:nvPr/>
+              </p:nvSpPr>
+              <p:spPr>
+                <a:xfrm>
+                  <a:off x="1958116" y="1308556"/>
+                  <a:ext cx="290464" cy="215444"/>
+                </a:xfrm>
+                <a:prstGeom prst="rect">
+                  <a:avLst/>
+                </a:prstGeom>
+              </p:spPr>
+              <p:txBody>
+                <a:bodyPr wrap="none">
+                  <a:spAutoFit/>
+                </a:bodyPr>
+                <a:lstStyle/>
+                <a:p>
+                  <a:r>
+                    <a:rPr lang="en-US" sz="800" dirty="0" smtClean="0"/>
+                    <a:t>C#</a:t>
+                  </a:r>
+                  <a:endParaRPr lang="en-US" sz="800" dirty="0"/>
+                </a:p>
+              </p:txBody>
+            </p:sp>
+            <p:sp>
+              <p:nvSpPr>
+                <p:cNvPr id="39" name="Rectangle 38"/>
+                <p:cNvSpPr/>
+                <p:nvPr/>
+              </p:nvSpPr>
+              <p:spPr>
+                <a:xfrm>
+                  <a:off x="1593124" y="1308556"/>
+                  <a:ext cx="412292" cy="215444"/>
+                </a:xfrm>
+                <a:prstGeom prst="rect">
+                  <a:avLst/>
+                </a:prstGeom>
+              </p:spPr>
+              <p:txBody>
+                <a:bodyPr wrap="none">
+                  <a:spAutoFit/>
+                </a:bodyPr>
+                <a:lstStyle/>
+                <a:p>
+                  <a:r>
+                    <a:rPr lang="en-US" sz="800" dirty="0" smtClean="0"/>
+                    <a:t>100%</a:t>
+                  </a:r>
+                  <a:endParaRPr lang="en-US" sz="800" dirty="0"/>
+                </a:p>
+              </p:txBody>
+            </p:sp>
+            <p:grpSp>
+              <p:nvGrpSpPr>
+                <p:cNvPr id="124" name="Group 123"/>
+                <p:cNvGrpSpPr/>
+                <p:nvPr/>
+              </p:nvGrpSpPr>
+              <p:grpSpPr>
+                <a:xfrm>
+                  <a:off x="251460" y="1368653"/>
+                  <a:ext cx="1257300" cy="95250"/>
+                  <a:chOff x="4572000" y="2176820"/>
+                  <a:chExt cx="2514600" cy="95250"/>
+                </a:xfrm>
+              </p:grpSpPr>
+              <p:sp>
+                <p:nvSpPr>
+                  <p:cNvPr id="125" name="Rounded Rectangle 124"/>
+                  <p:cNvSpPr/>
+                  <p:nvPr/>
+                </p:nvSpPr>
+                <p:spPr>
+                  <a:xfrm>
+                    <a:off x="4572000" y="2176820"/>
+                    <a:ext cx="2514600" cy="95250"/>
+                  </a:xfrm>
+                  <a:prstGeom prst="roundRect">
+                    <a:avLst/>
+                  </a:prstGeom>
+                  <a:solidFill>
+                    <a:schemeClr val="tx1"/>
+                  </a:solidFill>
+                  <a:ln>
+                    <a:solidFill>
+                      <a:schemeClr val="tx1"/>
+                    </a:solidFill>
+                  </a:ln>
+                </p:spPr>
+                <p:style>
+                  <a:lnRef idx="2">
+                    <a:schemeClr val="accent1">
+                      <a:shade val="50000"/>
+                    </a:schemeClr>
+                  </a:lnRef>
+                  <a:fillRef idx="1">
+                    <a:schemeClr val="accent1"/>
+                  </a:fillRef>
+                  <a:effectRef idx="0">
+                    <a:schemeClr val="accent1"/>
+                  </a:effectRef>
+                  <a:fontRef idx="minor">
+                    <a:schemeClr val="lt1"/>
+                  </a:fontRef>
+                </p:style>
+                <p:txBody>
+                  <a:bodyPr rtlCol="0" anchor="ctr"/>
+                  <a:lstStyle/>
+                  <a:p>
+                    <a:pPr algn="ctr"/>
+                    <a:endParaRPr lang="en-US"/>
+                  </a:p>
+                </p:txBody>
+              </p:sp>
+              <p:sp>
+                <p:nvSpPr>
+                  <p:cNvPr id="126" name="Rounded Rectangle 125"/>
+                  <p:cNvSpPr/>
+                  <p:nvPr/>
+                </p:nvSpPr>
+                <p:spPr>
+                  <a:xfrm>
+                    <a:off x="4572000" y="2184821"/>
+                    <a:ext cx="2514600" cy="85725"/>
+                  </a:xfrm>
+                  <a:prstGeom prst="roundRect">
+                    <a:avLst/>
+                  </a:prstGeom>
+                  <a:pattFill prst="wdUpDiag">
+                    <a:fgClr>
+                      <a:srgbClr val="00B050"/>
+                    </a:fgClr>
+                    <a:bgClr>
+                      <a:schemeClr val="accent3">
+                        <a:lumMod val="40000"/>
+                        <a:lumOff val="60000"/>
+                      </a:schemeClr>
+                    </a:bgClr>
+                  </a:pattFill>
+                  <a:ln>
+                    <a:noFill/>
+                  </a:ln>
+                </p:spPr>
+                <p:style>
+                  <a:lnRef idx="2">
+                    <a:schemeClr val="accent1">
+                      <a:shade val="50000"/>
+                    </a:schemeClr>
+                  </a:lnRef>
+                  <a:fillRef idx="1">
+                    <a:schemeClr val="accent1"/>
+                  </a:fillRef>
+                  <a:effectRef idx="0">
+                    <a:schemeClr val="accent1"/>
+                  </a:effectRef>
+                  <a:fontRef idx="minor">
+                    <a:schemeClr val="lt1"/>
+                  </a:fontRef>
+                </p:style>
+                <p:txBody>
+                  <a:bodyPr rtlCol="0" anchor="ctr"/>
+                  <a:lstStyle/>
+                  <a:p>
+                    <a:pPr algn="ctr"/>
+                    <a:endParaRPr lang="en-US"/>
+                  </a:p>
+                </p:txBody>
+              </p:sp>
+            </p:grpSp>
+          </p:grpSp>
+          <p:grpSp>
+            <p:nvGrpSpPr>
+              <p:cNvPr id="22" name="Group 21"/>
+              <p:cNvGrpSpPr/>
+              <p:nvPr/>
+            </p:nvGrpSpPr>
+            <p:grpSpPr>
+              <a:xfrm>
+                <a:off x="251460" y="1590313"/>
+                <a:ext cx="2048416" cy="215444"/>
+                <a:chOff x="251460" y="1584041"/>
+                <a:chExt cx="2048416" cy="215444"/>
+              </a:xfrm>
+            </p:grpSpPr>
+            <p:sp>
+              <p:nvSpPr>
+                <p:cNvPr id="32" name="Rectangle 31"/>
+                <p:cNvSpPr/>
+                <p:nvPr/>
+              </p:nvSpPr>
+              <p:spPr>
+                <a:xfrm>
+                  <a:off x="1958116" y="1584041"/>
+                  <a:ext cx="341760" cy="215444"/>
+                </a:xfrm>
+                <a:prstGeom prst="rect">
+                  <a:avLst/>
+                </a:prstGeom>
+              </p:spPr>
+              <p:txBody>
+                <a:bodyPr wrap="none">
+                  <a:spAutoFit/>
+                </a:bodyPr>
+                <a:lstStyle/>
+                <a:p>
+                  <a:r>
+                    <a:rPr lang="en-US" sz="800" dirty="0" smtClean="0"/>
+                    <a:t>C++</a:t>
+                  </a:r>
+                  <a:endParaRPr lang="en-US" sz="800" dirty="0"/>
+                </a:p>
+              </p:txBody>
+            </p:sp>
+            <p:sp>
+              <p:nvSpPr>
+                <p:cNvPr id="40" name="Rectangle 39"/>
+                <p:cNvSpPr/>
+                <p:nvPr/>
+              </p:nvSpPr>
+              <p:spPr>
+                <a:xfrm>
+                  <a:off x="1593124" y="1584041"/>
+                  <a:ext cx="412292" cy="215444"/>
+                </a:xfrm>
+                <a:prstGeom prst="rect">
+                  <a:avLst/>
+                </a:prstGeom>
+              </p:spPr>
+              <p:txBody>
+                <a:bodyPr wrap="none">
+                  <a:spAutoFit/>
+                </a:bodyPr>
+                <a:lstStyle/>
+                <a:p>
+                  <a:r>
+                    <a:rPr lang="en-US" sz="800" dirty="0" smtClean="0"/>
+                    <a:t>100%</a:t>
+                  </a:r>
+                  <a:endParaRPr lang="en-US" sz="800" dirty="0"/>
+                </a:p>
+              </p:txBody>
+            </p:sp>
+            <p:grpSp>
+              <p:nvGrpSpPr>
+                <p:cNvPr id="127" name="Group 126"/>
+                <p:cNvGrpSpPr/>
+                <p:nvPr/>
+              </p:nvGrpSpPr>
+              <p:grpSpPr>
+                <a:xfrm>
+                  <a:off x="251460" y="1644138"/>
+                  <a:ext cx="1257300" cy="95250"/>
+                  <a:chOff x="4572000" y="2176820"/>
+                  <a:chExt cx="2514600" cy="95250"/>
+                </a:xfrm>
+              </p:grpSpPr>
+              <p:sp>
+                <p:nvSpPr>
+                  <p:cNvPr id="128" name="Rounded Rectangle 127"/>
+                  <p:cNvSpPr/>
+                  <p:nvPr/>
+                </p:nvSpPr>
+                <p:spPr>
+                  <a:xfrm>
+                    <a:off x="4572000" y="2176820"/>
+                    <a:ext cx="2514600" cy="95250"/>
+                  </a:xfrm>
+                  <a:prstGeom prst="roundRect">
+                    <a:avLst/>
+                  </a:prstGeom>
+                  <a:solidFill>
+                    <a:schemeClr val="tx1"/>
+                  </a:solidFill>
+                  <a:ln>
+                    <a:solidFill>
+                      <a:schemeClr val="tx1"/>
+                    </a:solidFill>
+                  </a:ln>
+                </p:spPr>
+                <p:style>
+                  <a:lnRef idx="2">
+                    <a:schemeClr val="accent1">
+                      <a:shade val="50000"/>
+                    </a:schemeClr>
+                  </a:lnRef>
+                  <a:fillRef idx="1">
+                    <a:schemeClr val="accent1"/>
+                  </a:fillRef>
+                  <a:effectRef idx="0">
+                    <a:schemeClr val="accent1"/>
+                  </a:effectRef>
+                  <a:fontRef idx="minor">
+                    <a:schemeClr val="lt1"/>
+                  </a:fontRef>
+                </p:style>
+                <p:txBody>
+                  <a:bodyPr rtlCol="0" anchor="ctr"/>
+                  <a:lstStyle/>
+                  <a:p>
+                    <a:pPr algn="ctr"/>
+                    <a:endParaRPr lang="en-US"/>
+                  </a:p>
+                </p:txBody>
+              </p:sp>
+              <p:sp>
+                <p:nvSpPr>
+                  <p:cNvPr id="129" name="Rounded Rectangle 128"/>
+                  <p:cNvSpPr/>
+                  <p:nvPr/>
+                </p:nvSpPr>
+                <p:spPr>
+                  <a:xfrm>
+                    <a:off x="4572000" y="2184821"/>
+                    <a:ext cx="2514600" cy="85725"/>
+                  </a:xfrm>
+                  <a:prstGeom prst="roundRect">
+                    <a:avLst/>
+                  </a:prstGeom>
+                  <a:pattFill prst="wdUpDiag">
+                    <a:fgClr>
+                      <a:srgbClr val="00B050"/>
+                    </a:fgClr>
+                    <a:bgClr>
+                      <a:schemeClr val="accent3">
+                        <a:lumMod val="40000"/>
+                        <a:lumOff val="60000"/>
+                      </a:schemeClr>
+                    </a:bgClr>
+                  </a:pattFill>
+                  <a:ln>
+                    <a:noFill/>
+                  </a:ln>
+                </p:spPr>
+                <p:style>
+                  <a:lnRef idx="2">
+                    <a:schemeClr val="accent1">
+                      <a:shade val="50000"/>
+                    </a:schemeClr>
+                  </a:lnRef>
+                  <a:fillRef idx="1">
+                    <a:schemeClr val="accent1"/>
+                  </a:fillRef>
+                  <a:effectRef idx="0">
+                    <a:schemeClr val="accent1"/>
+                  </a:effectRef>
+                  <a:fontRef idx="minor">
+                    <a:schemeClr val="lt1"/>
+                  </a:fontRef>
+                </p:style>
+                <p:txBody>
+                  <a:bodyPr rtlCol="0" anchor="ctr"/>
+                  <a:lstStyle/>
+                  <a:p>
+                    <a:pPr algn="ctr"/>
+                    <a:endParaRPr lang="en-US"/>
+                  </a:p>
+                </p:txBody>
+              </p:sp>
+            </p:grpSp>
+          </p:grpSp>
+          <p:grpSp>
+            <p:nvGrpSpPr>
+              <p:cNvPr id="23" name="Group 22"/>
+              <p:cNvGrpSpPr/>
+              <p:nvPr/>
+            </p:nvGrpSpPr>
+            <p:grpSpPr>
+              <a:xfrm>
+                <a:off x="251460" y="1853714"/>
+                <a:ext cx="1947428" cy="215444"/>
+                <a:chOff x="251460" y="1899329"/>
+                <a:chExt cx="1947428" cy="215444"/>
+              </a:xfrm>
+            </p:grpSpPr>
+            <p:sp>
+              <p:nvSpPr>
+                <p:cNvPr id="33" name="Rectangle 32"/>
+                <p:cNvSpPr/>
+                <p:nvPr/>
+              </p:nvSpPr>
+              <p:spPr>
+                <a:xfrm>
+                  <a:off x="1958116" y="1899329"/>
+                  <a:ext cx="240772" cy="215444"/>
+                </a:xfrm>
+                <a:prstGeom prst="rect">
+                  <a:avLst/>
+                </a:prstGeom>
+              </p:spPr>
+              <p:txBody>
+                <a:bodyPr wrap="none">
+                  <a:spAutoFit/>
+                </a:bodyPr>
+                <a:lstStyle/>
+                <a:p>
+                  <a:r>
+                    <a:rPr lang="en-US" sz="800" dirty="0" smtClean="0"/>
+                    <a:t>R</a:t>
+                  </a:r>
+                  <a:endParaRPr lang="en-US" sz="800" dirty="0"/>
+                </a:p>
+              </p:txBody>
+            </p:sp>
+            <p:sp>
+              <p:nvSpPr>
+                <p:cNvPr id="41" name="Rectangle 40"/>
+                <p:cNvSpPr/>
+                <p:nvPr/>
+              </p:nvSpPr>
+              <p:spPr>
+                <a:xfrm>
+                  <a:off x="1593124" y="1899329"/>
+                  <a:ext cx="412292" cy="215444"/>
+                </a:xfrm>
+                <a:prstGeom prst="rect">
+                  <a:avLst/>
+                </a:prstGeom>
+              </p:spPr>
+              <p:txBody>
+                <a:bodyPr wrap="none">
+                  <a:spAutoFit/>
+                </a:bodyPr>
+                <a:lstStyle/>
+                <a:p>
+                  <a:r>
+                    <a:rPr lang="en-US" sz="800" dirty="0" smtClean="0"/>
+                    <a:t>100%</a:t>
+                  </a:r>
+                  <a:endParaRPr lang="en-US" sz="800" dirty="0"/>
+                </a:p>
+              </p:txBody>
+            </p:sp>
+            <p:grpSp>
+              <p:nvGrpSpPr>
+                <p:cNvPr id="130" name="Group 129"/>
+                <p:cNvGrpSpPr/>
+                <p:nvPr/>
+              </p:nvGrpSpPr>
+              <p:grpSpPr>
+                <a:xfrm>
+                  <a:off x="251460" y="1959426"/>
+                  <a:ext cx="1257300" cy="95250"/>
+                  <a:chOff x="4572000" y="2176820"/>
+                  <a:chExt cx="2514600" cy="95250"/>
+                </a:xfrm>
+              </p:grpSpPr>
+              <p:sp>
+                <p:nvSpPr>
+                  <p:cNvPr id="131" name="Rounded Rectangle 130"/>
+                  <p:cNvSpPr/>
+                  <p:nvPr/>
+                </p:nvSpPr>
+                <p:spPr>
+                  <a:xfrm>
+                    <a:off x="4572000" y="2176820"/>
+                    <a:ext cx="2514600" cy="95250"/>
+                  </a:xfrm>
+                  <a:prstGeom prst="roundRect">
+                    <a:avLst/>
+                  </a:prstGeom>
+                  <a:solidFill>
+                    <a:schemeClr val="tx1"/>
+                  </a:solidFill>
+                  <a:ln>
+                    <a:solidFill>
+                      <a:schemeClr val="tx1"/>
+                    </a:solidFill>
+                  </a:ln>
+                </p:spPr>
+                <p:style>
+                  <a:lnRef idx="2">
+                    <a:schemeClr val="accent1">
+                      <a:shade val="50000"/>
+                    </a:schemeClr>
+                  </a:lnRef>
+                  <a:fillRef idx="1">
+                    <a:schemeClr val="accent1"/>
+                  </a:fillRef>
+                  <a:effectRef idx="0">
+                    <a:schemeClr val="accent1"/>
+                  </a:effectRef>
+                  <a:fontRef idx="minor">
+                    <a:schemeClr val="lt1"/>
+                  </a:fontRef>
+                </p:style>
+                <p:txBody>
+                  <a:bodyPr rtlCol="0" anchor="ctr"/>
+                  <a:lstStyle/>
+                  <a:p>
+                    <a:pPr algn="ctr"/>
+                    <a:endParaRPr lang="en-US"/>
+                  </a:p>
+                </p:txBody>
+              </p:sp>
+              <p:sp>
+                <p:nvSpPr>
+                  <p:cNvPr id="132" name="Rounded Rectangle 131"/>
+                  <p:cNvSpPr/>
+                  <p:nvPr/>
+                </p:nvSpPr>
+                <p:spPr>
+                  <a:xfrm>
+                    <a:off x="4572000" y="2184821"/>
+                    <a:ext cx="2514600" cy="85725"/>
+                  </a:xfrm>
+                  <a:prstGeom prst="roundRect">
+                    <a:avLst/>
+                  </a:prstGeom>
+                  <a:pattFill prst="wdUpDiag">
+                    <a:fgClr>
+                      <a:srgbClr val="00B050"/>
+                    </a:fgClr>
+                    <a:bgClr>
+                      <a:schemeClr val="accent3">
+                        <a:lumMod val="40000"/>
+                        <a:lumOff val="60000"/>
+                      </a:schemeClr>
+                    </a:bgClr>
+                  </a:pattFill>
+                  <a:ln>
+                    <a:noFill/>
+                  </a:ln>
+                </p:spPr>
+                <p:style>
+                  <a:lnRef idx="2">
+                    <a:schemeClr val="accent1">
+                      <a:shade val="50000"/>
+                    </a:schemeClr>
+                  </a:lnRef>
+                  <a:fillRef idx="1">
+                    <a:schemeClr val="accent1"/>
+                  </a:fillRef>
+                  <a:effectRef idx="0">
+                    <a:schemeClr val="accent1"/>
+                  </a:effectRef>
+                  <a:fontRef idx="minor">
+                    <a:schemeClr val="lt1"/>
+                  </a:fontRef>
+                </p:style>
+                <p:txBody>
+                  <a:bodyPr rtlCol="0" anchor="ctr"/>
+                  <a:lstStyle/>
+                  <a:p>
+                    <a:pPr algn="ctr"/>
+                    <a:endParaRPr lang="en-US"/>
+                  </a:p>
+                </p:txBody>
+              </p:sp>
+            </p:grpSp>
+          </p:grpSp>
+          <p:grpSp>
+            <p:nvGrpSpPr>
+              <p:cNvPr id="101" name="Group 100"/>
+              <p:cNvGrpSpPr/>
+              <p:nvPr/>
+            </p:nvGrpSpPr>
+            <p:grpSpPr>
+              <a:xfrm>
+                <a:off x="251460" y="2117115"/>
+                <a:ext cx="2083682" cy="215444"/>
+                <a:chOff x="251460" y="2136766"/>
+                <a:chExt cx="2083682" cy="215444"/>
+              </a:xfrm>
+            </p:grpSpPr>
+            <p:sp>
+              <p:nvSpPr>
+                <p:cNvPr id="34" name="Rectangle 33"/>
+                <p:cNvSpPr/>
+                <p:nvPr/>
+              </p:nvSpPr>
+              <p:spPr>
+                <a:xfrm>
+                  <a:off x="1958116" y="2136766"/>
+                  <a:ext cx="377026" cy="215444"/>
+                </a:xfrm>
+                <a:prstGeom prst="rect">
+                  <a:avLst/>
+                </a:prstGeom>
+              </p:spPr>
+              <p:txBody>
+                <a:bodyPr wrap="none">
+                  <a:spAutoFit/>
+                </a:bodyPr>
+                <a:lstStyle/>
+                <a:p>
+                  <a:r>
+                    <a:rPr lang="en-US" sz="800" dirty="0" smtClean="0"/>
+                    <a:t>SPSS</a:t>
+                  </a:r>
+                  <a:endParaRPr lang="en-US" sz="800" dirty="0"/>
+                </a:p>
+              </p:txBody>
+            </p:sp>
+            <p:sp>
+              <p:nvSpPr>
+                <p:cNvPr id="42" name="Rectangle 41"/>
+                <p:cNvSpPr/>
+                <p:nvPr/>
+              </p:nvSpPr>
+              <p:spPr>
+                <a:xfrm>
+                  <a:off x="1593124" y="2136766"/>
+                  <a:ext cx="412292" cy="215444"/>
+                </a:xfrm>
+                <a:prstGeom prst="rect">
+                  <a:avLst/>
+                </a:prstGeom>
+              </p:spPr>
+              <p:txBody>
+                <a:bodyPr wrap="none">
+                  <a:spAutoFit/>
+                </a:bodyPr>
+                <a:lstStyle/>
+                <a:p>
+                  <a:r>
+                    <a:rPr lang="en-US" sz="800" dirty="0" smtClean="0"/>
+                    <a:t>100%</a:t>
+                  </a:r>
+                  <a:endParaRPr lang="en-US" sz="800" dirty="0"/>
+                </a:p>
+              </p:txBody>
+            </p:sp>
+            <p:grpSp>
+              <p:nvGrpSpPr>
+                <p:cNvPr id="133" name="Group 132"/>
+                <p:cNvGrpSpPr/>
+                <p:nvPr/>
+              </p:nvGrpSpPr>
+              <p:grpSpPr>
+                <a:xfrm>
+                  <a:off x="251460" y="2196863"/>
+                  <a:ext cx="1257300" cy="95250"/>
+                  <a:chOff x="4572000" y="2176820"/>
+                  <a:chExt cx="2514600" cy="95250"/>
+                </a:xfrm>
+              </p:grpSpPr>
+              <p:sp>
+                <p:nvSpPr>
+                  <p:cNvPr id="134" name="Rounded Rectangle 133"/>
+                  <p:cNvSpPr/>
+                  <p:nvPr/>
+                </p:nvSpPr>
+                <p:spPr>
+                  <a:xfrm>
+                    <a:off x="4572000" y="2176820"/>
+                    <a:ext cx="2514600" cy="95250"/>
+                  </a:xfrm>
+                  <a:prstGeom prst="roundRect">
+                    <a:avLst/>
+                  </a:prstGeom>
+                  <a:solidFill>
+                    <a:schemeClr val="tx1"/>
+                  </a:solidFill>
+                  <a:ln>
+                    <a:solidFill>
+                      <a:schemeClr val="tx1"/>
+                    </a:solidFill>
+                  </a:ln>
+                </p:spPr>
+                <p:style>
+                  <a:lnRef idx="2">
+                    <a:schemeClr val="accent1">
+                      <a:shade val="50000"/>
+                    </a:schemeClr>
+                  </a:lnRef>
+                  <a:fillRef idx="1">
+                    <a:schemeClr val="accent1"/>
+                  </a:fillRef>
+                  <a:effectRef idx="0">
+                    <a:schemeClr val="accent1"/>
+                  </a:effectRef>
+                  <a:fontRef idx="minor">
+                    <a:schemeClr val="lt1"/>
+                  </a:fontRef>
+                </p:style>
+                <p:txBody>
+                  <a:bodyPr rtlCol="0" anchor="ctr"/>
+                  <a:lstStyle/>
+                  <a:p>
+                    <a:pPr algn="ctr"/>
+                    <a:endParaRPr lang="en-US"/>
+                  </a:p>
+                </p:txBody>
+              </p:sp>
+              <p:sp>
+                <p:nvSpPr>
+                  <p:cNvPr id="135" name="Rounded Rectangle 134"/>
+                  <p:cNvSpPr/>
+                  <p:nvPr/>
+                </p:nvSpPr>
+                <p:spPr>
+                  <a:xfrm>
+                    <a:off x="4572000" y="2184821"/>
+                    <a:ext cx="2514600" cy="85725"/>
+                  </a:xfrm>
+                  <a:prstGeom prst="roundRect">
+                    <a:avLst/>
+                  </a:prstGeom>
+                  <a:pattFill prst="wdUpDiag">
+                    <a:fgClr>
+                      <a:srgbClr val="00B050"/>
+                    </a:fgClr>
+                    <a:bgClr>
+                      <a:schemeClr val="accent3">
+                        <a:lumMod val="40000"/>
+                        <a:lumOff val="60000"/>
+                      </a:schemeClr>
+                    </a:bgClr>
+                  </a:pattFill>
+                  <a:ln>
+                    <a:noFill/>
+                  </a:ln>
+                </p:spPr>
+                <p:style>
+                  <a:lnRef idx="2">
+                    <a:schemeClr val="accent1">
+                      <a:shade val="50000"/>
+                    </a:schemeClr>
+                  </a:lnRef>
+                  <a:fillRef idx="1">
+                    <a:schemeClr val="accent1"/>
+                  </a:fillRef>
+                  <a:effectRef idx="0">
+                    <a:schemeClr val="accent1"/>
+                  </a:effectRef>
+                  <a:fontRef idx="minor">
+                    <a:schemeClr val="lt1"/>
+                  </a:fontRef>
+                </p:style>
+                <p:txBody>
+                  <a:bodyPr rtlCol="0" anchor="ctr"/>
+                  <a:lstStyle/>
+                  <a:p>
+                    <a:pPr algn="ctr"/>
+                    <a:endParaRPr lang="en-US"/>
+                  </a:p>
+                </p:txBody>
+              </p:sp>
+            </p:grpSp>
+          </p:grpSp>
+          <p:grpSp>
+            <p:nvGrpSpPr>
+              <p:cNvPr id="178" name="Group 177"/>
+              <p:cNvGrpSpPr/>
+              <p:nvPr/>
+            </p:nvGrpSpPr>
+            <p:grpSpPr>
+              <a:xfrm>
+                <a:off x="251460" y="2380516"/>
+                <a:ext cx="2372223" cy="215444"/>
+                <a:chOff x="276306" y="2393633"/>
+                <a:chExt cx="2372223" cy="215444"/>
+              </a:xfrm>
+            </p:grpSpPr>
+            <p:sp>
+              <p:nvSpPr>
+                <p:cNvPr id="35" name="Rectangle 34"/>
+                <p:cNvSpPr/>
+                <p:nvPr/>
+              </p:nvSpPr>
+              <p:spPr>
+                <a:xfrm>
+                  <a:off x="1982962" y="2393633"/>
+                  <a:ext cx="665567" cy="215444"/>
+                </a:xfrm>
+                <a:prstGeom prst="rect">
+                  <a:avLst/>
+                </a:prstGeom>
+              </p:spPr>
+              <p:txBody>
+                <a:bodyPr wrap="none">
+                  <a:spAutoFit/>
+                </a:bodyPr>
+                <a:lstStyle/>
+                <a:p>
+                  <a:r>
+                    <a:rPr lang="en-US" sz="800" dirty="0" smtClean="0"/>
+                    <a:t>INNO setup</a:t>
+                  </a:r>
+                  <a:endParaRPr lang="en-US" sz="800" dirty="0"/>
+                </a:p>
+              </p:txBody>
+            </p:sp>
+            <p:sp>
+              <p:nvSpPr>
+                <p:cNvPr id="43" name="Rectangle 42"/>
+                <p:cNvSpPr/>
+                <p:nvPr/>
+              </p:nvSpPr>
+              <p:spPr>
+                <a:xfrm>
+                  <a:off x="1617970" y="2393633"/>
+                  <a:ext cx="412292" cy="215444"/>
+                </a:xfrm>
+                <a:prstGeom prst="rect">
+                  <a:avLst/>
+                </a:prstGeom>
+              </p:spPr>
+              <p:txBody>
+                <a:bodyPr wrap="none">
+                  <a:spAutoFit/>
+                </a:bodyPr>
+                <a:lstStyle/>
+                <a:p>
+                  <a:r>
+                    <a:rPr lang="en-US" sz="800" dirty="0" smtClean="0"/>
+                    <a:t>100%</a:t>
+                  </a:r>
+                  <a:endParaRPr lang="en-US" sz="800" dirty="0"/>
+                </a:p>
+              </p:txBody>
+            </p:sp>
+            <p:grpSp>
+              <p:nvGrpSpPr>
+                <p:cNvPr id="136" name="Group 135"/>
+                <p:cNvGrpSpPr/>
+                <p:nvPr/>
+              </p:nvGrpSpPr>
+              <p:grpSpPr>
+                <a:xfrm>
+                  <a:off x="276306" y="2453730"/>
+                  <a:ext cx="1257300" cy="95250"/>
+                  <a:chOff x="4572000" y="2176820"/>
+                  <a:chExt cx="2514600" cy="95250"/>
+                </a:xfrm>
+              </p:grpSpPr>
+              <p:sp>
+                <p:nvSpPr>
+                  <p:cNvPr id="137" name="Rounded Rectangle 136"/>
+                  <p:cNvSpPr/>
+                  <p:nvPr/>
+                </p:nvSpPr>
+                <p:spPr>
+                  <a:xfrm>
+                    <a:off x="4572000" y="2176820"/>
+                    <a:ext cx="2514600" cy="95250"/>
+                  </a:xfrm>
+                  <a:prstGeom prst="roundRect">
+                    <a:avLst/>
+                  </a:prstGeom>
+                  <a:solidFill>
+                    <a:schemeClr val="tx1"/>
+                  </a:solidFill>
+                  <a:ln>
+                    <a:solidFill>
+                      <a:schemeClr val="tx1"/>
+                    </a:solidFill>
+                  </a:ln>
+                </p:spPr>
+                <p:style>
+                  <a:lnRef idx="2">
+                    <a:schemeClr val="accent1">
+                      <a:shade val="50000"/>
+                    </a:schemeClr>
+                  </a:lnRef>
+                  <a:fillRef idx="1">
+                    <a:schemeClr val="accent1"/>
+                  </a:fillRef>
+                  <a:effectRef idx="0">
+                    <a:schemeClr val="accent1"/>
+                  </a:effectRef>
+                  <a:fontRef idx="minor">
+                    <a:schemeClr val="lt1"/>
+                  </a:fontRef>
+                </p:style>
+                <p:txBody>
+                  <a:bodyPr rtlCol="0" anchor="ctr"/>
+                  <a:lstStyle/>
+                  <a:p>
+                    <a:pPr algn="ctr"/>
+                    <a:endParaRPr lang="en-US"/>
+                  </a:p>
+                </p:txBody>
+              </p:sp>
+              <p:sp>
+                <p:nvSpPr>
+                  <p:cNvPr id="138" name="Rounded Rectangle 137"/>
+                  <p:cNvSpPr/>
+                  <p:nvPr/>
+                </p:nvSpPr>
+                <p:spPr>
+                  <a:xfrm>
+                    <a:off x="4572000" y="2184821"/>
+                    <a:ext cx="2514600" cy="85725"/>
+                  </a:xfrm>
+                  <a:prstGeom prst="roundRect">
+                    <a:avLst/>
+                  </a:prstGeom>
+                  <a:pattFill prst="wdUpDiag">
+                    <a:fgClr>
+                      <a:srgbClr val="00B050"/>
+                    </a:fgClr>
+                    <a:bgClr>
+                      <a:schemeClr val="accent3">
+                        <a:lumMod val="40000"/>
+                        <a:lumOff val="60000"/>
+                      </a:schemeClr>
+                    </a:bgClr>
+                  </a:pattFill>
+                  <a:ln>
+                    <a:noFill/>
+                  </a:ln>
+                </p:spPr>
+                <p:style>
+                  <a:lnRef idx="2">
+                    <a:schemeClr val="accent1">
+                      <a:shade val="50000"/>
+                    </a:schemeClr>
+                  </a:lnRef>
+                  <a:fillRef idx="1">
+                    <a:schemeClr val="accent1"/>
+                  </a:fillRef>
+                  <a:effectRef idx="0">
+                    <a:schemeClr val="accent1"/>
+                  </a:effectRef>
+                  <a:fontRef idx="minor">
+                    <a:schemeClr val="lt1"/>
+                  </a:fontRef>
+                </p:style>
+                <p:txBody>
+                  <a:bodyPr rtlCol="0" anchor="ctr"/>
+                  <a:lstStyle/>
+                  <a:p>
+                    <a:pPr algn="ctr"/>
+                    <a:endParaRPr lang="en-US"/>
+                  </a:p>
+                </p:txBody>
+              </p:sp>
+            </p:grpSp>
+          </p:grpSp>
+          <p:grpSp>
+            <p:nvGrpSpPr>
+              <p:cNvPr id="179" name="Group 178"/>
+              <p:cNvGrpSpPr/>
+              <p:nvPr/>
+            </p:nvGrpSpPr>
+            <p:grpSpPr>
+              <a:xfrm>
+                <a:off x="251460" y="2643917"/>
+                <a:ext cx="2090094" cy="215444"/>
+                <a:chOff x="251460" y="2681146"/>
+                <a:chExt cx="2090094" cy="215444"/>
+              </a:xfrm>
+            </p:grpSpPr>
+            <p:sp>
+              <p:nvSpPr>
+                <p:cNvPr id="8" name="Rectangle 7"/>
+                <p:cNvSpPr/>
+                <p:nvPr/>
+              </p:nvSpPr>
+              <p:spPr>
+                <a:xfrm>
+                  <a:off x="1958116" y="2681146"/>
+                  <a:ext cx="383438" cy="215444"/>
+                </a:xfrm>
+                <a:prstGeom prst="rect">
+                  <a:avLst/>
+                </a:prstGeom>
+              </p:spPr>
+              <p:txBody>
+                <a:bodyPr wrap="none">
+                  <a:spAutoFit/>
+                </a:bodyPr>
+                <a:lstStyle/>
+                <a:p>
+                  <a:r>
+                    <a:rPr lang="en-US" sz="800" dirty="0" err="1"/>
+                    <a:t>.Net</a:t>
+                  </a:r>
+                  <a:r>
+                    <a:rPr lang="en-US" sz="800" dirty="0"/>
+                    <a:t> </a:t>
+                  </a:r>
+                </a:p>
+              </p:txBody>
+            </p:sp>
+            <p:sp>
+              <p:nvSpPr>
+                <p:cNvPr id="44" name="Rectangle 43"/>
+                <p:cNvSpPr/>
+                <p:nvPr/>
+              </p:nvSpPr>
+              <p:spPr>
+                <a:xfrm>
+                  <a:off x="1593124" y="2681146"/>
+                  <a:ext cx="412292" cy="215444"/>
+                </a:xfrm>
+                <a:prstGeom prst="rect">
+                  <a:avLst/>
+                </a:prstGeom>
+              </p:spPr>
+              <p:txBody>
+                <a:bodyPr wrap="none">
+                  <a:spAutoFit/>
+                </a:bodyPr>
+                <a:lstStyle/>
+                <a:p>
+                  <a:r>
+                    <a:rPr lang="en-US" sz="800" dirty="0" smtClean="0"/>
+                    <a:t>100%</a:t>
+                  </a:r>
+                  <a:endParaRPr lang="en-US" sz="800" dirty="0"/>
+                </a:p>
+              </p:txBody>
+            </p:sp>
+            <p:grpSp>
+              <p:nvGrpSpPr>
+                <p:cNvPr id="139" name="Group 138"/>
+                <p:cNvGrpSpPr/>
+                <p:nvPr/>
+              </p:nvGrpSpPr>
+              <p:grpSpPr>
+                <a:xfrm>
+                  <a:off x="251460" y="2741243"/>
+                  <a:ext cx="1257300" cy="95250"/>
+                  <a:chOff x="4572000" y="2176820"/>
+                  <a:chExt cx="2514600" cy="95250"/>
+                </a:xfrm>
+              </p:grpSpPr>
+              <p:sp>
+                <p:nvSpPr>
+                  <p:cNvPr id="140" name="Rounded Rectangle 139"/>
+                  <p:cNvSpPr/>
+                  <p:nvPr/>
+                </p:nvSpPr>
+                <p:spPr>
+                  <a:xfrm>
+                    <a:off x="4572000" y="2176820"/>
+                    <a:ext cx="2514600" cy="95250"/>
+                  </a:xfrm>
+                  <a:prstGeom prst="roundRect">
+                    <a:avLst/>
+                  </a:prstGeom>
+                  <a:solidFill>
+                    <a:schemeClr val="tx1"/>
+                  </a:solidFill>
+                  <a:ln>
+                    <a:solidFill>
+                      <a:schemeClr val="tx1"/>
+                    </a:solidFill>
+                  </a:ln>
+                </p:spPr>
+                <p:style>
+                  <a:lnRef idx="2">
+                    <a:schemeClr val="accent1">
+                      <a:shade val="50000"/>
+                    </a:schemeClr>
+                  </a:lnRef>
+                  <a:fillRef idx="1">
+                    <a:schemeClr val="accent1"/>
+                  </a:fillRef>
+                  <a:effectRef idx="0">
+                    <a:schemeClr val="accent1"/>
+                  </a:effectRef>
+                  <a:fontRef idx="minor">
+                    <a:schemeClr val="lt1"/>
+                  </a:fontRef>
+                </p:style>
+                <p:txBody>
+                  <a:bodyPr rtlCol="0" anchor="ctr"/>
+                  <a:lstStyle/>
+                  <a:p>
+                    <a:pPr algn="ctr"/>
+                    <a:endParaRPr lang="en-US"/>
+                  </a:p>
+                </p:txBody>
+              </p:sp>
+              <p:sp>
+                <p:nvSpPr>
+                  <p:cNvPr id="141" name="Rounded Rectangle 140"/>
+                  <p:cNvSpPr/>
+                  <p:nvPr/>
+                </p:nvSpPr>
+                <p:spPr>
+                  <a:xfrm>
+                    <a:off x="4572000" y="2184821"/>
+                    <a:ext cx="2514600" cy="85725"/>
+                  </a:xfrm>
+                  <a:prstGeom prst="roundRect">
+                    <a:avLst/>
+                  </a:prstGeom>
+                  <a:pattFill prst="wdUpDiag">
+                    <a:fgClr>
+                      <a:srgbClr val="00B050"/>
+                    </a:fgClr>
+                    <a:bgClr>
+                      <a:schemeClr val="accent3">
+                        <a:lumMod val="40000"/>
+                        <a:lumOff val="60000"/>
+                      </a:schemeClr>
+                    </a:bgClr>
+                  </a:pattFill>
+                  <a:ln>
+                    <a:noFill/>
+                  </a:ln>
+                </p:spPr>
+                <p:style>
+                  <a:lnRef idx="2">
+                    <a:schemeClr val="accent1">
+                      <a:shade val="50000"/>
+                    </a:schemeClr>
+                  </a:lnRef>
+                  <a:fillRef idx="1">
+                    <a:schemeClr val="accent1"/>
+                  </a:fillRef>
+                  <a:effectRef idx="0">
+                    <a:schemeClr val="accent1"/>
+                  </a:effectRef>
+                  <a:fontRef idx="minor">
+                    <a:schemeClr val="lt1"/>
+                  </a:fontRef>
+                </p:style>
+                <p:txBody>
+                  <a:bodyPr rtlCol="0" anchor="ctr"/>
+                  <a:lstStyle/>
+                  <a:p>
+                    <a:pPr algn="ctr"/>
+                    <a:endParaRPr lang="en-US"/>
+                  </a:p>
+                </p:txBody>
+              </p:sp>
+            </p:grpSp>
+          </p:grpSp>
+          <p:grpSp>
+            <p:nvGrpSpPr>
+              <p:cNvPr id="180" name="Group 179"/>
+              <p:cNvGrpSpPr/>
+              <p:nvPr/>
+            </p:nvGrpSpPr>
+            <p:grpSpPr>
+              <a:xfrm>
+                <a:off x="251460" y="2907318"/>
+                <a:ext cx="2421916" cy="215444"/>
+                <a:chOff x="251460" y="2958289"/>
+                <a:chExt cx="2421916" cy="215444"/>
+              </a:xfrm>
+            </p:grpSpPr>
+            <p:sp>
+              <p:nvSpPr>
+                <p:cNvPr id="9" name="Rectangle 8"/>
+                <p:cNvSpPr/>
+                <p:nvPr/>
+              </p:nvSpPr>
+              <p:spPr>
+                <a:xfrm>
+                  <a:off x="1958116" y="2958289"/>
+                  <a:ext cx="715260" cy="215444"/>
+                </a:xfrm>
+                <a:prstGeom prst="rect">
+                  <a:avLst/>
+                </a:prstGeom>
+              </p:spPr>
+              <p:txBody>
+                <a:bodyPr wrap="none">
+                  <a:spAutoFit/>
+                </a:bodyPr>
+                <a:lstStyle/>
+                <a:p>
+                  <a:r>
+                    <a:rPr lang="en-US" sz="800" dirty="0"/>
+                    <a:t>ARCGIS 10.0 </a:t>
+                  </a:r>
+                </a:p>
+              </p:txBody>
+            </p:sp>
+            <p:sp>
+              <p:nvSpPr>
+                <p:cNvPr id="45" name="Rectangle 44"/>
+                <p:cNvSpPr/>
+                <p:nvPr/>
+              </p:nvSpPr>
+              <p:spPr>
+                <a:xfrm>
+                  <a:off x="1593124" y="2958289"/>
+                  <a:ext cx="412292" cy="215444"/>
+                </a:xfrm>
+                <a:prstGeom prst="rect">
+                  <a:avLst/>
+                </a:prstGeom>
+              </p:spPr>
+              <p:txBody>
+                <a:bodyPr wrap="none">
+                  <a:spAutoFit/>
+                </a:bodyPr>
+                <a:lstStyle/>
+                <a:p>
+                  <a:r>
+                    <a:rPr lang="en-US" sz="800" dirty="0" smtClean="0"/>
+                    <a:t>100%</a:t>
+                  </a:r>
+                  <a:endParaRPr lang="en-US" sz="800" dirty="0"/>
+                </a:p>
+              </p:txBody>
+            </p:sp>
+            <p:grpSp>
+              <p:nvGrpSpPr>
+                <p:cNvPr id="142" name="Group 141"/>
+                <p:cNvGrpSpPr/>
+                <p:nvPr/>
+              </p:nvGrpSpPr>
+              <p:grpSpPr>
+                <a:xfrm>
+                  <a:off x="251460" y="3018386"/>
+                  <a:ext cx="1257300" cy="95250"/>
+                  <a:chOff x="4572000" y="2176820"/>
+                  <a:chExt cx="2514600" cy="95250"/>
+                </a:xfrm>
+              </p:grpSpPr>
+              <p:sp>
+                <p:nvSpPr>
+                  <p:cNvPr id="143" name="Rounded Rectangle 142"/>
+                  <p:cNvSpPr/>
+                  <p:nvPr/>
+                </p:nvSpPr>
+                <p:spPr>
+                  <a:xfrm>
+                    <a:off x="4572000" y="2176820"/>
+                    <a:ext cx="2514600" cy="95250"/>
+                  </a:xfrm>
+                  <a:prstGeom prst="roundRect">
+                    <a:avLst/>
+                  </a:prstGeom>
+                  <a:solidFill>
+                    <a:schemeClr val="tx1"/>
+                  </a:solidFill>
+                  <a:ln>
+                    <a:solidFill>
+                      <a:schemeClr val="tx1"/>
+                    </a:solidFill>
+                  </a:ln>
+                </p:spPr>
+                <p:style>
+                  <a:lnRef idx="2">
+                    <a:schemeClr val="accent1">
+                      <a:shade val="50000"/>
+                    </a:schemeClr>
+                  </a:lnRef>
+                  <a:fillRef idx="1">
+                    <a:schemeClr val="accent1"/>
+                  </a:fillRef>
+                  <a:effectRef idx="0">
+                    <a:schemeClr val="accent1"/>
+                  </a:effectRef>
+                  <a:fontRef idx="minor">
+                    <a:schemeClr val="lt1"/>
+                  </a:fontRef>
+                </p:style>
+                <p:txBody>
+                  <a:bodyPr rtlCol="0" anchor="ctr"/>
+                  <a:lstStyle/>
+                  <a:p>
+                    <a:pPr algn="ctr"/>
+                    <a:endParaRPr lang="en-US"/>
+                  </a:p>
+                </p:txBody>
+              </p:sp>
+              <p:sp>
+                <p:nvSpPr>
+                  <p:cNvPr id="144" name="Rounded Rectangle 143"/>
+                  <p:cNvSpPr/>
+                  <p:nvPr/>
+                </p:nvSpPr>
+                <p:spPr>
+                  <a:xfrm>
+                    <a:off x="4572000" y="2184821"/>
+                    <a:ext cx="2514600" cy="85725"/>
+                  </a:xfrm>
+                  <a:prstGeom prst="roundRect">
+                    <a:avLst/>
+                  </a:prstGeom>
+                  <a:pattFill prst="wdUpDiag">
+                    <a:fgClr>
+                      <a:srgbClr val="00B050"/>
+                    </a:fgClr>
+                    <a:bgClr>
+                      <a:schemeClr val="accent3">
+                        <a:lumMod val="40000"/>
+                        <a:lumOff val="60000"/>
+                      </a:schemeClr>
+                    </a:bgClr>
+                  </a:pattFill>
+                  <a:ln>
+                    <a:noFill/>
+                  </a:ln>
+                </p:spPr>
+                <p:style>
+                  <a:lnRef idx="2">
+                    <a:schemeClr val="accent1">
+                      <a:shade val="50000"/>
+                    </a:schemeClr>
+                  </a:lnRef>
+                  <a:fillRef idx="1">
+                    <a:schemeClr val="accent1"/>
+                  </a:fillRef>
+                  <a:effectRef idx="0">
+                    <a:schemeClr val="accent1"/>
+                  </a:effectRef>
+                  <a:fontRef idx="minor">
+                    <a:schemeClr val="lt1"/>
+                  </a:fontRef>
+                </p:style>
+                <p:txBody>
+                  <a:bodyPr rtlCol="0" anchor="ctr"/>
+                  <a:lstStyle/>
+                  <a:p>
+                    <a:pPr algn="ctr"/>
+                    <a:endParaRPr lang="en-US"/>
+                  </a:p>
+                </p:txBody>
+              </p:sp>
+            </p:grpSp>
+          </p:grpSp>
+          <p:grpSp>
+            <p:nvGrpSpPr>
+              <p:cNvPr id="181" name="Group 180"/>
+              <p:cNvGrpSpPr/>
+              <p:nvPr/>
+            </p:nvGrpSpPr>
+            <p:grpSpPr>
+              <a:xfrm>
+                <a:off x="251460" y="3170719"/>
+                <a:ext cx="2115742" cy="215444"/>
+                <a:chOff x="251460" y="3183049"/>
+                <a:chExt cx="2115742" cy="215444"/>
+              </a:xfrm>
+            </p:grpSpPr>
+            <p:sp>
+              <p:nvSpPr>
+                <p:cNvPr id="11" name="Rectangle 10"/>
+                <p:cNvSpPr/>
+                <p:nvPr/>
+              </p:nvSpPr>
+              <p:spPr>
+                <a:xfrm>
+                  <a:off x="1958116" y="3183049"/>
+                  <a:ext cx="409086" cy="215444"/>
+                </a:xfrm>
+                <a:prstGeom prst="rect">
+                  <a:avLst/>
+                </a:prstGeom>
+              </p:spPr>
+              <p:txBody>
+                <a:bodyPr wrap="none">
+                  <a:spAutoFit/>
+                </a:bodyPr>
+                <a:lstStyle/>
+                <a:p>
+                  <a:r>
+                    <a:rPr lang="en-US" sz="800" dirty="0"/>
+                    <a:t>Gimp</a:t>
+                  </a:r>
+                </a:p>
+              </p:txBody>
+            </p:sp>
+            <p:sp>
+              <p:nvSpPr>
+                <p:cNvPr id="46" name="Rectangle 45"/>
+                <p:cNvSpPr/>
+                <p:nvPr/>
+              </p:nvSpPr>
+              <p:spPr>
+                <a:xfrm>
+                  <a:off x="1593124" y="3183049"/>
+                  <a:ext cx="412292" cy="215444"/>
+                </a:xfrm>
+                <a:prstGeom prst="rect">
+                  <a:avLst/>
+                </a:prstGeom>
+              </p:spPr>
+              <p:txBody>
+                <a:bodyPr wrap="none">
+                  <a:spAutoFit/>
+                </a:bodyPr>
+                <a:lstStyle/>
+                <a:p>
+                  <a:r>
+                    <a:rPr lang="en-US" sz="800" dirty="0" smtClean="0"/>
+                    <a:t>100%</a:t>
+                  </a:r>
+                  <a:endParaRPr lang="en-US" sz="800" dirty="0"/>
+                </a:p>
+              </p:txBody>
+            </p:sp>
+            <p:grpSp>
+              <p:nvGrpSpPr>
+                <p:cNvPr id="145" name="Group 144"/>
+                <p:cNvGrpSpPr/>
+                <p:nvPr/>
+              </p:nvGrpSpPr>
+              <p:grpSpPr>
+                <a:xfrm>
+                  <a:off x="251460" y="3243146"/>
+                  <a:ext cx="1257300" cy="95250"/>
+                  <a:chOff x="4572000" y="2176820"/>
+                  <a:chExt cx="2514600" cy="95250"/>
+                </a:xfrm>
+              </p:grpSpPr>
+              <p:sp>
+                <p:nvSpPr>
+                  <p:cNvPr id="146" name="Rounded Rectangle 145"/>
+                  <p:cNvSpPr/>
+                  <p:nvPr/>
+                </p:nvSpPr>
+                <p:spPr>
+                  <a:xfrm>
+                    <a:off x="4572000" y="2176820"/>
+                    <a:ext cx="2514600" cy="95250"/>
+                  </a:xfrm>
+                  <a:prstGeom prst="roundRect">
+                    <a:avLst/>
+                  </a:prstGeom>
+                  <a:solidFill>
+                    <a:schemeClr val="tx1"/>
+                  </a:solidFill>
+                  <a:ln>
+                    <a:solidFill>
+                      <a:schemeClr val="tx1"/>
+                    </a:solidFill>
+                  </a:ln>
+                </p:spPr>
+                <p:style>
+                  <a:lnRef idx="2">
+                    <a:schemeClr val="accent1">
+                      <a:shade val="50000"/>
+                    </a:schemeClr>
+                  </a:lnRef>
+                  <a:fillRef idx="1">
+                    <a:schemeClr val="accent1"/>
+                  </a:fillRef>
+                  <a:effectRef idx="0">
+                    <a:schemeClr val="accent1"/>
+                  </a:effectRef>
+                  <a:fontRef idx="minor">
+                    <a:schemeClr val="lt1"/>
+                  </a:fontRef>
+                </p:style>
+                <p:txBody>
+                  <a:bodyPr rtlCol="0" anchor="ctr"/>
+                  <a:lstStyle/>
+                  <a:p>
+                    <a:pPr algn="ctr"/>
+                    <a:endParaRPr lang="en-US"/>
+                  </a:p>
+                </p:txBody>
+              </p:sp>
+              <p:sp>
+                <p:nvSpPr>
+                  <p:cNvPr id="147" name="Rounded Rectangle 146"/>
+                  <p:cNvSpPr/>
+                  <p:nvPr/>
+                </p:nvSpPr>
+                <p:spPr>
+                  <a:xfrm>
+                    <a:off x="4572000" y="2184821"/>
+                    <a:ext cx="2514600" cy="85725"/>
+                  </a:xfrm>
+                  <a:prstGeom prst="roundRect">
+                    <a:avLst/>
+                  </a:prstGeom>
+                  <a:pattFill prst="wdUpDiag">
+                    <a:fgClr>
+                      <a:srgbClr val="00B050"/>
+                    </a:fgClr>
+                    <a:bgClr>
+                      <a:schemeClr val="accent3">
+                        <a:lumMod val="40000"/>
+                        <a:lumOff val="60000"/>
+                      </a:schemeClr>
+                    </a:bgClr>
+                  </a:pattFill>
+                  <a:ln>
+                    <a:noFill/>
+                  </a:ln>
+                </p:spPr>
+                <p:style>
+                  <a:lnRef idx="2">
+                    <a:schemeClr val="accent1">
+                      <a:shade val="50000"/>
+                    </a:schemeClr>
+                  </a:lnRef>
+                  <a:fillRef idx="1">
+                    <a:schemeClr val="accent1"/>
+                  </a:fillRef>
+                  <a:effectRef idx="0">
+                    <a:schemeClr val="accent1"/>
+                  </a:effectRef>
+                  <a:fontRef idx="minor">
+                    <a:schemeClr val="lt1"/>
+                  </a:fontRef>
+                </p:style>
+                <p:txBody>
+                  <a:bodyPr rtlCol="0" anchor="ctr"/>
+                  <a:lstStyle/>
+                  <a:p>
+                    <a:pPr algn="ctr"/>
+                    <a:endParaRPr lang="en-US"/>
+                  </a:p>
+                </p:txBody>
+              </p:sp>
+            </p:grpSp>
+          </p:grpSp>
+          <p:grpSp>
+            <p:nvGrpSpPr>
+              <p:cNvPr id="182" name="Group 181"/>
+              <p:cNvGrpSpPr/>
+              <p:nvPr/>
+            </p:nvGrpSpPr>
+            <p:grpSpPr>
+              <a:xfrm>
+                <a:off x="251460" y="3434125"/>
+                <a:ext cx="2798622" cy="215444"/>
+                <a:chOff x="251460" y="3434125"/>
+                <a:chExt cx="2798622" cy="215444"/>
+              </a:xfrm>
+            </p:grpSpPr>
+            <p:sp>
+              <p:nvSpPr>
+                <p:cNvPr id="10" name="Rectangle 9"/>
+                <p:cNvSpPr/>
+                <p:nvPr/>
+              </p:nvSpPr>
+              <p:spPr>
+                <a:xfrm>
+                  <a:off x="1958116" y="3434125"/>
+                  <a:ext cx="1091966" cy="215444"/>
+                </a:xfrm>
+                <a:prstGeom prst="rect">
+                  <a:avLst/>
+                </a:prstGeom>
+              </p:spPr>
+              <p:txBody>
+                <a:bodyPr wrap="none">
+                  <a:spAutoFit/>
+                </a:bodyPr>
+                <a:lstStyle/>
+                <a:p>
+                  <a:r>
+                    <a:rPr lang="en-US" sz="800" dirty="0"/>
+                    <a:t>Microsoft Office tools</a:t>
+                  </a:r>
+                </a:p>
+              </p:txBody>
+            </p:sp>
+            <p:sp>
+              <p:nvSpPr>
+                <p:cNvPr id="47" name="Rectangle 46"/>
+                <p:cNvSpPr/>
+                <p:nvPr/>
+              </p:nvSpPr>
+              <p:spPr>
+                <a:xfrm>
+                  <a:off x="1593124" y="3434125"/>
+                  <a:ext cx="412292" cy="215444"/>
+                </a:xfrm>
+                <a:prstGeom prst="rect">
+                  <a:avLst/>
+                </a:prstGeom>
+              </p:spPr>
+              <p:txBody>
+                <a:bodyPr wrap="none">
+                  <a:spAutoFit/>
+                </a:bodyPr>
+                <a:lstStyle/>
+                <a:p>
+                  <a:r>
+                    <a:rPr lang="en-US" sz="800" dirty="0" smtClean="0"/>
+                    <a:t>100%</a:t>
+                  </a:r>
+                  <a:endParaRPr lang="en-US" sz="800" dirty="0"/>
+                </a:p>
+              </p:txBody>
+            </p:sp>
+            <p:grpSp>
+              <p:nvGrpSpPr>
+                <p:cNvPr id="148" name="Group 147"/>
+                <p:cNvGrpSpPr/>
+                <p:nvPr/>
+              </p:nvGrpSpPr>
+              <p:grpSpPr>
+                <a:xfrm>
+                  <a:off x="251460" y="3494222"/>
+                  <a:ext cx="1257300" cy="95250"/>
+                  <a:chOff x="4572000" y="2176820"/>
+                  <a:chExt cx="2514600" cy="95250"/>
+                </a:xfrm>
+              </p:grpSpPr>
+              <p:sp>
+                <p:nvSpPr>
+                  <p:cNvPr id="149" name="Rounded Rectangle 148"/>
+                  <p:cNvSpPr/>
+                  <p:nvPr/>
+                </p:nvSpPr>
+                <p:spPr>
+                  <a:xfrm>
+                    <a:off x="4572000" y="2176820"/>
+                    <a:ext cx="2514600" cy="95250"/>
+                  </a:xfrm>
+                  <a:prstGeom prst="roundRect">
+                    <a:avLst/>
+                  </a:prstGeom>
+                  <a:solidFill>
+                    <a:schemeClr val="tx1"/>
+                  </a:solidFill>
+                  <a:ln>
+                    <a:solidFill>
+                      <a:schemeClr val="tx1"/>
+                    </a:solidFill>
+                  </a:ln>
+                </p:spPr>
+                <p:style>
+                  <a:lnRef idx="2">
+                    <a:schemeClr val="accent1">
+                      <a:shade val="50000"/>
+                    </a:schemeClr>
+                  </a:lnRef>
+                  <a:fillRef idx="1">
+                    <a:schemeClr val="accent1"/>
+                  </a:fillRef>
+                  <a:effectRef idx="0">
+                    <a:schemeClr val="accent1"/>
+                  </a:effectRef>
+                  <a:fontRef idx="minor">
+                    <a:schemeClr val="lt1"/>
+                  </a:fontRef>
+                </p:style>
+                <p:txBody>
+                  <a:bodyPr rtlCol="0" anchor="ctr"/>
+                  <a:lstStyle/>
+                  <a:p>
+                    <a:pPr algn="ctr"/>
+                    <a:endParaRPr lang="en-US"/>
+                  </a:p>
+                </p:txBody>
+              </p:sp>
+              <p:sp>
+                <p:nvSpPr>
+                  <p:cNvPr id="150" name="Rounded Rectangle 149"/>
+                  <p:cNvSpPr/>
+                  <p:nvPr/>
+                </p:nvSpPr>
+                <p:spPr>
+                  <a:xfrm>
+                    <a:off x="4572000" y="2184821"/>
+                    <a:ext cx="2514600" cy="85725"/>
+                  </a:xfrm>
+                  <a:prstGeom prst="roundRect">
+                    <a:avLst/>
+                  </a:prstGeom>
+                  <a:pattFill prst="wdUpDiag">
+                    <a:fgClr>
+                      <a:srgbClr val="00B050"/>
+                    </a:fgClr>
+                    <a:bgClr>
+                      <a:schemeClr val="accent3">
+                        <a:lumMod val="40000"/>
+                        <a:lumOff val="60000"/>
+                      </a:schemeClr>
+                    </a:bgClr>
+                  </a:pattFill>
+                  <a:ln>
+                    <a:noFill/>
+                  </a:ln>
+                </p:spPr>
+                <p:style>
+                  <a:lnRef idx="2">
+                    <a:schemeClr val="accent1">
+                      <a:shade val="50000"/>
+                    </a:schemeClr>
+                  </a:lnRef>
+                  <a:fillRef idx="1">
+                    <a:schemeClr val="accent1"/>
+                  </a:fillRef>
+                  <a:effectRef idx="0">
+                    <a:schemeClr val="accent1"/>
+                  </a:effectRef>
+                  <a:fontRef idx="minor">
+                    <a:schemeClr val="lt1"/>
+                  </a:fontRef>
+                </p:style>
+                <p:txBody>
+                  <a:bodyPr rtlCol="0" anchor="ctr"/>
+                  <a:lstStyle/>
+                  <a:p>
+                    <a:pPr algn="ctr"/>
+                    <a:endParaRPr lang="en-US"/>
+                  </a:p>
+                </p:txBody>
+              </p:sp>
+            </p:grpSp>
+          </p:grpSp>
+        </p:grpSp>
+        <p:grpSp>
+          <p:nvGrpSpPr>
+            <p:cNvPr id="193" name="Group 192"/>
+            <p:cNvGrpSpPr/>
+            <p:nvPr/>
+          </p:nvGrpSpPr>
+          <p:grpSpPr>
+            <a:xfrm>
+              <a:off x="3440705" y="528488"/>
+              <a:ext cx="2346167" cy="1986112"/>
+              <a:chOff x="3440705" y="528488"/>
+              <a:chExt cx="2346167" cy="1986112"/>
+            </a:xfrm>
+          </p:grpSpPr>
+          <p:grpSp>
+            <p:nvGrpSpPr>
+              <p:cNvPr id="184" name="Group 183"/>
+              <p:cNvGrpSpPr/>
+              <p:nvPr/>
+            </p:nvGrpSpPr>
+            <p:grpSpPr>
+              <a:xfrm>
+                <a:off x="3440705" y="528488"/>
+                <a:ext cx="1989819" cy="215444"/>
+                <a:chOff x="3440705" y="528488"/>
+                <a:chExt cx="1989819" cy="215444"/>
+              </a:xfrm>
+            </p:grpSpPr>
+            <p:sp>
+              <p:nvSpPr>
+                <p:cNvPr id="75" name="Rectangle 74"/>
+                <p:cNvSpPr/>
+                <p:nvPr/>
+              </p:nvSpPr>
+              <p:spPr>
+                <a:xfrm>
+                  <a:off x="4833909" y="528488"/>
+                  <a:ext cx="360996" cy="215444"/>
+                </a:xfrm>
+                <a:prstGeom prst="rect">
+                  <a:avLst/>
+                </a:prstGeom>
+              </p:spPr>
+              <p:txBody>
+                <a:bodyPr wrap="none">
+                  <a:spAutoFit/>
+                </a:bodyPr>
+                <a:lstStyle/>
+                <a:p>
+                  <a:r>
+                    <a:rPr lang="en-US" sz="800" dirty="0" smtClean="0"/>
+                    <a:t>50%</a:t>
+                  </a:r>
+                  <a:endParaRPr lang="en-US" sz="800" dirty="0"/>
+                </a:p>
+              </p:txBody>
+            </p:sp>
+            <p:sp>
+              <p:nvSpPr>
+                <p:cNvPr id="76" name="Rectangle 75"/>
+                <p:cNvSpPr/>
+                <p:nvPr/>
+              </p:nvSpPr>
+              <p:spPr>
+                <a:xfrm>
+                  <a:off x="5191356" y="528488"/>
+                  <a:ext cx="239168" cy="215444"/>
+                </a:xfrm>
+                <a:prstGeom prst="rect">
+                  <a:avLst/>
+                </a:prstGeom>
+              </p:spPr>
+              <p:txBody>
+                <a:bodyPr wrap="none">
+                  <a:spAutoFit/>
+                </a:bodyPr>
+                <a:lstStyle/>
+                <a:p>
+                  <a:r>
+                    <a:rPr lang="en-US" sz="800" dirty="0" smtClean="0"/>
+                    <a:t>C</a:t>
+                  </a:r>
+                  <a:endParaRPr lang="en-US" sz="800" dirty="0"/>
+                </a:p>
+              </p:txBody>
+            </p:sp>
+            <p:grpSp>
+              <p:nvGrpSpPr>
+                <p:cNvPr id="112" name="Group 111"/>
+                <p:cNvGrpSpPr/>
+                <p:nvPr/>
+              </p:nvGrpSpPr>
+              <p:grpSpPr>
+                <a:xfrm>
+                  <a:off x="3440705" y="588585"/>
+                  <a:ext cx="1257544" cy="95250"/>
+                  <a:chOff x="4571513" y="1291709"/>
+                  <a:chExt cx="2515087" cy="95250"/>
+                </a:xfrm>
+              </p:grpSpPr>
+              <p:sp>
+                <p:nvSpPr>
+                  <p:cNvPr id="113" name="Rounded Rectangle 112"/>
+                  <p:cNvSpPr/>
+                  <p:nvPr/>
+                </p:nvSpPr>
+                <p:spPr>
+                  <a:xfrm>
+                    <a:off x="4572000" y="1291709"/>
+                    <a:ext cx="2514600" cy="95250"/>
+                  </a:xfrm>
+                  <a:prstGeom prst="roundRect">
+                    <a:avLst/>
+                  </a:prstGeom>
+                  <a:solidFill>
+                    <a:schemeClr val="tx1"/>
+                  </a:solidFill>
+                  <a:ln>
+                    <a:solidFill>
+                      <a:schemeClr val="tx1"/>
+                    </a:solidFill>
+                  </a:ln>
+                </p:spPr>
+                <p:style>
+                  <a:lnRef idx="2">
+                    <a:schemeClr val="accent1">
+                      <a:shade val="50000"/>
+                    </a:schemeClr>
+                  </a:lnRef>
+                  <a:fillRef idx="1">
+                    <a:schemeClr val="accent1"/>
+                  </a:fillRef>
+                  <a:effectRef idx="0">
+                    <a:schemeClr val="accent1"/>
+                  </a:effectRef>
+                  <a:fontRef idx="minor">
+                    <a:schemeClr val="lt1"/>
+                  </a:fontRef>
+                </p:style>
+                <p:txBody>
+                  <a:bodyPr rtlCol="0" anchor="ctr"/>
+                  <a:lstStyle/>
+                  <a:p>
+                    <a:pPr algn="ctr"/>
+                    <a:endParaRPr lang="en-US"/>
+                  </a:p>
+                </p:txBody>
+              </p:sp>
+              <p:sp>
+                <p:nvSpPr>
+                  <p:cNvPr id="114" name="Rounded Rectangle 113"/>
+                  <p:cNvSpPr/>
+                  <p:nvPr/>
+                </p:nvSpPr>
+                <p:spPr>
+                  <a:xfrm>
+                    <a:off x="4571513" y="1295400"/>
+                    <a:ext cx="1261872" cy="85725"/>
+                  </a:xfrm>
+                  <a:prstGeom prst="roundRect">
+                    <a:avLst/>
+                  </a:prstGeom>
+                  <a:pattFill prst="wdUpDiag">
+                    <a:fgClr>
+                      <a:srgbClr val="FFC000"/>
+                    </a:fgClr>
+                    <a:bgClr>
+                      <a:srgbClr val="FFFF00"/>
+                    </a:bgClr>
+                  </a:pattFill>
+                  <a:ln>
+                    <a:noFill/>
+                  </a:ln>
+                </p:spPr>
+                <p:style>
+                  <a:lnRef idx="2">
+                    <a:schemeClr val="accent1">
+                      <a:shade val="50000"/>
+                    </a:schemeClr>
+                  </a:lnRef>
+                  <a:fillRef idx="1">
+                    <a:schemeClr val="accent1"/>
+                  </a:fillRef>
+                  <a:effectRef idx="0">
+                    <a:schemeClr val="accent1"/>
+                  </a:effectRef>
+                  <a:fontRef idx="minor">
+                    <a:schemeClr val="lt1"/>
+                  </a:fontRef>
+                </p:style>
+                <p:txBody>
+                  <a:bodyPr rtlCol="0" anchor="ctr"/>
+                  <a:lstStyle/>
+                  <a:p>
+                    <a:pPr algn="ctr"/>
+                    <a:endParaRPr lang="en-US"/>
+                  </a:p>
+                </p:txBody>
+              </p:sp>
+            </p:grpSp>
+          </p:grpSp>
+          <p:grpSp>
+            <p:nvGrpSpPr>
+              <p:cNvPr id="189" name="Group 188"/>
+              <p:cNvGrpSpPr/>
+              <p:nvPr/>
+            </p:nvGrpSpPr>
+            <p:grpSpPr>
+              <a:xfrm>
+                <a:off x="3440705" y="1793253"/>
+                <a:ext cx="2094015" cy="215444"/>
+                <a:chOff x="3440705" y="2086324"/>
+                <a:chExt cx="2094015" cy="215444"/>
+              </a:xfrm>
+            </p:grpSpPr>
+            <p:sp>
+              <p:nvSpPr>
+                <p:cNvPr id="96" name="Rectangle 95"/>
+                <p:cNvSpPr/>
+                <p:nvPr/>
+              </p:nvSpPr>
+              <p:spPr>
+                <a:xfrm>
+                  <a:off x="4833909" y="2086324"/>
+                  <a:ext cx="360996" cy="215444"/>
+                </a:xfrm>
+                <a:prstGeom prst="rect">
+                  <a:avLst/>
+                </a:prstGeom>
+              </p:spPr>
+              <p:txBody>
+                <a:bodyPr wrap="none">
+                  <a:spAutoFit/>
+                </a:bodyPr>
+                <a:lstStyle/>
+                <a:p>
+                  <a:r>
+                    <a:rPr lang="en-US" sz="800" dirty="0" smtClean="0"/>
+                    <a:t>25%</a:t>
+                  </a:r>
+                  <a:endParaRPr lang="en-US" sz="800" dirty="0"/>
+                </a:p>
+              </p:txBody>
+            </p:sp>
+            <p:sp>
+              <p:nvSpPr>
+                <p:cNvPr id="151" name="Rectangle 150"/>
+                <p:cNvSpPr/>
+                <p:nvPr/>
+              </p:nvSpPr>
+              <p:spPr>
+                <a:xfrm>
+                  <a:off x="5191356" y="2086324"/>
+                  <a:ext cx="343364" cy="215444"/>
+                </a:xfrm>
+                <a:prstGeom prst="rect">
+                  <a:avLst/>
+                </a:prstGeom>
+              </p:spPr>
+              <p:txBody>
+                <a:bodyPr wrap="none">
+                  <a:spAutoFit/>
+                </a:bodyPr>
+                <a:lstStyle/>
+                <a:p>
+                  <a:r>
+                    <a:rPr lang="en-US" sz="800" dirty="0" smtClean="0"/>
+                    <a:t>SQL</a:t>
+                  </a:r>
+                  <a:endParaRPr lang="en-US" sz="800" dirty="0"/>
+                </a:p>
+              </p:txBody>
+            </p:sp>
+            <p:grpSp>
+              <p:nvGrpSpPr>
+                <p:cNvPr id="152" name="Group 151"/>
+                <p:cNvGrpSpPr/>
+                <p:nvPr/>
+              </p:nvGrpSpPr>
+              <p:grpSpPr>
+                <a:xfrm>
+                  <a:off x="3440705" y="2146421"/>
+                  <a:ext cx="1257300" cy="95250"/>
+                  <a:chOff x="4572000" y="978930"/>
+                  <a:chExt cx="2514600" cy="95250"/>
+                </a:xfrm>
+              </p:grpSpPr>
+              <p:sp>
+                <p:nvSpPr>
+                  <p:cNvPr id="153" name="Rounded Rectangle 152"/>
+                  <p:cNvSpPr/>
+                  <p:nvPr/>
+                </p:nvSpPr>
+                <p:spPr>
+                  <a:xfrm>
+                    <a:off x="4572000" y="978930"/>
+                    <a:ext cx="2514600" cy="95250"/>
+                  </a:xfrm>
+                  <a:prstGeom prst="roundRect">
+                    <a:avLst/>
+                  </a:prstGeom>
+                  <a:solidFill>
+                    <a:schemeClr val="tx1"/>
+                  </a:solidFill>
+                  <a:ln>
+                    <a:solidFill>
+                      <a:schemeClr val="tx1"/>
+                    </a:solidFill>
+                  </a:ln>
+                </p:spPr>
+                <p:style>
+                  <a:lnRef idx="2">
+                    <a:schemeClr val="accent1">
+                      <a:shade val="50000"/>
+                    </a:schemeClr>
+                  </a:lnRef>
+                  <a:fillRef idx="1">
+                    <a:schemeClr val="accent1"/>
+                  </a:fillRef>
+                  <a:effectRef idx="0">
+                    <a:schemeClr val="accent1"/>
+                  </a:effectRef>
+                  <a:fontRef idx="minor">
+                    <a:schemeClr val="lt1"/>
+                  </a:fontRef>
+                </p:style>
+                <p:txBody>
+                  <a:bodyPr rtlCol="0" anchor="ctr"/>
+                  <a:lstStyle/>
+                  <a:p>
+                    <a:pPr algn="ctr"/>
+                    <a:endParaRPr lang="en-US"/>
+                  </a:p>
+                </p:txBody>
+              </p:sp>
+              <p:sp>
+                <p:nvSpPr>
+                  <p:cNvPr id="154" name="Rounded Rectangle 153"/>
+                  <p:cNvSpPr/>
+                  <p:nvPr/>
+                </p:nvSpPr>
+                <p:spPr>
+                  <a:xfrm>
+                    <a:off x="4572000" y="983692"/>
+                    <a:ext cx="630936" cy="85725"/>
+                  </a:xfrm>
+                  <a:prstGeom prst="roundRect">
+                    <a:avLst/>
+                  </a:prstGeom>
+                  <a:pattFill prst="wdUpDiag">
+                    <a:fgClr>
+                      <a:schemeClr val="accent2">
+                        <a:lumMod val="60000"/>
+                        <a:lumOff val="40000"/>
+                      </a:schemeClr>
+                    </a:fgClr>
+                    <a:bgClr>
+                      <a:schemeClr val="accent2">
+                        <a:lumMod val="20000"/>
+                        <a:lumOff val="80000"/>
+                      </a:schemeClr>
+                    </a:bgClr>
+                  </a:pattFill>
+                  <a:ln>
+                    <a:noFill/>
+                  </a:ln>
+                </p:spPr>
+                <p:style>
+                  <a:lnRef idx="2">
+                    <a:schemeClr val="accent1">
+                      <a:shade val="50000"/>
+                    </a:schemeClr>
+                  </a:lnRef>
+                  <a:fillRef idx="1">
+                    <a:schemeClr val="accent1"/>
+                  </a:fillRef>
+                  <a:effectRef idx="0">
+                    <a:schemeClr val="accent1"/>
+                  </a:effectRef>
+                  <a:fontRef idx="minor">
+                    <a:schemeClr val="lt1"/>
+                  </a:fontRef>
+                </p:style>
+                <p:txBody>
+                  <a:bodyPr rtlCol="0" anchor="ctr"/>
+                  <a:lstStyle/>
+                  <a:p>
+                    <a:pPr algn="ctr"/>
+                    <a:endParaRPr lang="en-US"/>
+                  </a:p>
+                </p:txBody>
+              </p:sp>
+            </p:grpSp>
+          </p:grpSp>
+          <p:grpSp>
+            <p:nvGrpSpPr>
+              <p:cNvPr id="185" name="Group 184"/>
+              <p:cNvGrpSpPr/>
+              <p:nvPr/>
+            </p:nvGrpSpPr>
+            <p:grpSpPr>
+              <a:xfrm>
+                <a:off x="3440705" y="781441"/>
+                <a:ext cx="2146868" cy="215444"/>
+                <a:chOff x="3474414" y="846211"/>
+                <a:chExt cx="2146868" cy="215444"/>
+              </a:xfrm>
+            </p:grpSpPr>
+            <p:sp>
+              <p:nvSpPr>
+                <p:cNvPr id="80" name="Rectangle 79"/>
+                <p:cNvSpPr/>
+                <p:nvPr/>
+              </p:nvSpPr>
+              <p:spPr>
+                <a:xfrm>
+                  <a:off x="4833909" y="846211"/>
+                  <a:ext cx="360996" cy="215444"/>
+                </a:xfrm>
+                <a:prstGeom prst="rect">
+                  <a:avLst/>
+                </a:prstGeom>
+              </p:spPr>
+              <p:txBody>
+                <a:bodyPr wrap="none">
+                  <a:spAutoFit/>
+                </a:bodyPr>
+                <a:lstStyle/>
+                <a:p>
+                  <a:r>
+                    <a:rPr lang="en-US" sz="800" dirty="0" smtClean="0"/>
+                    <a:t>50%</a:t>
+                  </a:r>
+                  <a:endParaRPr lang="en-US" sz="800" dirty="0"/>
+                </a:p>
+              </p:txBody>
+            </p:sp>
+            <p:sp>
+              <p:nvSpPr>
+                <p:cNvPr id="81" name="Rectangle 80"/>
+                <p:cNvSpPr/>
+                <p:nvPr/>
+              </p:nvSpPr>
+              <p:spPr>
+                <a:xfrm>
+                  <a:off x="5191356" y="846211"/>
+                  <a:ext cx="429926" cy="215444"/>
+                </a:xfrm>
+                <a:prstGeom prst="rect">
+                  <a:avLst/>
+                </a:prstGeom>
+              </p:spPr>
+              <p:txBody>
+                <a:bodyPr wrap="none">
+                  <a:spAutoFit/>
+                </a:bodyPr>
+                <a:lstStyle/>
+                <a:p>
+                  <a:r>
+                    <a:rPr lang="en-US" sz="800" dirty="0" smtClean="0"/>
+                    <a:t>HTML</a:t>
+                  </a:r>
+                  <a:endParaRPr lang="en-US" sz="800" dirty="0"/>
+                </a:p>
+              </p:txBody>
+            </p:sp>
+            <p:grpSp>
+              <p:nvGrpSpPr>
+                <p:cNvPr id="160" name="Group 159"/>
+                <p:cNvGrpSpPr/>
+                <p:nvPr/>
+              </p:nvGrpSpPr>
+              <p:grpSpPr>
+                <a:xfrm>
+                  <a:off x="3474414" y="906308"/>
+                  <a:ext cx="1257544" cy="95250"/>
+                  <a:chOff x="4571513" y="1291709"/>
+                  <a:chExt cx="2515087" cy="95250"/>
+                </a:xfrm>
+              </p:grpSpPr>
+              <p:sp>
+                <p:nvSpPr>
+                  <p:cNvPr id="161" name="Rounded Rectangle 160"/>
+                  <p:cNvSpPr/>
+                  <p:nvPr/>
+                </p:nvSpPr>
+                <p:spPr>
+                  <a:xfrm>
+                    <a:off x="4572000" y="1291709"/>
+                    <a:ext cx="2514600" cy="95250"/>
+                  </a:xfrm>
+                  <a:prstGeom prst="roundRect">
+                    <a:avLst/>
+                  </a:prstGeom>
+                  <a:solidFill>
+                    <a:schemeClr val="tx1"/>
+                  </a:solidFill>
+                  <a:ln>
+                    <a:solidFill>
+                      <a:schemeClr val="tx1"/>
+                    </a:solidFill>
+                  </a:ln>
+                </p:spPr>
+                <p:style>
+                  <a:lnRef idx="2">
+                    <a:schemeClr val="accent1">
+                      <a:shade val="50000"/>
+                    </a:schemeClr>
+                  </a:lnRef>
+                  <a:fillRef idx="1">
+                    <a:schemeClr val="accent1"/>
+                  </a:fillRef>
+                  <a:effectRef idx="0">
+                    <a:schemeClr val="accent1"/>
+                  </a:effectRef>
+                  <a:fontRef idx="minor">
+                    <a:schemeClr val="lt1"/>
+                  </a:fontRef>
+                </p:style>
+                <p:txBody>
+                  <a:bodyPr rtlCol="0" anchor="ctr"/>
+                  <a:lstStyle/>
+                  <a:p>
+                    <a:pPr algn="ctr"/>
+                    <a:endParaRPr lang="en-US"/>
+                  </a:p>
+                </p:txBody>
+              </p:sp>
+              <p:sp>
+                <p:nvSpPr>
+                  <p:cNvPr id="162" name="Rounded Rectangle 161"/>
+                  <p:cNvSpPr/>
+                  <p:nvPr/>
+                </p:nvSpPr>
+                <p:spPr>
+                  <a:xfrm>
+                    <a:off x="4571513" y="1295400"/>
+                    <a:ext cx="1261872" cy="85725"/>
+                  </a:xfrm>
+                  <a:prstGeom prst="roundRect">
+                    <a:avLst/>
+                  </a:prstGeom>
+                  <a:pattFill prst="wdUpDiag">
+                    <a:fgClr>
+                      <a:srgbClr val="FFC000"/>
+                    </a:fgClr>
+                    <a:bgClr>
+                      <a:srgbClr val="FFFF00"/>
+                    </a:bgClr>
+                  </a:pattFill>
+                  <a:ln>
+                    <a:noFill/>
+                  </a:ln>
+                </p:spPr>
+                <p:style>
+                  <a:lnRef idx="2">
+                    <a:schemeClr val="accent1">
+                      <a:shade val="50000"/>
+                    </a:schemeClr>
+                  </a:lnRef>
+                  <a:fillRef idx="1">
+                    <a:schemeClr val="accent1"/>
+                  </a:fillRef>
+                  <a:effectRef idx="0">
+                    <a:schemeClr val="accent1"/>
+                  </a:effectRef>
+                  <a:fontRef idx="minor">
+                    <a:schemeClr val="lt1"/>
+                  </a:fontRef>
+                </p:style>
+                <p:txBody>
+                  <a:bodyPr rtlCol="0" anchor="ctr"/>
+                  <a:lstStyle/>
+                  <a:p>
+                    <a:pPr algn="ctr"/>
+                    <a:endParaRPr lang="en-US"/>
+                  </a:p>
+                </p:txBody>
+              </p:sp>
+            </p:grpSp>
+          </p:grpSp>
+          <p:grpSp>
+            <p:nvGrpSpPr>
+              <p:cNvPr id="186" name="Group 185"/>
+              <p:cNvGrpSpPr/>
+              <p:nvPr/>
+            </p:nvGrpSpPr>
+            <p:grpSpPr>
+              <a:xfrm>
+                <a:off x="3440705" y="1034394"/>
+                <a:ext cx="2080629" cy="215444"/>
+                <a:chOff x="3442869" y="1181435"/>
+                <a:chExt cx="2080629" cy="215444"/>
+              </a:xfrm>
+            </p:grpSpPr>
+            <p:sp>
+              <p:nvSpPr>
+                <p:cNvPr id="85" name="Rectangle 84"/>
+                <p:cNvSpPr/>
+                <p:nvPr/>
+              </p:nvSpPr>
+              <p:spPr>
+                <a:xfrm>
+                  <a:off x="4833909" y="1181435"/>
+                  <a:ext cx="360996" cy="215444"/>
+                </a:xfrm>
+                <a:prstGeom prst="rect">
+                  <a:avLst/>
+                </a:prstGeom>
+              </p:spPr>
+              <p:txBody>
+                <a:bodyPr wrap="none">
+                  <a:spAutoFit/>
+                </a:bodyPr>
+                <a:lstStyle/>
+                <a:p>
+                  <a:r>
+                    <a:rPr lang="en-US" sz="800" dirty="0" smtClean="0"/>
+                    <a:t>50%</a:t>
+                  </a:r>
+                  <a:endParaRPr lang="en-US" sz="800" dirty="0"/>
+                </a:p>
+              </p:txBody>
+            </p:sp>
+            <p:sp>
+              <p:nvSpPr>
+                <p:cNvPr id="86" name="Rectangle 85"/>
+                <p:cNvSpPr/>
+                <p:nvPr/>
+              </p:nvSpPr>
+              <p:spPr>
+                <a:xfrm>
+                  <a:off x="5191356" y="1181435"/>
+                  <a:ext cx="332142" cy="215444"/>
+                </a:xfrm>
+                <a:prstGeom prst="rect">
+                  <a:avLst/>
+                </a:prstGeom>
+              </p:spPr>
+              <p:txBody>
+                <a:bodyPr wrap="none">
+                  <a:spAutoFit/>
+                </a:bodyPr>
+                <a:lstStyle/>
+                <a:p>
+                  <a:r>
+                    <a:rPr lang="en-US" sz="800" dirty="0" smtClean="0"/>
+                    <a:t>CSS</a:t>
+                  </a:r>
+                  <a:endParaRPr lang="en-US" sz="800" dirty="0"/>
+                </a:p>
+              </p:txBody>
+            </p:sp>
+            <p:grpSp>
+              <p:nvGrpSpPr>
+                <p:cNvPr id="163" name="Group 162"/>
+                <p:cNvGrpSpPr/>
+                <p:nvPr/>
+              </p:nvGrpSpPr>
+              <p:grpSpPr>
+                <a:xfrm>
+                  <a:off x="3442869" y="1241532"/>
+                  <a:ext cx="1257544" cy="95250"/>
+                  <a:chOff x="4571513" y="1291709"/>
+                  <a:chExt cx="2515087" cy="95250"/>
+                </a:xfrm>
+              </p:grpSpPr>
+              <p:sp>
+                <p:nvSpPr>
+                  <p:cNvPr id="164" name="Rounded Rectangle 163"/>
+                  <p:cNvSpPr/>
+                  <p:nvPr/>
+                </p:nvSpPr>
+                <p:spPr>
+                  <a:xfrm>
+                    <a:off x="4572000" y="1291709"/>
+                    <a:ext cx="2514600" cy="95250"/>
+                  </a:xfrm>
+                  <a:prstGeom prst="roundRect">
+                    <a:avLst/>
+                  </a:prstGeom>
+                  <a:solidFill>
+                    <a:schemeClr val="tx1"/>
+                  </a:solidFill>
+                  <a:ln>
+                    <a:solidFill>
+                      <a:schemeClr val="tx1"/>
+                    </a:solidFill>
+                  </a:ln>
+                </p:spPr>
+                <p:style>
+                  <a:lnRef idx="2">
+                    <a:schemeClr val="accent1">
+                      <a:shade val="50000"/>
+                    </a:schemeClr>
+                  </a:lnRef>
+                  <a:fillRef idx="1">
+                    <a:schemeClr val="accent1"/>
+                  </a:fillRef>
+                  <a:effectRef idx="0">
+                    <a:schemeClr val="accent1"/>
+                  </a:effectRef>
+                  <a:fontRef idx="minor">
+                    <a:schemeClr val="lt1"/>
+                  </a:fontRef>
+                </p:style>
+                <p:txBody>
+                  <a:bodyPr rtlCol="0" anchor="ctr"/>
+                  <a:lstStyle/>
+                  <a:p>
+                    <a:pPr algn="ctr"/>
+                    <a:endParaRPr lang="en-US"/>
+                  </a:p>
+                </p:txBody>
+              </p:sp>
+              <p:sp>
+                <p:nvSpPr>
+                  <p:cNvPr id="165" name="Rounded Rectangle 164"/>
+                  <p:cNvSpPr/>
+                  <p:nvPr/>
+                </p:nvSpPr>
+                <p:spPr>
+                  <a:xfrm>
+                    <a:off x="4571513" y="1295400"/>
+                    <a:ext cx="1261872" cy="85725"/>
+                  </a:xfrm>
+                  <a:prstGeom prst="roundRect">
+                    <a:avLst/>
+                  </a:prstGeom>
+                  <a:pattFill prst="wdUpDiag">
+                    <a:fgClr>
+                      <a:srgbClr val="FFC000"/>
+                    </a:fgClr>
+                    <a:bgClr>
+                      <a:srgbClr val="FFFF00"/>
+                    </a:bgClr>
+                  </a:pattFill>
+                  <a:ln>
+                    <a:noFill/>
+                  </a:ln>
+                </p:spPr>
+                <p:style>
+                  <a:lnRef idx="2">
+                    <a:schemeClr val="accent1">
+                      <a:shade val="50000"/>
+                    </a:schemeClr>
+                  </a:lnRef>
+                  <a:fillRef idx="1">
+                    <a:schemeClr val="accent1"/>
+                  </a:fillRef>
+                  <a:effectRef idx="0">
+                    <a:schemeClr val="accent1"/>
+                  </a:effectRef>
+                  <a:fontRef idx="minor">
+                    <a:schemeClr val="lt1"/>
+                  </a:fontRef>
+                </p:style>
+                <p:txBody>
+                  <a:bodyPr rtlCol="0" anchor="ctr"/>
+                  <a:lstStyle/>
+                  <a:p>
+                    <a:pPr algn="ctr"/>
+                    <a:endParaRPr lang="en-US"/>
+                  </a:p>
+                </p:txBody>
+              </p:sp>
+            </p:grpSp>
+          </p:grpSp>
+          <p:grpSp>
+            <p:nvGrpSpPr>
+              <p:cNvPr id="187" name="Group 186"/>
+              <p:cNvGrpSpPr/>
+              <p:nvPr/>
+            </p:nvGrpSpPr>
+            <p:grpSpPr>
+              <a:xfrm>
+                <a:off x="3440705" y="1287347"/>
+                <a:ext cx="2346167" cy="215444"/>
+                <a:chOff x="3445033" y="1487723"/>
+                <a:chExt cx="2346167" cy="215444"/>
+              </a:xfrm>
+            </p:grpSpPr>
+            <p:sp>
+              <p:nvSpPr>
+                <p:cNvPr id="90" name="Rectangle 89"/>
+                <p:cNvSpPr/>
+                <p:nvPr/>
+              </p:nvSpPr>
+              <p:spPr>
+                <a:xfrm>
+                  <a:off x="4833909" y="1487723"/>
+                  <a:ext cx="360996" cy="215444"/>
+                </a:xfrm>
+                <a:prstGeom prst="rect">
+                  <a:avLst/>
+                </a:prstGeom>
+              </p:spPr>
+              <p:txBody>
+                <a:bodyPr wrap="none">
+                  <a:spAutoFit/>
+                </a:bodyPr>
+                <a:lstStyle/>
+                <a:p>
+                  <a:r>
+                    <a:rPr lang="en-US" sz="800" dirty="0" smtClean="0"/>
+                    <a:t>50%</a:t>
+                  </a:r>
+                  <a:endParaRPr lang="en-US" sz="800" dirty="0"/>
+                </a:p>
+              </p:txBody>
+            </p:sp>
+            <p:sp>
+              <p:nvSpPr>
+                <p:cNvPr id="91" name="Rectangle 90"/>
+                <p:cNvSpPr/>
+                <p:nvPr/>
+              </p:nvSpPr>
+              <p:spPr>
+                <a:xfrm>
+                  <a:off x="5191356" y="1487723"/>
+                  <a:ext cx="599844" cy="215444"/>
+                </a:xfrm>
+                <a:prstGeom prst="rect">
+                  <a:avLst/>
+                </a:prstGeom>
+              </p:spPr>
+              <p:txBody>
+                <a:bodyPr wrap="none">
+                  <a:spAutoFit/>
+                </a:bodyPr>
+                <a:lstStyle/>
+                <a:p>
+                  <a:r>
+                    <a:rPr lang="en-US" sz="800" dirty="0" smtClean="0"/>
+                    <a:t>JavaScript</a:t>
+                  </a:r>
+                  <a:endParaRPr lang="en-US" sz="800" dirty="0"/>
+                </a:p>
+              </p:txBody>
+            </p:sp>
+            <p:grpSp>
+              <p:nvGrpSpPr>
+                <p:cNvPr id="166" name="Group 165"/>
+                <p:cNvGrpSpPr/>
+                <p:nvPr/>
+              </p:nvGrpSpPr>
+              <p:grpSpPr>
+                <a:xfrm>
+                  <a:off x="3445033" y="1547820"/>
+                  <a:ext cx="1257544" cy="95250"/>
+                  <a:chOff x="4571513" y="1291709"/>
+                  <a:chExt cx="2515087" cy="95250"/>
+                </a:xfrm>
+              </p:grpSpPr>
+              <p:sp>
+                <p:nvSpPr>
+                  <p:cNvPr id="167" name="Rounded Rectangle 166"/>
+                  <p:cNvSpPr/>
+                  <p:nvPr/>
+                </p:nvSpPr>
+                <p:spPr>
+                  <a:xfrm>
+                    <a:off x="4572000" y="1291709"/>
+                    <a:ext cx="2514600" cy="95250"/>
+                  </a:xfrm>
+                  <a:prstGeom prst="roundRect">
+                    <a:avLst/>
+                  </a:prstGeom>
+                  <a:solidFill>
+                    <a:schemeClr val="tx1"/>
+                  </a:solidFill>
+                  <a:ln>
+                    <a:solidFill>
+                      <a:schemeClr val="tx1"/>
+                    </a:solidFill>
+                  </a:ln>
+                </p:spPr>
+                <p:style>
+                  <a:lnRef idx="2">
+                    <a:schemeClr val="accent1">
+                      <a:shade val="50000"/>
+                    </a:schemeClr>
+                  </a:lnRef>
+                  <a:fillRef idx="1">
+                    <a:schemeClr val="accent1"/>
+                  </a:fillRef>
+                  <a:effectRef idx="0">
+                    <a:schemeClr val="accent1"/>
+                  </a:effectRef>
+                  <a:fontRef idx="minor">
+                    <a:schemeClr val="lt1"/>
+                  </a:fontRef>
+                </p:style>
+                <p:txBody>
+                  <a:bodyPr rtlCol="0" anchor="ctr"/>
+                  <a:lstStyle/>
+                  <a:p>
+                    <a:pPr algn="ctr"/>
+                    <a:endParaRPr lang="en-US"/>
+                  </a:p>
+                </p:txBody>
+              </p:sp>
+              <p:sp>
+                <p:nvSpPr>
+                  <p:cNvPr id="168" name="Rounded Rectangle 167"/>
+                  <p:cNvSpPr/>
+                  <p:nvPr/>
+                </p:nvSpPr>
+                <p:spPr>
+                  <a:xfrm>
+                    <a:off x="4571513" y="1295400"/>
+                    <a:ext cx="1261872" cy="85725"/>
+                  </a:xfrm>
+                  <a:prstGeom prst="roundRect">
+                    <a:avLst/>
+                  </a:prstGeom>
+                  <a:pattFill prst="wdUpDiag">
+                    <a:fgClr>
+                      <a:srgbClr val="FFC000"/>
+                    </a:fgClr>
+                    <a:bgClr>
+                      <a:srgbClr val="FFFF00"/>
+                    </a:bgClr>
+                  </a:pattFill>
+                  <a:ln>
+                    <a:noFill/>
+                  </a:ln>
+                </p:spPr>
+                <p:style>
+                  <a:lnRef idx="2">
+                    <a:schemeClr val="accent1">
+                      <a:shade val="50000"/>
+                    </a:schemeClr>
+                  </a:lnRef>
+                  <a:fillRef idx="1">
+                    <a:schemeClr val="accent1"/>
+                  </a:fillRef>
+                  <a:effectRef idx="0">
+                    <a:schemeClr val="accent1"/>
+                  </a:effectRef>
+                  <a:fontRef idx="minor">
+                    <a:schemeClr val="lt1"/>
+                  </a:fontRef>
+                </p:style>
+                <p:txBody>
+                  <a:bodyPr rtlCol="0" anchor="ctr"/>
+                  <a:lstStyle/>
+                  <a:p>
+                    <a:pPr algn="ctr"/>
+                    <a:endParaRPr lang="en-US"/>
+                  </a:p>
+                </p:txBody>
+              </p:sp>
+            </p:grpSp>
+          </p:grpSp>
+          <p:grpSp>
+            <p:nvGrpSpPr>
+              <p:cNvPr id="188" name="Group 187"/>
+              <p:cNvGrpSpPr/>
+              <p:nvPr/>
+            </p:nvGrpSpPr>
+            <p:grpSpPr>
+              <a:xfrm>
+                <a:off x="3440705" y="1540300"/>
+                <a:ext cx="2307134" cy="215444"/>
+                <a:chOff x="3447197" y="1773817"/>
+                <a:chExt cx="2307134" cy="215444"/>
+              </a:xfrm>
+            </p:grpSpPr>
+            <p:sp>
+              <p:nvSpPr>
+                <p:cNvPr id="14" name="Rectangle 13"/>
+                <p:cNvSpPr/>
+                <p:nvPr/>
+              </p:nvSpPr>
+              <p:spPr>
+                <a:xfrm>
+                  <a:off x="5191356" y="1773817"/>
+                  <a:ext cx="562975" cy="215444"/>
+                </a:xfrm>
+                <a:prstGeom prst="rect">
+                  <a:avLst/>
+                </a:prstGeom>
+              </p:spPr>
+              <p:txBody>
+                <a:bodyPr wrap="none">
+                  <a:spAutoFit/>
+                </a:bodyPr>
+                <a:lstStyle/>
+                <a:p>
+                  <a:r>
+                    <a:rPr lang="en-US" sz="800" dirty="0"/>
+                    <a:t>MATLAB </a:t>
+                  </a:r>
+                </a:p>
+              </p:txBody>
+            </p:sp>
+            <p:sp>
+              <p:nvSpPr>
+                <p:cNvPr id="92" name="Rectangle 91"/>
+                <p:cNvSpPr/>
+                <p:nvPr/>
+              </p:nvSpPr>
+              <p:spPr>
+                <a:xfrm>
+                  <a:off x="4833909" y="1773817"/>
+                  <a:ext cx="360996" cy="215444"/>
+                </a:xfrm>
+                <a:prstGeom prst="rect">
+                  <a:avLst/>
+                </a:prstGeom>
+              </p:spPr>
+              <p:txBody>
+                <a:bodyPr wrap="none">
+                  <a:spAutoFit/>
+                </a:bodyPr>
+                <a:lstStyle/>
+                <a:p>
+                  <a:r>
+                    <a:rPr lang="en-US" sz="800" dirty="0" smtClean="0"/>
+                    <a:t>50%</a:t>
+                  </a:r>
+                  <a:endParaRPr lang="en-US" sz="800" dirty="0"/>
+                </a:p>
+              </p:txBody>
+            </p:sp>
+            <p:grpSp>
+              <p:nvGrpSpPr>
+                <p:cNvPr id="169" name="Group 168"/>
+                <p:cNvGrpSpPr/>
+                <p:nvPr/>
+              </p:nvGrpSpPr>
+              <p:grpSpPr>
+                <a:xfrm>
+                  <a:off x="3447197" y="1833914"/>
+                  <a:ext cx="1257544" cy="95250"/>
+                  <a:chOff x="4571513" y="1291709"/>
+                  <a:chExt cx="2515087" cy="95250"/>
+                </a:xfrm>
+              </p:grpSpPr>
+              <p:sp>
+                <p:nvSpPr>
+                  <p:cNvPr id="170" name="Rounded Rectangle 169"/>
+                  <p:cNvSpPr/>
+                  <p:nvPr/>
+                </p:nvSpPr>
+                <p:spPr>
+                  <a:xfrm>
+                    <a:off x="4572000" y="1291709"/>
+                    <a:ext cx="2514600" cy="95250"/>
+                  </a:xfrm>
+                  <a:prstGeom prst="roundRect">
+                    <a:avLst/>
+                  </a:prstGeom>
+                  <a:solidFill>
+                    <a:schemeClr val="tx1"/>
+                  </a:solidFill>
+                  <a:ln>
+                    <a:solidFill>
+                      <a:schemeClr val="tx1"/>
+                    </a:solidFill>
+                  </a:ln>
+                </p:spPr>
+                <p:style>
+                  <a:lnRef idx="2">
+                    <a:schemeClr val="accent1">
+                      <a:shade val="50000"/>
+                    </a:schemeClr>
+                  </a:lnRef>
+                  <a:fillRef idx="1">
+                    <a:schemeClr val="accent1"/>
+                  </a:fillRef>
+                  <a:effectRef idx="0">
+                    <a:schemeClr val="accent1"/>
+                  </a:effectRef>
+                  <a:fontRef idx="minor">
+                    <a:schemeClr val="lt1"/>
+                  </a:fontRef>
+                </p:style>
+                <p:txBody>
+                  <a:bodyPr rtlCol="0" anchor="ctr"/>
+                  <a:lstStyle/>
+                  <a:p>
+                    <a:pPr algn="ctr"/>
+                    <a:endParaRPr lang="en-US"/>
+                  </a:p>
+                </p:txBody>
+              </p:sp>
+              <p:sp>
+                <p:nvSpPr>
+                  <p:cNvPr id="171" name="Rounded Rectangle 170"/>
+                  <p:cNvSpPr/>
+                  <p:nvPr/>
+                </p:nvSpPr>
+                <p:spPr>
+                  <a:xfrm>
+                    <a:off x="4571513" y="1295400"/>
+                    <a:ext cx="1261872" cy="85725"/>
+                  </a:xfrm>
+                  <a:prstGeom prst="roundRect">
+                    <a:avLst/>
+                  </a:prstGeom>
+                  <a:pattFill prst="wdUpDiag">
+                    <a:fgClr>
+                      <a:srgbClr val="FFC000"/>
+                    </a:fgClr>
+                    <a:bgClr>
+                      <a:srgbClr val="FFFF00"/>
+                    </a:bgClr>
+                  </a:pattFill>
+                  <a:ln>
+                    <a:noFill/>
+                  </a:ln>
+                </p:spPr>
+                <p:style>
+                  <a:lnRef idx="2">
+                    <a:schemeClr val="accent1">
+                      <a:shade val="50000"/>
+                    </a:schemeClr>
+                  </a:lnRef>
+                  <a:fillRef idx="1">
+                    <a:schemeClr val="accent1"/>
+                  </a:fillRef>
+                  <a:effectRef idx="0">
+                    <a:schemeClr val="accent1"/>
+                  </a:effectRef>
+                  <a:fontRef idx="minor">
+                    <a:schemeClr val="lt1"/>
+                  </a:fontRef>
+                </p:style>
+                <p:txBody>
+                  <a:bodyPr rtlCol="0" anchor="ctr"/>
+                  <a:lstStyle/>
+                  <a:p>
+                    <a:pPr algn="ctr"/>
+                    <a:endParaRPr lang="en-US"/>
+                  </a:p>
+                </p:txBody>
+              </p:sp>
+            </p:grpSp>
+          </p:grpSp>
+          <p:grpSp>
+            <p:nvGrpSpPr>
+              <p:cNvPr id="190" name="Group 189"/>
+              <p:cNvGrpSpPr/>
+              <p:nvPr/>
+            </p:nvGrpSpPr>
+            <p:grpSpPr>
+              <a:xfrm>
+                <a:off x="3440705" y="2046206"/>
+                <a:ext cx="2218738" cy="215444"/>
+                <a:chOff x="3453840" y="2373983"/>
+                <a:chExt cx="2218738" cy="215444"/>
+              </a:xfrm>
+            </p:grpSpPr>
+            <p:sp>
+              <p:nvSpPr>
+                <p:cNvPr id="102" name="Rectangle 101"/>
+                <p:cNvSpPr/>
+                <p:nvPr/>
+              </p:nvSpPr>
+              <p:spPr>
+                <a:xfrm>
+                  <a:off x="4833909" y="2373983"/>
+                  <a:ext cx="360996" cy="215444"/>
+                </a:xfrm>
+                <a:prstGeom prst="rect">
+                  <a:avLst/>
+                </a:prstGeom>
+              </p:spPr>
+              <p:txBody>
+                <a:bodyPr wrap="none">
+                  <a:spAutoFit/>
+                </a:bodyPr>
+                <a:lstStyle/>
+                <a:p>
+                  <a:r>
+                    <a:rPr lang="en-US" sz="800" dirty="0" smtClean="0"/>
+                    <a:t>25%</a:t>
+                  </a:r>
+                  <a:endParaRPr lang="en-US" sz="800" dirty="0"/>
+                </a:p>
+              </p:txBody>
+            </p:sp>
+            <p:sp>
+              <p:nvSpPr>
+                <p:cNvPr id="103" name="Rectangle 102"/>
+                <p:cNvSpPr/>
+                <p:nvPr/>
+              </p:nvSpPr>
+              <p:spPr>
+                <a:xfrm>
+                  <a:off x="5191356" y="2373983"/>
+                  <a:ext cx="481222" cy="215444"/>
+                </a:xfrm>
+                <a:prstGeom prst="rect">
+                  <a:avLst/>
+                </a:prstGeom>
+              </p:spPr>
+              <p:txBody>
+                <a:bodyPr wrap="none">
+                  <a:spAutoFit/>
+                </a:bodyPr>
+                <a:lstStyle/>
+                <a:p>
+                  <a:r>
+                    <a:rPr lang="en-US" sz="800" dirty="0" smtClean="0"/>
+                    <a:t>Python</a:t>
+                  </a:r>
+                  <a:endParaRPr lang="en-US" sz="800" dirty="0"/>
+                </a:p>
+              </p:txBody>
+            </p:sp>
+            <p:grpSp>
+              <p:nvGrpSpPr>
+                <p:cNvPr id="172" name="Group 171"/>
+                <p:cNvGrpSpPr/>
+                <p:nvPr/>
+              </p:nvGrpSpPr>
+              <p:grpSpPr>
+                <a:xfrm>
+                  <a:off x="3453840" y="2434080"/>
+                  <a:ext cx="1257300" cy="95250"/>
+                  <a:chOff x="4572000" y="978930"/>
+                  <a:chExt cx="2514600" cy="95250"/>
+                </a:xfrm>
+              </p:grpSpPr>
+              <p:sp>
+                <p:nvSpPr>
+                  <p:cNvPr id="173" name="Rounded Rectangle 172"/>
+                  <p:cNvSpPr/>
+                  <p:nvPr/>
+                </p:nvSpPr>
+                <p:spPr>
+                  <a:xfrm>
+                    <a:off x="4572000" y="978930"/>
+                    <a:ext cx="2514600" cy="95250"/>
+                  </a:xfrm>
+                  <a:prstGeom prst="roundRect">
+                    <a:avLst/>
+                  </a:prstGeom>
+                  <a:solidFill>
+                    <a:schemeClr val="tx1"/>
+                  </a:solidFill>
+                  <a:ln>
+                    <a:solidFill>
+                      <a:schemeClr val="tx1"/>
+                    </a:solidFill>
+                  </a:ln>
+                </p:spPr>
+                <p:style>
+                  <a:lnRef idx="2">
+                    <a:schemeClr val="accent1">
+                      <a:shade val="50000"/>
+                    </a:schemeClr>
+                  </a:lnRef>
+                  <a:fillRef idx="1">
+                    <a:schemeClr val="accent1"/>
+                  </a:fillRef>
+                  <a:effectRef idx="0">
+                    <a:schemeClr val="accent1"/>
+                  </a:effectRef>
+                  <a:fontRef idx="minor">
+                    <a:schemeClr val="lt1"/>
+                  </a:fontRef>
+                </p:style>
+                <p:txBody>
+                  <a:bodyPr rtlCol="0" anchor="ctr"/>
+                  <a:lstStyle/>
+                  <a:p>
+                    <a:pPr algn="ctr"/>
+                    <a:endParaRPr lang="en-US"/>
+                  </a:p>
+                </p:txBody>
+              </p:sp>
+              <p:sp>
+                <p:nvSpPr>
+                  <p:cNvPr id="174" name="Rounded Rectangle 173"/>
+                  <p:cNvSpPr/>
+                  <p:nvPr/>
+                </p:nvSpPr>
+                <p:spPr>
+                  <a:xfrm>
+                    <a:off x="4572000" y="983692"/>
+                    <a:ext cx="630936" cy="85725"/>
+                  </a:xfrm>
+                  <a:prstGeom prst="roundRect">
+                    <a:avLst/>
+                  </a:prstGeom>
+                  <a:pattFill prst="wdUpDiag">
+                    <a:fgClr>
+                      <a:schemeClr val="accent2">
+                        <a:lumMod val="60000"/>
+                        <a:lumOff val="40000"/>
+                      </a:schemeClr>
+                    </a:fgClr>
+                    <a:bgClr>
+                      <a:schemeClr val="accent2">
+                        <a:lumMod val="20000"/>
+                        <a:lumOff val="80000"/>
+                      </a:schemeClr>
+                    </a:bgClr>
+                  </a:pattFill>
+                  <a:ln>
+                    <a:noFill/>
+                  </a:ln>
+                </p:spPr>
+                <p:style>
+                  <a:lnRef idx="2">
+                    <a:schemeClr val="accent1">
+                      <a:shade val="50000"/>
+                    </a:schemeClr>
+                  </a:lnRef>
+                  <a:fillRef idx="1">
+                    <a:schemeClr val="accent1"/>
+                  </a:fillRef>
+                  <a:effectRef idx="0">
+                    <a:schemeClr val="accent1"/>
+                  </a:effectRef>
+                  <a:fontRef idx="minor">
+                    <a:schemeClr val="lt1"/>
+                  </a:fontRef>
+                </p:style>
+                <p:txBody>
+                  <a:bodyPr rtlCol="0" anchor="ctr"/>
+                  <a:lstStyle/>
+                  <a:p>
+                    <a:pPr algn="ctr"/>
+                    <a:endParaRPr lang="en-US"/>
+                  </a:p>
+                </p:txBody>
+              </p:sp>
+            </p:grpSp>
+          </p:grpSp>
+          <p:grpSp>
+            <p:nvGrpSpPr>
+              <p:cNvPr id="191" name="Group 190"/>
+              <p:cNvGrpSpPr/>
+              <p:nvPr/>
+            </p:nvGrpSpPr>
+            <p:grpSpPr>
+              <a:xfrm>
+                <a:off x="3440705" y="2299156"/>
+                <a:ext cx="2226335" cy="215444"/>
+                <a:chOff x="3476700" y="2739547"/>
+                <a:chExt cx="2226335" cy="215444"/>
+              </a:xfrm>
+            </p:grpSpPr>
+            <p:sp>
+              <p:nvSpPr>
+                <p:cNvPr id="158" name="Rectangle 157"/>
+                <p:cNvSpPr/>
+                <p:nvPr/>
+              </p:nvSpPr>
+              <p:spPr>
+                <a:xfrm>
+                  <a:off x="4833909" y="2739547"/>
+                  <a:ext cx="360996" cy="215444"/>
+                </a:xfrm>
+                <a:prstGeom prst="rect">
+                  <a:avLst/>
+                </a:prstGeom>
+              </p:spPr>
+              <p:txBody>
+                <a:bodyPr wrap="none">
+                  <a:spAutoFit/>
+                </a:bodyPr>
+                <a:lstStyle/>
+                <a:p>
+                  <a:r>
+                    <a:rPr lang="en-US" sz="800" dirty="0" smtClean="0"/>
+                    <a:t>25%</a:t>
+                  </a:r>
+                  <a:endParaRPr lang="en-US" sz="800" dirty="0"/>
+                </a:p>
+              </p:txBody>
+            </p:sp>
+            <p:sp>
+              <p:nvSpPr>
+                <p:cNvPr id="159" name="Rectangle 158"/>
+                <p:cNvSpPr/>
+                <p:nvPr/>
+              </p:nvSpPr>
+              <p:spPr>
+                <a:xfrm>
+                  <a:off x="5191356" y="2739547"/>
+                  <a:ext cx="511679" cy="215444"/>
+                </a:xfrm>
+                <a:prstGeom prst="rect">
+                  <a:avLst/>
+                </a:prstGeom>
+              </p:spPr>
+              <p:txBody>
+                <a:bodyPr wrap="none">
+                  <a:spAutoFit/>
+                </a:bodyPr>
+                <a:lstStyle/>
+                <a:p>
+                  <a:r>
+                    <a:rPr lang="en-US" sz="800" dirty="0" err="1" smtClean="0"/>
+                    <a:t>FireBird</a:t>
+                  </a:r>
+                  <a:endParaRPr lang="en-US" sz="800" dirty="0"/>
+                </a:p>
+              </p:txBody>
+            </p:sp>
+            <p:grpSp>
+              <p:nvGrpSpPr>
+                <p:cNvPr id="175" name="Group 174"/>
+                <p:cNvGrpSpPr/>
+                <p:nvPr/>
+              </p:nvGrpSpPr>
+              <p:grpSpPr>
+                <a:xfrm>
+                  <a:off x="3476700" y="2799644"/>
+                  <a:ext cx="1257300" cy="95250"/>
+                  <a:chOff x="4572000" y="978930"/>
+                  <a:chExt cx="2514600" cy="95250"/>
+                </a:xfrm>
+              </p:grpSpPr>
+              <p:sp>
+                <p:nvSpPr>
+                  <p:cNvPr id="176" name="Rounded Rectangle 175"/>
+                  <p:cNvSpPr/>
+                  <p:nvPr/>
+                </p:nvSpPr>
+                <p:spPr>
+                  <a:xfrm>
+                    <a:off x="4572000" y="978930"/>
+                    <a:ext cx="2514600" cy="95250"/>
+                  </a:xfrm>
+                  <a:prstGeom prst="roundRect">
+                    <a:avLst/>
+                  </a:prstGeom>
+                  <a:solidFill>
+                    <a:schemeClr val="tx1"/>
+                  </a:solidFill>
+                  <a:ln>
+                    <a:solidFill>
+                      <a:schemeClr val="tx1"/>
+                    </a:solidFill>
+                  </a:ln>
+                </p:spPr>
+                <p:style>
+                  <a:lnRef idx="2">
+                    <a:schemeClr val="accent1">
+                      <a:shade val="50000"/>
+                    </a:schemeClr>
+                  </a:lnRef>
+                  <a:fillRef idx="1">
+                    <a:schemeClr val="accent1"/>
+                  </a:fillRef>
+                  <a:effectRef idx="0">
+                    <a:schemeClr val="accent1"/>
+                  </a:effectRef>
+                  <a:fontRef idx="minor">
+                    <a:schemeClr val="lt1"/>
+                  </a:fontRef>
+                </p:style>
+                <p:txBody>
+                  <a:bodyPr rtlCol="0" anchor="ctr"/>
+                  <a:lstStyle/>
+                  <a:p>
+                    <a:pPr algn="ctr"/>
+                    <a:endParaRPr lang="en-US"/>
+                  </a:p>
+                </p:txBody>
+              </p:sp>
+              <p:sp>
+                <p:nvSpPr>
+                  <p:cNvPr id="177" name="Rounded Rectangle 176"/>
+                  <p:cNvSpPr/>
+                  <p:nvPr/>
+                </p:nvSpPr>
+                <p:spPr>
+                  <a:xfrm>
+                    <a:off x="4572000" y="983692"/>
+                    <a:ext cx="630936" cy="85725"/>
+                  </a:xfrm>
+                  <a:prstGeom prst="roundRect">
+                    <a:avLst/>
+                  </a:prstGeom>
+                  <a:pattFill prst="wdUpDiag">
+                    <a:fgClr>
+                      <a:schemeClr val="accent2">
+                        <a:lumMod val="60000"/>
+                        <a:lumOff val="40000"/>
+                      </a:schemeClr>
+                    </a:fgClr>
+                    <a:bgClr>
+                      <a:schemeClr val="accent2">
+                        <a:lumMod val="20000"/>
+                        <a:lumOff val="80000"/>
+                      </a:schemeClr>
+                    </a:bgClr>
+                  </a:pattFill>
+                  <a:ln>
+                    <a:noFill/>
+                  </a:ln>
+                </p:spPr>
+                <p:style>
+                  <a:lnRef idx="2">
+                    <a:schemeClr val="accent1">
+                      <a:shade val="50000"/>
+                    </a:schemeClr>
+                  </a:lnRef>
+                  <a:fillRef idx="1">
+                    <a:schemeClr val="accent1"/>
+                  </a:fillRef>
+                  <a:effectRef idx="0">
+                    <a:schemeClr val="accent1"/>
+                  </a:effectRef>
+                  <a:fontRef idx="minor">
+                    <a:schemeClr val="lt1"/>
+                  </a:fontRef>
+                </p:style>
+                <p:txBody>
+                  <a:bodyPr rtlCol="0" anchor="ctr"/>
+                  <a:lstStyle/>
+                  <a:p>
+                    <a:pPr algn="ctr"/>
+                    <a:endParaRPr lang="en-US"/>
+                  </a:p>
+                </p:txBody>
+              </p:sp>
+            </p:grpSp>
+          </p:grpSp>
+        </p:grpSp>
+      </p:grpSp>
     </p:spTree>
     <p:extLst>
       <p:ext uri="{BB962C8B-B14F-4D97-AF65-F5344CB8AC3E}">
@@ -10181,6 +10700,357 @@
           </p:sp>
         </p:grpSp>
       </p:grpSp>
+      <p:grpSp>
+        <p:nvGrpSpPr>
+          <p:cNvPr id="122" name="Group 121"/>
+          <p:cNvGrpSpPr/>
+          <p:nvPr/>
+        </p:nvGrpSpPr>
+        <p:grpSpPr>
+          <a:xfrm>
+            <a:off x="7467600" y="2388885"/>
+            <a:ext cx="2514600" cy="95250"/>
+            <a:chOff x="4572000" y="2176820"/>
+            <a:chExt cx="2514600" cy="95250"/>
+          </a:xfrm>
+        </p:grpSpPr>
+        <p:sp>
+          <p:nvSpPr>
+            <p:cNvPr id="123" name="Rounded Rectangle 122"/>
+            <p:cNvSpPr/>
+            <p:nvPr/>
+          </p:nvSpPr>
+          <p:spPr>
+            <a:xfrm>
+              <a:off x="4572000" y="2176820"/>
+              <a:ext cx="2514600" cy="95250"/>
+            </a:xfrm>
+            <a:prstGeom prst="roundRect">
+              <a:avLst/>
+            </a:prstGeom>
+            <a:solidFill>
+              <a:schemeClr val="tx1"/>
+            </a:solidFill>
+            <a:ln>
+              <a:solidFill>
+                <a:schemeClr val="tx1"/>
+              </a:solidFill>
+            </a:ln>
+          </p:spPr>
+          <p:style>
+            <a:lnRef idx="2">
+              <a:schemeClr val="accent1">
+                <a:shade val="50000"/>
+              </a:schemeClr>
+            </a:lnRef>
+            <a:fillRef idx="1">
+              <a:schemeClr val="accent1"/>
+            </a:fillRef>
+            <a:effectRef idx="0">
+              <a:schemeClr val="accent1"/>
+            </a:effectRef>
+            <a:fontRef idx="minor">
+              <a:schemeClr val="lt1"/>
+            </a:fontRef>
+          </p:style>
+          <p:txBody>
+            <a:bodyPr rtlCol="0" anchor="ctr"/>
+            <a:lstStyle/>
+            <a:p>
+              <a:pPr algn="ctr"/>
+              <a:endParaRPr lang="en-US"/>
+            </a:p>
+          </p:txBody>
+        </p:sp>
+        <p:sp>
+          <p:nvSpPr>
+            <p:cNvPr id="124" name="Rounded Rectangle 123"/>
+            <p:cNvSpPr/>
+            <p:nvPr/>
+          </p:nvSpPr>
+          <p:spPr>
+            <a:xfrm>
+              <a:off x="4572000" y="2184821"/>
+              <a:ext cx="2514600" cy="85725"/>
+            </a:xfrm>
+            <a:prstGeom prst="roundRect">
+              <a:avLst/>
+            </a:prstGeom>
+            <a:pattFill prst="wdUpDiag">
+              <a:fgClr>
+                <a:srgbClr val="00B050"/>
+              </a:fgClr>
+              <a:bgClr>
+                <a:schemeClr val="accent3">
+                  <a:lumMod val="40000"/>
+                  <a:lumOff val="60000"/>
+                </a:schemeClr>
+              </a:bgClr>
+            </a:pattFill>
+            <a:ln>
+              <a:noFill/>
+            </a:ln>
+          </p:spPr>
+          <p:style>
+            <a:lnRef idx="2">
+              <a:schemeClr val="accent1">
+                <a:shade val="50000"/>
+              </a:schemeClr>
+            </a:lnRef>
+            <a:fillRef idx="1">
+              <a:schemeClr val="accent1"/>
+            </a:fillRef>
+            <a:effectRef idx="0">
+              <a:schemeClr val="accent1"/>
+            </a:effectRef>
+            <a:fontRef idx="minor">
+              <a:schemeClr val="lt1"/>
+            </a:fontRef>
+          </p:style>
+          <p:txBody>
+            <a:bodyPr rtlCol="0" anchor="ctr"/>
+            <a:lstStyle/>
+            <a:p>
+              <a:pPr algn="ctr"/>
+              <a:endParaRPr lang="en-US"/>
+            </a:p>
+          </p:txBody>
+        </p:sp>
+      </p:grpSp>
+      <p:grpSp>
+        <p:nvGrpSpPr>
+          <p:cNvPr id="125" name="Group 124"/>
+          <p:cNvGrpSpPr/>
+          <p:nvPr/>
+        </p:nvGrpSpPr>
+        <p:grpSpPr>
+          <a:xfrm>
+            <a:off x="3642181" y="1304061"/>
+            <a:ext cx="2515087" cy="95250"/>
+            <a:chOff x="4571513" y="1291709"/>
+            <a:chExt cx="2515087" cy="95250"/>
+          </a:xfrm>
+        </p:grpSpPr>
+        <p:sp>
+          <p:nvSpPr>
+            <p:cNvPr id="126" name="Rounded Rectangle 125"/>
+            <p:cNvSpPr/>
+            <p:nvPr/>
+          </p:nvSpPr>
+          <p:spPr>
+            <a:xfrm>
+              <a:off x="4572000" y="1291709"/>
+              <a:ext cx="2514600" cy="95250"/>
+            </a:xfrm>
+            <a:prstGeom prst="roundRect">
+              <a:avLst/>
+            </a:prstGeom>
+            <a:solidFill>
+              <a:schemeClr val="tx1"/>
+            </a:solidFill>
+            <a:ln>
+              <a:solidFill>
+                <a:schemeClr val="tx1"/>
+              </a:solidFill>
+            </a:ln>
+          </p:spPr>
+          <p:style>
+            <a:lnRef idx="2">
+              <a:schemeClr val="accent1">
+                <a:shade val="50000"/>
+              </a:schemeClr>
+            </a:lnRef>
+            <a:fillRef idx="1">
+              <a:schemeClr val="accent1"/>
+            </a:fillRef>
+            <a:effectRef idx="0">
+              <a:schemeClr val="accent1"/>
+            </a:effectRef>
+            <a:fontRef idx="minor">
+              <a:schemeClr val="lt1"/>
+            </a:fontRef>
+          </p:style>
+          <p:txBody>
+            <a:bodyPr rtlCol="0" anchor="ctr"/>
+            <a:lstStyle/>
+            <a:p>
+              <a:pPr algn="ctr"/>
+              <a:endParaRPr lang="en-US"/>
+            </a:p>
+          </p:txBody>
+        </p:sp>
+        <p:sp>
+          <p:nvSpPr>
+            <p:cNvPr id="127" name="Rounded Rectangle 126"/>
+            <p:cNvSpPr/>
+            <p:nvPr/>
+          </p:nvSpPr>
+          <p:spPr>
+            <a:xfrm>
+              <a:off x="4571513" y="1295400"/>
+              <a:ext cx="1261872" cy="85725"/>
+            </a:xfrm>
+            <a:prstGeom prst="roundRect">
+              <a:avLst/>
+            </a:prstGeom>
+            <a:pattFill prst="wdUpDiag">
+              <a:fgClr>
+                <a:srgbClr val="FFC000"/>
+              </a:fgClr>
+              <a:bgClr>
+                <a:srgbClr val="FFFF00"/>
+              </a:bgClr>
+            </a:pattFill>
+            <a:ln>
+              <a:noFill/>
+            </a:ln>
+          </p:spPr>
+          <p:style>
+            <a:lnRef idx="2">
+              <a:schemeClr val="accent1">
+                <a:shade val="50000"/>
+              </a:schemeClr>
+            </a:lnRef>
+            <a:fillRef idx="1">
+              <a:schemeClr val="accent1"/>
+            </a:fillRef>
+            <a:effectRef idx="0">
+              <a:schemeClr val="accent1"/>
+            </a:effectRef>
+            <a:fontRef idx="minor">
+              <a:schemeClr val="lt1"/>
+            </a:fontRef>
+          </p:style>
+          <p:txBody>
+            <a:bodyPr rtlCol="0" anchor="ctr"/>
+            <a:lstStyle/>
+            <a:p>
+              <a:pPr algn="ctr"/>
+              <a:endParaRPr lang="en-US"/>
+            </a:p>
+          </p:txBody>
+        </p:sp>
+      </p:grpSp>
+      <p:grpSp>
+        <p:nvGrpSpPr>
+          <p:cNvPr id="128" name="Group 127"/>
+          <p:cNvGrpSpPr/>
+          <p:nvPr/>
+        </p:nvGrpSpPr>
+        <p:grpSpPr>
+          <a:xfrm>
+            <a:off x="3756968" y="2523261"/>
+            <a:ext cx="2514600" cy="95250"/>
+            <a:chOff x="4572000" y="978930"/>
+            <a:chExt cx="2514600" cy="95250"/>
+          </a:xfrm>
+        </p:grpSpPr>
+        <p:sp>
+          <p:nvSpPr>
+            <p:cNvPr id="129" name="Rounded Rectangle 128"/>
+            <p:cNvSpPr/>
+            <p:nvPr/>
+          </p:nvSpPr>
+          <p:spPr>
+            <a:xfrm>
+              <a:off x="4572000" y="978930"/>
+              <a:ext cx="2514600" cy="95250"/>
+            </a:xfrm>
+            <a:prstGeom prst="roundRect">
+              <a:avLst/>
+            </a:prstGeom>
+            <a:solidFill>
+              <a:schemeClr val="tx1"/>
+            </a:solidFill>
+            <a:ln>
+              <a:solidFill>
+                <a:schemeClr val="tx1"/>
+              </a:solidFill>
+            </a:ln>
+          </p:spPr>
+          <p:style>
+            <a:lnRef idx="2">
+              <a:schemeClr val="accent1">
+                <a:shade val="50000"/>
+              </a:schemeClr>
+            </a:lnRef>
+            <a:fillRef idx="1">
+              <a:schemeClr val="accent1"/>
+            </a:fillRef>
+            <a:effectRef idx="0">
+              <a:schemeClr val="accent1"/>
+            </a:effectRef>
+            <a:fontRef idx="minor">
+              <a:schemeClr val="lt1"/>
+            </a:fontRef>
+          </p:style>
+          <p:txBody>
+            <a:bodyPr rtlCol="0" anchor="ctr"/>
+            <a:lstStyle/>
+            <a:p>
+              <a:pPr algn="ctr"/>
+              <a:endParaRPr lang="en-US"/>
+            </a:p>
+          </p:txBody>
+        </p:sp>
+        <p:sp>
+          <p:nvSpPr>
+            <p:cNvPr id="130" name="Rounded Rectangle 129"/>
+            <p:cNvSpPr/>
+            <p:nvPr/>
+          </p:nvSpPr>
+          <p:spPr>
+            <a:xfrm>
+              <a:off x="4572000" y="983692"/>
+              <a:ext cx="630936" cy="85725"/>
+            </a:xfrm>
+            <a:prstGeom prst="roundRect">
+              <a:avLst/>
+            </a:prstGeom>
+            <a:pattFill prst="wdUpDiag">
+              <a:fgClr>
+                <a:schemeClr val="accent2">
+                  <a:lumMod val="60000"/>
+                  <a:lumOff val="40000"/>
+                </a:schemeClr>
+              </a:fgClr>
+              <a:bgClr>
+                <a:schemeClr val="accent2">
+                  <a:lumMod val="20000"/>
+                  <a:lumOff val="80000"/>
+                </a:schemeClr>
+              </a:bgClr>
+            </a:pattFill>
+            <a:ln>
+              <a:noFill/>
+            </a:ln>
+          </p:spPr>
+          <p:style>
+            <a:lnRef idx="2">
+              <a:schemeClr val="accent1">
+                <a:shade val="50000"/>
+              </a:schemeClr>
+            </a:lnRef>
+            <a:fillRef idx="1">
+              <a:schemeClr val="accent1"/>
+            </a:fillRef>
+            <a:effectRef idx="0">
+              <a:schemeClr val="accent1"/>
+            </a:effectRef>
+            <a:fontRef idx="minor">
+              <a:schemeClr val="lt1"/>
+            </a:fontRef>
+          </p:style>
+          <p:txBody>
+            <a:bodyPr rtlCol="0" anchor="ctr"/>
+            <a:lstStyle/>
+            <a:p>
+              <a:pPr algn="ctr"/>
+              <a:endParaRPr lang="en-US"/>
+            </a:p>
+          </p:txBody>
+        </p:sp>
+      </p:grpSp>
     </p:spTree>
     <p:extLst>
       <p:ext uri="{BB962C8B-B14F-4D97-AF65-F5344CB8AC3E}">

--- a/WebApp/images/ProgressBars/progresbars.pptx
+++ b/WebApp/images/ProgressBars/progresbars.pptx
@@ -289,7 +289,7 @@
           <a:p>
             <a:fld id="{2F3CC852-900F-4F0D-8928-110D52D92B9F}" type="datetimeFigureOut">
               <a:rPr lang="en-US" smtClean="0"/>
-              <a:t>4/26/2015</a:t>
+              <a:t>4/27/2015</a:t>
             </a:fld>
             <a:endParaRPr lang="en-US"/>
           </a:p>
@@ -459,7 +459,7 @@
           <a:p>
             <a:fld id="{2F3CC852-900F-4F0D-8928-110D52D92B9F}" type="datetimeFigureOut">
               <a:rPr lang="en-US" smtClean="0"/>
-              <a:t>4/26/2015</a:t>
+              <a:t>4/27/2015</a:t>
             </a:fld>
             <a:endParaRPr lang="en-US"/>
           </a:p>
@@ -639,7 +639,7 @@
           <a:p>
             <a:fld id="{2F3CC852-900F-4F0D-8928-110D52D92B9F}" type="datetimeFigureOut">
               <a:rPr lang="en-US" smtClean="0"/>
-              <a:t>4/26/2015</a:t>
+              <a:t>4/27/2015</a:t>
             </a:fld>
             <a:endParaRPr lang="en-US"/>
           </a:p>
@@ -809,7 +809,7 @@
           <a:p>
             <a:fld id="{2F3CC852-900F-4F0D-8928-110D52D92B9F}" type="datetimeFigureOut">
               <a:rPr lang="en-US" smtClean="0"/>
-              <a:t>4/26/2015</a:t>
+              <a:t>4/27/2015</a:t>
             </a:fld>
             <a:endParaRPr lang="en-US"/>
           </a:p>
@@ -1055,7 +1055,7 @@
           <a:p>
             <a:fld id="{2F3CC852-900F-4F0D-8928-110D52D92B9F}" type="datetimeFigureOut">
               <a:rPr lang="en-US" smtClean="0"/>
-              <a:t>4/26/2015</a:t>
+              <a:t>4/27/2015</a:t>
             </a:fld>
             <a:endParaRPr lang="en-US"/>
           </a:p>
@@ -1343,7 +1343,7 @@
           <a:p>
             <a:fld id="{2F3CC852-900F-4F0D-8928-110D52D92B9F}" type="datetimeFigureOut">
               <a:rPr lang="en-US" smtClean="0"/>
-              <a:t>4/26/2015</a:t>
+              <a:t>4/27/2015</a:t>
             </a:fld>
             <a:endParaRPr lang="en-US"/>
           </a:p>
@@ -1765,7 +1765,7 @@
           <a:p>
             <a:fld id="{2F3CC852-900F-4F0D-8928-110D52D92B9F}" type="datetimeFigureOut">
               <a:rPr lang="en-US" smtClean="0"/>
-              <a:t>4/26/2015</a:t>
+              <a:t>4/27/2015</a:t>
             </a:fld>
             <a:endParaRPr lang="en-US"/>
           </a:p>
@@ -1883,7 +1883,7 @@
           <a:p>
             <a:fld id="{2F3CC852-900F-4F0D-8928-110D52D92B9F}" type="datetimeFigureOut">
               <a:rPr lang="en-US" smtClean="0"/>
-              <a:t>4/26/2015</a:t>
+              <a:t>4/27/2015</a:t>
             </a:fld>
             <a:endParaRPr lang="en-US"/>
           </a:p>
@@ -1978,7 +1978,7 @@
           <a:p>
             <a:fld id="{2F3CC852-900F-4F0D-8928-110D52D92B9F}" type="datetimeFigureOut">
               <a:rPr lang="en-US" smtClean="0"/>
-              <a:t>4/26/2015</a:t>
+              <a:t>4/27/2015</a:t>
             </a:fld>
             <a:endParaRPr lang="en-US"/>
           </a:p>
@@ -2255,7 +2255,7 @@
           <a:p>
             <a:fld id="{2F3CC852-900F-4F0D-8928-110D52D92B9F}" type="datetimeFigureOut">
               <a:rPr lang="en-US" smtClean="0"/>
-              <a:t>4/26/2015</a:t>
+              <a:t>4/27/2015</a:t>
             </a:fld>
             <a:endParaRPr lang="en-US"/>
           </a:p>
@@ -2508,7 +2508,7 @@
           <a:p>
             <a:fld id="{2F3CC852-900F-4F0D-8928-110D52D92B9F}" type="datetimeFigureOut">
               <a:rPr lang="en-US" smtClean="0"/>
-              <a:t>4/26/2015</a:t>
+              <a:t>4/27/2015</a:t>
             </a:fld>
             <a:endParaRPr lang="en-US"/>
           </a:p>
@@ -2721,7 +2721,7 @@
           <a:p>
             <a:fld id="{2F3CC852-900F-4F0D-8928-110D52D92B9F}" type="datetimeFigureOut">
               <a:rPr lang="en-US" smtClean="0"/>
-              <a:t>4/26/2015</a:t>
+              <a:t>4/27/2015</a:t>
             </a:fld>
             <a:endParaRPr lang="en-US"/>
           </a:p>
@@ -3275,3842 +3275,3512 @@
       </p:sp>
       <p:grpSp>
         <p:nvGrpSpPr>
-          <p:cNvPr id="194" name="Group 193"/>
+          <p:cNvPr id="5" name="Group 4"/>
           <p:cNvGrpSpPr/>
           <p:nvPr/>
         </p:nvGrpSpPr>
         <p:grpSpPr>
           <a:xfrm>
-            <a:off x="251460" y="528488"/>
-            <a:ext cx="5535412" cy="3112860"/>
-            <a:chOff x="251460" y="528488"/>
-            <a:chExt cx="5535412" cy="3112860"/>
+            <a:off x="248774" y="528488"/>
+            <a:ext cx="3104026" cy="5191424"/>
+            <a:chOff x="248774" y="528488"/>
+            <a:chExt cx="3104026" cy="5191424"/>
           </a:xfrm>
         </p:grpSpPr>
         <p:grpSp>
           <p:nvGrpSpPr>
-            <p:cNvPr id="192" name="Group 191"/>
+            <p:cNvPr id="21" name="Group 20"/>
             <p:cNvGrpSpPr/>
             <p:nvPr/>
           </p:nvGrpSpPr>
           <p:grpSpPr>
             <a:xfrm>
-              <a:off x="251460" y="528488"/>
-              <a:ext cx="2998997" cy="3112860"/>
-              <a:chOff x="251460" y="536709"/>
-              <a:chExt cx="2998997" cy="3112860"/>
+              <a:off x="251460" y="588585"/>
+              <a:ext cx="1257300" cy="95250"/>
+              <a:chOff x="4572000" y="2176820"/>
+              <a:chExt cx="2514600" cy="95250"/>
             </a:xfrm>
           </p:grpSpPr>
-          <p:grpSp>
-            <p:nvGrpSpPr>
-              <p:cNvPr id="2" name="Group 1"/>
-              <p:cNvGrpSpPr/>
+          <p:sp>
+            <p:nvSpPr>
+              <p:cNvPr id="7" name="Rounded Rectangle 6"/>
+              <p:cNvSpPr/>
               <p:nvPr/>
-            </p:nvGrpSpPr>
-            <p:grpSpPr>
+            </p:nvSpPr>
+            <p:spPr>
               <a:xfrm>
-                <a:off x="251460" y="536709"/>
-                <a:ext cx="2659161" cy="215444"/>
-                <a:chOff x="251460" y="536709"/>
-                <a:chExt cx="2659161" cy="215444"/>
+                <a:off x="4572000" y="2176820"/>
+                <a:ext cx="2514600" cy="95250"/>
               </a:xfrm>
-            </p:grpSpPr>
-            <p:grpSp>
-              <p:nvGrpSpPr>
-                <p:cNvPr id="21" name="Group 20"/>
-                <p:cNvGrpSpPr/>
-                <p:nvPr/>
-              </p:nvGrpSpPr>
-              <p:grpSpPr>
-                <a:xfrm>
-                  <a:off x="251460" y="596806"/>
-                  <a:ext cx="1257300" cy="95250"/>
-                  <a:chOff x="4572000" y="2176820"/>
-                  <a:chExt cx="2514600" cy="95250"/>
-                </a:xfrm>
-              </p:grpSpPr>
-              <p:sp>
-                <p:nvSpPr>
-                  <p:cNvPr id="7" name="Rounded Rectangle 6"/>
-                  <p:cNvSpPr/>
-                  <p:nvPr/>
-                </p:nvSpPr>
-                <p:spPr>
-                  <a:xfrm>
-                    <a:off x="4572000" y="2176820"/>
-                    <a:ext cx="2514600" cy="95250"/>
-                  </a:xfrm>
-                  <a:prstGeom prst="roundRect">
-                    <a:avLst/>
-                  </a:prstGeom>
-                  <a:solidFill>
-                    <a:schemeClr val="tx1"/>
-                  </a:solidFill>
-                  <a:ln>
-                    <a:solidFill>
-                      <a:schemeClr val="tx1"/>
-                    </a:solidFill>
-                  </a:ln>
-                </p:spPr>
-                <p:style>
-                  <a:lnRef idx="2">
-                    <a:schemeClr val="accent1">
-                      <a:shade val="50000"/>
-                    </a:schemeClr>
-                  </a:lnRef>
-                  <a:fillRef idx="1">
-                    <a:schemeClr val="accent1"/>
-                  </a:fillRef>
-                  <a:effectRef idx="0">
-                    <a:schemeClr val="accent1"/>
-                  </a:effectRef>
-                  <a:fontRef idx="minor">
-                    <a:schemeClr val="lt1"/>
-                  </a:fontRef>
-                </p:style>
-                <p:txBody>
-                  <a:bodyPr rtlCol="0" anchor="ctr"/>
-                  <a:lstStyle/>
-                  <a:p>
-                    <a:pPr algn="ctr"/>
-                    <a:endParaRPr lang="en-US"/>
-                  </a:p>
-                </p:txBody>
-              </p:sp>
-              <p:sp>
-                <p:nvSpPr>
-                  <p:cNvPr id="12" name="Rounded Rectangle 11"/>
-                  <p:cNvSpPr/>
-                  <p:nvPr/>
-                </p:nvSpPr>
-                <p:spPr>
-                  <a:xfrm>
-                    <a:off x="4572000" y="2184821"/>
-                    <a:ext cx="2514600" cy="85725"/>
-                  </a:xfrm>
-                  <a:prstGeom prst="roundRect">
-                    <a:avLst/>
-                  </a:prstGeom>
-                  <a:pattFill prst="wdUpDiag">
-                    <a:fgClr>
-                      <a:srgbClr val="00B050"/>
-                    </a:fgClr>
-                    <a:bgClr>
-                      <a:schemeClr val="accent3">
-                        <a:lumMod val="40000"/>
-                        <a:lumOff val="60000"/>
-                      </a:schemeClr>
-                    </a:bgClr>
-                  </a:pattFill>
-                  <a:ln>
-                    <a:noFill/>
-                  </a:ln>
-                </p:spPr>
-                <p:style>
-                  <a:lnRef idx="2">
-                    <a:schemeClr val="accent1">
-                      <a:shade val="50000"/>
-                    </a:schemeClr>
-                  </a:lnRef>
-                  <a:fillRef idx="1">
-                    <a:schemeClr val="accent1"/>
-                  </a:fillRef>
-                  <a:effectRef idx="0">
-                    <a:schemeClr val="accent1"/>
-                  </a:effectRef>
-                  <a:fontRef idx="minor">
-                    <a:schemeClr val="lt1"/>
-                  </a:fontRef>
-                </p:style>
-                <p:txBody>
-                  <a:bodyPr rtlCol="0" anchor="ctr"/>
-                  <a:lstStyle/>
-                  <a:p>
-                    <a:pPr algn="ctr"/>
-                    <a:endParaRPr lang="en-US"/>
-                  </a:p>
-                </p:txBody>
-              </p:sp>
-            </p:grpSp>
-            <p:sp>
-              <p:nvSpPr>
-                <p:cNvPr id="3" name="Rectangle 2"/>
-                <p:cNvSpPr/>
-                <p:nvPr/>
-              </p:nvSpPr>
-              <p:spPr>
-                <a:xfrm>
-                  <a:off x="1958116" y="536709"/>
-                  <a:ext cx="952505" cy="215444"/>
-                </a:xfrm>
-                <a:prstGeom prst="rect">
-                  <a:avLst/>
-                </a:prstGeom>
-              </p:spPr>
-              <p:txBody>
-                <a:bodyPr wrap="none">
-                  <a:spAutoFit/>
-                </a:bodyPr>
-                <a:lstStyle/>
-                <a:p>
-                  <a:r>
-                    <a:rPr lang="en-US" sz="800" dirty="0"/>
-                    <a:t>Visual Studio 2010</a:t>
-                  </a:r>
-                </a:p>
-              </p:txBody>
-            </p:sp>
-            <p:sp>
-              <p:nvSpPr>
-                <p:cNvPr id="36" name="Rectangle 35"/>
-                <p:cNvSpPr/>
-                <p:nvPr/>
-              </p:nvSpPr>
-              <p:spPr>
-                <a:xfrm>
-                  <a:off x="1593124" y="536709"/>
-                  <a:ext cx="412292" cy="215444"/>
-                </a:xfrm>
-                <a:prstGeom prst="rect">
-                  <a:avLst/>
-                </a:prstGeom>
-              </p:spPr>
-              <p:txBody>
-                <a:bodyPr wrap="none">
-                  <a:spAutoFit/>
-                </a:bodyPr>
-                <a:lstStyle/>
-                <a:p>
-                  <a:r>
-                    <a:rPr lang="en-US" sz="800" dirty="0" smtClean="0"/>
-                    <a:t>100%</a:t>
-                  </a:r>
-                  <a:endParaRPr lang="en-US" sz="800" dirty="0"/>
-                </a:p>
-              </p:txBody>
-            </p:sp>
-          </p:grpSp>
-          <p:grpSp>
-            <p:nvGrpSpPr>
-              <p:cNvPr id="16" name="Group 15"/>
-              <p:cNvGrpSpPr/>
+              <a:prstGeom prst="roundRect">
+                <a:avLst/>
+              </a:prstGeom>
+              <a:solidFill>
+                <a:schemeClr val="tx1"/>
+              </a:solidFill>
+              <a:ln>
+                <a:solidFill>
+                  <a:schemeClr val="tx1"/>
+                </a:solidFill>
+              </a:ln>
+            </p:spPr>
+            <p:style>
+              <a:lnRef idx="2">
+                <a:schemeClr val="accent1">
+                  <a:shade val="50000"/>
+                </a:schemeClr>
+              </a:lnRef>
+              <a:fillRef idx="1">
+                <a:schemeClr val="accent1"/>
+              </a:fillRef>
+              <a:effectRef idx="0">
+                <a:schemeClr val="accent1"/>
+              </a:effectRef>
+              <a:fontRef idx="minor">
+                <a:schemeClr val="lt1"/>
+              </a:fontRef>
+            </p:style>
+            <p:txBody>
+              <a:bodyPr rtlCol="0" anchor="ctr"/>
+              <a:lstStyle/>
+              <a:p>
+                <a:pPr algn="ctr"/>
+                <a:endParaRPr lang="en-US"/>
+              </a:p>
+            </p:txBody>
+          </p:sp>
+          <p:sp>
+            <p:nvSpPr>
+              <p:cNvPr id="12" name="Rounded Rectangle 11"/>
+              <p:cNvSpPr/>
               <p:nvPr/>
-            </p:nvGrpSpPr>
-            <p:grpSpPr>
+            </p:nvSpPr>
+            <p:spPr>
               <a:xfrm>
-                <a:off x="251460" y="800110"/>
-                <a:ext cx="2377032" cy="215444"/>
-                <a:chOff x="251460" y="781092"/>
-                <a:chExt cx="2377032" cy="215444"/>
+                <a:off x="4572000" y="2184821"/>
+                <a:ext cx="2514600" cy="85725"/>
               </a:xfrm>
-            </p:grpSpPr>
-            <p:sp>
-              <p:nvSpPr>
-                <p:cNvPr id="24" name="Rectangle 23"/>
-                <p:cNvSpPr/>
-                <p:nvPr/>
-              </p:nvSpPr>
-              <p:spPr>
-                <a:xfrm>
-                  <a:off x="1958116" y="781092"/>
-                  <a:ext cx="670376" cy="215444"/>
-                </a:xfrm>
-                <a:prstGeom prst="rect">
-                  <a:avLst/>
-                </a:prstGeom>
-              </p:spPr>
-              <p:txBody>
-                <a:bodyPr wrap="none">
-                  <a:spAutoFit/>
-                </a:bodyPr>
-                <a:lstStyle/>
-                <a:p>
-                  <a:r>
-                    <a:rPr lang="en-US" sz="800" dirty="0"/>
-                    <a:t>Visual </a:t>
-                  </a:r>
-                  <a:r>
-                    <a:rPr lang="en-US" sz="800" dirty="0" smtClean="0"/>
-                    <a:t>Basic</a:t>
-                  </a:r>
-                  <a:endParaRPr lang="en-US" sz="800" dirty="0"/>
-                </a:p>
-              </p:txBody>
-            </p:sp>
-            <p:sp>
-              <p:nvSpPr>
-                <p:cNvPr id="37" name="Rectangle 36"/>
-                <p:cNvSpPr/>
-                <p:nvPr/>
-              </p:nvSpPr>
-              <p:spPr>
-                <a:xfrm>
-                  <a:off x="1593124" y="781092"/>
-                  <a:ext cx="412292" cy="215444"/>
-                </a:xfrm>
-                <a:prstGeom prst="rect">
-                  <a:avLst/>
-                </a:prstGeom>
-              </p:spPr>
-              <p:txBody>
-                <a:bodyPr wrap="none">
-                  <a:spAutoFit/>
-                </a:bodyPr>
-                <a:lstStyle/>
-                <a:p>
-                  <a:r>
-                    <a:rPr lang="en-US" sz="800" dirty="0" smtClean="0"/>
-                    <a:t>100%</a:t>
-                  </a:r>
-                  <a:endParaRPr lang="en-US" sz="800" dirty="0"/>
-                </a:p>
-              </p:txBody>
-            </p:sp>
-            <p:grpSp>
-              <p:nvGrpSpPr>
-                <p:cNvPr id="118" name="Group 117"/>
-                <p:cNvGrpSpPr/>
-                <p:nvPr/>
-              </p:nvGrpSpPr>
-              <p:grpSpPr>
-                <a:xfrm>
-                  <a:off x="251460" y="841189"/>
-                  <a:ext cx="1257300" cy="95250"/>
-                  <a:chOff x="4572000" y="2176820"/>
-                  <a:chExt cx="2514600" cy="95250"/>
-                </a:xfrm>
-              </p:grpSpPr>
-              <p:sp>
-                <p:nvSpPr>
-                  <p:cNvPr id="119" name="Rounded Rectangle 118"/>
-                  <p:cNvSpPr/>
-                  <p:nvPr/>
-                </p:nvSpPr>
-                <p:spPr>
-                  <a:xfrm>
-                    <a:off x="4572000" y="2176820"/>
-                    <a:ext cx="2514600" cy="95250"/>
-                  </a:xfrm>
-                  <a:prstGeom prst="roundRect">
-                    <a:avLst/>
-                  </a:prstGeom>
-                  <a:solidFill>
-                    <a:schemeClr val="tx1"/>
-                  </a:solidFill>
-                  <a:ln>
-                    <a:solidFill>
-                      <a:schemeClr val="tx1"/>
-                    </a:solidFill>
-                  </a:ln>
-                </p:spPr>
-                <p:style>
-                  <a:lnRef idx="2">
-                    <a:schemeClr val="accent1">
-                      <a:shade val="50000"/>
-                    </a:schemeClr>
-                  </a:lnRef>
-                  <a:fillRef idx="1">
-                    <a:schemeClr val="accent1"/>
-                  </a:fillRef>
-                  <a:effectRef idx="0">
-                    <a:schemeClr val="accent1"/>
-                  </a:effectRef>
-                  <a:fontRef idx="minor">
-                    <a:schemeClr val="lt1"/>
-                  </a:fontRef>
-                </p:style>
-                <p:txBody>
-                  <a:bodyPr rtlCol="0" anchor="ctr"/>
-                  <a:lstStyle/>
-                  <a:p>
-                    <a:pPr algn="ctr"/>
-                    <a:endParaRPr lang="en-US"/>
-                  </a:p>
-                </p:txBody>
-              </p:sp>
-              <p:sp>
-                <p:nvSpPr>
-                  <p:cNvPr id="120" name="Rounded Rectangle 119"/>
-                  <p:cNvSpPr/>
-                  <p:nvPr/>
-                </p:nvSpPr>
-                <p:spPr>
-                  <a:xfrm>
-                    <a:off x="4572000" y="2184821"/>
-                    <a:ext cx="2514600" cy="85725"/>
-                  </a:xfrm>
-                  <a:prstGeom prst="roundRect">
-                    <a:avLst/>
-                  </a:prstGeom>
-                  <a:pattFill prst="wdUpDiag">
-                    <a:fgClr>
-                      <a:srgbClr val="00B050"/>
-                    </a:fgClr>
-                    <a:bgClr>
-                      <a:schemeClr val="accent3">
-                        <a:lumMod val="40000"/>
-                        <a:lumOff val="60000"/>
-                      </a:schemeClr>
-                    </a:bgClr>
-                  </a:pattFill>
-                  <a:ln>
-                    <a:noFill/>
-                  </a:ln>
-                </p:spPr>
-                <p:style>
-                  <a:lnRef idx="2">
-                    <a:schemeClr val="accent1">
-                      <a:shade val="50000"/>
-                    </a:schemeClr>
-                  </a:lnRef>
-                  <a:fillRef idx="1">
-                    <a:schemeClr val="accent1"/>
-                  </a:fillRef>
-                  <a:effectRef idx="0">
-                    <a:schemeClr val="accent1"/>
-                  </a:effectRef>
-                  <a:fontRef idx="minor">
-                    <a:schemeClr val="lt1"/>
-                  </a:fontRef>
-                </p:style>
-                <p:txBody>
-                  <a:bodyPr rtlCol="0" anchor="ctr"/>
-                  <a:lstStyle/>
-                  <a:p>
-                    <a:pPr algn="ctr"/>
-                    <a:endParaRPr lang="en-US"/>
-                  </a:p>
-                </p:txBody>
-              </p:sp>
-            </p:grpSp>
-          </p:grpSp>
-          <p:grpSp>
-            <p:nvGrpSpPr>
-              <p:cNvPr id="17" name="Group 16"/>
-              <p:cNvGrpSpPr/>
-              <p:nvPr/>
-            </p:nvGrpSpPr>
-            <p:grpSpPr>
-              <a:xfrm>
-                <a:off x="251460" y="1063511"/>
-                <a:ext cx="2998997" cy="215444"/>
-                <a:chOff x="251460" y="1040173"/>
-                <a:chExt cx="2998997" cy="215444"/>
-              </a:xfrm>
-            </p:grpSpPr>
-            <p:sp>
-              <p:nvSpPr>
-                <p:cNvPr id="4" name="Rectangle 3"/>
-                <p:cNvSpPr/>
-                <p:nvPr/>
-              </p:nvSpPr>
-              <p:spPr>
-                <a:xfrm>
-                  <a:off x="1958116" y="1040173"/>
-                  <a:ext cx="1292341" cy="215444"/>
-                </a:xfrm>
-                <a:prstGeom prst="rect">
-                  <a:avLst/>
-                </a:prstGeom>
-              </p:spPr>
-              <p:txBody>
-                <a:bodyPr wrap="none">
-                  <a:spAutoFit/>
-                </a:bodyPr>
-                <a:lstStyle/>
-                <a:p>
-                  <a:r>
-                    <a:rPr lang="en-US" sz="800" dirty="0"/>
-                    <a:t>Software versioning (SVN) </a:t>
-                  </a:r>
-                </a:p>
-              </p:txBody>
-            </p:sp>
-            <p:sp>
-              <p:nvSpPr>
-                <p:cNvPr id="38" name="Rectangle 37"/>
-                <p:cNvSpPr/>
-                <p:nvPr/>
-              </p:nvSpPr>
-              <p:spPr>
-                <a:xfrm>
-                  <a:off x="1593124" y="1040173"/>
-                  <a:ext cx="412292" cy="215444"/>
-                </a:xfrm>
-                <a:prstGeom prst="rect">
-                  <a:avLst/>
-                </a:prstGeom>
-              </p:spPr>
-              <p:txBody>
-                <a:bodyPr wrap="none">
-                  <a:spAutoFit/>
-                </a:bodyPr>
-                <a:lstStyle/>
-                <a:p>
-                  <a:r>
-                    <a:rPr lang="en-US" sz="800" dirty="0" smtClean="0"/>
-                    <a:t>100%</a:t>
-                  </a:r>
-                  <a:endParaRPr lang="en-US" sz="800" dirty="0"/>
-                </a:p>
-              </p:txBody>
-            </p:sp>
-            <p:grpSp>
-              <p:nvGrpSpPr>
-                <p:cNvPr id="121" name="Group 120"/>
-                <p:cNvGrpSpPr/>
-                <p:nvPr/>
-              </p:nvGrpSpPr>
-              <p:grpSpPr>
-                <a:xfrm>
-                  <a:off x="251460" y="1100270"/>
-                  <a:ext cx="1257300" cy="95250"/>
-                  <a:chOff x="4572000" y="2176820"/>
-                  <a:chExt cx="2514600" cy="95250"/>
-                </a:xfrm>
-              </p:grpSpPr>
-              <p:sp>
-                <p:nvSpPr>
-                  <p:cNvPr id="122" name="Rounded Rectangle 121"/>
-                  <p:cNvSpPr/>
-                  <p:nvPr/>
-                </p:nvSpPr>
-                <p:spPr>
-                  <a:xfrm>
-                    <a:off x="4572000" y="2176820"/>
-                    <a:ext cx="2514600" cy="95250"/>
-                  </a:xfrm>
-                  <a:prstGeom prst="roundRect">
-                    <a:avLst/>
-                  </a:prstGeom>
-                  <a:solidFill>
-                    <a:schemeClr val="tx1"/>
-                  </a:solidFill>
-                  <a:ln>
-                    <a:solidFill>
-                      <a:schemeClr val="tx1"/>
-                    </a:solidFill>
-                  </a:ln>
-                </p:spPr>
-                <p:style>
-                  <a:lnRef idx="2">
-                    <a:schemeClr val="accent1">
-                      <a:shade val="50000"/>
-                    </a:schemeClr>
-                  </a:lnRef>
-                  <a:fillRef idx="1">
-                    <a:schemeClr val="accent1"/>
-                  </a:fillRef>
-                  <a:effectRef idx="0">
-                    <a:schemeClr val="accent1"/>
-                  </a:effectRef>
-                  <a:fontRef idx="minor">
-                    <a:schemeClr val="lt1"/>
-                  </a:fontRef>
-                </p:style>
-                <p:txBody>
-                  <a:bodyPr rtlCol="0" anchor="ctr"/>
-                  <a:lstStyle/>
-                  <a:p>
-                    <a:pPr algn="ctr"/>
-                    <a:endParaRPr lang="en-US"/>
-                  </a:p>
-                </p:txBody>
-              </p:sp>
-              <p:sp>
-                <p:nvSpPr>
-                  <p:cNvPr id="123" name="Rounded Rectangle 122"/>
-                  <p:cNvSpPr/>
-                  <p:nvPr/>
-                </p:nvSpPr>
-                <p:spPr>
-                  <a:xfrm>
-                    <a:off x="4572000" y="2184821"/>
-                    <a:ext cx="2514600" cy="85725"/>
-                  </a:xfrm>
-                  <a:prstGeom prst="roundRect">
-                    <a:avLst/>
-                  </a:prstGeom>
-                  <a:pattFill prst="wdUpDiag">
-                    <a:fgClr>
-                      <a:srgbClr val="00B050"/>
-                    </a:fgClr>
-                    <a:bgClr>
-                      <a:schemeClr val="accent3">
-                        <a:lumMod val="40000"/>
-                        <a:lumOff val="60000"/>
-                      </a:schemeClr>
-                    </a:bgClr>
-                  </a:pattFill>
-                  <a:ln>
-                    <a:noFill/>
-                  </a:ln>
-                </p:spPr>
-                <p:style>
-                  <a:lnRef idx="2">
-                    <a:schemeClr val="accent1">
-                      <a:shade val="50000"/>
-                    </a:schemeClr>
-                  </a:lnRef>
-                  <a:fillRef idx="1">
-                    <a:schemeClr val="accent1"/>
-                  </a:fillRef>
-                  <a:effectRef idx="0">
-                    <a:schemeClr val="accent1"/>
-                  </a:effectRef>
-                  <a:fontRef idx="minor">
-                    <a:schemeClr val="lt1"/>
-                  </a:fontRef>
-                </p:style>
-                <p:txBody>
-                  <a:bodyPr rtlCol="0" anchor="ctr"/>
-                  <a:lstStyle/>
-                  <a:p>
-                    <a:pPr algn="ctr"/>
-                    <a:endParaRPr lang="en-US"/>
-                  </a:p>
-                </p:txBody>
-              </p:sp>
-            </p:grpSp>
-          </p:grpSp>
-          <p:grpSp>
-            <p:nvGrpSpPr>
-              <p:cNvPr id="18" name="Group 17"/>
-              <p:cNvGrpSpPr/>
-              <p:nvPr/>
-            </p:nvGrpSpPr>
-            <p:grpSpPr>
-              <a:xfrm>
-                <a:off x="251460" y="1326912"/>
-                <a:ext cx="1997120" cy="215444"/>
-                <a:chOff x="251460" y="1308556"/>
-                <a:chExt cx="1997120" cy="215444"/>
-              </a:xfrm>
-            </p:grpSpPr>
-            <p:sp>
-              <p:nvSpPr>
-                <p:cNvPr id="31" name="Rectangle 30"/>
-                <p:cNvSpPr/>
-                <p:nvPr/>
-              </p:nvSpPr>
-              <p:spPr>
-                <a:xfrm>
-                  <a:off x="1958116" y="1308556"/>
-                  <a:ext cx="290464" cy="215444"/>
-                </a:xfrm>
-                <a:prstGeom prst="rect">
-                  <a:avLst/>
-                </a:prstGeom>
-              </p:spPr>
-              <p:txBody>
-                <a:bodyPr wrap="none">
-                  <a:spAutoFit/>
-                </a:bodyPr>
-                <a:lstStyle/>
-                <a:p>
-                  <a:r>
-                    <a:rPr lang="en-US" sz="800" dirty="0" smtClean="0"/>
-                    <a:t>C#</a:t>
-                  </a:r>
-                  <a:endParaRPr lang="en-US" sz="800" dirty="0"/>
-                </a:p>
-              </p:txBody>
-            </p:sp>
-            <p:sp>
-              <p:nvSpPr>
-                <p:cNvPr id="39" name="Rectangle 38"/>
-                <p:cNvSpPr/>
-                <p:nvPr/>
-              </p:nvSpPr>
-              <p:spPr>
-                <a:xfrm>
-                  <a:off x="1593124" y="1308556"/>
-                  <a:ext cx="412292" cy="215444"/>
-                </a:xfrm>
-                <a:prstGeom prst="rect">
-                  <a:avLst/>
-                </a:prstGeom>
-              </p:spPr>
-              <p:txBody>
-                <a:bodyPr wrap="none">
-                  <a:spAutoFit/>
-                </a:bodyPr>
-                <a:lstStyle/>
-                <a:p>
-                  <a:r>
-                    <a:rPr lang="en-US" sz="800" dirty="0" smtClean="0"/>
-                    <a:t>100%</a:t>
-                  </a:r>
-                  <a:endParaRPr lang="en-US" sz="800" dirty="0"/>
-                </a:p>
-              </p:txBody>
-            </p:sp>
-            <p:grpSp>
-              <p:nvGrpSpPr>
-                <p:cNvPr id="124" name="Group 123"/>
-                <p:cNvGrpSpPr/>
-                <p:nvPr/>
-              </p:nvGrpSpPr>
-              <p:grpSpPr>
-                <a:xfrm>
-                  <a:off x="251460" y="1368653"/>
-                  <a:ext cx="1257300" cy="95250"/>
-                  <a:chOff x="4572000" y="2176820"/>
-                  <a:chExt cx="2514600" cy="95250"/>
-                </a:xfrm>
-              </p:grpSpPr>
-              <p:sp>
-                <p:nvSpPr>
-                  <p:cNvPr id="125" name="Rounded Rectangle 124"/>
-                  <p:cNvSpPr/>
-                  <p:nvPr/>
-                </p:nvSpPr>
-                <p:spPr>
-                  <a:xfrm>
-                    <a:off x="4572000" y="2176820"/>
-                    <a:ext cx="2514600" cy="95250"/>
-                  </a:xfrm>
-                  <a:prstGeom prst="roundRect">
-                    <a:avLst/>
-                  </a:prstGeom>
-                  <a:solidFill>
-                    <a:schemeClr val="tx1"/>
-                  </a:solidFill>
-                  <a:ln>
-                    <a:solidFill>
-                      <a:schemeClr val="tx1"/>
-                    </a:solidFill>
-                  </a:ln>
-                </p:spPr>
-                <p:style>
-                  <a:lnRef idx="2">
-                    <a:schemeClr val="accent1">
-                      <a:shade val="50000"/>
-                    </a:schemeClr>
-                  </a:lnRef>
-                  <a:fillRef idx="1">
-                    <a:schemeClr val="accent1"/>
-                  </a:fillRef>
-                  <a:effectRef idx="0">
-                    <a:schemeClr val="accent1"/>
-                  </a:effectRef>
-                  <a:fontRef idx="minor">
-                    <a:schemeClr val="lt1"/>
-                  </a:fontRef>
-                </p:style>
-                <p:txBody>
-                  <a:bodyPr rtlCol="0" anchor="ctr"/>
-                  <a:lstStyle/>
-                  <a:p>
-                    <a:pPr algn="ctr"/>
-                    <a:endParaRPr lang="en-US"/>
-                  </a:p>
-                </p:txBody>
-              </p:sp>
-              <p:sp>
-                <p:nvSpPr>
-                  <p:cNvPr id="126" name="Rounded Rectangle 125"/>
-                  <p:cNvSpPr/>
-                  <p:nvPr/>
-                </p:nvSpPr>
-                <p:spPr>
-                  <a:xfrm>
-                    <a:off x="4572000" y="2184821"/>
-                    <a:ext cx="2514600" cy="85725"/>
-                  </a:xfrm>
-                  <a:prstGeom prst="roundRect">
-                    <a:avLst/>
-                  </a:prstGeom>
-                  <a:pattFill prst="wdUpDiag">
-                    <a:fgClr>
-                      <a:srgbClr val="00B050"/>
-                    </a:fgClr>
-                    <a:bgClr>
-                      <a:schemeClr val="accent3">
-                        <a:lumMod val="40000"/>
-                        <a:lumOff val="60000"/>
-                      </a:schemeClr>
-                    </a:bgClr>
-                  </a:pattFill>
-                  <a:ln>
-                    <a:noFill/>
-                  </a:ln>
-                </p:spPr>
-                <p:style>
-                  <a:lnRef idx="2">
-                    <a:schemeClr val="accent1">
-                      <a:shade val="50000"/>
-                    </a:schemeClr>
-                  </a:lnRef>
-                  <a:fillRef idx="1">
-                    <a:schemeClr val="accent1"/>
-                  </a:fillRef>
-                  <a:effectRef idx="0">
-                    <a:schemeClr val="accent1"/>
-                  </a:effectRef>
-                  <a:fontRef idx="minor">
-                    <a:schemeClr val="lt1"/>
-                  </a:fontRef>
-                </p:style>
-                <p:txBody>
-                  <a:bodyPr rtlCol="0" anchor="ctr"/>
-                  <a:lstStyle/>
-                  <a:p>
-                    <a:pPr algn="ctr"/>
-                    <a:endParaRPr lang="en-US"/>
-                  </a:p>
-                </p:txBody>
-              </p:sp>
-            </p:grpSp>
-          </p:grpSp>
-          <p:grpSp>
-            <p:nvGrpSpPr>
-              <p:cNvPr id="22" name="Group 21"/>
-              <p:cNvGrpSpPr/>
-              <p:nvPr/>
-            </p:nvGrpSpPr>
-            <p:grpSpPr>
-              <a:xfrm>
-                <a:off x="251460" y="1590313"/>
-                <a:ext cx="2048416" cy="215444"/>
-                <a:chOff x="251460" y="1584041"/>
-                <a:chExt cx="2048416" cy="215444"/>
-              </a:xfrm>
-            </p:grpSpPr>
-            <p:sp>
-              <p:nvSpPr>
-                <p:cNvPr id="32" name="Rectangle 31"/>
-                <p:cNvSpPr/>
-                <p:nvPr/>
-              </p:nvSpPr>
-              <p:spPr>
-                <a:xfrm>
-                  <a:off x="1958116" y="1584041"/>
-                  <a:ext cx="341760" cy="215444"/>
-                </a:xfrm>
-                <a:prstGeom prst="rect">
-                  <a:avLst/>
-                </a:prstGeom>
-              </p:spPr>
-              <p:txBody>
-                <a:bodyPr wrap="none">
-                  <a:spAutoFit/>
-                </a:bodyPr>
-                <a:lstStyle/>
-                <a:p>
-                  <a:r>
-                    <a:rPr lang="en-US" sz="800" dirty="0" smtClean="0"/>
-                    <a:t>C++</a:t>
-                  </a:r>
-                  <a:endParaRPr lang="en-US" sz="800" dirty="0"/>
-                </a:p>
-              </p:txBody>
-            </p:sp>
-            <p:sp>
-              <p:nvSpPr>
-                <p:cNvPr id="40" name="Rectangle 39"/>
-                <p:cNvSpPr/>
-                <p:nvPr/>
-              </p:nvSpPr>
-              <p:spPr>
-                <a:xfrm>
-                  <a:off x="1593124" y="1584041"/>
-                  <a:ext cx="412292" cy="215444"/>
-                </a:xfrm>
-                <a:prstGeom prst="rect">
-                  <a:avLst/>
-                </a:prstGeom>
-              </p:spPr>
-              <p:txBody>
-                <a:bodyPr wrap="none">
-                  <a:spAutoFit/>
-                </a:bodyPr>
-                <a:lstStyle/>
-                <a:p>
-                  <a:r>
-                    <a:rPr lang="en-US" sz="800" dirty="0" smtClean="0"/>
-                    <a:t>100%</a:t>
-                  </a:r>
-                  <a:endParaRPr lang="en-US" sz="800" dirty="0"/>
-                </a:p>
-              </p:txBody>
-            </p:sp>
-            <p:grpSp>
-              <p:nvGrpSpPr>
-                <p:cNvPr id="127" name="Group 126"/>
-                <p:cNvGrpSpPr/>
-                <p:nvPr/>
-              </p:nvGrpSpPr>
-              <p:grpSpPr>
-                <a:xfrm>
-                  <a:off x="251460" y="1644138"/>
-                  <a:ext cx="1257300" cy="95250"/>
-                  <a:chOff x="4572000" y="2176820"/>
-                  <a:chExt cx="2514600" cy="95250"/>
-                </a:xfrm>
-              </p:grpSpPr>
-              <p:sp>
-                <p:nvSpPr>
-                  <p:cNvPr id="128" name="Rounded Rectangle 127"/>
-                  <p:cNvSpPr/>
-                  <p:nvPr/>
-                </p:nvSpPr>
-                <p:spPr>
-                  <a:xfrm>
-                    <a:off x="4572000" y="2176820"/>
-                    <a:ext cx="2514600" cy="95250"/>
-                  </a:xfrm>
-                  <a:prstGeom prst="roundRect">
-                    <a:avLst/>
-                  </a:prstGeom>
-                  <a:solidFill>
-                    <a:schemeClr val="tx1"/>
-                  </a:solidFill>
-                  <a:ln>
-                    <a:solidFill>
-                      <a:schemeClr val="tx1"/>
-                    </a:solidFill>
-                  </a:ln>
-                </p:spPr>
-                <p:style>
-                  <a:lnRef idx="2">
-                    <a:schemeClr val="accent1">
-                      <a:shade val="50000"/>
-                    </a:schemeClr>
-                  </a:lnRef>
-                  <a:fillRef idx="1">
-                    <a:schemeClr val="accent1"/>
-                  </a:fillRef>
-                  <a:effectRef idx="0">
-                    <a:schemeClr val="accent1"/>
-                  </a:effectRef>
-                  <a:fontRef idx="minor">
-                    <a:schemeClr val="lt1"/>
-                  </a:fontRef>
-                </p:style>
-                <p:txBody>
-                  <a:bodyPr rtlCol="0" anchor="ctr"/>
-                  <a:lstStyle/>
-                  <a:p>
-                    <a:pPr algn="ctr"/>
-                    <a:endParaRPr lang="en-US"/>
-                  </a:p>
-                </p:txBody>
-              </p:sp>
-              <p:sp>
-                <p:nvSpPr>
-                  <p:cNvPr id="129" name="Rounded Rectangle 128"/>
-                  <p:cNvSpPr/>
-                  <p:nvPr/>
-                </p:nvSpPr>
-                <p:spPr>
-                  <a:xfrm>
-                    <a:off x="4572000" y="2184821"/>
-                    <a:ext cx="2514600" cy="85725"/>
-                  </a:xfrm>
-                  <a:prstGeom prst="roundRect">
-                    <a:avLst/>
-                  </a:prstGeom>
-                  <a:pattFill prst="wdUpDiag">
-                    <a:fgClr>
-                      <a:srgbClr val="00B050"/>
-                    </a:fgClr>
-                    <a:bgClr>
-                      <a:schemeClr val="accent3">
-                        <a:lumMod val="40000"/>
-                        <a:lumOff val="60000"/>
-                      </a:schemeClr>
-                    </a:bgClr>
-                  </a:pattFill>
-                  <a:ln>
-                    <a:noFill/>
-                  </a:ln>
-                </p:spPr>
-                <p:style>
-                  <a:lnRef idx="2">
-                    <a:schemeClr val="accent1">
-                      <a:shade val="50000"/>
-                    </a:schemeClr>
-                  </a:lnRef>
-                  <a:fillRef idx="1">
-                    <a:schemeClr val="accent1"/>
-                  </a:fillRef>
-                  <a:effectRef idx="0">
-                    <a:schemeClr val="accent1"/>
-                  </a:effectRef>
-                  <a:fontRef idx="minor">
-                    <a:schemeClr val="lt1"/>
-                  </a:fontRef>
-                </p:style>
-                <p:txBody>
-                  <a:bodyPr rtlCol="0" anchor="ctr"/>
-                  <a:lstStyle/>
-                  <a:p>
-                    <a:pPr algn="ctr"/>
-                    <a:endParaRPr lang="en-US"/>
-                  </a:p>
-                </p:txBody>
-              </p:sp>
-            </p:grpSp>
-          </p:grpSp>
-          <p:grpSp>
-            <p:nvGrpSpPr>
-              <p:cNvPr id="23" name="Group 22"/>
-              <p:cNvGrpSpPr/>
-              <p:nvPr/>
-            </p:nvGrpSpPr>
-            <p:grpSpPr>
-              <a:xfrm>
-                <a:off x="251460" y="1853714"/>
-                <a:ext cx="1947428" cy="215444"/>
-                <a:chOff x="251460" y="1899329"/>
-                <a:chExt cx="1947428" cy="215444"/>
-              </a:xfrm>
-            </p:grpSpPr>
-            <p:sp>
-              <p:nvSpPr>
-                <p:cNvPr id="33" name="Rectangle 32"/>
-                <p:cNvSpPr/>
-                <p:nvPr/>
-              </p:nvSpPr>
-              <p:spPr>
-                <a:xfrm>
-                  <a:off x="1958116" y="1899329"/>
-                  <a:ext cx="240772" cy="215444"/>
-                </a:xfrm>
-                <a:prstGeom prst="rect">
-                  <a:avLst/>
-                </a:prstGeom>
-              </p:spPr>
-              <p:txBody>
-                <a:bodyPr wrap="none">
-                  <a:spAutoFit/>
-                </a:bodyPr>
-                <a:lstStyle/>
-                <a:p>
-                  <a:r>
-                    <a:rPr lang="en-US" sz="800" dirty="0" smtClean="0"/>
-                    <a:t>R</a:t>
-                  </a:r>
-                  <a:endParaRPr lang="en-US" sz="800" dirty="0"/>
-                </a:p>
-              </p:txBody>
-            </p:sp>
-            <p:sp>
-              <p:nvSpPr>
-                <p:cNvPr id="41" name="Rectangle 40"/>
-                <p:cNvSpPr/>
-                <p:nvPr/>
-              </p:nvSpPr>
-              <p:spPr>
-                <a:xfrm>
-                  <a:off x="1593124" y="1899329"/>
-                  <a:ext cx="412292" cy="215444"/>
-                </a:xfrm>
-                <a:prstGeom prst="rect">
-                  <a:avLst/>
-                </a:prstGeom>
-              </p:spPr>
-              <p:txBody>
-                <a:bodyPr wrap="none">
-                  <a:spAutoFit/>
-                </a:bodyPr>
-                <a:lstStyle/>
-                <a:p>
-                  <a:r>
-                    <a:rPr lang="en-US" sz="800" dirty="0" smtClean="0"/>
-                    <a:t>100%</a:t>
-                  </a:r>
-                  <a:endParaRPr lang="en-US" sz="800" dirty="0"/>
-                </a:p>
-              </p:txBody>
-            </p:sp>
-            <p:grpSp>
-              <p:nvGrpSpPr>
-                <p:cNvPr id="130" name="Group 129"/>
-                <p:cNvGrpSpPr/>
-                <p:nvPr/>
-              </p:nvGrpSpPr>
-              <p:grpSpPr>
-                <a:xfrm>
-                  <a:off x="251460" y="1959426"/>
-                  <a:ext cx="1257300" cy="95250"/>
-                  <a:chOff x="4572000" y="2176820"/>
-                  <a:chExt cx="2514600" cy="95250"/>
-                </a:xfrm>
-              </p:grpSpPr>
-              <p:sp>
-                <p:nvSpPr>
-                  <p:cNvPr id="131" name="Rounded Rectangle 130"/>
-                  <p:cNvSpPr/>
-                  <p:nvPr/>
-                </p:nvSpPr>
-                <p:spPr>
-                  <a:xfrm>
-                    <a:off x="4572000" y="2176820"/>
-                    <a:ext cx="2514600" cy="95250"/>
-                  </a:xfrm>
-                  <a:prstGeom prst="roundRect">
-                    <a:avLst/>
-                  </a:prstGeom>
-                  <a:solidFill>
-                    <a:schemeClr val="tx1"/>
-                  </a:solidFill>
-                  <a:ln>
-                    <a:solidFill>
-                      <a:schemeClr val="tx1"/>
-                    </a:solidFill>
-                  </a:ln>
-                </p:spPr>
-                <p:style>
-                  <a:lnRef idx="2">
-                    <a:schemeClr val="accent1">
-                      <a:shade val="50000"/>
-                    </a:schemeClr>
-                  </a:lnRef>
-                  <a:fillRef idx="1">
-                    <a:schemeClr val="accent1"/>
-                  </a:fillRef>
-                  <a:effectRef idx="0">
-                    <a:schemeClr val="accent1"/>
-                  </a:effectRef>
-                  <a:fontRef idx="minor">
-                    <a:schemeClr val="lt1"/>
-                  </a:fontRef>
-                </p:style>
-                <p:txBody>
-                  <a:bodyPr rtlCol="0" anchor="ctr"/>
-                  <a:lstStyle/>
-                  <a:p>
-                    <a:pPr algn="ctr"/>
-                    <a:endParaRPr lang="en-US"/>
-                  </a:p>
-                </p:txBody>
-              </p:sp>
-              <p:sp>
-                <p:nvSpPr>
-                  <p:cNvPr id="132" name="Rounded Rectangle 131"/>
-                  <p:cNvSpPr/>
-                  <p:nvPr/>
-                </p:nvSpPr>
-                <p:spPr>
-                  <a:xfrm>
-                    <a:off x="4572000" y="2184821"/>
-                    <a:ext cx="2514600" cy="85725"/>
-                  </a:xfrm>
-                  <a:prstGeom prst="roundRect">
-                    <a:avLst/>
-                  </a:prstGeom>
-                  <a:pattFill prst="wdUpDiag">
-                    <a:fgClr>
-                      <a:srgbClr val="00B050"/>
-                    </a:fgClr>
-                    <a:bgClr>
-                      <a:schemeClr val="accent3">
-                        <a:lumMod val="40000"/>
-                        <a:lumOff val="60000"/>
-                      </a:schemeClr>
-                    </a:bgClr>
-                  </a:pattFill>
-                  <a:ln>
-                    <a:noFill/>
-                  </a:ln>
-                </p:spPr>
-                <p:style>
-                  <a:lnRef idx="2">
-                    <a:schemeClr val="accent1">
-                      <a:shade val="50000"/>
-                    </a:schemeClr>
-                  </a:lnRef>
-                  <a:fillRef idx="1">
-                    <a:schemeClr val="accent1"/>
-                  </a:fillRef>
-                  <a:effectRef idx="0">
-                    <a:schemeClr val="accent1"/>
-                  </a:effectRef>
-                  <a:fontRef idx="minor">
-                    <a:schemeClr val="lt1"/>
-                  </a:fontRef>
-                </p:style>
-                <p:txBody>
-                  <a:bodyPr rtlCol="0" anchor="ctr"/>
-                  <a:lstStyle/>
-                  <a:p>
-                    <a:pPr algn="ctr"/>
-                    <a:endParaRPr lang="en-US"/>
-                  </a:p>
-                </p:txBody>
-              </p:sp>
-            </p:grpSp>
-          </p:grpSp>
-          <p:grpSp>
-            <p:nvGrpSpPr>
-              <p:cNvPr id="101" name="Group 100"/>
-              <p:cNvGrpSpPr/>
-              <p:nvPr/>
-            </p:nvGrpSpPr>
-            <p:grpSpPr>
-              <a:xfrm>
-                <a:off x="251460" y="2117115"/>
-                <a:ext cx="2083682" cy="215444"/>
-                <a:chOff x="251460" y="2136766"/>
-                <a:chExt cx="2083682" cy="215444"/>
-              </a:xfrm>
-            </p:grpSpPr>
-            <p:sp>
-              <p:nvSpPr>
-                <p:cNvPr id="34" name="Rectangle 33"/>
-                <p:cNvSpPr/>
-                <p:nvPr/>
-              </p:nvSpPr>
-              <p:spPr>
-                <a:xfrm>
-                  <a:off x="1958116" y="2136766"/>
-                  <a:ext cx="377026" cy="215444"/>
-                </a:xfrm>
-                <a:prstGeom prst="rect">
-                  <a:avLst/>
-                </a:prstGeom>
-              </p:spPr>
-              <p:txBody>
-                <a:bodyPr wrap="none">
-                  <a:spAutoFit/>
-                </a:bodyPr>
-                <a:lstStyle/>
-                <a:p>
-                  <a:r>
-                    <a:rPr lang="en-US" sz="800" dirty="0" smtClean="0"/>
-                    <a:t>SPSS</a:t>
-                  </a:r>
-                  <a:endParaRPr lang="en-US" sz="800" dirty="0"/>
-                </a:p>
-              </p:txBody>
-            </p:sp>
-            <p:sp>
-              <p:nvSpPr>
-                <p:cNvPr id="42" name="Rectangle 41"/>
-                <p:cNvSpPr/>
-                <p:nvPr/>
-              </p:nvSpPr>
-              <p:spPr>
-                <a:xfrm>
-                  <a:off x="1593124" y="2136766"/>
-                  <a:ext cx="412292" cy="215444"/>
-                </a:xfrm>
-                <a:prstGeom prst="rect">
-                  <a:avLst/>
-                </a:prstGeom>
-              </p:spPr>
-              <p:txBody>
-                <a:bodyPr wrap="none">
-                  <a:spAutoFit/>
-                </a:bodyPr>
-                <a:lstStyle/>
-                <a:p>
-                  <a:r>
-                    <a:rPr lang="en-US" sz="800" dirty="0" smtClean="0"/>
-                    <a:t>100%</a:t>
-                  </a:r>
-                  <a:endParaRPr lang="en-US" sz="800" dirty="0"/>
-                </a:p>
-              </p:txBody>
-            </p:sp>
-            <p:grpSp>
-              <p:nvGrpSpPr>
-                <p:cNvPr id="133" name="Group 132"/>
-                <p:cNvGrpSpPr/>
-                <p:nvPr/>
-              </p:nvGrpSpPr>
-              <p:grpSpPr>
-                <a:xfrm>
-                  <a:off x="251460" y="2196863"/>
-                  <a:ext cx="1257300" cy="95250"/>
-                  <a:chOff x="4572000" y="2176820"/>
-                  <a:chExt cx="2514600" cy="95250"/>
-                </a:xfrm>
-              </p:grpSpPr>
-              <p:sp>
-                <p:nvSpPr>
-                  <p:cNvPr id="134" name="Rounded Rectangle 133"/>
-                  <p:cNvSpPr/>
-                  <p:nvPr/>
-                </p:nvSpPr>
-                <p:spPr>
-                  <a:xfrm>
-                    <a:off x="4572000" y="2176820"/>
-                    <a:ext cx="2514600" cy="95250"/>
-                  </a:xfrm>
-                  <a:prstGeom prst="roundRect">
-                    <a:avLst/>
-                  </a:prstGeom>
-                  <a:solidFill>
-                    <a:schemeClr val="tx1"/>
-                  </a:solidFill>
-                  <a:ln>
-                    <a:solidFill>
-                      <a:schemeClr val="tx1"/>
-                    </a:solidFill>
-                  </a:ln>
-                </p:spPr>
-                <p:style>
-                  <a:lnRef idx="2">
-                    <a:schemeClr val="accent1">
-                      <a:shade val="50000"/>
-                    </a:schemeClr>
-                  </a:lnRef>
-                  <a:fillRef idx="1">
-                    <a:schemeClr val="accent1"/>
-                  </a:fillRef>
-                  <a:effectRef idx="0">
-                    <a:schemeClr val="accent1"/>
-                  </a:effectRef>
-                  <a:fontRef idx="minor">
-                    <a:schemeClr val="lt1"/>
-                  </a:fontRef>
-                </p:style>
-                <p:txBody>
-                  <a:bodyPr rtlCol="0" anchor="ctr"/>
-                  <a:lstStyle/>
-                  <a:p>
-                    <a:pPr algn="ctr"/>
-                    <a:endParaRPr lang="en-US"/>
-                  </a:p>
-                </p:txBody>
-              </p:sp>
-              <p:sp>
-                <p:nvSpPr>
-                  <p:cNvPr id="135" name="Rounded Rectangle 134"/>
-                  <p:cNvSpPr/>
-                  <p:nvPr/>
-                </p:nvSpPr>
-                <p:spPr>
-                  <a:xfrm>
-                    <a:off x="4572000" y="2184821"/>
-                    <a:ext cx="2514600" cy="85725"/>
-                  </a:xfrm>
-                  <a:prstGeom prst="roundRect">
-                    <a:avLst/>
-                  </a:prstGeom>
-                  <a:pattFill prst="wdUpDiag">
-                    <a:fgClr>
-                      <a:srgbClr val="00B050"/>
-                    </a:fgClr>
-                    <a:bgClr>
-                      <a:schemeClr val="accent3">
-                        <a:lumMod val="40000"/>
-                        <a:lumOff val="60000"/>
-                      </a:schemeClr>
-                    </a:bgClr>
-                  </a:pattFill>
-                  <a:ln>
-                    <a:noFill/>
-                  </a:ln>
-                </p:spPr>
-                <p:style>
-                  <a:lnRef idx="2">
-                    <a:schemeClr val="accent1">
-                      <a:shade val="50000"/>
-                    </a:schemeClr>
-                  </a:lnRef>
-                  <a:fillRef idx="1">
-                    <a:schemeClr val="accent1"/>
-                  </a:fillRef>
-                  <a:effectRef idx="0">
-                    <a:schemeClr val="accent1"/>
-                  </a:effectRef>
-                  <a:fontRef idx="minor">
-                    <a:schemeClr val="lt1"/>
-                  </a:fontRef>
-                </p:style>
-                <p:txBody>
-                  <a:bodyPr rtlCol="0" anchor="ctr"/>
-                  <a:lstStyle/>
-                  <a:p>
-                    <a:pPr algn="ctr"/>
-                    <a:endParaRPr lang="en-US"/>
-                  </a:p>
-                </p:txBody>
-              </p:sp>
-            </p:grpSp>
-          </p:grpSp>
-          <p:grpSp>
-            <p:nvGrpSpPr>
-              <p:cNvPr id="178" name="Group 177"/>
-              <p:cNvGrpSpPr/>
-              <p:nvPr/>
-            </p:nvGrpSpPr>
-            <p:grpSpPr>
-              <a:xfrm>
-                <a:off x="251460" y="2380516"/>
-                <a:ext cx="2372223" cy="215444"/>
-                <a:chOff x="276306" y="2393633"/>
-                <a:chExt cx="2372223" cy="215444"/>
-              </a:xfrm>
-            </p:grpSpPr>
-            <p:sp>
-              <p:nvSpPr>
-                <p:cNvPr id="35" name="Rectangle 34"/>
-                <p:cNvSpPr/>
-                <p:nvPr/>
-              </p:nvSpPr>
-              <p:spPr>
-                <a:xfrm>
-                  <a:off x="1982962" y="2393633"/>
-                  <a:ext cx="665567" cy="215444"/>
-                </a:xfrm>
-                <a:prstGeom prst="rect">
-                  <a:avLst/>
-                </a:prstGeom>
-              </p:spPr>
-              <p:txBody>
-                <a:bodyPr wrap="none">
-                  <a:spAutoFit/>
-                </a:bodyPr>
-                <a:lstStyle/>
-                <a:p>
-                  <a:r>
-                    <a:rPr lang="en-US" sz="800" dirty="0" smtClean="0"/>
-                    <a:t>INNO setup</a:t>
-                  </a:r>
-                  <a:endParaRPr lang="en-US" sz="800" dirty="0"/>
-                </a:p>
-              </p:txBody>
-            </p:sp>
-            <p:sp>
-              <p:nvSpPr>
-                <p:cNvPr id="43" name="Rectangle 42"/>
-                <p:cNvSpPr/>
-                <p:nvPr/>
-              </p:nvSpPr>
-              <p:spPr>
-                <a:xfrm>
-                  <a:off x="1617970" y="2393633"/>
-                  <a:ext cx="412292" cy="215444"/>
-                </a:xfrm>
-                <a:prstGeom prst="rect">
-                  <a:avLst/>
-                </a:prstGeom>
-              </p:spPr>
-              <p:txBody>
-                <a:bodyPr wrap="none">
-                  <a:spAutoFit/>
-                </a:bodyPr>
-                <a:lstStyle/>
-                <a:p>
-                  <a:r>
-                    <a:rPr lang="en-US" sz="800" dirty="0" smtClean="0"/>
-                    <a:t>100%</a:t>
-                  </a:r>
-                  <a:endParaRPr lang="en-US" sz="800" dirty="0"/>
-                </a:p>
-              </p:txBody>
-            </p:sp>
-            <p:grpSp>
-              <p:nvGrpSpPr>
-                <p:cNvPr id="136" name="Group 135"/>
-                <p:cNvGrpSpPr/>
-                <p:nvPr/>
-              </p:nvGrpSpPr>
-              <p:grpSpPr>
-                <a:xfrm>
-                  <a:off x="276306" y="2453730"/>
-                  <a:ext cx="1257300" cy="95250"/>
-                  <a:chOff x="4572000" y="2176820"/>
-                  <a:chExt cx="2514600" cy="95250"/>
-                </a:xfrm>
-              </p:grpSpPr>
-              <p:sp>
-                <p:nvSpPr>
-                  <p:cNvPr id="137" name="Rounded Rectangle 136"/>
-                  <p:cNvSpPr/>
-                  <p:nvPr/>
-                </p:nvSpPr>
-                <p:spPr>
-                  <a:xfrm>
-                    <a:off x="4572000" y="2176820"/>
-                    <a:ext cx="2514600" cy="95250"/>
-                  </a:xfrm>
-                  <a:prstGeom prst="roundRect">
-                    <a:avLst/>
-                  </a:prstGeom>
-                  <a:solidFill>
-                    <a:schemeClr val="tx1"/>
-                  </a:solidFill>
-                  <a:ln>
-                    <a:solidFill>
-                      <a:schemeClr val="tx1"/>
-                    </a:solidFill>
-                  </a:ln>
-                </p:spPr>
-                <p:style>
-                  <a:lnRef idx="2">
-                    <a:schemeClr val="accent1">
-                      <a:shade val="50000"/>
-                    </a:schemeClr>
-                  </a:lnRef>
-                  <a:fillRef idx="1">
-                    <a:schemeClr val="accent1"/>
-                  </a:fillRef>
-                  <a:effectRef idx="0">
-                    <a:schemeClr val="accent1"/>
-                  </a:effectRef>
-                  <a:fontRef idx="minor">
-                    <a:schemeClr val="lt1"/>
-                  </a:fontRef>
-                </p:style>
-                <p:txBody>
-                  <a:bodyPr rtlCol="0" anchor="ctr"/>
-                  <a:lstStyle/>
-                  <a:p>
-                    <a:pPr algn="ctr"/>
-                    <a:endParaRPr lang="en-US"/>
-                  </a:p>
-                </p:txBody>
-              </p:sp>
-              <p:sp>
-                <p:nvSpPr>
-                  <p:cNvPr id="138" name="Rounded Rectangle 137"/>
-                  <p:cNvSpPr/>
-                  <p:nvPr/>
-                </p:nvSpPr>
-                <p:spPr>
-                  <a:xfrm>
-                    <a:off x="4572000" y="2184821"/>
-                    <a:ext cx="2514600" cy="85725"/>
-                  </a:xfrm>
-                  <a:prstGeom prst="roundRect">
-                    <a:avLst/>
-                  </a:prstGeom>
-                  <a:pattFill prst="wdUpDiag">
-                    <a:fgClr>
-                      <a:srgbClr val="00B050"/>
-                    </a:fgClr>
-                    <a:bgClr>
-                      <a:schemeClr val="accent3">
-                        <a:lumMod val="40000"/>
-                        <a:lumOff val="60000"/>
-                      </a:schemeClr>
-                    </a:bgClr>
-                  </a:pattFill>
-                  <a:ln>
-                    <a:noFill/>
-                  </a:ln>
-                </p:spPr>
-                <p:style>
-                  <a:lnRef idx="2">
-                    <a:schemeClr val="accent1">
-                      <a:shade val="50000"/>
-                    </a:schemeClr>
-                  </a:lnRef>
-                  <a:fillRef idx="1">
-                    <a:schemeClr val="accent1"/>
-                  </a:fillRef>
-                  <a:effectRef idx="0">
-                    <a:schemeClr val="accent1"/>
-                  </a:effectRef>
-                  <a:fontRef idx="minor">
-                    <a:schemeClr val="lt1"/>
-                  </a:fontRef>
-                </p:style>
-                <p:txBody>
-                  <a:bodyPr rtlCol="0" anchor="ctr"/>
-                  <a:lstStyle/>
-                  <a:p>
-                    <a:pPr algn="ctr"/>
-                    <a:endParaRPr lang="en-US"/>
-                  </a:p>
-                </p:txBody>
-              </p:sp>
-            </p:grpSp>
-          </p:grpSp>
-          <p:grpSp>
-            <p:nvGrpSpPr>
-              <p:cNvPr id="179" name="Group 178"/>
-              <p:cNvGrpSpPr/>
-              <p:nvPr/>
-            </p:nvGrpSpPr>
-            <p:grpSpPr>
-              <a:xfrm>
-                <a:off x="251460" y="2643917"/>
-                <a:ext cx="2090094" cy="215444"/>
-                <a:chOff x="251460" y="2681146"/>
-                <a:chExt cx="2090094" cy="215444"/>
-              </a:xfrm>
-            </p:grpSpPr>
-            <p:sp>
-              <p:nvSpPr>
-                <p:cNvPr id="8" name="Rectangle 7"/>
-                <p:cNvSpPr/>
-                <p:nvPr/>
-              </p:nvSpPr>
-              <p:spPr>
-                <a:xfrm>
-                  <a:off x="1958116" y="2681146"/>
-                  <a:ext cx="383438" cy="215444"/>
-                </a:xfrm>
-                <a:prstGeom prst="rect">
-                  <a:avLst/>
-                </a:prstGeom>
-              </p:spPr>
-              <p:txBody>
-                <a:bodyPr wrap="none">
-                  <a:spAutoFit/>
-                </a:bodyPr>
-                <a:lstStyle/>
-                <a:p>
-                  <a:r>
-                    <a:rPr lang="en-US" sz="800" dirty="0" err="1"/>
-                    <a:t>.Net</a:t>
-                  </a:r>
-                  <a:r>
-                    <a:rPr lang="en-US" sz="800" dirty="0"/>
-                    <a:t> </a:t>
-                  </a:r>
-                </a:p>
-              </p:txBody>
-            </p:sp>
-            <p:sp>
-              <p:nvSpPr>
-                <p:cNvPr id="44" name="Rectangle 43"/>
-                <p:cNvSpPr/>
-                <p:nvPr/>
-              </p:nvSpPr>
-              <p:spPr>
-                <a:xfrm>
-                  <a:off x="1593124" y="2681146"/>
-                  <a:ext cx="412292" cy="215444"/>
-                </a:xfrm>
-                <a:prstGeom prst="rect">
-                  <a:avLst/>
-                </a:prstGeom>
-              </p:spPr>
-              <p:txBody>
-                <a:bodyPr wrap="none">
-                  <a:spAutoFit/>
-                </a:bodyPr>
-                <a:lstStyle/>
-                <a:p>
-                  <a:r>
-                    <a:rPr lang="en-US" sz="800" dirty="0" smtClean="0"/>
-                    <a:t>100%</a:t>
-                  </a:r>
-                  <a:endParaRPr lang="en-US" sz="800" dirty="0"/>
-                </a:p>
-              </p:txBody>
-            </p:sp>
-            <p:grpSp>
-              <p:nvGrpSpPr>
-                <p:cNvPr id="139" name="Group 138"/>
-                <p:cNvGrpSpPr/>
-                <p:nvPr/>
-              </p:nvGrpSpPr>
-              <p:grpSpPr>
-                <a:xfrm>
-                  <a:off x="251460" y="2741243"/>
-                  <a:ext cx="1257300" cy="95250"/>
-                  <a:chOff x="4572000" y="2176820"/>
-                  <a:chExt cx="2514600" cy="95250"/>
-                </a:xfrm>
-              </p:grpSpPr>
-              <p:sp>
-                <p:nvSpPr>
-                  <p:cNvPr id="140" name="Rounded Rectangle 139"/>
-                  <p:cNvSpPr/>
-                  <p:nvPr/>
-                </p:nvSpPr>
-                <p:spPr>
-                  <a:xfrm>
-                    <a:off x="4572000" y="2176820"/>
-                    <a:ext cx="2514600" cy="95250"/>
-                  </a:xfrm>
-                  <a:prstGeom prst="roundRect">
-                    <a:avLst/>
-                  </a:prstGeom>
-                  <a:solidFill>
-                    <a:schemeClr val="tx1"/>
-                  </a:solidFill>
-                  <a:ln>
-                    <a:solidFill>
-                      <a:schemeClr val="tx1"/>
-                    </a:solidFill>
-                  </a:ln>
-                </p:spPr>
-                <p:style>
-                  <a:lnRef idx="2">
-                    <a:schemeClr val="accent1">
-                      <a:shade val="50000"/>
-                    </a:schemeClr>
-                  </a:lnRef>
-                  <a:fillRef idx="1">
-                    <a:schemeClr val="accent1"/>
-                  </a:fillRef>
-                  <a:effectRef idx="0">
-                    <a:schemeClr val="accent1"/>
-                  </a:effectRef>
-                  <a:fontRef idx="minor">
-                    <a:schemeClr val="lt1"/>
-                  </a:fontRef>
-                </p:style>
-                <p:txBody>
-                  <a:bodyPr rtlCol="0" anchor="ctr"/>
-                  <a:lstStyle/>
-                  <a:p>
-                    <a:pPr algn="ctr"/>
-                    <a:endParaRPr lang="en-US"/>
-                  </a:p>
-                </p:txBody>
-              </p:sp>
-              <p:sp>
-                <p:nvSpPr>
-                  <p:cNvPr id="141" name="Rounded Rectangle 140"/>
-                  <p:cNvSpPr/>
-                  <p:nvPr/>
-                </p:nvSpPr>
-                <p:spPr>
-                  <a:xfrm>
-                    <a:off x="4572000" y="2184821"/>
-                    <a:ext cx="2514600" cy="85725"/>
-                  </a:xfrm>
-                  <a:prstGeom prst="roundRect">
-                    <a:avLst/>
-                  </a:prstGeom>
-                  <a:pattFill prst="wdUpDiag">
-                    <a:fgClr>
-                      <a:srgbClr val="00B050"/>
-                    </a:fgClr>
-                    <a:bgClr>
-                      <a:schemeClr val="accent3">
-                        <a:lumMod val="40000"/>
-                        <a:lumOff val="60000"/>
-                      </a:schemeClr>
-                    </a:bgClr>
-                  </a:pattFill>
-                  <a:ln>
-                    <a:noFill/>
-                  </a:ln>
-                </p:spPr>
-                <p:style>
-                  <a:lnRef idx="2">
-                    <a:schemeClr val="accent1">
-                      <a:shade val="50000"/>
-                    </a:schemeClr>
-                  </a:lnRef>
-                  <a:fillRef idx="1">
-                    <a:schemeClr val="accent1"/>
-                  </a:fillRef>
-                  <a:effectRef idx="0">
-                    <a:schemeClr val="accent1"/>
-                  </a:effectRef>
-                  <a:fontRef idx="minor">
-                    <a:schemeClr val="lt1"/>
-                  </a:fontRef>
-                </p:style>
-                <p:txBody>
-                  <a:bodyPr rtlCol="0" anchor="ctr"/>
-                  <a:lstStyle/>
-                  <a:p>
-                    <a:pPr algn="ctr"/>
-                    <a:endParaRPr lang="en-US"/>
-                  </a:p>
-                </p:txBody>
-              </p:sp>
-            </p:grpSp>
-          </p:grpSp>
-          <p:grpSp>
-            <p:nvGrpSpPr>
-              <p:cNvPr id="180" name="Group 179"/>
-              <p:cNvGrpSpPr/>
-              <p:nvPr/>
-            </p:nvGrpSpPr>
-            <p:grpSpPr>
-              <a:xfrm>
-                <a:off x="251460" y="2907318"/>
-                <a:ext cx="2421916" cy="215444"/>
-                <a:chOff x="251460" y="2958289"/>
-                <a:chExt cx="2421916" cy="215444"/>
-              </a:xfrm>
-            </p:grpSpPr>
-            <p:sp>
-              <p:nvSpPr>
-                <p:cNvPr id="9" name="Rectangle 8"/>
-                <p:cNvSpPr/>
-                <p:nvPr/>
-              </p:nvSpPr>
-              <p:spPr>
-                <a:xfrm>
-                  <a:off x="1958116" y="2958289"/>
-                  <a:ext cx="715260" cy="215444"/>
-                </a:xfrm>
-                <a:prstGeom prst="rect">
-                  <a:avLst/>
-                </a:prstGeom>
-              </p:spPr>
-              <p:txBody>
-                <a:bodyPr wrap="none">
-                  <a:spAutoFit/>
-                </a:bodyPr>
-                <a:lstStyle/>
-                <a:p>
-                  <a:r>
-                    <a:rPr lang="en-US" sz="800" dirty="0"/>
-                    <a:t>ARCGIS 10.0 </a:t>
-                  </a:r>
-                </a:p>
-              </p:txBody>
-            </p:sp>
-            <p:sp>
-              <p:nvSpPr>
-                <p:cNvPr id="45" name="Rectangle 44"/>
-                <p:cNvSpPr/>
-                <p:nvPr/>
-              </p:nvSpPr>
-              <p:spPr>
-                <a:xfrm>
-                  <a:off x="1593124" y="2958289"/>
-                  <a:ext cx="412292" cy="215444"/>
-                </a:xfrm>
-                <a:prstGeom prst="rect">
-                  <a:avLst/>
-                </a:prstGeom>
-              </p:spPr>
-              <p:txBody>
-                <a:bodyPr wrap="none">
-                  <a:spAutoFit/>
-                </a:bodyPr>
-                <a:lstStyle/>
-                <a:p>
-                  <a:r>
-                    <a:rPr lang="en-US" sz="800" dirty="0" smtClean="0"/>
-                    <a:t>100%</a:t>
-                  </a:r>
-                  <a:endParaRPr lang="en-US" sz="800" dirty="0"/>
-                </a:p>
-              </p:txBody>
-            </p:sp>
-            <p:grpSp>
-              <p:nvGrpSpPr>
-                <p:cNvPr id="142" name="Group 141"/>
-                <p:cNvGrpSpPr/>
-                <p:nvPr/>
-              </p:nvGrpSpPr>
-              <p:grpSpPr>
-                <a:xfrm>
-                  <a:off x="251460" y="3018386"/>
-                  <a:ext cx="1257300" cy="95250"/>
-                  <a:chOff x="4572000" y="2176820"/>
-                  <a:chExt cx="2514600" cy="95250"/>
-                </a:xfrm>
-              </p:grpSpPr>
-              <p:sp>
-                <p:nvSpPr>
-                  <p:cNvPr id="143" name="Rounded Rectangle 142"/>
-                  <p:cNvSpPr/>
-                  <p:nvPr/>
-                </p:nvSpPr>
-                <p:spPr>
-                  <a:xfrm>
-                    <a:off x="4572000" y="2176820"/>
-                    <a:ext cx="2514600" cy="95250"/>
-                  </a:xfrm>
-                  <a:prstGeom prst="roundRect">
-                    <a:avLst/>
-                  </a:prstGeom>
-                  <a:solidFill>
-                    <a:schemeClr val="tx1"/>
-                  </a:solidFill>
-                  <a:ln>
-                    <a:solidFill>
-                      <a:schemeClr val="tx1"/>
-                    </a:solidFill>
-                  </a:ln>
-                </p:spPr>
-                <p:style>
-                  <a:lnRef idx="2">
-                    <a:schemeClr val="accent1">
-                      <a:shade val="50000"/>
-                    </a:schemeClr>
-                  </a:lnRef>
-                  <a:fillRef idx="1">
-                    <a:schemeClr val="accent1"/>
-                  </a:fillRef>
-                  <a:effectRef idx="0">
-                    <a:schemeClr val="accent1"/>
-                  </a:effectRef>
-                  <a:fontRef idx="minor">
-                    <a:schemeClr val="lt1"/>
-                  </a:fontRef>
-                </p:style>
-                <p:txBody>
-                  <a:bodyPr rtlCol="0" anchor="ctr"/>
-                  <a:lstStyle/>
-                  <a:p>
-                    <a:pPr algn="ctr"/>
-                    <a:endParaRPr lang="en-US"/>
-                  </a:p>
-                </p:txBody>
-              </p:sp>
-              <p:sp>
-                <p:nvSpPr>
-                  <p:cNvPr id="144" name="Rounded Rectangle 143"/>
-                  <p:cNvSpPr/>
-                  <p:nvPr/>
-                </p:nvSpPr>
-                <p:spPr>
-                  <a:xfrm>
-                    <a:off x="4572000" y="2184821"/>
-                    <a:ext cx="2514600" cy="85725"/>
-                  </a:xfrm>
-                  <a:prstGeom prst="roundRect">
-                    <a:avLst/>
-                  </a:prstGeom>
-                  <a:pattFill prst="wdUpDiag">
-                    <a:fgClr>
-                      <a:srgbClr val="00B050"/>
-                    </a:fgClr>
-                    <a:bgClr>
-                      <a:schemeClr val="accent3">
-                        <a:lumMod val="40000"/>
-                        <a:lumOff val="60000"/>
-                      </a:schemeClr>
-                    </a:bgClr>
-                  </a:pattFill>
-                  <a:ln>
-                    <a:noFill/>
-                  </a:ln>
-                </p:spPr>
-                <p:style>
-                  <a:lnRef idx="2">
-                    <a:schemeClr val="accent1">
-                      <a:shade val="50000"/>
-                    </a:schemeClr>
-                  </a:lnRef>
-                  <a:fillRef idx="1">
-                    <a:schemeClr val="accent1"/>
-                  </a:fillRef>
-                  <a:effectRef idx="0">
-                    <a:schemeClr val="accent1"/>
-                  </a:effectRef>
-                  <a:fontRef idx="minor">
-                    <a:schemeClr val="lt1"/>
-                  </a:fontRef>
-                </p:style>
-                <p:txBody>
-                  <a:bodyPr rtlCol="0" anchor="ctr"/>
-                  <a:lstStyle/>
-                  <a:p>
-                    <a:pPr algn="ctr"/>
-                    <a:endParaRPr lang="en-US"/>
-                  </a:p>
-                </p:txBody>
-              </p:sp>
-            </p:grpSp>
-          </p:grpSp>
-          <p:grpSp>
-            <p:nvGrpSpPr>
-              <p:cNvPr id="181" name="Group 180"/>
-              <p:cNvGrpSpPr/>
-              <p:nvPr/>
-            </p:nvGrpSpPr>
-            <p:grpSpPr>
-              <a:xfrm>
-                <a:off x="251460" y="3170719"/>
-                <a:ext cx="2115742" cy="215444"/>
-                <a:chOff x="251460" y="3183049"/>
-                <a:chExt cx="2115742" cy="215444"/>
-              </a:xfrm>
-            </p:grpSpPr>
-            <p:sp>
-              <p:nvSpPr>
-                <p:cNvPr id="11" name="Rectangle 10"/>
-                <p:cNvSpPr/>
-                <p:nvPr/>
-              </p:nvSpPr>
-              <p:spPr>
-                <a:xfrm>
-                  <a:off x="1958116" y="3183049"/>
-                  <a:ext cx="409086" cy="215444"/>
-                </a:xfrm>
-                <a:prstGeom prst="rect">
-                  <a:avLst/>
-                </a:prstGeom>
-              </p:spPr>
-              <p:txBody>
-                <a:bodyPr wrap="none">
-                  <a:spAutoFit/>
-                </a:bodyPr>
-                <a:lstStyle/>
-                <a:p>
-                  <a:r>
-                    <a:rPr lang="en-US" sz="800" dirty="0"/>
-                    <a:t>Gimp</a:t>
-                  </a:r>
-                </a:p>
-              </p:txBody>
-            </p:sp>
-            <p:sp>
-              <p:nvSpPr>
-                <p:cNvPr id="46" name="Rectangle 45"/>
-                <p:cNvSpPr/>
-                <p:nvPr/>
-              </p:nvSpPr>
-              <p:spPr>
-                <a:xfrm>
-                  <a:off x="1593124" y="3183049"/>
-                  <a:ext cx="412292" cy="215444"/>
-                </a:xfrm>
-                <a:prstGeom prst="rect">
-                  <a:avLst/>
-                </a:prstGeom>
-              </p:spPr>
-              <p:txBody>
-                <a:bodyPr wrap="none">
-                  <a:spAutoFit/>
-                </a:bodyPr>
-                <a:lstStyle/>
-                <a:p>
-                  <a:r>
-                    <a:rPr lang="en-US" sz="800" dirty="0" smtClean="0"/>
-                    <a:t>100%</a:t>
-                  </a:r>
-                  <a:endParaRPr lang="en-US" sz="800" dirty="0"/>
-                </a:p>
-              </p:txBody>
-            </p:sp>
-            <p:grpSp>
-              <p:nvGrpSpPr>
-                <p:cNvPr id="145" name="Group 144"/>
-                <p:cNvGrpSpPr/>
-                <p:nvPr/>
-              </p:nvGrpSpPr>
-              <p:grpSpPr>
-                <a:xfrm>
-                  <a:off x="251460" y="3243146"/>
-                  <a:ext cx="1257300" cy="95250"/>
-                  <a:chOff x="4572000" y="2176820"/>
-                  <a:chExt cx="2514600" cy="95250"/>
-                </a:xfrm>
-              </p:grpSpPr>
-              <p:sp>
-                <p:nvSpPr>
-                  <p:cNvPr id="146" name="Rounded Rectangle 145"/>
-                  <p:cNvSpPr/>
-                  <p:nvPr/>
-                </p:nvSpPr>
-                <p:spPr>
-                  <a:xfrm>
-                    <a:off x="4572000" y="2176820"/>
-                    <a:ext cx="2514600" cy="95250"/>
-                  </a:xfrm>
-                  <a:prstGeom prst="roundRect">
-                    <a:avLst/>
-                  </a:prstGeom>
-                  <a:solidFill>
-                    <a:schemeClr val="tx1"/>
-                  </a:solidFill>
-                  <a:ln>
-                    <a:solidFill>
-                      <a:schemeClr val="tx1"/>
-                    </a:solidFill>
-                  </a:ln>
-                </p:spPr>
-                <p:style>
-                  <a:lnRef idx="2">
-                    <a:schemeClr val="accent1">
-                      <a:shade val="50000"/>
-                    </a:schemeClr>
-                  </a:lnRef>
-                  <a:fillRef idx="1">
-                    <a:schemeClr val="accent1"/>
-                  </a:fillRef>
-                  <a:effectRef idx="0">
-                    <a:schemeClr val="accent1"/>
-                  </a:effectRef>
-                  <a:fontRef idx="minor">
-                    <a:schemeClr val="lt1"/>
-                  </a:fontRef>
-                </p:style>
-                <p:txBody>
-                  <a:bodyPr rtlCol="0" anchor="ctr"/>
-                  <a:lstStyle/>
-                  <a:p>
-                    <a:pPr algn="ctr"/>
-                    <a:endParaRPr lang="en-US"/>
-                  </a:p>
-                </p:txBody>
-              </p:sp>
-              <p:sp>
-                <p:nvSpPr>
-                  <p:cNvPr id="147" name="Rounded Rectangle 146"/>
-                  <p:cNvSpPr/>
-                  <p:nvPr/>
-                </p:nvSpPr>
-                <p:spPr>
-                  <a:xfrm>
-                    <a:off x="4572000" y="2184821"/>
-                    <a:ext cx="2514600" cy="85725"/>
-                  </a:xfrm>
-                  <a:prstGeom prst="roundRect">
-                    <a:avLst/>
-                  </a:prstGeom>
-                  <a:pattFill prst="wdUpDiag">
-                    <a:fgClr>
-                      <a:srgbClr val="00B050"/>
-                    </a:fgClr>
-                    <a:bgClr>
-                      <a:schemeClr val="accent3">
-                        <a:lumMod val="40000"/>
-                        <a:lumOff val="60000"/>
-                      </a:schemeClr>
-                    </a:bgClr>
-                  </a:pattFill>
-                  <a:ln>
-                    <a:noFill/>
-                  </a:ln>
-                </p:spPr>
-                <p:style>
-                  <a:lnRef idx="2">
-                    <a:schemeClr val="accent1">
-                      <a:shade val="50000"/>
-                    </a:schemeClr>
-                  </a:lnRef>
-                  <a:fillRef idx="1">
-                    <a:schemeClr val="accent1"/>
-                  </a:fillRef>
-                  <a:effectRef idx="0">
-                    <a:schemeClr val="accent1"/>
-                  </a:effectRef>
-                  <a:fontRef idx="minor">
-                    <a:schemeClr val="lt1"/>
-                  </a:fontRef>
-                </p:style>
-                <p:txBody>
-                  <a:bodyPr rtlCol="0" anchor="ctr"/>
-                  <a:lstStyle/>
-                  <a:p>
-                    <a:pPr algn="ctr"/>
-                    <a:endParaRPr lang="en-US"/>
-                  </a:p>
-                </p:txBody>
-              </p:sp>
-            </p:grpSp>
-          </p:grpSp>
-          <p:grpSp>
-            <p:nvGrpSpPr>
-              <p:cNvPr id="182" name="Group 181"/>
-              <p:cNvGrpSpPr/>
-              <p:nvPr/>
-            </p:nvGrpSpPr>
-            <p:grpSpPr>
-              <a:xfrm>
-                <a:off x="251460" y="3434125"/>
-                <a:ext cx="2798622" cy="215444"/>
-                <a:chOff x="251460" y="3434125"/>
-                <a:chExt cx="2798622" cy="215444"/>
-              </a:xfrm>
-            </p:grpSpPr>
-            <p:sp>
-              <p:nvSpPr>
-                <p:cNvPr id="10" name="Rectangle 9"/>
-                <p:cNvSpPr/>
-                <p:nvPr/>
-              </p:nvSpPr>
-              <p:spPr>
-                <a:xfrm>
-                  <a:off x="1958116" y="3434125"/>
-                  <a:ext cx="1091966" cy="215444"/>
-                </a:xfrm>
-                <a:prstGeom prst="rect">
-                  <a:avLst/>
-                </a:prstGeom>
-              </p:spPr>
-              <p:txBody>
-                <a:bodyPr wrap="none">
-                  <a:spAutoFit/>
-                </a:bodyPr>
-                <a:lstStyle/>
-                <a:p>
-                  <a:r>
-                    <a:rPr lang="en-US" sz="800" dirty="0"/>
-                    <a:t>Microsoft Office tools</a:t>
-                  </a:r>
-                </a:p>
-              </p:txBody>
-            </p:sp>
-            <p:sp>
-              <p:nvSpPr>
-                <p:cNvPr id="47" name="Rectangle 46"/>
-                <p:cNvSpPr/>
-                <p:nvPr/>
-              </p:nvSpPr>
-              <p:spPr>
-                <a:xfrm>
-                  <a:off x="1593124" y="3434125"/>
-                  <a:ext cx="412292" cy="215444"/>
-                </a:xfrm>
-                <a:prstGeom prst="rect">
-                  <a:avLst/>
-                </a:prstGeom>
-              </p:spPr>
-              <p:txBody>
-                <a:bodyPr wrap="none">
-                  <a:spAutoFit/>
-                </a:bodyPr>
-                <a:lstStyle/>
-                <a:p>
-                  <a:r>
-                    <a:rPr lang="en-US" sz="800" dirty="0" smtClean="0"/>
-                    <a:t>100%</a:t>
-                  </a:r>
-                  <a:endParaRPr lang="en-US" sz="800" dirty="0"/>
-                </a:p>
-              </p:txBody>
-            </p:sp>
-            <p:grpSp>
-              <p:nvGrpSpPr>
-                <p:cNvPr id="148" name="Group 147"/>
-                <p:cNvGrpSpPr/>
-                <p:nvPr/>
-              </p:nvGrpSpPr>
-              <p:grpSpPr>
-                <a:xfrm>
-                  <a:off x="251460" y="3494222"/>
-                  <a:ext cx="1257300" cy="95250"/>
-                  <a:chOff x="4572000" y="2176820"/>
-                  <a:chExt cx="2514600" cy="95250"/>
-                </a:xfrm>
-              </p:grpSpPr>
-              <p:sp>
-                <p:nvSpPr>
-                  <p:cNvPr id="149" name="Rounded Rectangle 148"/>
-                  <p:cNvSpPr/>
-                  <p:nvPr/>
-                </p:nvSpPr>
-                <p:spPr>
-                  <a:xfrm>
-                    <a:off x="4572000" y="2176820"/>
-                    <a:ext cx="2514600" cy="95250"/>
-                  </a:xfrm>
-                  <a:prstGeom prst="roundRect">
-                    <a:avLst/>
-                  </a:prstGeom>
-                  <a:solidFill>
-                    <a:schemeClr val="tx1"/>
-                  </a:solidFill>
-                  <a:ln>
-                    <a:solidFill>
-                      <a:schemeClr val="tx1"/>
-                    </a:solidFill>
-                  </a:ln>
-                </p:spPr>
-                <p:style>
-                  <a:lnRef idx="2">
-                    <a:schemeClr val="accent1">
-                      <a:shade val="50000"/>
-                    </a:schemeClr>
-                  </a:lnRef>
-                  <a:fillRef idx="1">
-                    <a:schemeClr val="accent1"/>
-                  </a:fillRef>
-                  <a:effectRef idx="0">
-                    <a:schemeClr val="accent1"/>
-                  </a:effectRef>
-                  <a:fontRef idx="minor">
-                    <a:schemeClr val="lt1"/>
-                  </a:fontRef>
-                </p:style>
-                <p:txBody>
-                  <a:bodyPr rtlCol="0" anchor="ctr"/>
-                  <a:lstStyle/>
-                  <a:p>
-                    <a:pPr algn="ctr"/>
-                    <a:endParaRPr lang="en-US"/>
-                  </a:p>
-                </p:txBody>
-              </p:sp>
-              <p:sp>
-                <p:nvSpPr>
-                  <p:cNvPr id="150" name="Rounded Rectangle 149"/>
-                  <p:cNvSpPr/>
-                  <p:nvPr/>
-                </p:nvSpPr>
-                <p:spPr>
-                  <a:xfrm>
-                    <a:off x="4572000" y="2184821"/>
-                    <a:ext cx="2514600" cy="85725"/>
-                  </a:xfrm>
-                  <a:prstGeom prst="roundRect">
-                    <a:avLst/>
-                  </a:prstGeom>
-                  <a:pattFill prst="wdUpDiag">
-                    <a:fgClr>
-                      <a:srgbClr val="00B050"/>
-                    </a:fgClr>
-                    <a:bgClr>
-                      <a:schemeClr val="accent3">
-                        <a:lumMod val="40000"/>
-                        <a:lumOff val="60000"/>
-                      </a:schemeClr>
-                    </a:bgClr>
-                  </a:pattFill>
-                  <a:ln>
-                    <a:noFill/>
-                  </a:ln>
-                </p:spPr>
-                <p:style>
-                  <a:lnRef idx="2">
-                    <a:schemeClr val="accent1">
-                      <a:shade val="50000"/>
-                    </a:schemeClr>
-                  </a:lnRef>
-                  <a:fillRef idx="1">
-                    <a:schemeClr val="accent1"/>
-                  </a:fillRef>
-                  <a:effectRef idx="0">
-                    <a:schemeClr val="accent1"/>
-                  </a:effectRef>
-                  <a:fontRef idx="minor">
-                    <a:schemeClr val="lt1"/>
-                  </a:fontRef>
-                </p:style>
-                <p:txBody>
-                  <a:bodyPr rtlCol="0" anchor="ctr"/>
-                  <a:lstStyle/>
-                  <a:p>
-                    <a:pPr algn="ctr"/>
-                    <a:endParaRPr lang="en-US"/>
-                  </a:p>
-                </p:txBody>
-              </p:sp>
-            </p:grpSp>
-          </p:grpSp>
+              <a:prstGeom prst="roundRect">
+                <a:avLst/>
+              </a:prstGeom>
+              <a:pattFill prst="wdUpDiag">
+                <a:fgClr>
+                  <a:srgbClr val="00B050"/>
+                </a:fgClr>
+                <a:bgClr>
+                  <a:schemeClr val="accent3">
+                    <a:lumMod val="40000"/>
+                    <a:lumOff val="60000"/>
+                  </a:schemeClr>
+                </a:bgClr>
+              </a:pattFill>
+              <a:ln>
+                <a:noFill/>
+              </a:ln>
+            </p:spPr>
+            <p:style>
+              <a:lnRef idx="2">
+                <a:schemeClr val="accent1">
+                  <a:shade val="50000"/>
+                </a:schemeClr>
+              </a:lnRef>
+              <a:fillRef idx="1">
+                <a:schemeClr val="accent1"/>
+              </a:fillRef>
+              <a:effectRef idx="0">
+                <a:schemeClr val="accent1"/>
+              </a:effectRef>
+              <a:fontRef idx="minor">
+                <a:schemeClr val="lt1"/>
+              </a:fontRef>
+            </p:style>
+            <p:txBody>
+              <a:bodyPr rtlCol="0" anchor="ctr"/>
+              <a:lstStyle/>
+              <a:p>
+                <a:pPr algn="ctr"/>
+                <a:endParaRPr lang="en-US"/>
+              </a:p>
+            </p:txBody>
+          </p:sp>
         </p:grpSp>
+        <p:sp>
+          <p:nvSpPr>
+            <p:cNvPr id="3" name="Rectangle 2"/>
+            <p:cNvSpPr/>
+            <p:nvPr/>
+          </p:nvSpPr>
+          <p:spPr>
+            <a:xfrm>
+              <a:off x="2060459" y="528488"/>
+              <a:ext cx="952505" cy="215444"/>
+            </a:xfrm>
+            <a:prstGeom prst="rect">
+              <a:avLst/>
+            </a:prstGeom>
+          </p:spPr>
+          <p:txBody>
+            <a:bodyPr wrap="none">
+              <a:spAutoFit/>
+            </a:bodyPr>
+            <a:lstStyle/>
+            <a:p>
+              <a:r>
+                <a:rPr lang="en-US" sz="800" dirty="0"/>
+                <a:t>Visual Studio 2010</a:t>
+              </a:r>
+            </a:p>
+          </p:txBody>
+        </p:sp>
+        <p:sp>
+          <p:nvSpPr>
+            <p:cNvPr id="36" name="Rectangle 35"/>
+            <p:cNvSpPr/>
+            <p:nvPr/>
+          </p:nvSpPr>
+          <p:spPr>
+            <a:xfrm>
+              <a:off x="1593124" y="528488"/>
+              <a:ext cx="412292" cy="215444"/>
+            </a:xfrm>
+            <a:prstGeom prst="rect">
+              <a:avLst/>
+            </a:prstGeom>
+          </p:spPr>
+          <p:txBody>
+            <a:bodyPr wrap="none">
+              <a:spAutoFit/>
+            </a:bodyPr>
+            <a:lstStyle/>
+            <a:p>
+              <a:r>
+                <a:rPr lang="en-US" sz="800" dirty="0" smtClean="0"/>
+                <a:t>100%</a:t>
+              </a:r>
+              <a:endParaRPr lang="en-US" sz="800" dirty="0"/>
+            </a:p>
+          </p:txBody>
+        </p:sp>
+        <p:sp>
+          <p:nvSpPr>
+            <p:cNvPr id="24" name="Rectangle 23"/>
+            <p:cNvSpPr/>
+            <p:nvPr/>
+          </p:nvSpPr>
+          <p:spPr>
+            <a:xfrm>
+              <a:off x="2060459" y="791889"/>
+              <a:ext cx="670376" cy="215444"/>
+            </a:xfrm>
+            <a:prstGeom prst="rect">
+              <a:avLst/>
+            </a:prstGeom>
+          </p:spPr>
+          <p:txBody>
+            <a:bodyPr wrap="none">
+              <a:spAutoFit/>
+            </a:bodyPr>
+            <a:lstStyle/>
+            <a:p>
+              <a:r>
+                <a:rPr lang="en-US" sz="800" dirty="0"/>
+                <a:t>Visual </a:t>
+              </a:r>
+              <a:r>
+                <a:rPr lang="en-US" sz="800" dirty="0" smtClean="0"/>
+                <a:t>Basic</a:t>
+              </a:r>
+              <a:endParaRPr lang="en-US" sz="800" dirty="0"/>
+            </a:p>
+          </p:txBody>
+        </p:sp>
+        <p:sp>
+          <p:nvSpPr>
+            <p:cNvPr id="37" name="Rectangle 36"/>
+            <p:cNvSpPr/>
+            <p:nvPr/>
+          </p:nvSpPr>
+          <p:spPr>
+            <a:xfrm>
+              <a:off x="1593124" y="791889"/>
+              <a:ext cx="412292" cy="215444"/>
+            </a:xfrm>
+            <a:prstGeom prst="rect">
+              <a:avLst/>
+            </a:prstGeom>
+          </p:spPr>
+          <p:txBody>
+            <a:bodyPr wrap="none">
+              <a:spAutoFit/>
+            </a:bodyPr>
+            <a:lstStyle/>
+            <a:p>
+              <a:r>
+                <a:rPr lang="en-US" sz="800" dirty="0" smtClean="0"/>
+                <a:t>100%</a:t>
+              </a:r>
+              <a:endParaRPr lang="en-US" sz="800" dirty="0"/>
+            </a:p>
+          </p:txBody>
+        </p:sp>
         <p:grpSp>
           <p:nvGrpSpPr>
-            <p:cNvPr id="193" name="Group 192"/>
+            <p:cNvPr id="118" name="Group 117"/>
             <p:cNvGrpSpPr/>
             <p:nvPr/>
           </p:nvGrpSpPr>
           <p:grpSpPr>
             <a:xfrm>
-              <a:off x="3440705" y="528488"/>
-              <a:ext cx="2346167" cy="1986112"/>
-              <a:chOff x="3440705" y="528488"/>
-              <a:chExt cx="2346167" cy="1986112"/>
+              <a:off x="251460" y="851986"/>
+              <a:ext cx="1257300" cy="95250"/>
+              <a:chOff x="4572000" y="2176820"/>
+              <a:chExt cx="2514600" cy="95250"/>
             </a:xfrm>
           </p:grpSpPr>
-          <p:grpSp>
-            <p:nvGrpSpPr>
-              <p:cNvPr id="184" name="Group 183"/>
-              <p:cNvGrpSpPr/>
+          <p:sp>
+            <p:nvSpPr>
+              <p:cNvPr id="119" name="Rounded Rectangle 118"/>
+              <p:cNvSpPr/>
               <p:nvPr/>
-            </p:nvGrpSpPr>
-            <p:grpSpPr>
+            </p:nvSpPr>
+            <p:spPr>
               <a:xfrm>
-                <a:off x="3440705" y="528488"/>
-                <a:ext cx="1989819" cy="215444"/>
-                <a:chOff x="3440705" y="528488"/>
-                <a:chExt cx="1989819" cy="215444"/>
+                <a:off x="4572000" y="2176820"/>
+                <a:ext cx="2514600" cy="95250"/>
               </a:xfrm>
-            </p:grpSpPr>
-            <p:sp>
-              <p:nvSpPr>
-                <p:cNvPr id="75" name="Rectangle 74"/>
-                <p:cNvSpPr/>
-                <p:nvPr/>
-              </p:nvSpPr>
-              <p:spPr>
-                <a:xfrm>
-                  <a:off x="4833909" y="528488"/>
-                  <a:ext cx="360996" cy="215444"/>
-                </a:xfrm>
-                <a:prstGeom prst="rect">
-                  <a:avLst/>
-                </a:prstGeom>
-              </p:spPr>
-              <p:txBody>
-                <a:bodyPr wrap="none">
-                  <a:spAutoFit/>
-                </a:bodyPr>
-                <a:lstStyle/>
-                <a:p>
-                  <a:r>
-                    <a:rPr lang="en-US" sz="800" dirty="0" smtClean="0"/>
-                    <a:t>50%</a:t>
-                  </a:r>
-                  <a:endParaRPr lang="en-US" sz="800" dirty="0"/>
-                </a:p>
-              </p:txBody>
-            </p:sp>
-            <p:sp>
-              <p:nvSpPr>
-                <p:cNvPr id="76" name="Rectangle 75"/>
-                <p:cNvSpPr/>
-                <p:nvPr/>
-              </p:nvSpPr>
-              <p:spPr>
-                <a:xfrm>
-                  <a:off x="5191356" y="528488"/>
-                  <a:ext cx="239168" cy="215444"/>
-                </a:xfrm>
-                <a:prstGeom prst="rect">
-                  <a:avLst/>
-                </a:prstGeom>
-              </p:spPr>
-              <p:txBody>
-                <a:bodyPr wrap="none">
-                  <a:spAutoFit/>
-                </a:bodyPr>
-                <a:lstStyle/>
-                <a:p>
-                  <a:r>
-                    <a:rPr lang="en-US" sz="800" dirty="0" smtClean="0"/>
-                    <a:t>C</a:t>
-                  </a:r>
-                  <a:endParaRPr lang="en-US" sz="800" dirty="0"/>
-                </a:p>
-              </p:txBody>
-            </p:sp>
-            <p:grpSp>
-              <p:nvGrpSpPr>
-                <p:cNvPr id="112" name="Group 111"/>
-                <p:cNvGrpSpPr/>
-                <p:nvPr/>
-              </p:nvGrpSpPr>
-              <p:grpSpPr>
-                <a:xfrm>
-                  <a:off x="3440705" y="588585"/>
-                  <a:ext cx="1257544" cy="95250"/>
-                  <a:chOff x="4571513" y="1291709"/>
-                  <a:chExt cx="2515087" cy="95250"/>
-                </a:xfrm>
-              </p:grpSpPr>
-              <p:sp>
-                <p:nvSpPr>
-                  <p:cNvPr id="113" name="Rounded Rectangle 112"/>
-                  <p:cNvSpPr/>
-                  <p:nvPr/>
-                </p:nvSpPr>
-                <p:spPr>
-                  <a:xfrm>
-                    <a:off x="4572000" y="1291709"/>
-                    <a:ext cx="2514600" cy="95250"/>
-                  </a:xfrm>
-                  <a:prstGeom prst="roundRect">
-                    <a:avLst/>
-                  </a:prstGeom>
-                  <a:solidFill>
-                    <a:schemeClr val="tx1"/>
-                  </a:solidFill>
-                  <a:ln>
-                    <a:solidFill>
-                      <a:schemeClr val="tx1"/>
-                    </a:solidFill>
-                  </a:ln>
-                </p:spPr>
-                <p:style>
-                  <a:lnRef idx="2">
-                    <a:schemeClr val="accent1">
-                      <a:shade val="50000"/>
-                    </a:schemeClr>
-                  </a:lnRef>
-                  <a:fillRef idx="1">
-                    <a:schemeClr val="accent1"/>
-                  </a:fillRef>
-                  <a:effectRef idx="0">
-                    <a:schemeClr val="accent1"/>
-                  </a:effectRef>
-                  <a:fontRef idx="minor">
-                    <a:schemeClr val="lt1"/>
-                  </a:fontRef>
-                </p:style>
-                <p:txBody>
-                  <a:bodyPr rtlCol="0" anchor="ctr"/>
-                  <a:lstStyle/>
-                  <a:p>
-                    <a:pPr algn="ctr"/>
-                    <a:endParaRPr lang="en-US"/>
-                  </a:p>
-                </p:txBody>
-              </p:sp>
-              <p:sp>
-                <p:nvSpPr>
-                  <p:cNvPr id="114" name="Rounded Rectangle 113"/>
-                  <p:cNvSpPr/>
-                  <p:nvPr/>
-                </p:nvSpPr>
-                <p:spPr>
-                  <a:xfrm>
-                    <a:off x="4571513" y="1295400"/>
-                    <a:ext cx="1261872" cy="85725"/>
-                  </a:xfrm>
-                  <a:prstGeom prst="roundRect">
-                    <a:avLst/>
-                  </a:prstGeom>
-                  <a:pattFill prst="wdUpDiag">
-                    <a:fgClr>
-                      <a:srgbClr val="FFC000"/>
-                    </a:fgClr>
-                    <a:bgClr>
-                      <a:srgbClr val="FFFF00"/>
-                    </a:bgClr>
-                  </a:pattFill>
-                  <a:ln>
-                    <a:noFill/>
-                  </a:ln>
-                </p:spPr>
-                <p:style>
-                  <a:lnRef idx="2">
-                    <a:schemeClr val="accent1">
-                      <a:shade val="50000"/>
-                    </a:schemeClr>
-                  </a:lnRef>
-                  <a:fillRef idx="1">
-                    <a:schemeClr val="accent1"/>
-                  </a:fillRef>
-                  <a:effectRef idx="0">
-                    <a:schemeClr val="accent1"/>
-                  </a:effectRef>
-                  <a:fontRef idx="minor">
-                    <a:schemeClr val="lt1"/>
-                  </a:fontRef>
-                </p:style>
-                <p:txBody>
-                  <a:bodyPr rtlCol="0" anchor="ctr"/>
-                  <a:lstStyle/>
-                  <a:p>
-                    <a:pPr algn="ctr"/>
-                    <a:endParaRPr lang="en-US"/>
-                  </a:p>
-                </p:txBody>
-              </p:sp>
-            </p:grpSp>
-          </p:grpSp>
-          <p:grpSp>
-            <p:nvGrpSpPr>
-              <p:cNvPr id="189" name="Group 188"/>
-              <p:cNvGrpSpPr/>
+              <a:prstGeom prst="roundRect">
+                <a:avLst/>
+              </a:prstGeom>
+              <a:solidFill>
+                <a:schemeClr val="tx1"/>
+              </a:solidFill>
+              <a:ln>
+                <a:solidFill>
+                  <a:schemeClr val="tx1"/>
+                </a:solidFill>
+              </a:ln>
+            </p:spPr>
+            <p:style>
+              <a:lnRef idx="2">
+                <a:schemeClr val="accent1">
+                  <a:shade val="50000"/>
+                </a:schemeClr>
+              </a:lnRef>
+              <a:fillRef idx="1">
+                <a:schemeClr val="accent1"/>
+              </a:fillRef>
+              <a:effectRef idx="0">
+                <a:schemeClr val="accent1"/>
+              </a:effectRef>
+              <a:fontRef idx="minor">
+                <a:schemeClr val="lt1"/>
+              </a:fontRef>
+            </p:style>
+            <p:txBody>
+              <a:bodyPr rtlCol="0" anchor="ctr"/>
+              <a:lstStyle/>
+              <a:p>
+                <a:pPr algn="ctr"/>
+                <a:endParaRPr lang="en-US"/>
+              </a:p>
+            </p:txBody>
+          </p:sp>
+          <p:sp>
+            <p:nvSpPr>
+              <p:cNvPr id="120" name="Rounded Rectangle 119"/>
+              <p:cNvSpPr/>
               <p:nvPr/>
-            </p:nvGrpSpPr>
-            <p:grpSpPr>
+            </p:nvSpPr>
+            <p:spPr>
               <a:xfrm>
-                <a:off x="3440705" y="1793253"/>
-                <a:ext cx="2094015" cy="215444"/>
-                <a:chOff x="3440705" y="2086324"/>
-                <a:chExt cx="2094015" cy="215444"/>
+                <a:off x="4572000" y="2184821"/>
+                <a:ext cx="2514600" cy="85725"/>
               </a:xfrm>
-            </p:grpSpPr>
-            <p:sp>
-              <p:nvSpPr>
-                <p:cNvPr id="96" name="Rectangle 95"/>
-                <p:cNvSpPr/>
-                <p:nvPr/>
-              </p:nvSpPr>
-              <p:spPr>
-                <a:xfrm>
-                  <a:off x="4833909" y="2086324"/>
-                  <a:ext cx="360996" cy="215444"/>
-                </a:xfrm>
-                <a:prstGeom prst="rect">
-                  <a:avLst/>
-                </a:prstGeom>
-              </p:spPr>
-              <p:txBody>
-                <a:bodyPr wrap="none">
-                  <a:spAutoFit/>
-                </a:bodyPr>
-                <a:lstStyle/>
-                <a:p>
-                  <a:r>
-                    <a:rPr lang="en-US" sz="800" dirty="0" smtClean="0"/>
-                    <a:t>25%</a:t>
-                  </a:r>
-                  <a:endParaRPr lang="en-US" sz="800" dirty="0"/>
-                </a:p>
-              </p:txBody>
-            </p:sp>
-            <p:sp>
-              <p:nvSpPr>
-                <p:cNvPr id="151" name="Rectangle 150"/>
-                <p:cNvSpPr/>
-                <p:nvPr/>
-              </p:nvSpPr>
-              <p:spPr>
-                <a:xfrm>
-                  <a:off x="5191356" y="2086324"/>
-                  <a:ext cx="343364" cy="215444"/>
-                </a:xfrm>
-                <a:prstGeom prst="rect">
-                  <a:avLst/>
-                </a:prstGeom>
-              </p:spPr>
-              <p:txBody>
-                <a:bodyPr wrap="none">
-                  <a:spAutoFit/>
-                </a:bodyPr>
-                <a:lstStyle/>
-                <a:p>
-                  <a:r>
-                    <a:rPr lang="en-US" sz="800" dirty="0" smtClean="0"/>
-                    <a:t>SQL</a:t>
-                  </a:r>
-                  <a:endParaRPr lang="en-US" sz="800" dirty="0"/>
-                </a:p>
-              </p:txBody>
-            </p:sp>
-            <p:grpSp>
-              <p:nvGrpSpPr>
-                <p:cNvPr id="152" name="Group 151"/>
-                <p:cNvGrpSpPr/>
-                <p:nvPr/>
-              </p:nvGrpSpPr>
-              <p:grpSpPr>
-                <a:xfrm>
-                  <a:off x="3440705" y="2146421"/>
-                  <a:ext cx="1257300" cy="95250"/>
-                  <a:chOff x="4572000" y="978930"/>
-                  <a:chExt cx="2514600" cy="95250"/>
-                </a:xfrm>
-              </p:grpSpPr>
-              <p:sp>
-                <p:nvSpPr>
-                  <p:cNvPr id="153" name="Rounded Rectangle 152"/>
-                  <p:cNvSpPr/>
-                  <p:nvPr/>
-                </p:nvSpPr>
-                <p:spPr>
-                  <a:xfrm>
-                    <a:off x="4572000" y="978930"/>
-                    <a:ext cx="2514600" cy="95250"/>
-                  </a:xfrm>
-                  <a:prstGeom prst="roundRect">
-                    <a:avLst/>
-                  </a:prstGeom>
-                  <a:solidFill>
-                    <a:schemeClr val="tx1"/>
-                  </a:solidFill>
-                  <a:ln>
-                    <a:solidFill>
-                      <a:schemeClr val="tx1"/>
-                    </a:solidFill>
-                  </a:ln>
-                </p:spPr>
-                <p:style>
-                  <a:lnRef idx="2">
-                    <a:schemeClr val="accent1">
-                      <a:shade val="50000"/>
-                    </a:schemeClr>
-                  </a:lnRef>
-                  <a:fillRef idx="1">
-                    <a:schemeClr val="accent1"/>
-                  </a:fillRef>
-                  <a:effectRef idx="0">
-                    <a:schemeClr val="accent1"/>
-                  </a:effectRef>
-                  <a:fontRef idx="minor">
-                    <a:schemeClr val="lt1"/>
-                  </a:fontRef>
-                </p:style>
-                <p:txBody>
-                  <a:bodyPr rtlCol="0" anchor="ctr"/>
-                  <a:lstStyle/>
-                  <a:p>
-                    <a:pPr algn="ctr"/>
-                    <a:endParaRPr lang="en-US"/>
-                  </a:p>
-                </p:txBody>
-              </p:sp>
-              <p:sp>
-                <p:nvSpPr>
-                  <p:cNvPr id="154" name="Rounded Rectangle 153"/>
-                  <p:cNvSpPr/>
-                  <p:nvPr/>
-                </p:nvSpPr>
-                <p:spPr>
-                  <a:xfrm>
-                    <a:off x="4572000" y="983692"/>
-                    <a:ext cx="630936" cy="85725"/>
-                  </a:xfrm>
-                  <a:prstGeom prst="roundRect">
-                    <a:avLst/>
-                  </a:prstGeom>
-                  <a:pattFill prst="wdUpDiag">
-                    <a:fgClr>
-                      <a:schemeClr val="accent2">
-                        <a:lumMod val="60000"/>
-                        <a:lumOff val="40000"/>
-                      </a:schemeClr>
-                    </a:fgClr>
-                    <a:bgClr>
-                      <a:schemeClr val="accent2">
-                        <a:lumMod val="20000"/>
-                        <a:lumOff val="80000"/>
-                      </a:schemeClr>
-                    </a:bgClr>
-                  </a:pattFill>
-                  <a:ln>
-                    <a:noFill/>
-                  </a:ln>
-                </p:spPr>
-                <p:style>
-                  <a:lnRef idx="2">
-                    <a:schemeClr val="accent1">
-                      <a:shade val="50000"/>
-                    </a:schemeClr>
-                  </a:lnRef>
-                  <a:fillRef idx="1">
-                    <a:schemeClr val="accent1"/>
-                  </a:fillRef>
-                  <a:effectRef idx="0">
-                    <a:schemeClr val="accent1"/>
-                  </a:effectRef>
-                  <a:fontRef idx="minor">
-                    <a:schemeClr val="lt1"/>
-                  </a:fontRef>
-                </p:style>
-                <p:txBody>
-                  <a:bodyPr rtlCol="0" anchor="ctr"/>
-                  <a:lstStyle/>
-                  <a:p>
-                    <a:pPr algn="ctr"/>
-                    <a:endParaRPr lang="en-US"/>
-                  </a:p>
-                </p:txBody>
-              </p:sp>
-            </p:grpSp>
-          </p:grpSp>
-          <p:grpSp>
-            <p:nvGrpSpPr>
-              <p:cNvPr id="185" name="Group 184"/>
-              <p:cNvGrpSpPr/>
+              <a:prstGeom prst="roundRect">
+                <a:avLst/>
+              </a:prstGeom>
+              <a:pattFill prst="wdUpDiag">
+                <a:fgClr>
+                  <a:srgbClr val="00B050"/>
+                </a:fgClr>
+                <a:bgClr>
+                  <a:schemeClr val="accent3">
+                    <a:lumMod val="40000"/>
+                    <a:lumOff val="60000"/>
+                  </a:schemeClr>
+                </a:bgClr>
+              </a:pattFill>
+              <a:ln>
+                <a:noFill/>
+              </a:ln>
+            </p:spPr>
+            <p:style>
+              <a:lnRef idx="2">
+                <a:schemeClr val="accent1">
+                  <a:shade val="50000"/>
+                </a:schemeClr>
+              </a:lnRef>
+              <a:fillRef idx="1">
+                <a:schemeClr val="accent1"/>
+              </a:fillRef>
+              <a:effectRef idx="0">
+                <a:schemeClr val="accent1"/>
+              </a:effectRef>
+              <a:fontRef idx="minor">
+                <a:schemeClr val="lt1"/>
+              </a:fontRef>
+            </p:style>
+            <p:txBody>
+              <a:bodyPr rtlCol="0" anchor="ctr"/>
+              <a:lstStyle/>
+              <a:p>
+                <a:pPr algn="ctr"/>
+                <a:endParaRPr lang="en-US"/>
+              </a:p>
+            </p:txBody>
+          </p:sp>
+        </p:grpSp>
+        <p:sp>
+          <p:nvSpPr>
+            <p:cNvPr id="4" name="Rectangle 3"/>
+            <p:cNvSpPr/>
+            <p:nvPr/>
+          </p:nvSpPr>
+          <p:spPr>
+            <a:xfrm>
+              <a:off x="2060459" y="1055290"/>
+              <a:ext cx="1292341" cy="215444"/>
+            </a:xfrm>
+            <a:prstGeom prst="rect">
+              <a:avLst/>
+            </a:prstGeom>
+          </p:spPr>
+          <p:txBody>
+            <a:bodyPr wrap="none">
+              <a:spAutoFit/>
+            </a:bodyPr>
+            <a:lstStyle/>
+            <a:p>
+              <a:r>
+                <a:rPr lang="en-US" sz="800" dirty="0"/>
+                <a:t>Software versioning (SVN) </a:t>
+              </a:r>
+            </a:p>
+          </p:txBody>
+        </p:sp>
+        <p:sp>
+          <p:nvSpPr>
+            <p:cNvPr id="38" name="Rectangle 37"/>
+            <p:cNvSpPr/>
+            <p:nvPr/>
+          </p:nvSpPr>
+          <p:spPr>
+            <a:xfrm>
+              <a:off x="1593124" y="1055290"/>
+              <a:ext cx="412292" cy="215444"/>
+            </a:xfrm>
+            <a:prstGeom prst="rect">
+              <a:avLst/>
+            </a:prstGeom>
+          </p:spPr>
+          <p:txBody>
+            <a:bodyPr wrap="none">
+              <a:spAutoFit/>
+            </a:bodyPr>
+            <a:lstStyle/>
+            <a:p>
+              <a:r>
+                <a:rPr lang="en-US" sz="800" dirty="0" smtClean="0"/>
+                <a:t>100%</a:t>
+              </a:r>
+              <a:endParaRPr lang="en-US" sz="800" dirty="0"/>
+            </a:p>
+          </p:txBody>
+        </p:sp>
+        <p:grpSp>
+          <p:nvGrpSpPr>
+            <p:cNvPr id="121" name="Group 120"/>
+            <p:cNvGrpSpPr/>
+            <p:nvPr/>
+          </p:nvGrpSpPr>
+          <p:grpSpPr>
+            <a:xfrm>
+              <a:off x="251460" y="1115387"/>
+              <a:ext cx="1257300" cy="95250"/>
+              <a:chOff x="4572000" y="2176820"/>
+              <a:chExt cx="2514600" cy="95250"/>
+            </a:xfrm>
+          </p:grpSpPr>
+          <p:sp>
+            <p:nvSpPr>
+              <p:cNvPr id="122" name="Rounded Rectangle 121"/>
+              <p:cNvSpPr/>
               <p:nvPr/>
-            </p:nvGrpSpPr>
-            <p:grpSpPr>
+            </p:nvSpPr>
+            <p:spPr>
               <a:xfrm>
-                <a:off x="3440705" y="781441"/>
-                <a:ext cx="2146868" cy="215444"/>
-                <a:chOff x="3474414" y="846211"/>
-                <a:chExt cx="2146868" cy="215444"/>
+                <a:off x="4572000" y="2176820"/>
+                <a:ext cx="2514600" cy="95250"/>
               </a:xfrm>
-            </p:grpSpPr>
-            <p:sp>
-              <p:nvSpPr>
-                <p:cNvPr id="80" name="Rectangle 79"/>
-                <p:cNvSpPr/>
-                <p:nvPr/>
-              </p:nvSpPr>
-              <p:spPr>
-                <a:xfrm>
-                  <a:off x="4833909" y="846211"/>
-                  <a:ext cx="360996" cy="215444"/>
-                </a:xfrm>
-                <a:prstGeom prst="rect">
-                  <a:avLst/>
-                </a:prstGeom>
-              </p:spPr>
-              <p:txBody>
-                <a:bodyPr wrap="none">
-                  <a:spAutoFit/>
-                </a:bodyPr>
-                <a:lstStyle/>
-                <a:p>
-                  <a:r>
-                    <a:rPr lang="en-US" sz="800" dirty="0" smtClean="0"/>
-                    <a:t>50%</a:t>
-                  </a:r>
-                  <a:endParaRPr lang="en-US" sz="800" dirty="0"/>
-                </a:p>
-              </p:txBody>
-            </p:sp>
-            <p:sp>
-              <p:nvSpPr>
-                <p:cNvPr id="81" name="Rectangle 80"/>
-                <p:cNvSpPr/>
-                <p:nvPr/>
-              </p:nvSpPr>
-              <p:spPr>
-                <a:xfrm>
-                  <a:off x="5191356" y="846211"/>
-                  <a:ext cx="429926" cy="215444"/>
-                </a:xfrm>
-                <a:prstGeom prst="rect">
-                  <a:avLst/>
-                </a:prstGeom>
-              </p:spPr>
-              <p:txBody>
-                <a:bodyPr wrap="none">
-                  <a:spAutoFit/>
-                </a:bodyPr>
-                <a:lstStyle/>
-                <a:p>
-                  <a:r>
-                    <a:rPr lang="en-US" sz="800" dirty="0" smtClean="0"/>
-                    <a:t>HTML</a:t>
-                  </a:r>
-                  <a:endParaRPr lang="en-US" sz="800" dirty="0"/>
-                </a:p>
-              </p:txBody>
-            </p:sp>
-            <p:grpSp>
-              <p:nvGrpSpPr>
-                <p:cNvPr id="160" name="Group 159"/>
-                <p:cNvGrpSpPr/>
-                <p:nvPr/>
-              </p:nvGrpSpPr>
-              <p:grpSpPr>
-                <a:xfrm>
-                  <a:off x="3474414" y="906308"/>
-                  <a:ext cx="1257544" cy="95250"/>
-                  <a:chOff x="4571513" y="1291709"/>
-                  <a:chExt cx="2515087" cy="95250"/>
-                </a:xfrm>
-              </p:grpSpPr>
-              <p:sp>
-                <p:nvSpPr>
-                  <p:cNvPr id="161" name="Rounded Rectangle 160"/>
-                  <p:cNvSpPr/>
-                  <p:nvPr/>
-                </p:nvSpPr>
-                <p:spPr>
-                  <a:xfrm>
-                    <a:off x="4572000" y="1291709"/>
-                    <a:ext cx="2514600" cy="95250"/>
-                  </a:xfrm>
-                  <a:prstGeom prst="roundRect">
-                    <a:avLst/>
-                  </a:prstGeom>
-                  <a:solidFill>
-                    <a:schemeClr val="tx1"/>
-                  </a:solidFill>
-                  <a:ln>
-                    <a:solidFill>
-                      <a:schemeClr val="tx1"/>
-                    </a:solidFill>
-                  </a:ln>
-                </p:spPr>
-                <p:style>
-                  <a:lnRef idx="2">
-                    <a:schemeClr val="accent1">
-                      <a:shade val="50000"/>
-                    </a:schemeClr>
-                  </a:lnRef>
-                  <a:fillRef idx="1">
-                    <a:schemeClr val="accent1"/>
-                  </a:fillRef>
-                  <a:effectRef idx="0">
-                    <a:schemeClr val="accent1"/>
-                  </a:effectRef>
-                  <a:fontRef idx="minor">
-                    <a:schemeClr val="lt1"/>
-                  </a:fontRef>
-                </p:style>
-                <p:txBody>
-                  <a:bodyPr rtlCol="0" anchor="ctr"/>
-                  <a:lstStyle/>
-                  <a:p>
-                    <a:pPr algn="ctr"/>
-                    <a:endParaRPr lang="en-US"/>
-                  </a:p>
-                </p:txBody>
-              </p:sp>
-              <p:sp>
-                <p:nvSpPr>
-                  <p:cNvPr id="162" name="Rounded Rectangle 161"/>
-                  <p:cNvSpPr/>
-                  <p:nvPr/>
-                </p:nvSpPr>
-                <p:spPr>
-                  <a:xfrm>
-                    <a:off x="4571513" y="1295400"/>
-                    <a:ext cx="1261872" cy="85725"/>
-                  </a:xfrm>
-                  <a:prstGeom prst="roundRect">
-                    <a:avLst/>
-                  </a:prstGeom>
-                  <a:pattFill prst="wdUpDiag">
-                    <a:fgClr>
-                      <a:srgbClr val="FFC000"/>
-                    </a:fgClr>
-                    <a:bgClr>
-                      <a:srgbClr val="FFFF00"/>
-                    </a:bgClr>
-                  </a:pattFill>
-                  <a:ln>
-                    <a:noFill/>
-                  </a:ln>
-                </p:spPr>
-                <p:style>
-                  <a:lnRef idx="2">
-                    <a:schemeClr val="accent1">
-                      <a:shade val="50000"/>
-                    </a:schemeClr>
-                  </a:lnRef>
-                  <a:fillRef idx="1">
-                    <a:schemeClr val="accent1"/>
-                  </a:fillRef>
-                  <a:effectRef idx="0">
-                    <a:schemeClr val="accent1"/>
-                  </a:effectRef>
-                  <a:fontRef idx="minor">
-                    <a:schemeClr val="lt1"/>
-                  </a:fontRef>
-                </p:style>
-                <p:txBody>
-                  <a:bodyPr rtlCol="0" anchor="ctr"/>
-                  <a:lstStyle/>
-                  <a:p>
-                    <a:pPr algn="ctr"/>
-                    <a:endParaRPr lang="en-US"/>
-                  </a:p>
-                </p:txBody>
-              </p:sp>
-            </p:grpSp>
-          </p:grpSp>
-          <p:grpSp>
-            <p:nvGrpSpPr>
-              <p:cNvPr id="186" name="Group 185"/>
-              <p:cNvGrpSpPr/>
+              <a:prstGeom prst="roundRect">
+                <a:avLst/>
+              </a:prstGeom>
+              <a:solidFill>
+                <a:schemeClr val="tx1"/>
+              </a:solidFill>
+              <a:ln>
+                <a:solidFill>
+                  <a:schemeClr val="tx1"/>
+                </a:solidFill>
+              </a:ln>
+            </p:spPr>
+            <p:style>
+              <a:lnRef idx="2">
+                <a:schemeClr val="accent1">
+                  <a:shade val="50000"/>
+                </a:schemeClr>
+              </a:lnRef>
+              <a:fillRef idx="1">
+                <a:schemeClr val="accent1"/>
+              </a:fillRef>
+              <a:effectRef idx="0">
+                <a:schemeClr val="accent1"/>
+              </a:effectRef>
+              <a:fontRef idx="minor">
+                <a:schemeClr val="lt1"/>
+              </a:fontRef>
+            </p:style>
+            <p:txBody>
+              <a:bodyPr rtlCol="0" anchor="ctr"/>
+              <a:lstStyle/>
+              <a:p>
+                <a:pPr algn="ctr"/>
+                <a:endParaRPr lang="en-US"/>
+              </a:p>
+            </p:txBody>
+          </p:sp>
+          <p:sp>
+            <p:nvSpPr>
+              <p:cNvPr id="123" name="Rounded Rectangle 122"/>
+              <p:cNvSpPr/>
               <p:nvPr/>
-            </p:nvGrpSpPr>
-            <p:grpSpPr>
+            </p:nvSpPr>
+            <p:spPr>
               <a:xfrm>
-                <a:off x="3440705" y="1034394"/>
-                <a:ext cx="2080629" cy="215444"/>
-                <a:chOff x="3442869" y="1181435"/>
-                <a:chExt cx="2080629" cy="215444"/>
+                <a:off x="4572000" y="2184821"/>
+                <a:ext cx="2514600" cy="85725"/>
               </a:xfrm>
-            </p:grpSpPr>
-            <p:sp>
-              <p:nvSpPr>
-                <p:cNvPr id="85" name="Rectangle 84"/>
-                <p:cNvSpPr/>
-                <p:nvPr/>
-              </p:nvSpPr>
-              <p:spPr>
-                <a:xfrm>
-                  <a:off x="4833909" y="1181435"/>
-                  <a:ext cx="360996" cy="215444"/>
-                </a:xfrm>
-                <a:prstGeom prst="rect">
-                  <a:avLst/>
-                </a:prstGeom>
-              </p:spPr>
-              <p:txBody>
-                <a:bodyPr wrap="none">
-                  <a:spAutoFit/>
-                </a:bodyPr>
-                <a:lstStyle/>
-                <a:p>
-                  <a:r>
-                    <a:rPr lang="en-US" sz="800" dirty="0" smtClean="0"/>
-                    <a:t>50%</a:t>
-                  </a:r>
-                  <a:endParaRPr lang="en-US" sz="800" dirty="0"/>
-                </a:p>
-              </p:txBody>
-            </p:sp>
-            <p:sp>
-              <p:nvSpPr>
-                <p:cNvPr id="86" name="Rectangle 85"/>
-                <p:cNvSpPr/>
-                <p:nvPr/>
-              </p:nvSpPr>
-              <p:spPr>
-                <a:xfrm>
-                  <a:off x="5191356" y="1181435"/>
-                  <a:ext cx="332142" cy="215444"/>
-                </a:xfrm>
-                <a:prstGeom prst="rect">
-                  <a:avLst/>
-                </a:prstGeom>
-              </p:spPr>
-              <p:txBody>
-                <a:bodyPr wrap="none">
-                  <a:spAutoFit/>
-                </a:bodyPr>
-                <a:lstStyle/>
-                <a:p>
-                  <a:r>
-                    <a:rPr lang="en-US" sz="800" dirty="0" smtClean="0"/>
-                    <a:t>CSS</a:t>
-                  </a:r>
-                  <a:endParaRPr lang="en-US" sz="800" dirty="0"/>
-                </a:p>
-              </p:txBody>
-            </p:sp>
-            <p:grpSp>
-              <p:nvGrpSpPr>
-                <p:cNvPr id="163" name="Group 162"/>
-                <p:cNvGrpSpPr/>
-                <p:nvPr/>
-              </p:nvGrpSpPr>
-              <p:grpSpPr>
-                <a:xfrm>
-                  <a:off x="3442869" y="1241532"/>
-                  <a:ext cx="1257544" cy="95250"/>
-                  <a:chOff x="4571513" y="1291709"/>
-                  <a:chExt cx="2515087" cy="95250"/>
-                </a:xfrm>
-              </p:grpSpPr>
-              <p:sp>
-                <p:nvSpPr>
-                  <p:cNvPr id="164" name="Rounded Rectangle 163"/>
-                  <p:cNvSpPr/>
-                  <p:nvPr/>
-                </p:nvSpPr>
-                <p:spPr>
-                  <a:xfrm>
-                    <a:off x="4572000" y="1291709"/>
-                    <a:ext cx="2514600" cy="95250"/>
-                  </a:xfrm>
-                  <a:prstGeom prst="roundRect">
-                    <a:avLst/>
-                  </a:prstGeom>
-                  <a:solidFill>
-                    <a:schemeClr val="tx1"/>
-                  </a:solidFill>
-                  <a:ln>
-                    <a:solidFill>
-                      <a:schemeClr val="tx1"/>
-                    </a:solidFill>
-                  </a:ln>
-                </p:spPr>
-                <p:style>
-                  <a:lnRef idx="2">
-                    <a:schemeClr val="accent1">
-                      <a:shade val="50000"/>
-                    </a:schemeClr>
-                  </a:lnRef>
-                  <a:fillRef idx="1">
-                    <a:schemeClr val="accent1"/>
-                  </a:fillRef>
-                  <a:effectRef idx="0">
-                    <a:schemeClr val="accent1"/>
-                  </a:effectRef>
-                  <a:fontRef idx="minor">
-                    <a:schemeClr val="lt1"/>
-                  </a:fontRef>
-                </p:style>
-                <p:txBody>
-                  <a:bodyPr rtlCol="0" anchor="ctr"/>
-                  <a:lstStyle/>
-                  <a:p>
-                    <a:pPr algn="ctr"/>
-                    <a:endParaRPr lang="en-US"/>
-                  </a:p>
-                </p:txBody>
-              </p:sp>
-              <p:sp>
-                <p:nvSpPr>
-                  <p:cNvPr id="165" name="Rounded Rectangle 164"/>
-                  <p:cNvSpPr/>
-                  <p:nvPr/>
-                </p:nvSpPr>
-                <p:spPr>
-                  <a:xfrm>
-                    <a:off x="4571513" y="1295400"/>
-                    <a:ext cx="1261872" cy="85725"/>
-                  </a:xfrm>
-                  <a:prstGeom prst="roundRect">
-                    <a:avLst/>
-                  </a:prstGeom>
-                  <a:pattFill prst="wdUpDiag">
-                    <a:fgClr>
-                      <a:srgbClr val="FFC000"/>
-                    </a:fgClr>
-                    <a:bgClr>
-                      <a:srgbClr val="FFFF00"/>
-                    </a:bgClr>
-                  </a:pattFill>
-                  <a:ln>
-                    <a:noFill/>
-                  </a:ln>
-                </p:spPr>
-                <p:style>
-                  <a:lnRef idx="2">
-                    <a:schemeClr val="accent1">
-                      <a:shade val="50000"/>
-                    </a:schemeClr>
-                  </a:lnRef>
-                  <a:fillRef idx="1">
-                    <a:schemeClr val="accent1"/>
-                  </a:fillRef>
-                  <a:effectRef idx="0">
-                    <a:schemeClr val="accent1"/>
-                  </a:effectRef>
-                  <a:fontRef idx="minor">
-                    <a:schemeClr val="lt1"/>
-                  </a:fontRef>
-                </p:style>
-                <p:txBody>
-                  <a:bodyPr rtlCol="0" anchor="ctr"/>
-                  <a:lstStyle/>
-                  <a:p>
-                    <a:pPr algn="ctr"/>
-                    <a:endParaRPr lang="en-US"/>
-                  </a:p>
-                </p:txBody>
-              </p:sp>
-            </p:grpSp>
-          </p:grpSp>
-          <p:grpSp>
-            <p:nvGrpSpPr>
-              <p:cNvPr id="187" name="Group 186"/>
-              <p:cNvGrpSpPr/>
+              <a:prstGeom prst="roundRect">
+                <a:avLst/>
+              </a:prstGeom>
+              <a:pattFill prst="wdUpDiag">
+                <a:fgClr>
+                  <a:srgbClr val="00B050"/>
+                </a:fgClr>
+                <a:bgClr>
+                  <a:schemeClr val="accent3">
+                    <a:lumMod val="40000"/>
+                    <a:lumOff val="60000"/>
+                  </a:schemeClr>
+                </a:bgClr>
+              </a:pattFill>
+              <a:ln>
+                <a:noFill/>
+              </a:ln>
+            </p:spPr>
+            <p:style>
+              <a:lnRef idx="2">
+                <a:schemeClr val="accent1">
+                  <a:shade val="50000"/>
+                </a:schemeClr>
+              </a:lnRef>
+              <a:fillRef idx="1">
+                <a:schemeClr val="accent1"/>
+              </a:fillRef>
+              <a:effectRef idx="0">
+                <a:schemeClr val="accent1"/>
+              </a:effectRef>
+              <a:fontRef idx="minor">
+                <a:schemeClr val="lt1"/>
+              </a:fontRef>
+            </p:style>
+            <p:txBody>
+              <a:bodyPr rtlCol="0" anchor="ctr"/>
+              <a:lstStyle/>
+              <a:p>
+                <a:pPr algn="ctr"/>
+                <a:endParaRPr lang="en-US"/>
+              </a:p>
+            </p:txBody>
+          </p:sp>
+        </p:grpSp>
+        <p:sp>
+          <p:nvSpPr>
+            <p:cNvPr id="31" name="Rectangle 30"/>
+            <p:cNvSpPr/>
+            <p:nvPr/>
+          </p:nvSpPr>
+          <p:spPr>
+            <a:xfrm>
+              <a:off x="2060459" y="1318691"/>
+              <a:ext cx="290464" cy="215444"/>
+            </a:xfrm>
+            <a:prstGeom prst="rect">
+              <a:avLst/>
+            </a:prstGeom>
+          </p:spPr>
+          <p:txBody>
+            <a:bodyPr wrap="none">
+              <a:spAutoFit/>
+            </a:bodyPr>
+            <a:lstStyle/>
+            <a:p>
+              <a:r>
+                <a:rPr lang="en-US" sz="800" dirty="0" smtClean="0"/>
+                <a:t>C#</a:t>
+              </a:r>
+              <a:endParaRPr lang="en-US" sz="800" dirty="0"/>
+            </a:p>
+          </p:txBody>
+        </p:sp>
+        <p:sp>
+          <p:nvSpPr>
+            <p:cNvPr id="39" name="Rectangle 38"/>
+            <p:cNvSpPr/>
+            <p:nvPr/>
+          </p:nvSpPr>
+          <p:spPr>
+            <a:xfrm>
+              <a:off x="1593124" y="1318691"/>
+              <a:ext cx="412292" cy="215444"/>
+            </a:xfrm>
+            <a:prstGeom prst="rect">
+              <a:avLst/>
+            </a:prstGeom>
+          </p:spPr>
+          <p:txBody>
+            <a:bodyPr wrap="none">
+              <a:spAutoFit/>
+            </a:bodyPr>
+            <a:lstStyle/>
+            <a:p>
+              <a:r>
+                <a:rPr lang="en-US" sz="800" dirty="0" smtClean="0"/>
+                <a:t>100%</a:t>
+              </a:r>
+              <a:endParaRPr lang="en-US" sz="800" dirty="0"/>
+            </a:p>
+          </p:txBody>
+        </p:sp>
+        <p:grpSp>
+          <p:nvGrpSpPr>
+            <p:cNvPr id="124" name="Group 123"/>
+            <p:cNvGrpSpPr/>
+            <p:nvPr/>
+          </p:nvGrpSpPr>
+          <p:grpSpPr>
+            <a:xfrm>
+              <a:off x="251460" y="1378788"/>
+              <a:ext cx="1257300" cy="95250"/>
+              <a:chOff x="4572000" y="2176820"/>
+              <a:chExt cx="2514600" cy="95250"/>
+            </a:xfrm>
+          </p:grpSpPr>
+          <p:sp>
+            <p:nvSpPr>
+              <p:cNvPr id="125" name="Rounded Rectangle 124"/>
+              <p:cNvSpPr/>
               <p:nvPr/>
-            </p:nvGrpSpPr>
-            <p:grpSpPr>
+            </p:nvSpPr>
+            <p:spPr>
               <a:xfrm>
-                <a:off x="3440705" y="1287347"/>
-                <a:ext cx="2346167" cy="215444"/>
-                <a:chOff x="3445033" y="1487723"/>
-                <a:chExt cx="2346167" cy="215444"/>
+                <a:off x="4572000" y="2176820"/>
+                <a:ext cx="2514600" cy="95250"/>
               </a:xfrm>
-            </p:grpSpPr>
-            <p:sp>
-              <p:nvSpPr>
-                <p:cNvPr id="90" name="Rectangle 89"/>
-                <p:cNvSpPr/>
-                <p:nvPr/>
-              </p:nvSpPr>
-              <p:spPr>
-                <a:xfrm>
-                  <a:off x="4833909" y="1487723"/>
-                  <a:ext cx="360996" cy="215444"/>
-                </a:xfrm>
-                <a:prstGeom prst="rect">
-                  <a:avLst/>
-                </a:prstGeom>
-              </p:spPr>
-              <p:txBody>
-                <a:bodyPr wrap="none">
-                  <a:spAutoFit/>
-                </a:bodyPr>
-                <a:lstStyle/>
-                <a:p>
-                  <a:r>
-                    <a:rPr lang="en-US" sz="800" dirty="0" smtClean="0"/>
-                    <a:t>50%</a:t>
-                  </a:r>
-                  <a:endParaRPr lang="en-US" sz="800" dirty="0"/>
-                </a:p>
-              </p:txBody>
-            </p:sp>
-            <p:sp>
-              <p:nvSpPr>
-                <p:cNvPr id="91" name="Rectangle 90"/>
-                <p:cNvSpPr/>
-                <p:nvPr/>
-              </p:nvSpPr>
-              <p:spPr>
-                <a:xfrm>
-                  <a:off x="5191356" y="1487723"/>
-                  <a:ext cx="599844" cy="215444"/>
-                </a:xfrm>
-                <a:prstGeom prst="rect">
-                  <a:avLst/>
-                </a:prstGeom>
-              </p:spPr>
-              <p:txBody>
-                <a:bodyPr wrap="none">
-                  <a:spAutoFit/>
-                </a:bodyPr>
-                <a:lstStyle/>
-                <a:p>
-                  <a:r>
-                    <a:rPr lang="en-US" sz="800" dirty="0" smtClean="0"/>
-                    <a:t>JavaScript</a:t>
-                  </a:r>
-                  <a:endParaRPr lang="en-US" sz="800" dirty="0"/>
-                </a:p>
-              </p:txBody>
-            </p:sp>
-            <p:grpSp>
-              <p:nvGrpSpPr>
-                <p:cNvPr id="166" name="Group 165"/>
-                <p:cNvGrpSpPr/>
-                <p:nvPr/>
-              </p:nvGrpSpPr>
-              <p:grpSpPr>
-                <a:xfrm>
-                  <a:off x="3445033" y="1547820"/>
-                  <a:ext cx="1257544" cy="95250"/>
-                  <a:chOff x="4571513" y="1291709"/>
-                  <a:chExt cx="2515087" cy="95250"/>
-                </a:xfrm>
-              </p:grpSpPr>
-              <p:sp>
-                <p:nvSpPr>
-                  <p:cNvPr id="167" name="Rounded Rectangle 166"/>
-                  <p:cNvSpPr/>
-                  <p:nvPr/>
-                </p:nvSpPr>
-                <p:spPr>
-                  <a:xfrm>
-                    <a:off x="4572000" y="1291709"/>
-                    <a:ext cx="2514600" cy="95250"/>
-                  </a:xfrm>
-                  <a:prstGeom prst="roundRect">
-                    <a:avLst/>
-                  </a:prstGeom>
-                  <a:solidFill>
-                    <a:schemeClr val="tx1"/>
-                  </a:solidFill>
-                  <a:ln>
-                    <a:solidFill>
-                      <a:schemeClr val="tx1"/>
-                    </a:solidFill>
-                  </a:ln>
-                </p:spPr>
-                <p:style>
-                  <a:lnRef idx="2">
-                    <a:schemeClr val="accent1">
-                      <a:shade val="50000"/>
-                    </a:schemeClr>
-                  </a:lnRef>
-                  <a:fillRef idx="1">
-                    <a:schemeClr val="accent1"/>
-                  </a:fillRef>
-                  <a:effectRef idx="0">
-                    <a:schemeClr val="accent1"/>
-                  </a:effectRef>
-                  <a:fontRef idx="minor">
-                    <a:schemeClr val="lt1"/>
-                  </a:fontRef>
-                </p:style>
-                <p:txBody>
-                  <a:bodyPr rtlCol="0" anchor="ctr"/>
-                  <a:lstStyle/>
-                  <a:p>
-                    <a:pPr algn="ctr"/>
-                    <a:endParaRPr lang="en-US"/>
-                  </a:p>
-                </p:txBody>
-              </p:sp>
-              <p:sp>
-                <p:nvSpPr>
-                  <p:cNvPr id="168" name="Rounded Rectangle 167"/>
-                  <p:cNvSpPr/>
-                  <p:nvPr/>
-                </p:nvSpPr>
-                <p:spPr>
-                  <a:xfrm>
-                    <a:off x="4571513" y="1295400"/>
-                    <a:ext cx="1261872" cy="85725"/>
-                  </a:xfrm>
-                  <a:prstGeom prst="roundRect">
-                    <a:avLst/>
-                  </a:prstGeom>
-                  <a:pattFill prst="wdUpDiag">
-                    <a:fgClr>
-                      <a:srgbClr val="FFC000"/>
-                    </a:fgClr>
-                    <a:bgClr>
-                      <a:srgbClr val="FFFF00"/>
-                    </a:bgClr>
-                  </a:pattFill>
-                  <a:ln>
-                    <a:noFill/>
-                  </a:ln>
-                </p:spPr>
-                <p:style>
-                  <a:lnRef idx="2">
-                    <a:schemeClr val="accent1">
-                      <a:shade val="50000"/>
-                    </a:schemeClr>
-                  </a:lnRef>
-                  <a:fillRef idx="1">
-                    <a:schemeClr val="accent1"/>
-                  </a:fillRef>
-                  <a:effectRef idx="0">
-                    <a:schemeClr val="accent1"/>
-                  </a:effectRef>
-                  <a:fontRef idx="minor">
-                    <a:schemeClr val="lt1"/>
-                  </a:fontRef>
-                </p:style>
-                <p:txBody>
-                  <a:bodyPr rtlCol="0" anchor="ctr"/>
-                  <a:lstStyle/>
-                  <a:p>
-                    <a:pPr algn="ctr"/>
-                    <a:endParaRPr lang="en-US"/>
-                  </a:p>
-                </p:txBody>
-              </p:sp>
-            </p:grpSp>
-          </p:grpSp>
-          <p:grpSp>
-            <p:nvGrpSpPr>
-              <p:cNvPr id="188" name="Group 187"/>
-              <p:cNvGrpSpPr/>
+              <a:prstGeom prst="roundRect">
+                <a:avLst/>
+              </a:prstGeom>
+              <a:solidFill>
+                <a:schemeClr val="tx1"/>
+              </a:solidFill>
+              <a:ln>
+                <a:solidFill>
+                  <a:schemeClr val="tx1"/>
+                </a:solidFill>
+              </a:ln>
+            </p:spPr>
+            <p:style>
+              <a:lnRef idx="2">
+                <a:schemeClr val="accent1">
+                  <a:shade val="50000"/>
+                </a:schemeClr>
+              </a:lnRef>
+              <a:fillRef idx="1">
+                <a:schemeClr val="accent1"/>
+              </a:fillRef>
+              <a:effectRef idx="0">
+                <a:schemeClr val="accent1"/>
+              </a:effectRef>
+              <a:fontRef idx="minor">
+                <a:schemeClr val="lt1"/>
+              </a:fontRef>
+            </p:style>
+            <p:txBody>
+              <a:bodyPr rtlCol="0" anchor="ctr"/>
+              <a:lstStyle/>
+              <a:p>
+                <a:pPr algn="ctr"/>
+                <a:endParaRPr lang="en-US"/>
+              </a:p>
+            </p:txBody>
+          </p:sp>
+          <p:sp>
+            <p:nvSpPr>
+              <p:cNvPr id="126" name="Rounded Rectangle 125"/>
+              <p:cNvSpPr/>
               <p:nvPr/>
-            </p:nvGrpSpPr>
-            <p:grpSpPr>
+            </p:nvSpPr>
+            <p:spPr>
               <a:xfrm>
-                <a:off x="3440705" y="1540300"/>
-                <a:ext cx="2307134" cy="215444"/>
-                <a:chOff x="3447197" y="1773817"/>
-                <a:chExt cx="2307134" cy="215444"/>
+                <a:off x="4572000" y="2184821"/>
+                <a:ext cx="2514600" cy="85725"/>
               </a:xfrm>
-            </p:grpSpPr>
-            <p:sp>
-              <p:nvSpPr>
-                <p:cNvPr id="14" name="Rectangle 13"/>
-                <p:cNvSpPr/>
-                <p:nvPr/>
-              </p:nvSpPr>
-              <p:spPr>
-                <a:xfrm>
-                  <a:off x="5191356" y="1773817"/>
-                  <a:ext cx="562975" cy="215444"/>
-                </a:xfrm>
-                <a:prstGeom prst="rect">
-                  <a:avLst/>
-                </a:prstGeom>
-              </p:spPr>
-              <p:txBody>
-                <a:bodyPr wrap="none">
-                  <a:spAutoFit/>
-                </a:bodyPr>
-                <a:lstStyle/>
-                <a:p>
-                  <a:r>
-                    <a:rPr lang="en-US" sz="800" dirty="0"/>
-                    <a:t>MATLAB </a:t>
-                  </a:r>
-                </a:p>
-              </p:txBody>
-            </p:sp>
-            <p:sp>
-              <p:nvSpPr>
-                <p:cNvPr id="92" name="Rectangle 91"/>
-                <p:cNvSpPr/>
-                <p:nvPr/>
-              </p:nvSpPr>
-              <p:spPr>
-                <a:xfrm>
-                  <a:off x="4833909" y="1773817"/>
-                  <a:ext cx="360996" cy="215444"/>
-                </a:xfrm>
-                <a:prstGeom prst="rect">
-                  <a:avLst/>
-                </a:prstGeom>
-              </p:spPr>
-              <p:txBody>
-                <a:bodyPr wrap="none">
-                  <a:spAutoFit/>
-                </a:bodyPr>
-                <a:lstStyle/>
-                <a:p>
-                  <a:r>
-                    <a:rPr lang="en-US" sz="800" dirty="0" smtClean="0"/>
-                    <a:t>50%</a:t>
-                  </a:r>
-                  <a:endParaRPr lang="en-US" sz="800" dirty="0"/>
-                </a:p>
-              </p:txBody>
-            </p:sp>
-            <p:grpSp>
-              <p:nvGrpSpPr>
-                <p:cNvPr id="169" name="Group 168"/>
-                <p:cNvGrpSpPr/>
-                <p:nvPr/>
-              </p:nvGrpSpPr>
-              <p:grpSpPr>
-                <a:xfrm>
-                  <a:off x="3447197" y="1833914"/>
-                  <a:ext cx="1257544" cy="95250"/>
-                  <a:chOff x="4571513" y="1291709"/>
-                  <a:chExt cx="2515087" cy="95250"/>
-                </a:xfrm>
-              </p:grpSpPr>
-              <p:sp>
-                <p:nvSpPr>
-                  <p:cNvPr id="170" name="Rounded Rectangle 169"/>
-                  <p:cNvSpPr/>
-                  <p:nvPr/>
-                </p:nvSpPr>
-                <p:spPr>
-                  <a:xfrm>
-                    <a:off x="4572000" y="1291709"/>
-                    <a:ext cx="2514600" cy="95250"/>
-                  </a:xfrm>
-                  <a:prstGeom prst="roundRect">
-                    <a:avLst/>
-                  </a:prstGeom>
-                  <a:solidFill>
-                    <a:schemeClr val="tx1"/>
-                  </a:solidFill>
-                  <a:ln>
-                    <a:solidFill>
-                      <a:schemeClr val="tx1"/>
-                    </a:solidFill>
-                  </a:ln>
-                </p:spPr>
-                <p:style>
-                  <a:lnRef idx="2">
-                    <a:schemeClr val="accent1">
-                      <a:shade val="50000"/>
-                    </a:schemeClr>
-                  </a:lnRef>
-                  <a:fillRef idx="1">
-                    <a:schemeClr val="accent1"/>
-                  </a:fillRef>
-                  <a:effectRef idx="0">
-                    <a:schemeClr val="accent1"/>
-                  </a:effectRef>
-                  <a:fontRef idx="minor">
-                    <a:schemeClr val="lt1"/>
-                  </a:fontRef>
-                </p:style>
-                <p:txBody>
-                  <a:bodyPr rtlCol="0" anchor="ctr"/>
-                  <a:lstStyle/>
-                  <a:p>
-                    <a:pPr algn="ctr"/>
-                    <a:endParaRPr lang="en-US"/>
-                  </a:p>
-                </p:txBody>
-              </p:sp>
-              <p:sp>
-                <p:nvSpPr>
-                  <p:cNvPr id="171" name="Rounded Rectangle 170"/>
-                  <p:cNvSpPr/>
-                  <p:nvPr/>
-                </p:nvSpPr>
-                <p:spPr>
-                  <a:xfrm>
-                    <a:off x="4571513" y="1295400"/>
-                    <a:ext cx="1261872" cy="85725"/>
-                  </a:xfrm>
-                  <a:prstGeom prst="roundRect">
-                    <a:avLst/>
-                  </a:prstGeom>
-                  <a:pattFill prst="wdUpDiag">
-                    <a:fgClr>
-                      <a:srgbClr val="FFC000"/>
-                    </a:fgClr>
-                    <a:bgClr>
-                      <a:srgbClr val="FFFF00"/>
-                    </a:bgClr>
-                  </a:pattFill>
-                  <a:ln>
-                    <a:noFill/>
-                  </a:ln>
-                </p:spPr>
-                <p:style>
-                  <a:lnRef idx="2">
-                    <a:schemeClr val="accent1">
-                      <a:shade val="50000"/>
-                    </a:schemeClr>
-                  </a:lnRef>
-                  <a:fillRef idx="1">
-                    <a:schemeClr val="accent1"/>
-                  </a:fillRef>
-                  <a:effectRef idx="0">
-                    <a:schemeClr val="accent1"/>
-                  </a:effectRef>
-                  <a:fontRef idx="minor">
-                    <a:schemeClr val="lt1"/>
-                  </a:fontRef>
-                </p:style>
-                <p:txBody>
-                  <a:bodyPr rtlCol="0" anchor="ctr"/>
-                  <a:lstStyle/>
-                  <a:p>
-                    <a:pPr algn="ctr"/>
-                    <a:endParaRPr lang="en-US"/>
-                  </a:p>
-                </p:txBody>
-              </p:sp>
-            </p:grpSp>
-          </p:grpSp>
-          <p:grpSp>
-            <p:nvGrpSpPr>
-              <p:cNvPr id="190" name="Group 189"/>
-              <p:cNvGrpSpPr/>
+              <a:prstGeom prst="roundRect">
+                <a:avLst/>
+              </a:prstGeom>
+              <a:pattFill prst="wdUpDiag">
+                <a:fgClr>
+                  <a:srgbClr val="00B050"/>
+                </a:fgClr>
+                <a:bgClr>
+                  <a:schemeClr val="accent3">
+                    <a:lumMod val="40000"/>
+                    <a:lumOff val="60000"/>
+                  </a:schemeClr>
+                </a:bgClr>
+              </a:pattFill>
+              <a:ln>
+                <a:noFill/>
+              </a:ln>
+            </p:spPr>
+            <p:style>
+              <a:lnRef idx="2">
+                <a:schemeClr val="accent1">
+                  <a:shade val="50000"/>
+                </a:schemeClr>
+              </a:lnRef>
+              <a:fillRef idx="1">
+                <a:schemeClr val="accent1"/>
+              </a:fillRef>
+              <a:effectRef idx="0">
+                <a:schemeClr val="accent1"/>
+              </a:effectRef>
+              <a:fontRef idx="minor">
+                <a:schemeClr val="lt1"/>
+              </a:fontRef>
+            </p:style>
+            <p:txBody>
+              <a:bodyPr rtlCol="0" anchor="ctr"/>
+              <a:lstStyle/>
+              <a:p>
+                <a:pPr algn="ctr"/>
+                <a:endParaRPr lang="en-US"/>
+              </a:p>
+            </p:txBody>
+          </p:sp>
+        </p:grpSp>
+        <p:sp>
+          <p:nvSpPr>
+            <p:cNvPr id="32" name="Rectangle 31"/>
+            <p:cNvSpPr/>
+            <p:nvPr/>
+          </p:nvSpPr>
+          <p:spPr>
+            <a:xfrm>
+              <a:off x="2060459" y="1582092"/>
+              <a:ext cx="341760" cy="215444"/>
+            </a:xfrm>
+            <a:prstGeom prst="rect">
+              <a:avLst/>
+            </a:prstGeom>
+          </p:spPr>
+          <p:txBody>
+            <a:bodyPr wrap="none">
+              <a:spAutoFit/>
+            </a:bodyPr>
+            <a:lstStyle/>
+            <a:p>
+              <a:r>
+                <a:rPr lang="en-US" sz="800" dirty="0" smtClean="0"/>
+                <a:t>C++</a:t>
+              </a:r>
+              <a:endParaRPr lang="en-US" sz="800" dirty="0"/>
+            </a:p>
+          </p:txBody>
+        </p:sp>
+        <p:sp>
+          <p:nvSpPr>
+            <p:cNvPr id="40" name="Rectangle 39"/>
+            <p:cNvSpPr/>
+            <p:nvPr/>
+          </p:nvSpPr>
+          <p:spPr>
+            <a:xfrm>
+              <a:off x="1593124" y="1582092"/>
+              <a:ext cx="412292" cy="215444"/>
+            </a:xfrm>
+            <a:prstGeom prst="rect">
+              <a:avLst/>
+            </a:prstGeom>
+          </p:spPr>
+          <p:txBody>
+            <a:bodyPr wrap="none">
+              <a:spAutoFit/>
+            </a:bodyPr>
+            <a:lstStyle/>
+            <a:p>
+              <a:r>
+                <a:rPr lang="en-US" sz="800" dirty="0" smtClean="0"/>
+                <a:t>100%</a:t>
+              </a:r>
+              <a:endParaRPr lang="en-US" sz="800" dirty="0"/>
+            </a:p>
+          </p:txBody>
+        </p:sp>
+        <p:grpSp>
+          <p:nvGrpSpPr>
+            <p:cNvPr id="127" name="Group 126"/>
+            <p:cNvGrpSpPr/>
+            <p:nvPr/>
+          </p:nvGrpSpPr>
+          <p:grpSpPr>
+            <a:xfrm>
+              <a:off x="251460" y="1642189"/>
+              <a:ext cx="1257300" cy="95250"/>
+              <a:chOff x="4572000" y="2176820"/>
+              <a:chExt cx="2514600" cy="95250"/>
+            </a:xfrm>
+          </p:grpSpPr>
+          <p:sp>
+            <p:nvSpPr>
+              <p:cNvPr id="128" name="Rounded Rectangle 127"/>
+              <p:cNvSpPr/>
               <p:nvPr/>
-            </p:nvGrpSpPr>
-            <p:grpSpPr>
+            </p:nvSpPr>
+            <p:spPr>
               <a:xfrm>
-                <a:off x="3440705" y="2046206"/>
-                <a:ext cx="2218738" cy="215444"/>
-                <a:chOff x="3453840" y="2373983"/>
-                <a:chExt cx="2218738" cy="215444"/>
+                <a:off x="4572000" y="2176820"/>
+                <a:ext cx="2514600" cy="95250"/>
               </a:xfrm>
-            </p:grpSpPr>
-            <p:sp>
-              <p:nvSpPr>
-                <p:cNvPr id="102" name="Rectangle 101"/>
-                <p:cNvSpPr/>
-                <p:nvPr/>
-              </p:nvSpPr>
-              <p:spPr>
-                <a:xfrm>
-                  <a:off x="4833909" y="2373983"/>
-                  <a:ext cx="360996" cy="215444"/>
-                </a:xfrm>
-                <a:prstGeom prst="rect">
-                  <a:avLst/>
-                </a:prstGeom>
-              </p:spPr>
-              <p:txBody>
-                <a:bodyPr wrap="none">
-                  <a:spAutoFit/>
-                </a:bodyPr>
-                <a:lstStyle/>
-                <a:p>
-                  <a:r>
-                    <a:rPr lang="en-US" sz="800" dirty="0" smtClean="0"/>
-                    <a:t>25%</a:t>
-                  </a:r>
-                  <a:endParaRPr lang="en-US" sz="800" dirty="0"/>
-                </a:p>
-              </p:txBody>
-            </p:sp>
-            <p:sp>
-              <p:nvSpPr>
-                <p:cNvPr id="103" name="Rectangle 102"/>
-                <p:cNvSpPr/>
-                <p:nvPr/>
-              </p:nvSpPr>
-              <p:spPr>
-                <a:xfrm>
-                  <a:off x="5191356" y="2373983"/>
-                  <a:ext cx="481222" cy="215444"/>
-                </a:xfrm>
-                <a:prstGeom prst="rect">
-                  <a:avLst/>
-                </a:prstGeom>
-              </p:spPr>
-              <p:txBody>
-                <a:bodyPr wrap="none">
-                  <a:spAutoFit/>
-                </a:bodyPr>
-                <a:lstStyle/>
-                <a:p>
-                  <a:r>
-                    <a:rPr lang="en-US" sz="800" dirty="0" smtClean="0"/>
-                    <a:t>Python</a:t>
-                  </a:r>
-                  <a:endParaRPr lang="en-US" sz="800" dirty="0"/>
-                </a:p>
-              </p:txBody>
-            </p:sp>
-            <p:grpSp>
-              <p:nvGrpSpPr>
-                <p:cNvPr id="172" name="Group 171"/>
-                <p:cNvGrpSpPr/>
-                <p:nvPr/>
-              </p:nvGrpSpPr>
-              <p:grpSpPr>
-                <a:xfrm>
-                  <a:off x="3453840" y="2434080"/>
-                  <a:ext cx="1257300" cy="95250"/>
-                  <a:chOff x="4572000" y="978930"/>
-                  <a:chExt cx="2514600" cy="95250"/>
-                </a:xfrm>
-              </p:grpSpPr>
-              <p:sp>
-                <p:nvSpPr>
-                  <p:cNvPr id="173" name="Rounded Rectangle 172"/>
-                  <p:cNvSpPr/>
-                  <p:nvPr/>
-                </p:nvSpPr>
-                <p:spPr>
-                  <a:xfrm>
-                    <a:off x="4572000" y="978930"/>
-                    <a:ext cx="2514600" cy="95250"/>
-                  </a:xfrm>
-                  <a:prstGeom prst="roundRect">
-                    <a:avLst/>
-                  </a:prstGeom>
-                  <a:solidFill>
-                    <a:schemeClr val="tx1"/>
-                  </a:solidFill>
-                  <a:ln>
-                    <a:solidFill>
-                      <a:schemeClr val="tx1"/>
-                    </a:solidFill>
-                  </a:ln>
-                </p:spPr>
-                <p:style>
-                  <a:lnRef idx="2">
-                    <a:schemeClr val="accent1">
-                      <a:shade val="50000"/>
-                    </a:schemeClr>
-                  </a:lnRef>
-                  <a:fillRef idx="1">
-                    <a:schemeClr val="accent1"/>
-                  </a:fillRef>
-                  <a:effectRef idx="0">
-                    <a:schemeClr val="accent1"/>
-                  </a:effectRef>
-                  <a:fontRef idx="minor">
-                    <a:schemeClr val="lt1"/>
-                  </a:fontRef>
-                </p:style>
-                <p:txBody>
-                  <a:bodyPr rtlCol="0" anchor="ctr"/>
-                  <a:lstStyle/>
-                  <a:p>
-                    <a:pPr algn="ctr"/>
-                    <a:endParaRPr lang="en-US"/>
-                  </a:p>
-                </p:txBody>
-              </p:sp>
-              <p:sp>
-                <p:nvSpPr>
-                  <p:cNvPr id="174" name="Rounded Rectangle 173"/>
-                  <p:cNvSpPr/>
-                  <p:nvPr/>
-                </p:nvSpPr>
-                <p:spPr>
-                  <a:xfrm>
-                    <a:off x="4572000" y="983692"/>
-                    <a:ext cx="630936" cy="85725"/>
-                  </a:xfrm>
-                  <a:prstGeom prst="roundRect">
-                    <a:avLst/>
-                  </a:prstGeom>
-                  <a:pattFill prst="wdUpDiag">
-                    <a:fgClr>
-                      <a:schemeClr val="accent2">
-                        <a:lumMod val="60000"/>
-                        <a:lumOff val="40000"/>
-                      </a:schemeClr>
-                    </a:fgClr>
-                    <a:bgClr>
-                      <a:schemeClr val="accent2">
-                        <a:lumMod val="20000"/>
-                        <a:lumOff val="80000"/>
-                      </a:schemeClr>
-                    </a:bgClr>
-                  </a:pattFill>
-                  <a:ln>
-                    <a:noFill/>
-                  </a:ln>
-                </p:spPr>
-                <p:style>
-                  <a:lnRef idx="2">
-                    <a:schemeClr val="accent1">
-                      <a:shade val="50000"/>
-                    </a:schemeClr>
-                  </a:lnRef>
-                  <a:fillRef idx="1">
-                    <a:schemeClr val="accent1"/>
-                  </a:fillRef>
-                  <a:effectRef idx="0">
-                    <a:schemeClr val="accent1"/>
-                  </a:effectRef>
-                  <a:fontRef idx="minor">
-                    <a:schemeClr val="lt1"/>
-                  </a:fontRef>
-                </p:style>
-                <p:txBody>
-                  <a:bodyPr rtlCol="0" anchor="ctr"/>
-                  <a:lstStyle/>
-                  <a:p>
-                    <a:pPr algn="ctr"/>
-                    <a:endParaRPr lang="en-US"/>
-                  </a:p>
-                </p:txBody>
-              </p:sp>
-            </p:grpSp>
-          </p:grpSp>
-          <p:grpSp>
-            <p:nvGrpSpPr>
-              <p:cNvPr id="191" name="Group 190"/>
-              <p:cNvGrpSpPr/>
+              <a:prstGeom prst="roundRect">
+                <a:avLst/>
+              </a:prstGeom>
+              <a:solidFill>
+                <a:schemeClr val="tx1"/>
+              </a:solidFill>
+              <a:ln>
+                <a:solidFill>
+                  <a:schemeClr val="tx1"/>
+                </a:solidFill>
+              </a:ln>
+            </p:spPr>
+            <p:style>
+              <a:lnRef idx="2">
+                <a:schemeClr val="accent1">
+                  <a:shade val="50000"/>
+                </a:schemeClr>
+              </a:lnRef>
+              <a:fillRef idx="1">
+                <a:schemeClr val="accent1"/>
+              </a:fillRef>
+              <a:effectRef idx="0">
+                <a:schemeClr val="accent1"/>
+              </a:effectRef>
+              <a:fontRef idx="minor">
+                <a:schemeClr val="lt1"/>
+              </a:fontRef>
+            </p:style>
+            <p:txBody>
+              <a:bodyPr rtlCol="0" anchor="ctr"/>
+              <a:lstStyle/>
+              <a:p>
+                <a:pPr algn="ctr"/>
+                <a:endParaRPr lang="en-US"/>
+              </a:p>
+            </p:txBody>
+          </p:sp>
+          <p:sp>
+            <p:nvSpPr>
+              <p:cNvPr id="129" name="Rounded Rectangle 128"/>
+              <p:cNvSpPr/>
               <p:nvPr/>
-            </p:nvGrpSpPr>
-            <p:grpSpPr>
+            </p:nvSpPr>
+            <p:spPr>
               <a:xfrm>
-                <a:off x="3440705" y="2299156"/>
-                <a:ext cx="2226335" cy="215444"/>
-                <a:chOff x="3476700" y="2739547"/>
-                <a:chExt cx="2226335" cy="215444"/>
+                <a:off x="4572000" y="2184821"/>
+                <a:ext cx="2514600" cy="85725"/>
               </a:xfrm>
-            </p:grpSpPr>
-            <p:sp>
-              <p:nvSpPr>
-                <p:cNvPr id="158" name="Rectangle 157"/>
-                <p:cNvSpPr/>
-                <p:nvPr/>
-              </p:nvSpPr>
-              <p:spPr>
-                <a:xfrm>
-                  <a:off x="4833909" y="2739547"/>
-                  <a:ext cx="360996" cy="215444"/>
-                </a:xfrm>
-                <a:prstGeom prst="rect">
-                  <a:avLst/>
-                </a:prstGeom>
-              </p:spPr>
-              <p:txBody>
-                <a:bodyPr wrap="none">
-                  <a:spAutoFit/>
-                </a:bodyPr>
-                <a:lstStyle/>
-                <a:p>
-                  <a:r>
-                    <a:rPr lang="en-US" sz="800" dirty="0" smtClean="0"/>
-                    <a:t>25%</a:t>
-                  </a:r>
-                  <a:endParaRPr lang="en-US" sz="800" dirty="0"/>
-                </a:p>
-              </p:txBody>
-            </p:sp>
-            <p:sp>
-              <p:nvSpPr>
-                <p:cNvPr id="159" name="Rectangle 158"/>
-                <p:cNvSpPr/>
-                <p:nvPr/>
-              </p:nvSpPr>
-              <p:spPr>
-                <a:xfrm>
-                  <a:off x="5191356" y="2739547"/>
-                  <a:ext cx="511679" cy="215444"/>
-                </a:xfrm>
-                <a:prstGeom prst="rect">
-                  <a:avLst/>
-                </a:prstGeom>
-              </p:spPr>
-              <p:txBody>
-                <a:bodyPr wrap="none">
-                  <a:spAutoFit/>
-                </a:bodyPr>
-                <a:lstStyle/>
-                <a:p>
-                  <a:r>
-                    <a:rPr lang="en-US" sz="800" dirty="0" err="1" smtClean="0"/>
-                    <a:t>FireBird</a:t>
-                  </a:r>
-                  <a:endParaRPr lang="en-US" sz="800" dirty="0"/>
-                </a:p>
-              </p:txBody>
-            </p:sp>
-            <p:grpSp>
-              <p:nvGrpSpPr>
-                <p:cNvPr id="175" name="Group 174"/>
-                <p:cNvGrpSpPr/>
-                <p:nvPr/>
-              </p:nvGrpSpPr>
-              <p:grpSpPr>
-                <a:xfrm>
-                  <a:off x="3476700" y="2799644"/>
-                  <a:ext cx="1257300" cy="95250"/>
-                  <a:chOff x="4572000" y="978930"/>
-                  <a:chExt cx="2514600" cy="95250"/>
-                </a:xfrm>
-              </p:grpSpPr>
-              <p:sp>
-                <p:nvSpPr>
-                  <p:cNvPr id="176" name="Rounded Rectangle 175"/>
-                  <p:cNvSpPr/>
-                  <p:nvPr/>
-                </p:nvSpPr>
-                <p:spPr>
-                  <a:xfrm>
-                    <a:off x="4572000" y="978930"/>
-                    <a:ext cx="2514600" cy="95250"/>
-                  </a:xfrm>
-                  <a:prstGeom prst="roundRect">
-                    <a:avLst/>
-                  </a:prstGeom>
-                  <a:solidFill>
-                    <a:schemeClr val="tx1"/>
-                  </a:solidFill>
-                  <a:ln>
-                    <a:solidFill>
-                      <a:schemeClr val="tx1"/>
-                    </a:solidFill>
-                  </a:ln>
-                </p:spPr>
-                <p:style>
-                  <a:lnRef idx="2">
-                    <a:schemeClr val="accent1">
-                      <a:shade val="50000"/>
-                    </a:schemeClr>
-                  </a:lnRef>
-                  <a:fillRef idx="1">
-                    <a:schemeClr val="accent1"/>
-                  </a:fillRef>
-                  <a:effectRef idx="0">
-                    <a:schemeClr val="accent1"/>
-                  </a:effectRef>
-                  <a:fontRef idx="minor">
-                    <a:schemeClr val="lt1"/>
-                  </a:fontRef>
-                </p:style>
-                <p:txBody>
-                  <a:bodyPr rtlCol="0" anchor="ctr"/>
-                  <a:lstStyle/>
-                  <a:p>
-                    <a:pPr algn="ctr"/>
-                    <a:endParaRPr lang="en-US"/>
-                  </a:p>
-                </p:txBody>
-              </p:sp>
-              <p:sp>
-                <p:nvSpPr>
-                  <p:cNvPr id="177" name="Rounded Rectangle 176"/>
-                  <p:cNvSpPr/>
-                  <p:nvPr/>
-                </p:nvSpPr>
-                <p:spPr>
-                  <a:xfrm>
-                    <a:off x="4572000" y="983692"/>
-                    <a:ext cx="630936" cy="85725"/>
-                  </a:xfrm>
-                  <a:prstGeom prst="roundRect">
-                    <a:avLst/>
-                  </a:prstGeom>
-                  <a:pattFill prst="wdUpDiag">
-                    <a:fgClr>
-                      <a:schemeClr val="accent2">
-                        <a:lumMod val="60000"/>
-                        <a:lumOff val="40000"/>
-                      </a:schemeClr>
-                    </a:fgClr>
-                    <a:bgClr>
-                      <a:schemeClr val="accent2">
-                        <a:lumMod val="20000"/>
-                        <a:lumOff val="80000"/>
-                      </a:schemeClr>
-                    </a:bgClr>
-                  </a:pattFill>
-                  <a:ln>
-                    <a:noFill/>
-                  </a:ln>
-                </p:spPr>
-                <p:style>
-                  <a:lnRef idx="2">
-                    <a:schemeClr val="accent1">
-                      <a:shade val="50000"/>
-                    </a:schemeClr>
-                  </a:lnRef>
-                  <a:fillRef idx="1">
-                    <a:schemeClr val="accent1"/>
-                  </a:fillRef>
-                  <a:effectRef idx="0">
-                    <a:schemeClr val="accent1"/>
-                  </a:effectRef>
-                  <a:fontRef idx="minor">
-                    <a:schemeClr val="lt1"/>
-                  </a:fontRef>
-                </p:style>
-                <p:txBody>
-                  <a:bodyPr rtlCol="0" anchor="ctr"/>
-                  <a:lstStyle/>
-                  <a:p>
-                    <a:pPr algn="ctr"/>
-                    <a:endParaRPr lang="en-US"/>
-                  </a:p>
-                </p:txBody>
-              </p:sp>
-            </p:grpSp>
-          </p:grpSp>
+              <a:prstGeom prst="roundRect">
+                <a:avLst/>
+              </a:prstGeom>
+              <a:pattFill prst="wdUpDiag">
+                <a:fgClr>
+                  <a:srgbClr val="00B050"/>
+                </a:fgClr>
+                <a:bgClr>
+                  <a:schemeClr val="accent3">
+                    <a:lumMod val="40000"/>
+                    <a:lumOff val="60000"/>
+                  </a:schemeClr>
+                </a:bgClr>
+              </a:pattFill>
+              <a:ln>
+                <a:noFill/>
+              </a:ln>
+            </p:spPr>
+            <p:style>
+              <a:lnRef idx="2">
+                <a:schemeClr val="accent1">
+                  <a:shade val="50000"/>
+                </a:schemeClr>
+              </a:lnRef>
+              <a:fillRef idx="1">
+                <a:schemeClr val="accent1"/>
+              </a:fillRef>
+              <a:effectRef idx="0">
+                <a:schemeClr val="accent1"/>
+              </a:effectRef>
+              <a:fontRef idx="minor">
+                <a:schemeClr val="lt1"/>
+              </a:fontRef>
+            </p:style>
+            <p:txBody>
+              <a:bodyPr rtlCol="0" anchor="ctr"/>
+              <a:lstStyle/>
+              <a:p>
+                <a:pPr algn="ctr"/>
+                <a:endParaRPr lang="en-US"/>
+              </a:p>
+            </p:txBody>
+          </p:sp>
+        </p:grpSp>
+        <p:sp>
+          <p:nvSpPr>
+            <p:cNvPr id="33" name="Rectangle 32"/>
+            <p:cNvSpPr/>
+            <p:nvPr/>
+          </p:nvSpPr>
+          <p:spPr>
+            <a:xfrm>
+              <a:off x="2060459" y="1845493"/>
+              <a:ext cx="240772" cy="215444"/>
+            </a:xfrm>
+            <a:prstGeom prst="rect">
+              <a:avLst/>
+            </a:prstGeom>
+          </p:spPr>
+          <p:txBody>
+            <a:bodyPr wrap="none">
+              <a:spAutoFit/>
+            </a:bodyPr>
+            <a:lstStyle/>
+            <a:p>
+              <a:r>
+                <a:rPr lang="en-US" sz="800" dirty="0" smtClean="0"/>
+                <a:t>R</a:t>
+              </a:r>
+              <a:endParaRPr lang="en-US" sz="800" dirty="0"/>
+            </a:p>
+          </p:txBody>
+        </p:sp>
+        <p:sp>
+          <p:nvSpPr>
+            <p:cNvPr id="41" name="Rectangle 40"/>
+            <p:cNvSpPr/>
+            <p:nvPr/>
+          </p:nvSpPr>
+          <p:spPr>
+            <a:xfrm>
+              <a:off x="1593124" y="1845493"/>
+              <a:ext cx="412292" cy="215444"/>
+            </a:xfrm>
+            <a:prstGeom prst="rect">
+              <a:avLst/>
+            </a:prstGeom>
+          </p:spPr>
+          <p:txBody>
+            <a:bodyPr wrap="none">
+              <a:spAutoFit/>
+            </a:bodyPr>
+            <a:lstStyle/>
+            <a:p>
+              <a:r>
+                <a:rPr lang="en-US" sz="800" dirty="0" smtClean="0"/>
+                <a:t>100%</a:t>
+              </a:r>
+              <a:endParaRPr lang="en-US" sz="800" dirty="0"/>
+            </a:p>
+          </p:txBody>
+        </p:sp>
+        <p:grpSp>
+          <p:nvGrpSpPr>
+            <p:cNvPr id="130" name="Group 129"/>
+            <p:cNvGrpSpPr/>
+            <p:nvPr/>
+          </p:nvGrpSpPr>
+          <p:grpSpPr>
+            <a:xfrm>
+              <a:off x="251460" y="1905590"/>
+              <a:ext cx="1257300" cy="95250"/>
+              <a:chOff x="4572000" y="2176820"/>
+              <a:chExt cx="2514600" cy="95250"/>
+            </a:xfrm>
+          </p:grpSpPr>
+          <p:sp>
+            <p:nvSpPr>
+              <p:cNvPr id="131" name="Rounded Rectangle 130"/>
+              <p:cNvSpPr/>
+              <p:nvPr/>
+            </p:nvSpPr>
+            <p:spPr>
+              <a:xfrm>
+                <a:off x="4572000" y="2176820"/>
+                <a:ext cx="2514600" cy="95250"/>
+              </a:xfrm>
+              <a:prstGeom prst="roundRect">
+                <a:avLst/>
+              </a:prstGeom>
+              <a:solidFill>
+                <a:schemeClr val="tx1"/>
+              </a:solidFill>
+              <a:ln>
+                <a:solidFill>
+                  <a:schemeClr val="tx1"/>
+                </a:solidFill>
+              </a:ln>
+            </p:spPr>
+            <p:style>
+              <a:lnRef idx="2">
+                <a:schemeClr val="accent1">
+                  <a:shade val="50000"/>
+                </a:schemeClr>
+              </a:lnRef>
+              <a:fillRef idx="1">
+                <a:schemeClr val="accent1"/>
+              </a:fillRef>
+              <a:effectRef idx="0">
+                <a:schemeClr val="accent1"/>
+              </a:effectRef>
+              <a:fontRef idx="minor">
+                <a:schemeClr val="lt1"/>
+              </a:fontRef>
+            </p:style>
+            <p:txBody>
+              <a:bodyPr rtlCol="0" anchor="ctr"/>
+              <a:lstStyle/>
+              <a:p>
+                <a:pPr algn="ctr"/>
+                <a:endParaRPr lang="en-US"/>
+              </a:p>
+            </p:txBody>
+          </p:sp>
+          <p:sp>
+            <p:nvSpPr>
+              <p:cNvPr id="132" name="Rounded Rectangle 131"/>
+              <p:cNvSpPr/>
+              <p:nvPr/>
+            </p:nvSpPr>
+            <p:spPr>
+              <a:xfrm>
+                <a:off x="4572000" y="2184821"/>
+                <a:ext cx="2514600" cy="85725"/>
+              </a:xfrm>
+              <a:prstGeom prst="roundRect">
+                <a:avLst/>
+              </a:prstGeom>
+              <a:pattFill prst="wdUpDiag">
+                <a:fgClr>
+                  <a:srgbClr val="00B050"/>
+                </a:fgClr>
+                <a:bgClr>
+                  <a:schemeClr val="accent3">
+                    <a:lumMod val="40000"/>
+                    <a:lumOff val="60000"/>
+                  </a:schemeClr>
+                </a:bgClr>
+              </a:pattFill>
+              <a:ln>
+                <a:noFill/>
+              </a:ln>
+            </p:spPr>
+            <p:style>
+              <a:lnRef idx="2">
+                <a:schemeClr val="accent1">
+                  <a:shade val="50000"/>
+                </a:schemeClr>
+              </a:lnRef>
+              <a:fillRef idx="1">
+                <a:schemeClr val="accent1"/>
+              </a:fillRef>
+              <a:effectRef idx="0">
+                <a:schemeClr val="accent1"/>
+              </a:effectRef>
+              <a:fontRef idx="minor">
+                <a:schemeClr val="lt1"/>
+              </a:fontRef>
+            </p:style>
+            <p:txBody>
+              <a:bodyPr rtlCol="0" anchor="ctr"/>
+              <a:lstStyle/>
+              <a:p>
+                <a:pPr algn="ctr"/>
+                <a:endParaRPr lang="en-US"/>
+              </a:p>
+            </p:txBody>
+          </p:sp>
+        </p:grpSp>
+        <p:sp>
+          <p:nvSpPr>
+            <p:cNvPr id="34" name="Rectangle 33"/>
+            <p:cNvSpPr/>
+            <p:nvPr/>
+          </p:nvSpPr>
+          <p:spPr>
+            <a:xfrm>
+              <a:off x="2060459" y="2108894"/>
+              <a:ext cx="377026" cy="215444"/>
+            </a:xfrm>
+            <a:prstGeom prst="rect">
+              <a:avLst/>
+            </a:prstGeom>
+          </p:spPr>
+          <p:txBody>
+            <a:bodyPr wrap="none">
+              <a:spAutoFit/>
+            </a:bodyPr>
+            <a:lstStyle/>
+            <a:p>
+              <a:r>
+                <a:rPr lang="en-US" sz="800" dirty="0" smtClean="0"/>
+                <a:t>SPSS</a:t>
+              </a:r>
+              <a:endParaRPr lang="en-US" sz="800" dirty="0"/>
+            </a:p>
+          </p:txBody>
+        </p:sp>
+        <p:sp>
+          <p:nvSpPr>
+            <p:cNvPr id="42" name="Rectangle 41"/>
+            <p:cNvSpPr/>
+            <p:nvPr/>
+          </p:nvSpPr>
+          <p:spPr>
+            <a:xfrm>
+              <a:off x="1593124" y="2108894"/>
+              <a:ext cx="412292" cy="215444"/>
+            </a:xfrm>
+            <a:prstGeom prst="rect">
+              <a:avLst/>
+            </a:prstGeom>
+          </p:spPr>
+          <p:txBody>
+            <a:bodyPr wrap="none">
+              <a:spAutoFit/>
+            </a:bodyPr>
+            <a:lstStyle/>
+            <a:p>
+              <a:r>
+                <a:rPr lang="en-US" sz="800" dirty="0" smtClean="0"/>
+                <a:t>100%</a:t>
+              </a:r>
+              <a:endParaRPr lang="en-US" sz="800" dirty="0"/>
+            </a:p>
+          </p:txBody>
+        </p:sp>
+        <p:grpSp>
+          <p:nvGrpSpPr>
+            <p:cNvPr id="133" name="Group 132"/>
+            <p:cNvGrpSpPr/>
+            <p:nvPr/>
+          </p:nvGrpSpPr>
+          <p:grpSpPr>
+            <a:xfrm>
+              <a:off x="251460" y="2168991"/>
+              <a:ext cx="1257300" cy="95250"/>
+              <a:chOff x="4572000" y="2176820"/>
+              <a:chExt cx="2514600" cy="95250"/>
+            </a:xfrm>
+          </p:grpSpPr>
+          <p:sp>
+            <p:nvSpPr>
+              <p:cNvPr id="134" name="Rounded Rectangle 133"/>
+              <p:cNvSpPr/>
+              <p:nvPr/>
+            </p:nvSpPr>
+            <p:spPr>
+              <a:xfrm>
+                <a:off x="4572000" y="2176820"/>
+                <a:ext cx="2514600" cy="95250"/>
+              </a:xfrm>
+              <a:prstGeom prst="roundRect">
+                <a:avLst/>
+              </a:prstGeom>
+              <a:solidFill>
+                <a:schemeClr val="tx1"/>
+              </a:solidFill>
+              <a:ln>
+                <a:solidFill>
+                  <a:schemeClr val="tx1"/>
+                </a:solidFill>
+              </a:ln>
+            </p:spPr>
+            <p:style>
+              <a:lnRef idx="2">
+                <a:schemeClr val="accent1">
+                  <a:shade val="50000"/>
+                </a:schemeClr>
+              </a:lnRef>
+              <a:fillRef idx="1">
+                <a:schemeClr val="accent1"/>
+              </a:fillRef>
+              <a:effectRef idx="0">
+                <a:schemeClr val="accent1"/>
+              </a:effectRef>
+              <a:fontRef idx="minor">
+                <a:schemeClr val="lt1"/>
+              </a:fontRef>
+            </p:style>
+            <p:txBody>
+              <a:bodyPr rtlCol="0" anchor="ctr"/>
+              <a:lstStyle/>
+              <a:p>
+                <a:pPr algn="ctr"/>
+                <a:endParaRPr lang="en-US"/>
+              </a:p>
+            </p:txBody>
+          </p:sp>
+          <p:sp>
+            <p:nvSpPr>
+              <p:cNvPr id="135" name="Rounded Rectangle 134"/>
+              <p:cNvSpPr/>
+              <p:nvPr/>
+            </p:nvSpPr>
+            <p:spPr>
+              <a:xfrm>
+                <a:off x="4572000" y="2184821"/>
+                <a:ext cx="2514600" cy="85725"/>
+              </a:xfrm>
+              <a:prstGeom prst="roundRect">
+                <a:avLst/>
+              </a:prstGeom>
+              <a:pattFill prst="wdUpDiag">
+                <a:fgClr>
+                  <a:srgbClr val="00B050"/>
+                </a:fgClr>
+                <a:bgClr>
+                  <a:schemeClr val="accent3">
+                    <a:lumMod val="40000"/>
+                    <a:lumOff val="60000"/>
+                  </a:schemeClr>
+                </a:bgClr>
+              </a:pattFill>
+              <a:ln>
+                <a:noFill/>
+              </a:ln>
+            </p:spPr>
+            <p:style>
+              <a:lnRef idx="2">
+                <a:schemeClr val="accent1">
+                  <a:shade val="50000"/>
+                </a:schemeClr>
+              </a:lnRef>
+              <a:fillRef idx="1">
+                <a:schemeClr val="accent1"/>
+              </a:fillRef>
+              <a:effectRef idx="0">
+                <a:schemeClr val="accent1"/>
+              </a:effectRef>
+              <a:fontRef idx="minor">
+                <a:schemeClr val="lt1"/>
+              </a:fontRef>
+            </p:style>
+            <p:txBody>
+              <a:bodyPr rtlCol="0" anchor="ctr"/>
+              <a:lstStyle/>
+              <a:p>
+                <a:pPr algn="ctr"/>
+                <a:endParaRPr lang="en-US"/>
+              </a:p>
+            </p:txBody>
+          </p:sp>
+        </p:grpSp>
+        <p:sp>
+          <p:nvSpPr>
+            <p:cNvPr id="35" name="Rectangle 34"/>
+            <p:cNvSpPr/>
+            <p:nvPr/>
+          </p:nvSpPr>
+          <p:spPr>
+            <a:xfrm>
+              <a:off x="2060459" y="2372295"/>
+              <a:ext cx="665567" cy="215444"/>
+            </a:xfrm>
+            <a:prstGeom prst="rect">
+              <a:avLst/>
+            </a:prstGeom>
+          </p:spPr>
+          <p:txBody>
+            <a:bodyPr wrap="none">
+              <a:spAutoFit/>
+            </a:bodyPr>
+            <a:lstStyle/>
+            <a:p>
+              <a:r>
+                <a:rPr lang="en-US" sz="800" dirty="0" smtClean="0"/>
+                <a:t>INNO setup</a:t>
+              </a:r>
+              <a:endParaRPr lang="en-US" sz="800" dirty="0"/>
+            </a:p>
+          </p:txBody>
+        </p:sp>
+        <p:sp>
+          <p:nvSpPr>
+            <p:cNvPr id="43" name="Rectangle 42"/>
+            <p:cNvSpPr/>
+            <p:nvPr/>
+          </p:nvSpPr>
+          <p:spPr>
+            <a:xfrm>
+              <a:off x="1593124" y="2372295"/>
+              <a:ext cx="412292" cy="215444"/>
+            </a:xfrm>
+            <a:prstGeom prst="rect">
+              <a:avLst/>
+            </a:prstGeom>
+          </p:spPr>
+          <p:txBody>
+            <a:bodyPr wrap="none">
+              <a:spAutoFit/>
+            </a:bodyPr>
+            <a:lstStyle/>
+            <a:p>
+              <a:r>
+                <a:rPr lang="en-US" sz="800" dirty="0" smtClean="0"/>
+                <a:t>100%</a:t>
+              </a:r>
+              <a:endParaRPr lang="en-US" sz="800" dirty="0"/>
+            </a:p>
+          </p:txBody>
+        </p:sp>
+        <p:grpSp>
+          <p:nvGrpSpPr>
+            <p:cNvPr id="136" name="Group 135"/>
+            <p:cNvGrpSpPr/>
+            <p:nvPr/>
+          </p:nvGrpSpPr>
+          <p:grpSpPr>
+            <a:xfrm>
+              <a:off x="251460" y="2432392"/>
+              <a:ext cx="1257300" cy="95250"/>
+              <a:chOff x="4572000" y="2176820"/>
+              <a:chExt cx="2514600" cy="95250"/>
+            </a:xfrm>
+          </p:grpSpPr>
+          <p:sp>
+            <p:nvSpPr>
+              <p:cNvPr id="137" name="Rounded Rectangle 136"/>
+              <p:cNvSpPr/>
+              <p:nvPr/>
+            </p:nvSpPr>
+            <p:spPr>
+              <a:xfrm>
+                <a:off x="4572000" y="2176820"/>
+                <a:ext cx="2514600" cy="95250"/>
+              </a:xfrm>
+              <a:prstGeom prst="roundRect">
+                <a:avLst/>
+              </a:prstGeom>
+              <a:solidFill>
+                <a:schemeClr val="tx1"/>
+              </a:solidFill>
+              <a:ln>
+                <a:solidFill>
+                  <a:schemeClr val="tx1"/>
+                </a:solidFill>
+              </a:ln>
+            </p:spPr>
+            <p:style>
+              <a:lnRef idx="2">
+                <a:schemeClr val="accent1">
+                  <a:shade val="50000"/>
+                </a:schemeClr>
+              </a:lnRef>
+              <a:fillRef idx="1">
+                <a:schemeClr val="accent1"/>
+              </a:fillRef>
+              <a:effectRef idx="0">
+                <a:schemeClr val="accent1"/>
+              </a:effectRef>
+              <a:fontRef idx="minor">
+                <a:schemeClr val="lt1"/>
+              </a:fontRef>
+            </p:style>
+            <p:txBody>
+              <a:bodyPr rtlCol="0" anchor="ctr"/>
+              <a:lstStyle/>
+              <a:p>
+                <a:pPr algn="ctr"/>
+                <a:endParaRPr lang="en-US"/>
+              </a:p>
+            </p:txBody>
+          </p:sp>
+          <p:sp>
+            <p:nvSpPr>
+              <p:cNvPr id="138" name="Rounded Rectangle 137"/>
+              <p:cNvSpPr/>
+              <p:nvPr/>
+            </p:nvSpPr>
+            <p:spPr>
+              <a:xfrm>
+                <a:off x="4572000" y="2184821"/>
+                <a:ext cx="2514600" cy="85725"/>
+              </a:xfrm>
+              <a:prstGeom prst="roundRect">
+                <a:avLst/>
+              </a:prstGeom>
+              <a:pattFill prst="wdUpDiag">
+                <a:fgClr>
+                  <a:srgbClr val="00B050"/>
+                </a:fgClr>
+                <a:bgClr>
+                  <a:schemeClr val="accent3">
+                    <a:lumMod val="40000"/>
+                    <a:lumOff val="60000"/>
+                  </a:schemeClr>
+                </a:bgClr>
+              </a:pattFill>
+              <a:ln>
+                <a:noFill/>
+              </a:ln>
+            </p:spPr>
+            <p:style>
+              <a:lnRef idx="2">
+                <a:schemeClr val="accent1">
+                  <a:shade val="50000"/>
+                </a:schemeClr>
+              </a:lnRef>
+              <a:fillRef idx="1">
+                <a:schemeClr val="accent1"/>
+              </a:fillRef>
+              <a:effectRef idx="0">
+                <a:schemeClr val="accent1"/>
+              </a:effectRef>
+              <a:fontRef idx="minor">
+                <a:schemeClr val="lt1"/>
+              </a:fontRef>
+            </p:style>
+            <p:txBody>
+              <a:bodyPr rtlCol="0" anchor="ctr"/>
+              <a:lstStyle/>
+              <a:p>
+                <a:pPr algn="ctr"/>
+                <a:endParaRPr lang="en-US"/>
+              </a:p>
+            </p:txBody>
+          </p:sp>
+        </p:grpSp>
+        <p:sp>
+          <p:nvSpPr>
+            <p:cNvPr id="8" name="Rectangle 7"/>
+            <p:cNvSpPr/>
+            <p:nvPr/>
+          </p:nvSpPr>
+          <p:spPr>
+            <a:xfrm>
+              <a:off x="2060459" y="2635696"/>
+              <a:ext cx="383438" cy="215444"/>
+            </a:xfrm>
+            <a:prstGeom prst="rect">
+              <a:avLst/>
+            </a:prstGeom>
+          </p:spPr>
+          <p:txBody>
+            <a:bodyPr wrap="none">
+              <a:spAutoFit/>
+            </a:bodyPr>
+            <a:lstStyle/>
+            <a:p>
+              <a:r>
+                <a:rPr lang="en-US" sz="800" dirty="0" err="1"/>
+                <a:t>.Net</a:t>
+              </a:r>
+              <a:r>
+                <a:rPr lang="en-US" sz="800" dirty="0"/>
+                <a:t> </a:t>
+              </a:r>
+            </a:p>
+          </p:txBody>
+        </p:sp>
+        <p:sp>
+          <p:nvSpPr>
+            <p:cNvPr id="44" name="Rectangle 43"/>
+            <p:cNvSpPr/>
+            <p:nvPr/>
+          </p:nvSpPr>
+          <p:spPr>
+            <a:xfrm>
+              <a:off x="1593124" y="2635696"/>
+              <a:ext cx="412292" cy="215444"/>
+            </a:xfrm>
+            <a:prstGeom prst="rect">
+              <a:avLst/>
+            </a:prstGeom>
+          </p:spPr>
+          <p:txBody>
+            <a:bodyPr wrap="none">
+              <a:spAutoFit/>
+            </a:bodyPr>
+            <a:lstStyle/>
+            <a:p>
+              <a:r>
+                <a:rPr lang="en-US" sz="800" dirty="0" smtClean="0"/>
+                <a:t>100%</a:t>
+              </a:r>
+              <a:endParaRPr lang="en-US" sz="800" dirty="0"/>
+            </a:p>
+          </p:txBody>
+        </p:sp>
+        <p:grpSp>
+          <p:nvGrpSpPr>
+            <p:cNvPr id="139" name="Group 138"/>
+            <p:cNvGrpSpPr/>
+            <p:nvPr/>
+          </p:nvGrpSpPr>
+          <p:grpSpPr>
+            <a:xfrm>
+              <a:off x="251460" y="2695793"/>
+              <a:ext cx="1257300" cy="95250"/>
+              <a:chOff x="4572000" y="2176820"/>
+              <a:chExt cx="2514600" cy="95250"/>
+            </a:xfrm>
+          </p:grpSpPr>
+          <p:sp>
+            <p:nvSpPr>
+              <p:cNvPr id="140" name="Rounded Rectangle 139"/>
+              <p:cNvSpPr/>
+              <p:nvPr/>
+            </p:nvSpPr>
+            <p:spPr>
+              <a:xfrm>
+                <a:off x="4572000" y="2176820"/>
+                <a:ext cx="2514600" cy="95250"/>
+              </a:xfrm>
+              <a:prstGeom prst="roundRect">
+                <a:avLst/>
+              </a:prstGeom>
+              <a:solidFill>
+                <a:schemeClr val="tx1"/>
+              </a:solidFill>
+              <a:ln>
+                <a:solidFill>
+                  <a:schemeClr val="tx1"/>
+                </a:solidFill>
+              </a:ln>
+            </p:spPr>
+            <p:style>
+              <a:lnRef idx="2">
+                <a:schemeClr val="accent1">
+                  <a:shade val="50000"/>
+                </a:schemeClr>
+              </a:lnRef>
+              <a:fillRef idx="1">
+                <a:schemeClr val="accent1"/>
+              </a:fillRef>
+              <a:effectRef idx="0">
+                <a:schemeClr val="accent1"/>
+              </a:effectRef>
+              <a:fontRef idx="minor">
+                <a:schemeClr val="lt1"/>
+              </a:fontRef>
+            </p:style>
+            <p:txBody>
+              <a:bodyPr rtlCol="0" anchor="ctr"/>
+              <a:lstStyle/>
+              <a:p>
+                <a:pPr algn="ctr"/>
+                <a:endParaRPr lang="en-US"/>
+              </a:p>
+            </p:txBody>
+          </p:sp>
+          <p:sp>
+            <p:nvSpPr>
+              <p:cNvPr id="141" name="Rounded Rectangle 140"/>
+              <p:cNvSpPr/>
+              <p:nvPr/>
+            </p:nvSpPr>
+            <p:spPr>
+              <a:xfrm>
+                <a:off x="4572000" y="2184821"/>
+                <a:ext cx="2514600" cy="85725"/>
+              </a:xfrm>
+              <a:prstGeom prst="roundRect">
+                <a:avLst/>
+              </a:prstGeom>
+              <a:pattFill prst="wdUpDiag">
+                <a:fgClr>
+                  <a:srgbClr val="00B050"/>
+                </a:fgClr>
+                <a:bgClr>
+                  <a:schemeClr val="accent3">
+                    <a:lumMod val="40000"/>
+                    <a:lumOff val="60000"/>
+                  </a:schemeClr>
+                </a:bgClr>
+              </a:pattFill>
+              <a:ln>
+                <a:noFill/>
+              </a:ln>
+            </p:spPr>
+            <p:style>
+              <a:lnRef idx="2">
+                <a:schemeClr val="accent1">
+                  <a:shade val="50000"/>
+                </a:schemeClr>
+              </a:lnRef>
+              <a:fillRef idx="1">
+                <a:schemeClr val="accent1"/>
+              </a:fillRef>
+              <a:effectRef idx="0">
+                <a:schemeClr val="accent1"/>
+              </a:effectRef>
+              <a:fontRef idx="minor">
+                <a:schemeClr val="lt1"/>
+              </a:fontRef>
+            </p:style>
+            <p:txBody>
+              <a:bodyPr rtlCol="0" anchor="ctr"/>
+              <a:lstStyle/>
+              <a:p>
+                <a:pPr algn="ctr"/>
+                <a:endParaRPr lang="en-US"/>
+              </a:p>
+            </p:txBody>
+          </p:sp>
+        </p:grpSp>
+        <p:sp>
+          <p:nvSpPr>
+            <p:cNvPr id="9" name="Rectangle 8"/>
+            <p:cNvSpPr/>
+            <p:nvPr/>
+          </p:nvSpPr>
+          <p:spPr>
+            <a:xfrm>
+              <a:off x="2060459" y="2899097"/>
+              <a:ext cx="715260" cy="215444"/>
+            </a:xfrm>
+            <a:prstGeom prst="rect">
+              <a:avLst/>
+            </a:prstGeom>
+          </p:spPr>
+          <p:txBody>
+            <a:bodyPr wrap="none">
+              <a:spAutoFit/>
+            </a:bodyPr>
+            <a:lstStyle/>
+            <a:p>
+              <a:r>
+                <a:rPr lang="en-US" sz="800" dirty="0"/>
+                <a:t>ARCGIS 10.0 </a:t>
+              </a:r>
+            </a:p>
+          </p:txBody>
+        </p:sp>
+        <p:sp>
+          <p:nvSpPr>
+            <p:cNvPr id="45" name="Rectangle 44"/>
+            <p:cNvSpPr/>
+            <p:nvPr/>
+          </p:nvSpPr>
+          <p:spPr>
+            <a:xfrm>
+              <a:off x="1593124" y="2899097"/>
+              <a:ext cx="412292" cy="215444"/>
+            </a:xfrm>
+            <a:prstGeom prst="rect">
+              <a:avLst/>
+            </a:prstGeom>
+          </p:spPr>
+          <p:txBody>
+            <a:bodyPr wrap="none">
+              <a:spAutoFit/>
+            </a:bodyPr>
+            <a:lstStyle/>
+            <a:p>
+              <a:r>
+                <a:rPr lang="en-US" sz="800" dirty="0" smtClean="0"/>
+                <a:t>100%</a:t>
+              </a:r>
+              <a:endParaRPr lang="en-US" sz="800" dirty="0"/>
+            </a:p>
+          </p:txBody>
+        </p:sp>
+        <p:grpSp>
+          <p:nvGrpSpPr>
+            <p:cNvPr id="142" name="Group 141"/>
+            <p:cNvGrpSpPr/>
+            <p:nvPr/>
+          </p:nvGrpSpPr>
+          <p:grpSpPr>
+            <a:xfrm>
+              <a:off x="251460" y="2959194"/>
+              <a:ext cx="1257300" cy="95250"/>
+              <a:chOff x="4572000" y="2176820"/>
+              <a:chExt cx="2514600" cy="95250"/>
+            </a:xfrm>
+          </p:grpSpPr>
+          <p:sp>
+            <p:nvSpPr>
+              <p:cNvPr id="143" name="Rounded Rectangle 142"/>
+              <p:cNvSpPr/>
+              <p:nvPr/>
+            </p:nvSpPr>
+            <p:spPr>
+              <a:xfrm>
+                <a:off x="4572000" y="2176820"/>
+                <a:ext cx="2514600" cy="95250"/>
+              </a:xfrm>
+              <a:prstGeom prst="roundRect">
+                <a:avLst/>
+              </a:prstGeom>
+              <a:solidFill>
+                <a:schemeClr val="tx1"/>
+              </a:solidFill>
+              <a:ln>
+                <a:solidFill>
+                  <a:schemeClr val="tx1"/>
+                </a:solidFill>
+              </a:ln>
+            </p:spPr>
+            <p:style>
+              <a:lnRef idx="2">
+                <a:schemeClr val="accent1">
+                  <a:shade val="50000"/>
+                </a:schemeClr>
+              </a:lnRef>
+              <a:fillRef idx="1">
+                <a:schemeClr val="accent1"/>
+              </a:fillRef>
+              <a:effectRef idx="0">
+                <a:schemeClr val="accent1"/>
+              </a:effectRef>
+              <a:fontRef idx="minor">
+                <a:schemeClr val="lt1"/>
+              </a:fontRef>
+            </p:style>
+            <p:txBody>
+              <a:bodyPr rtlCol="0" anchor="ctr"/>
+              <a:lstStyle/>
+              <a:p>
+                <a:pPr algn="ctr"/>
+                <a:endParaRPr lang="en-US"/>
+              </a:p>
+            </p:txBody>
+          </p:sp>
+          <p:sp>
+            <p:nvSpPr>
+              <p:cNvPr id="144" name="Rounded Rectangle 143"/>
+              <p:cNvSpPr/>
+              <p:nvPr/>
+            </p:nvSpPr>
+            <p:spPr>
+              <a:xfrm>
+                <a:off x="4572000" y="2184821"/>
+                <a:ext cx="2514600" cy="85725"/>
+              </a:xfrm>
+              <a:prstGeom prst="roundRect">
+                <a:avLst/>
+              </a:prstGeom>
+              <a:pattFill prst="wdUpDiag">
+                <a:fgClr>
+                  <a:srgbClr val="00B050"/>
+                </a:fgClr>
+                <a:bgClr>
+                  <a:schemeClr val="accent3">
+                    <a:lumMod val="40000"/>
+                    <a:lumOff val="60000"/>
+                  </a:schemeClr>
+                </a:bgClr>
+              </a:pattFill>
+              <a:ln>
+                <a:noFill/>
+              </a:ln>
+            </p:spPr>
+            <p:style>
+              <a:lnRef idx="2">
+                <a:schemeClr val="accent1">
+                  <a:shade val="50000"/>
+                </a:schemeClr>
+              </a:lnRef>
+              <a:fillRef idx="1">
+                <a:schemeClr val="accent1"/>
+              </a:fillRef>
+              <a:effectRef idx="0">
+                <a:schemeClr val="accent1"/>
+              </a:effectRef>
+              <a:fontRef idx="minor">
+                <a:schemeClr val="lt1"/>
+              </a:fontRef>
+            </p:style>
+            <p:txBody>
+              <a:bodyPr rtlCol="0" anchor="ctr"/>
+              <a:lstStyle/>
+              <a:p>
+                <a:pPr algn="ctr"/>
+                <a:endParaRPr lang="en-US"/>
+              </a:p>
+            </p:txBody>
+          </p:sp>
+        </p:grpSp>
+        <p:sp>
+          <p:nvSpPr>
+            <p:cNvPr id="11" name="Rectangle 10"/>
+            <p:cNvSpPr/>
+            <p:nvPr/>
+          </p:nvSpPr>
+          <p:spPr>
+            <a:xfrm>
+              <a:off x="2060459" y="3162498"/>
+              <a:ext cx="409086" cy="215444"/>
+            </a:xfrm>
+            <a:prstGeom prst="rect">
+              <a:avLst/>
+            </a:prstGeom>
+          </p:spPr>
+          <p:txBody>
+            <a:bodyPr wrap="none">
+              <a:spAutoFit/>
+            </a:bodyPr>
+            <a:lstStyle/>
+            <a:p>
+              <a:r>
+                <a:rPr lang="en-US" sz="800" dirty="0"/>
+                <a:t>Gimp</a:t>
+              </a:r>
+            </a:p>
+          </p:txBody>
+        </p:sp>
+        <p:sp>
+          <p:nvSpPr>
+            <p:cNvPr id="46" name="Rectangle 45"/>
+            <p:cNvSpPr/>
+            <p:nvPr/>
+          </p:nvSpPr>
+          <p:spPr>
+            <a:xfrm>
+              <a:off x="1593124" y="3162498"/>
+              <a:ext cx="412292" cy="215444"/>
+            </a:xfrm>
+            <a:prstGeom prst="rect">
+              <a:avLst/>
+            </a:prstGeom>
+          </p:spPr>
+          <p:txBody>
+            <a:bodyPr wrap="none">
+              <a:spAutoFit/>
+            </a:bodyPr>
+            <a:lstStyle/>
+            <a:p>
+              <a:r>
+                <a:rPr lang="en-US" sz="800" dirty="0" smtClean="0"/>
+                <a:t>100%</a:t>
+              </a:r>
+              <a:endParaRPr lang="en-US" sz="800" dirty="0"/>
+            </a:p>
+          </p:txBody>
+        </p:sp>
+        <p:grpSp>
+          <p:nvGrpSpPr>
+            <p:cNvPr id="145" name="Group 144"/>
+            <p:cNvGrpSpPr/>
+            <p:nvPr/>
+          </p:nvGrpSpPr>
+          <p:grpSpPr>
+            <a:xfrm>
+              <a:off x="251460" y="3222595"/>
+              <a:ext cx="1257300" cy="95250"/>
+              <a:chOff x="4572000" y="2176820"/>
+              <a:chExt cx="2514600" cy="95250"/>
+            </a:xfrm>
+          </p:grpSpPr>
+          <p:sp>
+            <p:nvSpPr>
+              <p:cNvPr id="146" name="Rounded Rectangle 145"/>
+              <p:cNvSpPr/>
+              <p:nvPr/>
+            </p:nvSpPr>
+            <p:spPr>
+              <a:xfrm>
+                <a:off x="4572000" y="2176820"/>
+                <a:ext cx="2514600" cy="95250"/>
+              </a:xfrm>
+              <a:prstGeom prst="roundRect">
+                <a:avLst/>
+              </a:prstGeom>
+              <a:solidFill>
+                <a:schemeClr val="tx1"/>
+              </a:solidFill>
+              <a:ln>
+                <a:solidFill>
+                  <a:schemeClr val="tx1"/>
+                </a:solidFill>
+              </a:ln>
+            </p:spPr>
+            <p:style>
+              <a:lnRef idx="2">
+                <a:schemeClr val="accent1">
+                  <a:shade val="50000"/>
+                </a:schemeClr>
+              </a:lnRef>
+              <a:fillRef idx="1">
+                <a:schemeClr val="accent1"/>
+              </a:fillRef>
+              <a:effectRef idx="0">
+                <a:schemeClr val="accent1"/>
+              </a:effectRef>
+              <a:fontRef idx="minor">
+                <a:schemeClr val="lt1"/>
+              </a:fontRef>
+            </p:style>
+            <p:txBody>
+              <a:bodyPr rtlCol="0" anchor="ctr"/>
+              <a:lstStyle/>
+              <a:p>
+                <a:pPr algn="ctr"/>
+                <a:endParaRPr lang="en-US"/>
+              </a:p>
+            </p:txBody>
+          </p:sp>
+          <p:sp>
+            <p:nvSpPr>
+              <p:cNvPr id="147" name="Rounded Rectangle 146"/>
+              <p:cNvSpPr/>
+              <p:nvPr/>
+            </p:nvSpPr>
+            <p:spPr>
+              <a:xfrm>
+                <a:off x="4572000" y="2184821"/>
+                <a:ext cx="2514600" cy="85725"/>
+              </a:xfrm>
+              <a:prstGeom prst="roundRect">
+                <a:avLst/>
+              </a:prstGeom>
+              <a:pattFill prst="wdUpDiag">
+                <a:fgClr>
+                  <a:srgbClr val="00B050"/>
+                </a:fgClr>
+                <a:bgClr>
+                  <a:schemeClr val="accent3">
+                    <a:lumMod val="40000"/>
+                    <a:lumOff val="60000"/>
+                  </a:schemeClr>
+                </a:bgClr>
+              </a:pattFill>
+              <a:ln>
+                <a:noFill/>
+              </a:ln>
+            </p:spPr>
+            <p:style>
+              <a:lnRef idx="2">
+                <a:schemeClr val="accent1">
+                  <a:shade val="50000"/>
+                </a:schemeClr>
+              </a:lnRef>
+              <a:fillRef idx="1">
+                <a:schemeClr val="accent1"/>
+              </a:fillRef>
+              <a:effectRef idx="0">
+                <a:schemeClr val="accent1"/>
+              </a:effectRef>
+              <a:fontRef idx="minor">
+                <a:schemeClr val="lt1"/>
+              </a:fontRef>
+            </p:style>
+            <p:txBody>
+              <a:bodyPr rtlCol="0" anchor="ctr"/>
+              <a:lstStyle/>
+              <a:p>
+                <a:pPr algn="ctr"/>
+                <a:endParaRPr lang="en-US"/>
+              </a:p>
+            </p:txBody>
+          </p:sp>
+        </p:grpSp>
+        <p:sp>
+          <p:nvSpPr>
+            <p:cNvPr id="10" name="Rectangle 9"/>
+            <p:cNvSpPr/>
+            <p:nvPr/>
+          </p:nvSpPr>
+          <p:spPr>
+            <a:xfrm>
+              <a:off x="2060459" y="3425904"/>
+              <a:ext cx="1091966" cy="215444"/>
+            </a:xfrm>
+            <a:prstGeom prst="rect">
+              <a:avLst/>
+            </a:prstGeom>
+          </p:spPr>
+          <p:txBody>
+            <a:bodyPr wrap="none">
+              <a:spAutoFit/>
+            </a:bodyPr>
+            <a:lstStyle/>
+            <a:p>
+              <a:r>
+                <a:rPr lang="en-US" sz="800" dirty="0"/>
+                <a:t>Microsoft Office tools</a:t>
+              </a:r>
+            </a:p>
+          </p:txBody>
+        </p:sp>
+        <p:sp>
+          <p:nvSpPr>
+            <p:cNvPr id="47" name="Rectangle 46"/>
+            <p:cNvSpPr/>
+            <p:nvPr/>
+          </p:nvSpPr>
+          <p:spPr>
+            <a:xfrm>
+              <a:off x="1593124" y="3425904"/>
+              <a:ext cx="412292" cy="215444"/>
+            </a:xfrm>
+            <a:prstGeom prst="rect">
+              <a:avLst/>
+            </a:prstGeom>
+          </p:spPr>
+          <p:txBody>
+            <a:bodyPr wrap="none">
+              <a:spAutoFit/>
+            </a:bodyPr>
+            <a:lstStyle/>
+            <a:p>
+              <a:r>
+                <a:rPr lang="en-US" sz="800" dirty="0" smtClean="0"/>
+                <a:t>100%</a:t>
+              </a:r>
+              <a:endParaRPr lang="en-US" sz="800" dirty="0"/>
+            </a:p>
+          </p:txBody>
+        </p:sp>
+        <p:grpSp>
+          <p:nvGrpSpPr>
+            <p:cNvPr id="148" name="Group 147"/>
+            <p:cNvGrpSpPr/>
+            <p:nvPr/>
+          </p:nvGrpSpPr>
+          <p:grpSpPr>
+            <a:xfrm>
+              <a:off x="251460" y="3486001"/>
+              <a:ext cx="1257300" cy="95250"/>
+              <a:chOff x="4572000" y="2176820"/>
+              <a:chExt cx="2514600" cy="95250"/>
+            </a:xfrm>
+          </p:grpSpPr>
+          <p:sp>
+            <p:nvSpPr>
+              <p:cNvPr id="149" name="Rounded Rectangle 148"/>
+              <p:cNvSpPr/>
+              <p:nvPr/>
+            </p:nvSpPr>
+            <p:spPr>
+              <a:xfrm>
+                <a:off x="4572000" y="2176820"/>
+                <a:ext cx="2514600" cy="95250"/>
+              </a:xfrm>
+              <a:prstGeom prst="roundRect">
+                <a:avLst/>
+              </a:prstGeom>
+              <a:solidFill>
+                <a:schemeClr val="tx1"/>
+              </a:solidFill>
+              <a:ln>
+                <a:solidFill>
+                  <a:schemeClr val="tx1"/>
+                </a:solidFill>
+              </a:ln>
+            </p:spPr>
+            <p:style>
+              <a:lnRef idx="2">
+                <a:schemeClr val="accent1">
+                  <a:shade val="50000"/>
+                </a:schemeClr>
+              </a:lnRef>
+              <a:fillRef idx="1">
+                <a:schemeClr val="accent1"/>
+              </a:fillRef>
+              <a:effectRef idx="0">
+                <a:schemeClr val="accent1"/>
+              </a:effectRef>
+              <a:fontRef idx="minor">
+                <a:schemeClr val="lt1"/>
+              </a:fontRef>
+            </p:style>
+            <p:txBody>
+              <a:bodyPr rtlCol="0" anchor="ctr"/>
+              <a:lstStyle/>
+              <a:p>
+                <a:pPr algn="ctr"/>
+                <a:endParaRPr lang="en-US"/>
+              </a:p>
+            </p:txBody>
+          </p:sp>
+          <p:sp>
+            <p:nvSpPr>
+              <p:cNvPr id="150" name="Rounded Rectangle 149"/>
+              <p:cNvSpPr/>
+              <p:nvPr/>
+            </p:nvSpPr>
+            <p:spPr>
+              <a:xfrm>
+                <a:off x="4572000" y="2184821"/>
+                <a:ext cx="2514600" cy="85725"/>
+              </a:xfrm>
+              <a:prstGeom prst="roundRect">
+                <a:avLst/>
+              </a:prstGeom>
+              <a:pattFill prst="wdUpDiag">
+                <a:fgClr>
+                  <a:srgbClr val="00B050"/>
+                </a:fgClr>
+                <a:bgClr>
+                  <a:schemeClr val="accent3">
+                    <a:lumMod val="40000"/>
+                    <a:lumOff val="60000"/>
+                  </a:schemeClr>
+                </a:bgClr>
+              </a:pattFill>
+              <a:ln>
+                <a:noFill/>
+              </a:ln>
+            </p:spPr>
+            <p:style>
+              <a:lnRef idx="2">
+                <a:schemeClr val="accent1">
+                  <a:shade val="50000"/>
+                </a:schemeClr>
+              </a:lnRef>
+              <a:fillRef idx="1">
+                <a:schemeClr val="accent1"/>
+              </a:fillRef>
+              <a:effectRef idx="0">
+                <a:schemeClr val="accent1"/>
+              </a:effectRef>
+              <a:fontRef idx="minor">
+                <a:schemeClr val="lt1"/>
+              </a:fontRef>
+            </p:style>
+            <p:txBody>
+              <a:bodyPr rtlCol="0" anchor="ctr"/>
+              <a:lstStyle/>
+              <a:p>
+                <a:pPr algn="ctr"/>
+                <a:endParaRPr lang="en-US"/>
+              </a:p>
+            </p:txBody>
+          </p:sp>
+        </p:grpSp>
+        <p:sp>
+          <p:nvSpPr>
+            <p:cNvPr id="75" name="Rectangle 74"/>
+            <p:cNvSpPr/>
+            <p:nvPr/>
+          </p:nvSpPr>
+          <p:spPr>
+            <a:xfrm>
+              <a:off x="1644420" y="3733800"/>
+              <a:ext cx="360996" cy="215444"/>
+            </a:xfrm>
+            <a:prstGeom prst="rect">
+              <a:avLst/>
+            </a:prstGeom>
+          </p:spPr>
+          <p:txBody>
+            <a:bodyPr wrap="none">
+              <a:spAutoFit/>
+            </a:bodyPr>
+            <a:lstStyle/>
+            <a:p>
+              <a:r>
+                <a:rPr lang="en-US" sz="800" dirty="0" smtClean="0"/>
+                <a:t>50%</a:t>
+              </a:r>
+              <a:endParaRPr lang="en-US" sz="800" dirty="0"/>
+            </a:p>
+          </p:txBody>
+        </p:sp>
+        <p:sp>
+          <p:nvSpPr>
+            <p:cNvPr id="76" name="Rectangle 75"/>
+            <p:cNvSpPr/>
+            <p:nvPr/>
+          </p:nvSpPr>
+          <p:spPr>
+            <a:xfrm>
+              <a:off x="2060459" y="3733800"/>
+              <a:ext cx="239168" cy="215444"/>
+            </a:xfrm>
+            <a:prstGeom prst="rect">
+              <a:avLst/>
+            </a:prstGeom>
+          </p:spPr>
+          <p:txBody>
+            <a:bodyPr wrap="none">
+              <a:spAutoFit/>
+            </a:bodyPr>
+            <a:lstStyle/>
+            <a:p>
+              <a:r>
+                <a:rPr lang="en-US" sz="800" dirty="0" smtClean="0"/>
+                <a:t>C</a:t>
+              </a:r>
+              <a:endParaRPr lang="en-US" sz="800" dirty="0"/>
+            </a:p>
+          </p:txBody>
+        </p:sp>
+        <p:grpSp>
+          <p:nvGrpSpPr>
+            <p:cNvPr id="112" name="Group 111"/>
+            <p:cNvGrpSpPr/>
+            <p:nvPr/>
+          </p:nvGrpSpPr>
+          <p:grpSpPr>
+            <a:xfrm>
+              <a:off x="248774" y="3793897"/>
+              <a:ext cx="1257544" cy="95250"/>
+              <a:chOff x="4571513" y="1291709"/>
+              <a:chExt cx="2515087" cy="95250"/>
+            </a:xfrm>
+          </p:grpSpPr>
+          <p:sp>
+            <p:nvSpPr>
+              <p:cNvPr id="113" name="Rounded Rectangle 112"/>
+              <p:cNvSpPr/>
+              <p:nvPr/>
+            </p:nvSpPr>
+            <p:spPr>
+              <a:xfrm>
+                <a:off x="4572000" y="1291709"/>
+                <a:ext cx="2514600" cy="95250"/>
+              </a:xfrm>
+              <a:prstGeom prst="roundRect">
+                <a:avLst/>
+              </a:prstGeom>
+              <a:solidFill>
+                <a:schemeClr val="tx1"/>
+              </a:solidFill>
+              <a:ln>
+                <a:solidFill>
+                  <a:schemeClr val="tx1"/>
+                </a:solidFill>
+              </a:ln>
+            </p:spPr>
+            <p:style>
+              <a:lnRef idx="2">
+                <a:schemeClr val="accent1">
+                  <a:shade val="50000"/>
+                </a:schemeClr>
+              </a:lnRef>
+              <a:fillRef idx="1">
+                <a:schemeClr val="accent1"/>
+              </a:fillRef>
+              <a:effectRef idx="0">
+                <a:schemeClr val="accent1"/>
+              </a:effectRef>
+              <a:fontRef idx="minor">
+                <a:schemeClr val="lt1"/>
+              </a:fontRef>
+            </p:style>
+            <p:txBody>
+              <a:bodyPr rtlCol="0" anchor="ctr"/>
+              <a:lstStyle/>
+              <a:p>
+                <a:pPr algn="ctr"/>
+                <a:endParaRPr lang="en-US"/>
+              </a:p>
+            </p:txBody>
+          </p:sp>
+          <p:sp>
+            <p:nvSpPr>
+              <p:cNvPr id="114" name="Rounded Rectangle 113"/>
+              <p:cNvSpPr/>
+              <p:nvPr/>
+            </p:nvSpPr>
+            <p:spPr>
+              <a:xfrm>
+                <a:off x="4571513" y="1295400"/>
+                <a:ext cx="1261872" cy="85725"/>
+              </a:xfrm>
+              <a:prstGeom prst="roundRect">
+                <a:avLst/>
+              </a:prstGeom>
+              <a:pattFill prst="wdUpDiag">
+                <a:fgClr>
+                  <a:srgbClr val="FFC000"/>
+                </a:fgClr>
+                <a:bgClr>
+                  <a:srgbClr val="FFFF00"/>
+                </a:bgClr>
+              </a:pattFill>
+              <a:ln>
+                <a:noFill/>
+              </a:ln>
+            </p:spPr>
+            <p:style>
+              <a:lnRef idx="2">
+                <a:schemeClr val="accent1">
+                  <a:shade val="50000"/>
+                </a:schemeClr>
+              </a:lnRef>
+              <a:fillRef idx="1">
+                <a:schemeClr val="accent1"/>
+              </a:fillRef>
+              <a:effectRef idx="0">
+                <a:schemeClr val="accent1"/>
+              </a:effectRef>
+              <a:fontRef idx="minor">
+                <a:schemeClr val="lt1"/>
+              </a:fontRef>
+            </p:style>
+            <p:txBody>
+              <a:bodyPr rtlCol="0" anchor="ctr"/>
+              <a:lstStyle/>
+              <a:p>
+                <a:pPr algn="ctr"/>
+                <a:endParaRPr lang="en-US"/>
+              </a:p>
+            </p:txBody>
+          </p:sp>
+        </p:grpSp>
+        <p:sp>
+          <p:nvSpPr>
+            <p:cNvPr id="96" name="Rectangle 95"/>
+            <p:cNvSpPr/>
+            <p:nvPr/>
+          </p:nvSpPr>
+          <p:spPr>
+            <a:xfrm>
+              <a:off x="1644420" y="4998565"/>
+              <a:ext cx="360996" cy="215444"/>
+            </a:xfrm>
+            <a:prstGeom prst="rect">
+              <a:avLst/>
+            </a:prstGeom>
+          </p:spPr>
+          <p:txBody>
+            <a:bodyPr wrap="none">
+              <a:spAutoFit/>
+            </a:bodyPr>
+            <a:lstStyle/>
+            <a:p>
+              <a:r>
+                <a:rPr lang="en-US" sz="800" dirty="0" smtClean="0"/>
+                <a:t>25%</a:t>
+              </a:r>
+              <a:endParaRPr lang="en-US" sz="800" dirty="0"/>
+            </a:p>
+          </p:txBody>
+        </p:sp>
+        <p:sp>
+          <p:nvSpPr>
+            <p:cNvPr id="151" name="Rectangle 150"/>
+            <p:cNvSpPr/>
+            <p:nvPr/>
+          </p:nvSpPr>
+          <p:spPr>
+            <a:xfrm>
+              <a:off x="2060459" y="4998565"/>
+              <a:ext cx="343364" cy="215444"/>
+            </a:xfrm>
+            <a:prstGeom prst="rect">
+              <a:avLst/>
+            </a:prstGeom>
+          </p:spPr>
+          <p:txBody>
+            <a:bodyPr wrap="none">
+              <a:spAutoFit/>
+            </a:bodyPr>
+            <a:lstStyle/>
+            <a:p>
+              <a:r>
+                <a:rPr lang="en-US" sz="800" dirty="0" smtClean="0"/>
+                <a:t>SQL</a:t>
+              </a:r>
+              <a:endParaRPr lang="en-US" sz="800" dirty="0"/>
+            </a:p>
+          </p:txBody>
+        </p:sp>
+        <p:grpSp>
+          <p:nvGrpSpPr>
+            <p:cNvPr id="152" name="Group 151"/>
+            <p:cNvGrpSpPr/>
+            <p:nvPr/>
+          </p:nvGrpSpPr>
+          <p:grpSpPr>
+            <a:xfrm>
+              <a:off x="248774" y="5058662"/>
+              <a:ext cx="1257300" cy="95250"/>
+              <a:chOff x="4572000" y="978930"/>
+              <a:chExt cx="2514600" cy="95250"/>
+            </a:xfrm>
+          </p:grpSpPr>
+          <p:sp>
+            <p:nvSpPr>
+              <p:cNvPr id="153" name="Rounded Rectangle 152"/>
+              <p:cNvSpPr/>
+              <p:nvPr/>
+            </p:nvSpPr>
+            <p:spPr>
+              <a:xfrm>
+                <a:off x="4572000" y="978930"/>
+                <a:ext cx="2514600" cy="95250"/>
+              </a:xfrm>
+              <a:prstGeom prst="roundRect">
+                <a:avLst/>
+              </a:prstGeom>
+              <a:solidFill>
+                <a:schemeClr val="tx1"/>
+              </a:solidFill>
+              <a:ln>
+                <a:solidFill>
+                  <a:schemeClr val="tx1"/>
+                </a:solidFill>
+              </a:ln>
+            </p:spPr>
+            <p:style>
+              <a:lnRef idx="2">
+                <a:schemeClr val="accent1">
+                  <a:shade val="50000"/>
+                </a:schemeClr>
+              </a:lnRef>
+              <a:fillRef idx="1">
+                <a:schemeClr val="accent1"/>
+              </a:fillRef>
+              <a:effectRef idx="0">
+                <a:schemeClr val="accent1"/>
+              </a:effectRef>
+              <a:fontRef idx="minor">
+                <a:schemeClr val="lt1"/>
+              </a:fontRef>
+            </p:style>
+            <p:txBody>
+              <a:bodyPr rtlCol="0" anchor="ctr"/>
+              <a:lstStyle/>
+              <a:p>
+                <a:pPr algn="ctr"/>
+                <a:endParaRPr lang="en-US"/>
+              </a:p>
+            </p:txBody>
+          </p:sp>
+          <p:sp>
+            <p:nvSpPr>
+              <p:cNvPr id="154" name="Rounded Rectangle 153"/>
+              <p:cNvSpPr/>
+              <p:nvPr/>
+            </p:nvSpPr>
+            <p:spPr>
+              <a:xfrm>
+                <a:off x="4572000" y="983692"/>
+                <a:ext cx="630936" cy="85725"/>
+              </a:xfrm>
+              <a:prstGeom prst="roundRect">
+                <a:avLst/>
+              </a:prstGeom>
+              <a:pattFill prst="wdUpDiag">
+                <a:fgClr>
+                  <a:schemeClr val="accent2">
+                    <a:lumMod val="60000"/>
+                    <a:lumOff val="40000"/>
+                  </a:schemeClr>
+                </a:fgClr>
+                <a:bgClr>
+                  <a:schemeClr val="accent2">
+                    <a:lumMod val="20000"/>
+                    <a:lumOff val="80000"/>
+                  </a:schemeClr>
+                </a:bgClr>
+              </a:pattFill>
+              <a:ln>
+                <a:noFill/>
+              </a:ln>
+            </p:spPr>
+            <p:style>
+              <a:lnRef idx="2">
+                <a:schemeClr val="accent1">
+                  <a:shade val="50000"/>
+                </a:schemeClr>
+              </a:lnRef>
+              <a:fillRef idx="1">
+                <a:schemeClr val="accent1"/>
+              </a:fillRef>
+              <a:effectRef idx="0">
+                <a:schemeClr val="accent1"/>
+              </a:effectRef>
+              <a:fontRef idx="minor">
+                <a:schemeClr val="lt1"/>
+              </a:fontRef>
+            </p:style>
+            <p:txBody>
+              <a:bodyPr rtlCol="0" anchor="ctr"/>
+              <a:lstStyle/>
+              <a:p>
+                <a:pPr algn="ctr"/>
+                <a:endParaRPr lang="en-US"/>
+              </a:p>
+            </p:txBody>
+          </p:sp>
+        </p:grpSp>
+        <p:sp>
+          <p:nvSpPr>
+            <p:cNvPr id="80" name="Rectangle 79"/>
+            <p:cNvSpPr/>
+            <p:nvPr/>
+          </p:nvSpPr>
+          <p:spPr>
+            <a:xfrm>
+              <a:off x="1644420" y="3986753"/>
+              <a:ext cx="360996" cy="215444"/>
+            </a:xfrm>
+            <a:prstGeom prst="rect">
+              <a:avLst/>
+            </a:prstGeom>
+          </p:spPr>
+          <p:txBody>
+            <a:bodyPr wrap="none">
+              <a:spAutoFit/>
+            </a:bodyPr>
+            <a:lstStyle/>
+            <a:p>
+              <a:r>
+                <a:rPr lang="en-US" sz="800" dirty="0" smtClean="0"/>
+                <a:t>50%</a:t>
+              </a:r>
+              <a:endParaRPr lang="en-US" sz="800" dirty="0"/>
+            </a:p>
+          </p:txBody>
+        </p:sp>
+        <p:sp>
+          <p:nvSpPr>
+            <p:cNvPr id="81" name="Rectangle 80"/>
+            <p:cNvSpPr/>
+            <p:nvPr/>
+          </p:nvSpPr>
+          <p:spPr>
+            <a:xfrm>
+              <a:off x="2060459" y="3986753"/>
+              <a:ext cx="429926" cy="215444"/>
+            </a:xfrm>
+            <a:prstGeom prst="rect">
+              <a:avLst/>
+            </a:prstGeom>
+          </p:spPr>
+          <p:txBody>
+            <a:bodyPr wrap="none">
+              <a:spAutoFit/>
+            </a:bodyPr>
+            <a:lstStyle/>
+            <a:p>
+              <a:r>
+                <a:rPr lang="en-US" sz="800" dirty="0" smtClean="0"/>
+                <a:t>HTML</a:t>
+              </a:r>
+              <a:endParaRPr lang="en-US" sz="800" dirty="0"/>
+            </a:p>
+          </p:txBody>
+        </p:sp>
+        <p:grpSp>
+          <p:nvGrpSpPr>
+            <p:cNvPr id="160" name="Group 159"/>
+            <p:cNvGrpSpPr/>
+            <p:nvPr/>
+          </p:nvGrpSpPr>
+          <p:grpSpPr>
+            <a:xfrm>
+              <a:off x="248774" y="4046850"/>
+              <a:ext cx="1257544" cy="95250"/>
+              <a:chOff x="4571513" y="1291709"/>
+              <a:chExt cx="2515087" cy="95250"/>
+            </a:xfrm>
+          </p:grpSpPr>
+          <p:sp>
+            <p:nvSpPr>
+              <p:cNvPr id="161" name="Rounded Rectangle 160"/>
+              <p:cNvSpPr/>
+              <p:nvPr/>
+            </p:nvSpPr>
+            <p:spPr>
+              <a:xfrm>
+                <a:off x="4572000" y="1291709"/>
+                <a:ext cx="2514600" cy="95250"/>
+              </a:xfrm>
+              <a:prstGeom prst="roundRect">
+                <a:avLst/>
+              </a:prstGeom>
+              <a:solidFill>
+                <a:schemeClr val="tx1"/>
+              </a:solidFill>
+              <a:ln>
+                <a:solidFill>
+                  <a:schemeClr val="tx1"/>
+                </a:solidFill>
+              </a:ln>
+            </p:spPr>
+            <p:style>
+              <a:lnRef idx="2">
+                <a:schemeClr val="accent1">
+                  <a:shade val="50000"/>
+                </a:schemeClr>
+              </a:lnRef>
+              <a:fillRef idx="1">
+                <a:schemeClr val="accent1"/>
+              </a:fillRef>
+              <a:effectRef idx="0">
+                <a:schemeClr val="accent1"/>
+              </a:effectRef>
+              <a:fontRef idx="minor">
+                <a:schemeClr val="lt1"/>
+              </a:fontRef>
+            </p:style>
+            <p:txBody>
+              <a:bodyPr rtlCol="0" anchor="ctr"/>
+              <a:lstStyle/>
+              <a:p>
+                <a:pPr algn="ctr"/>
+                <a:endParaRPr lang="en-US"/>
+              </a:p>
+            </p:txBody>
+          </p:sp>
+          <p:sp>
+            <p:nvSpPr>
+              <p:cNvPr id="162" name="Rounded Rectangle 161"/>
+              <p:cNvSpPr/>
+              <p:nvPr/>
+            </p:nvSpPr>
+            <p:spPr>
+              <a:xfrm>
+                <a:off x="4571513" y="1295400"/>
+                <a:ext cx="1261872" cy="85725"/>
+              </a:xfrm>
+              <a:prstGeom prst="roundRect">
+                <a:avLst/>
+              </a:prstGeom>
+              <a:pattFill prst="wdUpDiag">
+                <a:fgClr>
+                  <a:srgbClr val="FFC000"/>
+                </a:fgClr>
+                <a:bgClr>
+                  <a:srgbClr val="FFFF00"/>
+                </a:bgClr>
+              </a:pattFill>
+              <a:ln>
+                <a:noFill/>
+              </a:ln>
+            </p:spPr>
+            <p:style>
+              <a:lnRef idx="2">
+                <a:schemeClr val="accent1">
+                  <a:shade val="50000"/>
+                </a:schemeClr>
+              </a:lnRef>
+              <a:fillRef idx="1">
+                <a:schemeClr val="accent1"/>
+              </a:fillRef>
+              <a:effectRef idx="0">
+                <a:schemeClr val="accent1"/>
+              </a:effectRef>
+              <a:fontRef idx="minor">
+                <a:schemeClr val="lt1"/>
+              </a:fontRef>
+            </p:style>
+            <p:txBody>
+              <a:bodyPr rtlCol="0" anchor="ctr"/>
+              <a:lstStyle/>
+              <a:p>
+                <a:pPr algn="ctr"/>
+                <a:endParaRPr lang="en-US"/>
+              </a:p>
+            </p:txBody>
+          </p:sp>
+        </p:grpSp>
+        <p:sp>
+          <p:nvSpPr>
+            <p:cNvPr id="85" name="Rectangle 84"/>
+            <p:cNvSpPr/>
+            <p:nvPr/>
+          </p:nvSpPr>
+          <p:spPr>
+            <a:xfrm>
+              <a:off x="1644420" y="4239706"/>
+              <a:ext cx="360996" cy="215444"/>
+            </a:xfrm>
+            <a:prstGeom prst="rect">
+              <a:avLst/>
+            </a:prstGeom>
+          </p:spPr>
+          <p:txBody>
+            <a:bodyPr wrap="none">
+              <a:spAutoFit/>
+            </a:bodyPr>
+            <a:lstStyle/>
+            <a:p>
+              <a:r>
+                <a:rPr lang="en-US" sz="800" dirty="0" smtClean="0"/>
+                <a:t>50%</a:t>
+              </a:r>
+              <a:endParaRPr lang="en-US" sz="800" dirty="0"/>
+            </a:p>
+          </p:txBody>
+        </p:sp>
+        <p:sp>
+          <p:nvSpPr>
+            <p:cNvPr id="86" name="Rectangle 85"/>
+            <p:cNvSpPr/>
+            <p:nvPr/>
+          </p:nvSpPr>
+          <p:spPr>
+            <a:xfrm>
+              <a:off x="2060459" y="4239706"/>
+              <a:ext cx="332142" cy="215444"/>
+            </a:xfrm>
+            <a:prstGeom prst="rect">
+              <a:avLst/>
+            </a:prstGeom>
+          </p:spPr>
+          <p:txBody>
+            <a:bodyPr wrap="none">
+              <a:spAutoFit/>
+            </a:bodyPr>
+            <a:lstStyle/>
+            <a:p>
+              <a:r>
+                <a:rPr lang="en-US" sz="800" dirty="0" smtClean="0"/>
+                <a:t>CSS</a:t>
+              </a:r>
+              <a:endParaRPr lang="en-US" sz="800" dirty="0"/>
+            </a:p>
+          </p:txBody>
+        </p:sp>
+        <p:grpSp>
+          <p:nvGrpSpPr>
+            <p:cNvPr id="163" name="Group 162"/>
+            <p:cNvGrpSpPr/>
+            <p:nvPr/>
+          </p:nvGrpSpPr>
+          <p:grpSpPr>
+            <a:xfrm>
+              <a:off x="248774" y="4299803"/>
+              <a:ext cx="1257544" cy="95250"/>
+              <a:chOff x="4571513" y="1291709"/>
+              <a:chExt cx="2515087" cy="95250"/>
+            </a:xfrm>
+          </p:grpSpPr>
+          <p:sp>
+            <p:nvSpPr>
+              <p:cNvPr id="164" name="Rounded Rectangle 163"/>
+              <p:cNvSpPr/>
+              <p:nvPr/>
+            </p:nvSpPr>
+            <p:spPr>
+              <a:xfrm>
+                <a:off x="4572000" y="1291709"/>
+                <a:ext cx="2514600" cy="95250"/>
+              </a:xfrm>
+              <a:prstGeom prst="roundRect">
+                <a:avLst/>
+              </a:prstGeom>
+              <a:solidFill>
+                <a:schemeClr val="tx1"/>
+              </a:solidFill>
+              <a:ln>
+                <a:solidFill>
+                  <a:schemeClr val="tx1"/>
+                </a:solidFill>
+              </a:ln>
+            </p:spPr>
+            <p:style>
+              <a:lnRef idx="2">
+                <a:schemeClr val="accent1">
+                  <a:shade val="50000"/>
+                </a:schemeClr>
+              </a:lnRef>
+              <a:fillRef idx="1">
+                <a:schemeClr val="accent1"/>
+              </a:fillRef>
+              <a:effectRef idx="0">
+                <a:schemeClr val="accent1"/>
+              </a:effectRef>
+              <a:fontRef idx="minor">
+                <a:schemeClr val="lt1"/>
+              </a:fontRef>
+            </p:style>
+            <p:txBody>
+              <a:bodyPr rtlCol="0" anchor="ctr"/>
+              <a:lstStyle/>
+              <a:p>
+                <a:pPr algn="ctr"/>
+                <a:endParaRPr lang="en-US"/>
+              </a:p>
+            </p:txBody>
+          </p:sp>
+          <p:sp>
+            <p:nvSpPr>
+              <p:cNvPr id="165" name="Rounded Rectangle 164"/>
+              <p:cNvSpPr/>
+              <p:nvPr/>
+            </p:nvSpPr>
+            <p:spPr>
+              <a:xfrm>
+                <a:off x="4571513" y="1295400"/>
+                <a:ext cx="1261872" cy="85725"/>
+              </a:xfrm>
+              <a:prstGeom prst="roundRect">
+                <a:avLst/>
+              </a:prstGeom>
+              <a:pattFill prst="wdUpDiag">
+                <a:fgClr>
+                  <a:srgbClr val="FFC000"/>
+                </a:fgClr>
+                <a:bgClr>
+                  <a:srgbClr val="FFFF00"/>
+                </a:bgClr>
+              </a:pattFill>
+              <a:ln>
+                <a:noFill/>
+              </a:ln>
+            </p:spPr>
+            <p:style>
+              <a:lnRef idx="2">
+                <a:schemeClr val="accent1">
+                  <a:shade val="50000"/>
+                </a:schemeClr>
+              </a:lnRef>
+              <a:fillRef idx="1">
+                <a:schemeClr val="accent1"/>
+              </a:fillRef>
+              <a:effectRef idx="0">
+                <a:schemeClr val="accent1"/>
+              </a:effectRef>
+              <a:fontRef idx="minor">
+                <a:schemeClr val="lt1"/>
+              </a:fontRef>
+            </p:style>
+            <p:txBody>
+              <a:bodyPr rtlCol="0" anchor="ctr"/>
+              <a:lstStyle/>
+              <a:p>
+                <a:pPr algn="ctr"/>
+                <a:endParaRPr lang="en-US"/>
+              </a:p>
+            </p:txBody>
+          </p:sp>
+        </p:grpSp>
+        <p:sp>
+          <p:nvSpPr>
+            <p:cNvPr id="90" name="Rectangle 89"/>
+            <p:cNvSpPr/>
+            <p:nvPr/>
+          </p:nvSpPr>
+          <p:spPr>
+            <a:xfrm>
+              <a:off x="1644420" y="4492659"/>
+              <a:ext cx="360996" cy="215444"/>
+            </a:xfrm>
+            <a:prstGeom prst="rect">
+              <a:avLst/>
+            </a:prstGeom>
+          </p:spPr>
+          <p:txBody>
+            <a:bodyPr wrap="none">
+              <a:spAutoFit/>
+            </a:bodyPr>
+            <a:lstStyle/>
+            <a:p>
+              <a:r>
+                <a:rPr lang="en-US" sz="800" dirty="0" smtClean="0"/>
+                <a:t>50%</a:t>
+              </a:r>
+              <a:endParaRPr lang="en-US" sz="800" dirty="0"/>
+            </a:p>
+          </p:txBody>
+        </p:sp>
+        <p:sp>
+          <p:nvSpPr>
+            <p:cNvPr id="91" name="Rectangle 90"/>
+            <p:cNvSpPr/>
+            <p:nvPr/>
+          </p:nvSpPr>
+          <p:spPr>
+            <a:xfrm>
+              <a:off x="2060459" y="4492659"/>
+              <a:ext cx="599844" cy="215444"/>
+            </a:xfrm>
+            <a:prstGeom prst="rect">
+              <a:avLst/>
+            </a:prstGeom>
+          </p:spPr>
+          <p:txBody>
+            <a:bodyPr wrap="none">
+              <a:spAutoFit/>
+            </a:bodyPr>
+            <a:lstStyle/>
+            <a:p>
+              <a:r>
+                <a:rPr lang="en-US" sz="800" dirty="0" smtClean="0"/>
+                <a:t>JavaScript</a:t>
+              </a:r>
+              <a:endParaRPr lang="en-US" sz="800" dirty="0"/>
+            </a:p>
+          </p:txBody>
+        </p:sp>
+        <p:grpSp>
+          <p:nvGrpSpPr>
+            <p:cNvPr id="166" name="Group 165"/>
+            <p:cNvGrpSpPr/>
+            <p:nvPr/>
+          </p:nvGrpSpPr>
+          <p:grpSpPr>
+            <a:xfrm>
+              <a:off x="248774" y="4552756"/>
+              <a:ext cx="1257544" cy="95250"/>
+              <a:chOff x="4571513" y="1291709"/>
+              <a:chExt cx="2515087" cy="95250"/>
+            </a:xfrm>
+          </p:grpSpPr>
+          <p:sp>
+            <p:nvSpPr>
+              <p:cNvPr id="167" name="Rounded Rectangle 166"/>
+              <p:cNvSpPr/>
+              <p:nvPr/>
+            </p:nvSpPr>
+            <p:spPr>
+              <a:xfrm>
+                <a:off x="4572000" y="1291709"/>
+                <a:ext cx="2514600" cy="95250"/>
+              </a:xfrm>
+              <a:prstGeom prst="roundRect">
+                <a:avLst/>
+              </a:prstGeom>
+              <a:solidFill>
+                <a:schemeClr val="tx1"/>
+              </a:solidFill>
+              <a:ln>
+                <a:solidFill>
+                  <a:schemeClr val="tx1"/>
+                </a:solidFill>
+              </a:ln>
+            </p:spPr>
+            <p:style>
+              <a:lnRef idx="2">
+                <a:schemeClr val="accent1">
+                  <a:shade val="50000"/>
+                </a:schemeClr>
+              </a:lnRef>
+              <a:fillRef idx="1">
+                <a:schemeClr val="accent1"/>
+              </a:fillRef>
+              <a:effectRef idx="0">
+                <a:schemeClr val="accent1"/>
+              </a:effectRef>
+              <a:fontRef idx="minor">
+                <a:schemeClr val="lt1"/>
+              </a:fontRef>
+            </p:style>
+            <p:txBody>
+              <a:bodyPr rtlCol="0" anchor="ctr"/>
+              <a:lstStyle/>
+              <a:p>
+                <a:pPr algn="ctr"/>
+                <a:endParaRPr lang="en-US"/>
+              </a:p>
+            </p:txBody>
+          </p:sp>
+          <p:sp>
+            <p:nvSpPr>
+              <p:cNvPr id="168" name="Rounded Rectangle 167"/>
+              <p:cNvSpPr/>
+              <p:nvPr/>
+            </p:nvSpPr>
+            <p:spPr>
+              <a:xfrm>
+                <a:off x="4571513" y="1295400"/>
+                <a:ext cx="1261872" cy="85725"/>
+              </a:xfrm>
+              <a:prstGeom prst="roundRect">
+                <a:avLst/>
+              </a:prstGeom>
+              <a:pattFill prst="wdUpDiag">
+                <a:fgClr>
+                  <a:srgbClr val="FFC000"/>
+                </a:fgClr>
+                <a:bgClr>
+                  <a:srgbClr val="FFFF00"/>
+                </a:bgClr>
+              </a:pattFill>
+              <a:ln>
+                <a:noFill/>
+              </a:ln>
+            </p:spPr>
+            <p:style>
+              <a:lnRef idx="2">
+                <a:schemeClr val="accent1">
+                  <a:shade val="50000"/>
+                </a:schemeClr>
+              </a:lnRef>
+              <a:fillRef idx="1">
+                <a:schemeClr val="accent1"/>
+              </a:fillRef>
+              <a:effectRef idx="0">
+                <a:schemeClr val="accent1"/>
+              </a:effectRef>
+              <a:fontRef idx="minor">
+                <a:schemeClr val="lt1"/>
+              </a:fontRef>
+            </p:style>
+            <p:txBody>
+              <a:bodyPr rtlCol="0" anchor="ctr"/>
+              <a:lstStyle/>
+              <a:p>
+                <a:pPr algn="ctr"/>
+                <a:endParaRPr lang="en-US"/>
+              </a:p>
+            </p:txBody>
+          </p:sp>
+        </p:grpSp>
+        <p:sp>
+          <p:nvSpPr>
+            <p:cNvPr id="14" name="Rectangle 13"/>
+            <p:cNvSpPr/>
+            <p:nvPr/>
+          </p:nvSpPr>
+          <p:spPr>
+            <a:xfrm>
+              <a:off x="2060459" y="4745612"/>
+              <a:ext cx="562975" cy="215444"/>
+            </a:xfrm>
+            <a:prstGeom prst="rect">
+              <a:avLst/>
+            </a:prstGeom>
+          </p:spPr>
+          <p:txBody>
+            <a:bodyPr wrap="none">
+              <a:spAutoFit/>
+            </a:bodyPr>
+            <a:lstStyle/>
+            <a:p>
+              <a:r>
+                <a:rPr lang="en-US" sz="800" dirty="0"/>
+                <a:t>MATLAB </a:t>
+              </a:r>
+            </a:p>
+          </p:txBody>
+        </p:sp>
+        <p:sp>
+          <p:nvSpPr>
+            <p:cNvPr id="92" name="Rectangle 91"/>
+            <p:cNvSpPr/>
+            <p:nvPr/>
+          </p:nvSpPr>
+          <p:spPr>
+            <a:xfrm>
+              <a:off x="1644420" y="4745612"/>
+              <a:ext cx="360996" cy="215444"/>
+            </a:xfrm>
+            <a:prstGeom prst="rect">
+              <a:avLst/>
+            </a:prstGeom>
+          </p:spPr>
+          <p:txBody>
+            <a:bodyPr wrap="none">
+              <a:spAutoFit/>
+            </a:bodyPr>
+            <a:lstStyle/>
+            <a:p>
+              <a:r>
+                <a:rPr lang="en-US" sz="800" dirty="0" smtClean="0"/>
+                <a:t>50%</a:t>
+              </a:r>
+              <a:endParaRPr lang="en-US" sz="800" dirty="0"/>
+            </a:p>
+          </p:txBody>
+        </p:sp>
+        <p:grpSp>
+          <p:nvGrpSpPr>
+            <p:cNvPr id="169" name="Group 168"/>
+            <p:cNvGrpSpPr/>
+            <p:nvPr/>
+          </p:nvGrpSpPr>
+          <p:grpSpPr>
+            <a:xfrm>
+              <a:off x="248774" y="4805709"/>
+              <a:ext cx="1257544" cy="95250"/>
+              <a:chOff x="4571513" y="1291709"/>
+              <a:chExt cx="2515087" cy="95250"/>
+            </a:xfrm>
+          </p:grpSpPr>
+          <p:sp>
+            <p:nvSpPr>
+              <p:cNvPr id="170" name="Rounded Rectangle 169"/>
+              <p:cNvSpPr/>
+              <p:nvPr/>
+            </p:nvSpPr>
+            <p:spPr>
+              <a:xfrm>
+                <a:off x="4572000" y="1291709"/>
+                <a:ext cx="2514600" cy="95250"/>
+              </a:xfrm>
+              <a:prstGeom prst="roundRect">
+                <a:avLst/>
+              </a:prstGeom>
+              <a:solidFill>
+                <a:schemeClr val="tx1"/>
+              </a:solidFill>
+              <a:ln>
+                <a:solidFill>
+                  <a:schemeClr val="tx1"/>
+                </a:solidFill>
+              </a:ln>
+            </p:spPr>
+            <p:style>
+              <a:lnRef idx="2">
+                <a:schemeClr val="accent1">
+                  <a:shade val="50000"/>
+                </a:schemeClr>
+              </a:lnRef>
+              <a:fillRef idx="1">
+                <a:schemeClr val="accent1"/>
+              </a:fillRef>
+              <a:effectRef idx="0">
+                <a:schemeClr val="accent1"/>
+              </a:effectRef>
+              <a:fontRef idx="minor">
+                <a:schemeClr val="lt1"/>
+              </a:fontRef>
+            </p:style>
+            <p:txBody>
+              <a:bodyPr rtlCol="0" anchor="ctr"/>
+              <a:lstStyle/>
+              <a:p>
+                <a:pPr algn="ctr"/>
+                <a:endParaRPr lang="en-US"/>
+              </a:p>
+            </p:txBody>
+          </p:sp>
+          <p:sp>
+            <p:nvSpPr>
+              <p:cNvPr id="171" name="Rounded Rectangle 170"/>
+              <p:cNvSpPr/>
+              <p:nvPr/>
+            </p:nvSpPr>
+            <p:spPr>
+              <a:xfrm>
+                <a:off x="4571513" y="1295400"/>
+                <a:ext cx="1261872" cy="85725"/>
+              </a:xfrm>
+              <a:prstGeom prst="roundRect">
+                <a:avLst/>
+              </a:prstGeom>
+              <a:pattFill prst="wdUpDiag">
+                <a:fgClr>
+                  <a:srgbClr val="FFC000"/>
+                </a:fgClr>
+                <a:bgClr>
+                  <a:srgbClr val="FFFF00"/>
+                </a:bgClr>
+              </a:pattFill>
+              <a:ln>
+                <a:noFill/>
+              </a:ln>
+            </p:spPr>
+            <p:style>
+              <a:lnRef idx="2">
+                <a:schemeClr val="accent1">
+                  <a:shade val="50000"/>
+                </a:schemeClr>
+              </a:lnRef>
+              <a:fillRef idx="1">
+                <a:schemeClr val="accent1"/>
+              </a:fillRef>
+              <a:effectRef idx="0">
+                <a:schemeClr val="accent1"/>
+              </a:effectRef>
+              <a:fontRef idx="minor">
+                <a:schemeClr val="lt1"/>
+              </a:fontRef>
+            </p:style>
+            <p:txBody>
+              <a:bodyPr rtlCol="0" anchor="ctr"/>
+              <a:lstStyle/>
+              <a:p>
+                <a:pPr algn="ctr"/>
+                <a:endParaRPr lang="en-US"/>
+              </a:p>
+            </p:txBody>
+          </p:sp>
+        </p:grpSp>
+        <p:sp>
+          <p:nvSpPr>
+            <p:cNvPr id="102" name="Rectangle 101"/>
+            <p:cNvSpPr/>
+            <p:nvPr/>
+          </p:nvSpPr>
+          <p:spPr>
+            <a:xfrm>
+              <a:off x="1644420" y="5251518"/>
+              <a:ext cx="360996" cy="215444"/>
+            </a:xfrm>
+            <a:prstGeom prst="rect">
+              <a:avLst/>
+            </a:prstGeom>
+          </p:spPr>
+          <p:txBody>
+            <a:bodyPr wrap="none">
+              <a:spAutoFit/>
+            </a:bodyPr>
+            <a:lstStyle/>
+            <a:p>
+              <a:r>
+                <a:rPr lang="en-US" sz="800" dirty="0" smtClean="0"/>
+                <a:t>25%</a:t>
+              </a:r>
+              <a:endParaRPr lang="en-US" sz="800" dirty="0"/>
+            </a:p>
+          </p:txBody>
+        </p:sp>
+        <p:sp>
+          <p:nvSpPr>
+            <p:cNvPr id="103" name="Rectangle 102"/>
+            <p:cNvSpPr/>
+            <p:nvPr/>
+          </p:nvSpPr>
+          <p:spPr>
+            <a:xfrm>
+              <a:off x="2060459" y="5251518"/>
+              <a:ext cx="481222" cy="215444"/>
+            </a:xfrm>
+            <a:prstGeom prst="rect">
+              <a:avLst/>
+            </a:prstGeom>
+          </p:spPr>
+          <p:txBody>
+            <a:bodyPr wrap="none">
+              <a:spAutoFit/>
+            </a:bodyPr>
+            <a:lstStyle/>
+            <a:p>
+              <a:r>
+                <a:rPr lang="en-US" sz="800" dirty="0" smtClean="0"/>
+                <a:t>Python</a:t>
+              </a:r>
+              <a:endParaRPr lang="en-US" sz="800" dirty="0"/>
+            </a:p>
+          </p:txBody>
+        </p:sp>
+        <p:grpSp>
+          <p:nvGrpSpPr>
+            <p:cNvPr id="172" name="Group 171"/>
+            <p:cNvGrpSpPr/>
+            <p:nvPr/>
+          </p:nvGrpSpPr>
+          <p:grpSpPr>
+            <a:xfrm>
+              <a:off x="248774" y="5311615"/>
+              <a:ext cx="1257300" cy="95250"/>
+              <a:chOff x="4572000" y="978930"/>
+              <a:chExt cx="2514600" cy="95250"/>
+            </a:xfrm>
+          </p:grpSpPr>
+          <p:sp>
+            <p:nvSpPr>
+              <p:cNvPr id="173" name="Rounded Rectangle 172"/>
+              <p:cNvSpPr/>
+              <p:nvPr/>
+            </p:nvSpPr>
+            <p:spPr>
+              <a:xfrm>
+                <a:off x="4572000" y="978930"/>
+                <a:ext cx="2514600" cy="95250"/>
+              </a:xfrm>
+              <a:prstGeom prst="roundRect">
+                <a:avLst/>
+              </a:prstGeom>
+              <a:solidFill>
+                <a:schemeClr val="tx1"/>
+              </a:solidFill>
+              <a:ln>
+                <a:solidFill>
+                  <a:schemeClr val="tx1"/>
+                </a:solidFill>
+              </a:ln>
+            </p:spPr>
+            <p:style>
+              <a:lnRef idx="2">
+                <a:schemeClr val="accent1">
+                  <a:shade val="50000"/>
+                </a:schemeClr>
+              </a:lnRef>
+              <a:fillRef idx="1">
+                <a:schemeClr val="accent1"/>
+              </a:fillRef>
+              <a:effectRef idx="0">
+                <a:schemeClr val="accent1"/>
+              </a:effectRef>
+              <a:fontRef idx="minor">
+                <a:schemeClr val="lt1"/>
+              </a:fontRef>
+            </p:style>
+            <p:txBody>
+              <a:bodyPr rtlCol="0" anchor="ctr"/>
+              <a:lstStyle/>
+              <a:p>
+                <a:pPr algn="ctr"/>
+                <a:endParaRPr lang="en-US"/>
+              </a:p>
+            </p:txBody>
+          </p:sp>
+          <p:sp>
+            <p:nvSpPr>
+              <p:cNvPr id="174" name="Rounded Rectangle 173"/>
+              <p:cNvSpPr/>
+              <p:nvPr/>
+            </p:nvSpPr>
+            <p:spPr>
+              <a:xfrm>
+                <a:off x="4572000" y="983692"/>
+                <a:ext cx="630936" cy="85725"/>
+              </a:xfrm>
+              <a:prstGeom prst="roundRect">
+                <a:avLst/>
+              </a:prstGeom>
+              <a:pattFill prst="wdUpDiag">
+                <a:fgClr>
+                  <a:schemeClr val="accent2">
+                    <a:lumMod val="60000"/>
+                    <a:lumOff val="40000"/>
+                  </a:schemeClr>
+                </a:fgClr>
+                <a:bgClr>
+                  <a:schemeClr val="accent2">
+                    <a:lumMod val="20000"/>
+                    <a:lumOff val="80000"/>
+                  </a:schemeClr>
+                </a:bgClr>
+              </a:pattFill>
+              <a:ln>
+                <a:noFill/>
+              </a:ln>
+            </p:spPr>
+            <p:style>
+              <a:lnRef idx="2">
+                <a:schemeClr val="accent1">
+                  <a:shade val="50000"/>
+                </a:schemeClr>
+              </a:lnRef>
+              <a:fillRef idx="1">
+                <a:schemeClr val="accent1"/>
+              </a:fillRef>
+              <a:effectRef idx="0">
+                <a:schemeClr val="accent1"/>
+              </a:effectRef>
+              <a:fontRef idx="minor">
+                <a:schemeClr val="lt1"/>
+              </a:fontRef>
+            </p:style>
+            <p:txBody>
+              <a:bodyPr rtlCol="0" anchor="ctr"/>
+              <a:lstStyle/>
+              <a:p>
+                <a:pPr algn="ctr"/>
+                <a:endParaRPr lang="en-US"/>
+              </a:p>
+            </p:txBody>
+          </p:sp>
+        </p:grpSp>
+        <p:sp>
+          <p:nvSpPr>
+            <p:cNvPr id="158" name="Rectangle 157"/>
+            <p:cNvSpPr/>
+            <p:nvPr/>
+          </p:nvSpPr>
+          <p:spPr>
+            <a:xfrm>
+              <a:off x="1644420" y="5504468"/>
+              <a:ext cx="360996" cy="215444"/>
+            </a:xfrm>
+            <a:prstGeom prst="rect">
+              <a:avLst/>
+            </a:prstGeom>
+          </p:spPr>
+          <p:txBody>
+            <a:bodyPr wrap="none">
+              <a:spAutoFit/>
+            </a:bodyPr>
+            <a:lstStyle/>
+            <a:p>
+              <a:r>
+                <a:rPr lang="en-US" sz="800" dirty="0" smtClean="0"/>
+                <a:t>25%</a:t>
+              </a:r>
+              <a:endParaRPr lang="en-US" sz="800" dirty="0"/>
+            </a:p>
+          </p:txBody>
+        </p:sp>
+        <p:sp>
+          <p:nvSpPr>
+            <p:cNvPr id="159" name="Rectangle 158"/>
+            <p:cNvSpPr/>
+            <p:nvPr/>
+          </p:nvSpPr>
+          <p:spPr>
+            <a:xfrm>
+              <a:off x="2060459" y="5504468"/>
+              <a:ext cx="511679" cy="215444"/>
+            </a:xfrm>
+            <a:prstGeom prst="rect">
+              <a:avLst/>
+            </a:prstGeom>
+          </p:spPr>
+          <p:txBody>
+            <a:bodyPr wrap="none">
+              <a:spAutoFit/>
+            </a:bodyPr>
+            <a:lstStyle/>
+            <a:p>
+              <a:r>
+                <a:rPr lang="en-US" sz="800" dirty="0" err="1" smtClean="0"/>
+                <a:t>FireBird</a:t>
+              </a:r>
+              <a:endParaRPr lang="en-US" sz="800" dirty="0"/>
+            </a:p>
+          </p:txBody>
+        </p:sp>
+        <p:grpSp>
+          <p:nvGrpSpPr>
+            <p:cNvPr id="175" name="Group 174"/>
+            <p:cNvGrpSpPr/>
+            <p:nvPr/>
+          </p:nvGrpSpPr>
+          <p:grpSpPr>
+            <a:xfrm>
+              <a:off x="248774" y="5564565"/>
+              <a:ext cx="1257300" cy="95250"/>
+              <a:chOff x="4572000" y="978930"/>
+              <a:chExt cx="2514600" cy="95250"/>
+            </a:xfrm>
+          </p:grpSpPr>
+          <p:sp>
+            <p:nvSpPr>
+              <p:cNvPr id="176" name="Rounded Rectangle 175"/>
+              <p:cNvSpPr/>
+              <p:nvPr/>
+            </p:nvSpPr>
+            <p:spPr>
+              <a:xfrm>
+                <a:off x="4572000" y="978930"/>
+                <a:ext cx="2514600" cy="95250"/>
+              </a:xfrm>
+              <a:prstGeom prst="roundRect">
+                <a:avLst/>
+              </a:prstGeom>
+              <a:solidFill>
+                <a:schemeClr val="tx1"/>
+              </a:solidFill>
+              <a:ln>
+                <a:solidFill>
+                  <a:schemeClr val="tx1"/>
+                </a:solidFill>
+              </a:ln>
+            </p:spPr>
+            <p:style>
+              <a:lnRef idx="2">
+                <a:schemeClr val="accent1">
+                  <a:shade val="50000"/>
+                </a:schemeClr>
+              </a:lnRef>
+              <a:fillRef idx="1">
+                <a:schemeClr val="accent1"/>
+              </a:fillRef>
+              <a:effectRef idx="0">
+                <a:schemeClr val="accent1"/>
+              </a:effectRef>
+              <a:fontRef idx="minor">
+                <a:schemeClr val="lt1"/>
+              </a:fontRef>
+            </p:style>
+            <p:txBody>
+              <a:bodyPr rtlCol="0" anchor="ctr"/>
+              <a:lstStyle/>
+              <a:p>
+                <a:pPr algn="ctr"/>
+                <a:endParaRPr lang="en-US"/>
+              </a:p>
+            </p:txBody>
+          </p:sp>
+          <p:sp>
+            <p:nvSpPr>
+              <p:cNvPr id="177" name="Rounded Rectangle 176"/>
+              <p:cNvSpPr/>
+              <p:nvPr/>
+            </p:nvSpPr>
+            <p:spPr>
+              <a:xfrm>
+                <a:off x="4572000" y="983692"/>
+                <a:ext cx="630936" cy="85725"/>
+              </a:xfrm>
+              <a:prstGeom prst="roundRect">
+                <a:avLst/>
+              </a:prstGeom>
+              <a:pattFill prst="wdUpDiag">
+                <a:fgClr>
+                  <a:schemeClr val="accent2">
+                    <a:lumMod val="60000"/>
+                    <a:lumOff val="40000"/>
+                  </a:schemeClr>
+                </a:fgClr>
+                <a:bgClr>
+                  <a:schemeClr val="accent2">
+                    <a:lumMod val="20000"/>
+                    <a:lumOff val="80000"/>
+                  </a:schemeClr>
+                </a:bgClr>
+              </a:pattFill>
+              <a:ln>
+                <a:noFill/>
+              </a:ln>
+            </p:spPr>
+            <p:style>
+              <a:lnRef idx="2">
+                <a:schemeClr val="accent1">
+                  <a:shade val="50000"/>
+                </a:schemeClr>
+              </a:lnRef>
+              <a:fillRef idx="1">
+                <a:schemeClr val="accent1"/>
+              </a:fillRef>
+              <a:effectRef idx="0">
+                <a:schemeClr val="accent1"/>
+              </a:effectRef>
+              <a:fontRef idx="minor">
+                <a:schemeClr val="lt1"/>
+              </a:fontRef>
+            </p:style>
+            <p:txBody>
+              <a:bodyPr rtlCol="0" anchor="ctr"/>
+              <a:lstStyle/>
+              <a:p>
+                <a:pPr algn="ctr"/>
+                <a:endParaRPr lang="en-US"/>
+              </a:p>
+            </p:txBody>
+          </p:sp>
         </p:grpSp>
       </p:grpSp>
     </p:spTree>

--- a/WebApp/images/ProgressBars/progresbars.pptx
+++ b/WebApp/images/ProgressBars/progresbars.pptx
@@ -289,7 +289,7 @@
           <a:p>
             <a:fld id="{2F3CC852-900F-4F0D-8928-110D52D92B9F}" type="datetimeFigureOut">
               <a:rPr lang="en-US" smtClean="0"/>
-              <a:t>4/27/2015</a:t>
+              <a:t>5/29/2015</a:t>
             </a:fld>
             <a:endParaRPr lang="en-US"/>
           </a:p>
@@ -459,7 +459,7 @@
           <a:p>
             <a:fld id="{2F3CC852-900F-4F0D-8928-110D52D92B9F}" type="datetimeFigureOut">
               <a:rPr lang="en-US" smtClean="0"/>
-              <a:t>4/27/2015</a:t>
+              <a:t>5/29/2015</a:t>
             </a:fld>
             <a:endParaRPr lang="en-US"/>
           </a:p>
@@ -639,7 +639,7 @@
           <a:p>
             <a:fld id="{2F3CC852-900F-4F0D-8928-110D52D92B9F}" type="datetimeFigureOut">
               <a:rPr lang="en-US" smtClean="0"/>
-              <a:t>4/27/2015</a:t>
+              <a:t>5/29/2015</a:t>
             </a:fld>
             <a:endParaRPr lang="en-US"/>
           </a:p>
@@ -809,7 +809,7 @@
           <a:p>
             <a:fld id="{2F3CC852-900F-4F0D-8928-110D52D92B9F}" type="datetimeFigureOut">
               <a:rPr lang="en-US" smtClean="0"/>
-              <a:t>4/27/2015</a:t>
+              <a:t>5/29/2015</a:t>
             </a:fld>
             <a:endParaRPr lang="en-US"/>
           </a:p>
@@ -1055,7 +1055,7 @@
           <a:p>
             <a:fld id="{2F3CC852-900F-4F0D-8928-110D52D92B9F}" type="datetimeFigureOut">
               <a:rPr lang="en-US" smtClean="0"/>
-              <a:t>4/27/2015</a:t>
+              <a:t>5/29/2015</a:t>
             </a:fld>
             <a:endParaRPr lang="en-US"/>
           </a:p>
@@ -1343,7 +1343,7 @@
           <a:p>
             <a:fld id="{2F3CC852-900F-4F0D-8928-110D52D92B9F}" type="datetimeFigureOut">
               <a:rPr lang="en-US" smtClean="0"/>
-              <a:t>4/27/2015</a:t>
+              <a:t>5/29/2015</a:t>
             </a:fld>
             <a:endParaRPr lang="en-US"/>
           </a:p>
@@ -1765,7 +1765,7 @@
           <a:p>
             <a:fld id="{2F3CC852-900F-4F0D-8928-110D52D92B9F}" type="datetimeFigureOut">
               <a:rPr lang="en-US" smtClean="0"/>
-              <a:t>4/27/2015</a:t>
+              <a:t>5/29/2015</a:t>
             </a:fld>
             <a:endParaRPr lang="en-US"/>
           </a:p>
@@ -1883,7 +1883,7 @@
           <a:p>
             <a:fld id="{2F3CC852-900F-4F0D-8928-110D52D92B9F}" type="datetimeFigureOut">
               <a:rPr lang="en-US" smtClean="0"/>
-              <a:t>4/27/2015</a:t>
+              <a:t>5/29/2015</a:t>
             </a:fld>
             <a:endParaRPr lang="en-US"/>
           </a:p>
@@ -1978,7 +1978,7 @@
           <a:p>
             <a:fld id="{2F3CC852-900F-4F0D-8928-110D52D92B9F}" type="datetimeFigureOut">
               <a:rPr lang="en-US" smtClean="0"/>
-              <a:t>4/27/2015</a:t>
+              <a:t>5/29/2015</a:t>
             </a:fld>
             <a:endParaRPr lang="en-US"/>
           </a:p>
@@ -2255,7 +2255,7 @@
           <a:p>
             <a:fld id="{2F3CC852-900F-4F0D-8928-110D52D92B9F}" type="datetimeFigureOut">
               <a:rPr lang="en-US" smtClean="0"/>
-              <a:t>4/27/2015</a:t>
+              <a:t>5/29/2015</a:t>
             </a:fld>
             <a:endParaRPr lang="en-US"/>
           </a:p>
@@ -2508,7 +2508,7 @@
           <a:p>
             <a:fld id="{2F3CC852-900F-4F0D-8928-110D52D92B9F}" type="datetimeFigureOut">
               <a:rPr lang="en-US" smtClean="0"/>
-              <a:t>4/27/2015</a:t>
+              <a:t>5/29/2015</a:t>
             </a:fld>
             <a:endParaRPr lang="en-US"/>
           </a:p>
@@ -2721,7 +2721,7 @@
           <a:p>
             <a:fld id="{2F3CC852-900F-4F0D-8928-110D52D92B9F}" type="datetimeFigureOut">
               <a:rPr lang="en-US" smtClean="0"/>
-              <a:t>4/27/2015</a:t>
+              <a:t>5/29/2015</a:t>
             </a:fld>
             <a:endParaRPr lang="en-US"/>
           </a:p>
@@ -3275,16 +3275,16 @@
       </p:sp>
       <p:grpSp>
         <p:nvGrpSpPr>
-          <p:cNvPr id="5" name="Group 4"/>
+          <p:cNvPr id="15" name="Group 14"/>
           <p:cNvGrpSpPr/>
           <p:nvPr/>
         </p:nvGrpSpPr>
         <p:grpSpPr>
           <a:xfrm>
-            <a:off x="248774" y="528488"/>
-            <a:ext cx="3104026" cy="5191424"/>
-            <a:chOff x="248774" y="528488"/>
-            <a:chExt cx="3104026" cy="5191424"/>
+            <a:off x="251460" y="532488"/>
+            <a:ext cx="5951651" cy="2571734"/>
+            <a:chOff x="251460" y="532488"/>
+            <a:chExt cx="5951651" cy="2571734"/>
           </a:xfrm>
         </p:grpSpPr>
         <p:grpSp>
@@ -3295,7 +3295,7 @@
           </p:nvGrpSpPr>
           <p:grpSpPr>
             <a:xfrm>
-              <a:off x="251460" y="588585"/>
+              <a:off x="251460" y="592585"/>
               <a:ext cx="1257300" cy="95250"/>
               <a:chOff x="4572000" y="2176820"/>
               <a:chExt cx="2514600" cy="95250"/>
@@ -3412,7 +3412,7 @@
           </p:nvSpPr>
           <p:spPr>
             <a:xfrm>
-              <a:off x="2060459" y="528488"/>
+              <a:off x="2060459" y="532488"/>
               <a:ext cx="952505" cy="215444"/>
             </a:xfrm>
             <a:prstGeom prst="rect">
@@ -3440,7 +3440,7 @@
           </p:nvSpPr>
           <p:spPr>
             <a:xfrm>
-              <a:off x="1593124" y="528488"/>
+              <a:off x="1593124" y="532488"/>
               <a:ext cx="412292" cy="215444"/>
             </a:xfrm>
             <a:prstGeom prst="rect">
@@ -3469,7 +3469,7 @@
           </p:nvSpPr>
           <p:spPr>
             <a:xfrm>
-              <a:off x="2060459" y="791889"/>
+              <a:off x="2060459" y="810601"/>
               <a:ext cx="670376" cy="215444"/>
             </a:xfrm>
             <a:prstGeom prst="rect">
@@ -3502,7 +3502,7 @@
           </p:nvSpPr>
           <p:spPr>
             <a:xfrm>
-              <a:off x="1593124" y="791889"/>
+              <a:off x="1593124" y="810601"/>
               <a:ext cx="412292" cy="215444"/>
             </a:xfrm>
             <a:prstGeom prst="rect">
@@ -3531,7 +3531,7 @@
           </p:nvGrpSpPr>
           <p:grpSpPr>
             <a:xfrm>
-              <a:off x="251460" y="851986"/>
+              <a:off x="251460" y="870698"/>
               <a:ext cx="1257300" cy="95250"/>
               <a:chOff x="4572000" y="2176820"/>
               <a:chExt cx="2514600" cy="95250"/>
@@ -3648,7 +3648,7 @@
           </p:nvSpPr>
           <p:spPr>
             <a:xfrm>
-              <a:off x="2060459" y="1055290"/>
+              <a:off x="2060459" y="1081540"/>
               <a:ext cx="1292341" cy="215444"/>
             </a:xfrm>
             <a:prstGeom prst="rect">
@@ -3676,7 +3676,7 @@
           </p:nvSpPr>
           <p:spPr>
             <a:xfrm>
-              <a:off x="1593124" y="1055290"/>
+              <a:off x="1593124" y="1081540"/>
               <a:ext cx="412292" cy="215444"/>
             </a:xfrm>
             <a:prstGeom prst="rect">
@@ -3705,7 +3705,7 @@
           </p:nvGrpSpPr>
           <p:grpSpPr>
             <a:xfrm>
-              <a:off x="251460" y="1115387"/>
+              <a:off x="251460" y="1141637"/>
               <a:ext cx="1257300" cy="95250"/>
               <a:chOff x="4572000" y="2176820"/>
               <a:chExt cx="2514600" cy="95250"/>
@@ -3822,7 +3822,7 @@
           </p:nvSpPr>
           <p:spPr>
             <a:xfrm>
-              <a:off x="2060459" y="1318691"/>
+              <a:off x="2060459" y="1339717"/>
               <a:ext cx="290464" cy="215444"/>
             </a:xfrm>
             <a:prstGeom prst="rect">
@@ -3851,7 +3851,7 @@
           </p:nvSpPr>
           <p:spPr>
             <a:xfrm>
-              <a:off x="1593124" y="1318691"/>
+              <a:off x="1593124" y="1339717"/>
               <a:ext cx="412292" cy="215444"/>
             </a:xfrm>
             <a:prstGeom prst="rect">
@@ -3880,7 +3880,7 @@
           </p:nvGrpSpPr>
           <p:grpSpPr>
             <a:xfrm>
-              <a:off x="251460" y="1378788"/>
+              <a:off x="251460" y="1399814"/>
               <a:ext cx="1257300" cy="95250"/>
               <a:chOff x="4572000" y="2176820"/>
               <a:chExt cx="2514600" cy="95250"/>
@@ -3997,7 +3997,7 @@
           </p:nvSpPr>
           <p:spPr>
             <a:xfrm>
-              <a:off x="2060459" y="1582092"/>
+              <a:off x="2060459" y="1597894"/>
               <a:ext cx="341760" cy="215444"/>
             </a:xfrm>
             <a:prstGeom prst="rect">
@@ -4026,7 +4026,7 @@
           </p:nvSpPr>
           <p:spPr>
             <a:xfrm>
-              <a:off x="1593124" y="1582092"/>
+              <a:off x="1593124" y="1597894"/>
               <a:ext cx="412292" cy="215444"/>
             </a:xfrm>
             <a:prstGeom prst="rect">
@@ -4055,7 +4055,7 @@
           </p:nvGrpSpPr>
           <p:grpSpPr>
             <a:xfrm>
-              <a:off x="251460" y="1642189"/>
+              <a:off x="251460" y="1657991"/>
               <a:ext cx="1257300" cy="95250"/>
               <a:chOff x="4572000" y="2176820"/>
               <a:chExt cx="2514600" cy="95250"/>
@@ -4172,7 +4172,7 @@
           </p:nvSpPr>
           <p:spPr>
             <a:xfrm>
-              <a:off x="2060459" y="1845493"/>
+              <a:off x="2060459" y="1856071"/>
               <a:ext cx="240772" cy="215444"/>
             </a:xfrm>
             <a:prstGeom prst="rect">
@@ -4201,7 +4201,7 @@
           </p:nvSpPr>
           <p:spPr>
             <a:xfrm>
-              <a:off x="1593124" y="1845493"/>
+              <a:off x="1593124" y="1856071"/>
               <a:ext cx="412292" cy="215444"/>
             </a:xfrm>
             <a:prstGeom prst="rect">
@@ -4230,7 +4230,7 @@
           </p:nvGrpSpPr>
           <p:grpSpPr>
             <a:xfrm>
-              <a:off x="251460" y="1905590"/>
+              <a:off x="251460" y="1916168"/>
               <a:ext cx="1257300" cy="95250"/>
               <a:chOff x="4572000" y="2176820"/>
               <a:chExt cx="2514600" cy="95250"/>
@@ -4347,7 +4347,7 @@
           </p:nvSpPr>
           <p:spPr>
             <a:xfrm>
-              <a:off x="2060459" y="2108894"/>
+              <a:off x="2060459" y="2114248"/>
               <a:ext cx="377026" cy="215444"/>
             </a:xfrm>
             <a:prstGeom prst="rect">
@@ -4376,7 +4376,7 @@
           </p:nvSpPr>
           <p:spPr>
             <a:xfrm>
-              <a:off x="1593124" y="2108894"/>
+              <a:off x="1593124" y="2114248"/>
               <a:ext cx="412292" cy="215444"/>
             </a:xfrm>
             <a:prstGeom prst="rect">
@@ -4405,7 +4405,7 @@
           </p:nvGrpSpPr>
           <p:grpSpPr>
             <a:xfrm>
-              <a:off x="251460" y="2168991"/>
+              <a:off x="251460" y="2174345"/>
               <a:ext cx="1257300" cy="95250"/>
               <a:chOff x="4572000" y="2176820"/>
               <a:chExt cx="2514600" cy="95250"/>
@@ -4522,7 +4522,7 @@
           </p:nvSpPr>
           <p:spPr>
             <a:xfrm>
-              <a:off x="2060459" y="2372295"/>
+              <a:off x="2060459" y="2372425"/>
               <a:ext cx="665567" cy="215444"/>
             </a:xfrm>
             <a:prstGeom prst="rect">
@@ -4551,7 +4551,7 @@
           </p:nvSpPr>
           <p:spPr>
             <a:xfrm>
-              <a:off x="1593124" y="2372295"/>
+              <a:off x="1593124" y="2372425"/>
               <a:ext cx="412292" cy="215444"/>
             </a:xfrm>
             <a:prstGeom prst="rect">
@@ -4580,7 +4580,7 @@
           </p:nvGrpSpPr>
           <p:grpSpPr>
             <a:xfrm>
-              <a:off x="251460" y="2432392"/>
+              <a:off x="251460" y="2432522"/>
               <a:ext cx="1257300" cy="95250"/>
               <a:chOff x="4572000" y="2176820"/>
               <a:chExt cx="2514600" cy="95250"/>
@@ -4697,7 +4697,7 @@
           </p:nvSpPr>
           <p:spPr>
             <a:xfrm>
-              <a:off x="2060459" y="2635696"/>
+              <a:off x="2060459" y="2630602"/>
               <a:ext cx="383438" cy="215444"/>
             </a:xfrm>
             <a:prstGeom prst="rect">
@@ -4729,7 +4729,7 @@
           </p:nvSpPr>
           <p:spPr>
             <a:xfrm>
-              <a:off x="1593124" y="2635696"/>
+              <a:off x="1593124" y="2630602"/>
               <a:ext cx="412292" cy="215444"/>
             </a:xfrm>
             <a:prstGeom prst="rect">
@@ -4758,7 +4758,7 @@
           </p:nvGrpSpPr>
           <p:grpSpPr>
             <a:xfrm>
-              <a:off x="251460" y="2695793"/>
+              <a:off x="251460" y="2690699"/>
               <a:ext cx="1257300" cy="95250"/>
               <a:chOff x="4572000" y="2176820"/>
               <a:chExt cx="2514600" cy="95250"/>
@@ -4875,7 +4875,7 @@
           </p:nvSpPr>
           <p:spPr>
             <a:xfrm>
-              <a:off x="2060459" y="2899097"/>
+              <a:off x="2060459" y="2888778"/>
               <a:ext cx="715260" cy="215444"/>
             </a:xfrm>
             <a:prstGeom prst="rect">
@@ -4903,7 +4903,7 @@
           </p:nvSpPr>
           <p:spPr>
             <a:xfrm>
-              <a:off x="1593124" y="2899097"/>
+              <a:off x="1593124" y="2888778"/>
               <a:ext cx="412292" cy="215444"/>
             </a:xfrm>
             <a:prstGeom prst="rect">
@@ -4932,7 +4932,7 @@
           </p:nvGrpSpPr>
           <p:grpSpPr>
             <a:xfrm>
-              <a:off x="251460" y="2959194"/>
+              <a:off x="251460" y="2948875"/>
               <a:ext cx="1257300" cy="95250"/>
               <a:chOff x="4572000" y="2176820"/>
               <a:chExt cx="2514600" cy="95250"/>
@@ -5049,7 +5049,7 @@
           </p:nvSpPr>
           <p:spPr>
             <a:xfrm>
-              <a:off x="2060459" y="3162498"/>
+              <a:off x="5088285" y="532488"/>
               <a:ext cx="409086" cy="215444"/>
             </a:xfrm>
             <a:prstGeom prst="rect">
@@ -5077,7 +5077,7 @@
           </p:nvSpPr>
           <p:spPr>
             <a:xfrm>
-              <a:off x="1593124" y="3162498"/>
+              <a:off x="4620950" y="532488"/>
               <a:ext cx="412292" cy="215444"/>
             </a:xfrm>
             <a:prstGeom prst="rect">
@@ -5106,7 +5106,7 @@
           </p:nvGrpSpPr>
           <p:grpSpPr>
             <a:xfrm>
-              <a:off x="251460" y="3222595"/>
+              <a:off x="3352800" y="592585"/>
               <a:ext cx="1257300" cy="95250"/>
               <a:chOff x="4572000" y="2176820"/>
               <a:chExt cx="2514600" cy="95250"/>
@@ -5223,7 +5223,7 @@
           </p:nvSpPr>
           <p:spPr>
             <a:xfrm>
-              <a:off x="2060459" y="3425904"/>
+              <a:off x="5111145" y="810601"/>
               <a:ext cx="1091966" cy="215444"/>
             </a:xfrm>
             <a:prstGeom prst="rect">
@@ -5251,7 +5251,7 @@
           </p:nvSpPr>
           <p:spPr>
             <a:xfrm>
-              <a:off x="1593124" y="3425904"/>
+              <a:off x="4620950" y="810601"/>
               <a:ext cx="412292" cy="215444"/>
             </a:xfrm>
             <a:prstGeom prst="rect">
@@ -5280,7 +5280,7 @@
           </p:nvGrpSpPr>
           <p:grpSpPr>
             <a:xfrm>
-              <a:off x="251460" y="3486001"/>
+              <a:off x="3352800" y="870698"/>
               <a:ext cx="1257300" cy="95250"/>
               <a:chOff x="4572000" y="2176820"/>
               <a:chExt cx="2514600" cy="95250"/>
@@ -5397,7 +5397,7 @@
           </p:nvSpPr>
           <p:spPr>
             <a:xfrm>
-              <a:off x="1644420" y="3733800"/>
+              <a:off x="4672246" y="1081540"/>
               <a:ext cx="360996" cy="215444"/>
             </a:xfrm>
             <a:prstGeom prst="rect">
@@ -5426,7 +5426,7 @@
           </p:nvSpPr>
           <p:spPr>
             <a:xfrm>
-              <a:off x="2060459" y="3733800"/>
+              <a:off x="5088285" y="1081540"/>
               <a:ext cx="239168" cy="215444"/>
             </a:xfrm>
             <a:prstGeom prst="rect">
@@ -5455,7 +5455,7 @@
           </p:nvGrpSpPr>
           <p:grpSpPr>
             <a:xfrm>
-              <a:off x="248774" y="3793897"/>
+              <a:off x="3352800" y="1141637"/>
               <a:ext cx="1257544" cy="95250"/>
               <a:chOff x="4571513" y="1291709"/>
               <a:chExt cx="2515087" cy="95250"/>
@@ -5569,7 +5569,7 @@
           </p:nvSpPr>
           <p:spPr>
             <a:xfrm>
-              <a:off x="1644420" y="4998565"/>
+              <a:off x="4672246" y="2372425"/>
               <a:ext cx="360996" cy="215444"/>
             </a:xfrm>
             <a:prstGeom prst="rect">
@@ -5598,7 +5598,7 @@
           </p:nvSpPr>
           <p:spPr>
             <a:xfrm>
-              <a:off x="2060459" y="4998565"/>
+              <a:off x="5088285" y="2372425"/>
               <a:ext cx="343364" cy="215444"/>
             </a:xfrm>
             <a:prstGeom prst="rect">
@@ -5627,7 +5627,7 @@
           </p:nvGrpSpPr>
           <p:grpSpPr>
             <a:xfrm>
-              <a:off x="248774" y="5058662"/>
+              <a:off x="3352800" y="2432522"/>
               <a:ext cx="1257300" cy="95250"/>
               <a:chOff x="4572000" y="978930"/>
               <a:chExt cx="2514600" cy="95250"/>
@@ -5747,7 +5747,7 @@
           </p:nvSpPr>
           <p:spPr>
             <a:xfrm>
-              <a:off x="1644420" y="3986753"/>
+              <a:off x="4672246" y="1339717"/>
               <a:ext cx="360996" cy="215444"/>
             </a:xfrm>
             <a:prstGeom prst="rect">
@@ -5776,7 +5776,7 @@
           </p:nvSpPr>
           <p:spPr>
             <a:xfrm>
-              <a:off x="2060459" y="3986753"/>
+              <a:off x="5088285" y="1339717"/>
               <a:ext cx="429926" cy="215444"/>
             </a:xfrm>
             <a:prstGeom prst="rect">
@@ -5805,7 +5805,7 @@
           </p:nvGrpSpPr>
           <p:grpSpPr>
             <a:xfrm>
-              <a:off x="248774" y="4046850"/>
+              <a:off x="3352800" y="1399814"/>
               <a:ext cx="1257544" cy="95250"/>
               <a:chOff x="4571513" y="1291709"/>
               <a:chExt cx="2515087" cy="95250"/>
@@ -5919,7 +5919,7 @@
           </p:nvSpPr>
           <p:spPr>
             <a:xfrm>
-              <a:off x="1644420" y="4239706"/>
+              <a:off x="4672246" y="1597894"/>
               <a:ext cx="360996" cy="215444"/>
             </a:xfrm>
             <a:prstGeom prst="rect">
@@ -5948,7 +5948,7 @@
           </p:nvSpPr>
           <p:spPr>
             <a:xfrm>
-              <a:off x="2060459" y="4239706"/>
+              <a:off x="5088285" y="1597894"/>
               <a:ext cx="332142" cy="215444"/>
             </a:xfrm>
             <a:prstGeom prst="rect">
@@ -5977,7 +5977,7 @@
           </p:nvGrpSpPr>
           <p:grpSpPr>
             <a:xfrm>
-              <a:off x="248774" y="4299803"/>
+              <a:off x="3352800" y="1657991"/>
               <a:ext cx="1257544" cy="95250"/>
               <a:chOff x="4571513" y="1291709"/>
               <a:chExt cx="2515087" cy="95250"/>
@@ -6091,7 +6091,7 @@
           </p:nvSpPr>
           <p:spPr>
             <a:xfrm>
-              <a:off x="1644420" y="4492659"/>
+              <a:off x="4672246" y="1856071"/>
               <a:ext cx="360996" cy="215444"/>
             </a:xfrm>
             <a:prstGeom prst="rect">
@@ -6120,7 +6120,7 @@
           </p:nvSpPr>
           <p:spPr>
             <a:xfrm>
-              <a:off x="2060459" y="4492659"/>
+              <a:off x="5088285" y="1856071"/>
               <a:ext cx="599844" cy="215444"/>
             </a:xfrm>
             <a:prstGeom prst="rect">
@@ -6149,7 +6149,7 @@
           </p:nvGrpSpPr>
           <p:grpSpPr>
             <a:xfrm>
-              <a:off x="248774" y="4552756"/>
+              <a:off x="3352800" y="1916168"/>
               <a:ext cx="1257544" cy="95250"/>
               <a:chOff x="4571513" y="1291709"/>
               <a:chExt cx="2515087" cy="95250"/>
@@ -6263,7 +6263,7 @@
           </p:nvSpPr>
           <p:spPr>
             <a:xfrm>
-              <a:off x="2060459" y="4745612"/>
+              <a:off x="5088285" y="2114248"/>
               <a:ext cx="562975" cy="215444"/>
             </a:xfrm>
             <a:prstGeom prst="rect">
@@ -6291,7 +6291,7 @@
           </p:nvSpPr>
           <p:spPr>
             <a:xfrm>
-              <a:off x="1644420" y="4745612"/>
+              <a:off x="4672246" y="2114248"/>
               <a:ext cx="360996" cy="215444"/>
             </a:xfrm>
             <a:prstGeom prst="rect">
@@ -6320,7 +6320,7 @@
           </p:nvGrpSpPr>
           <p:grpSpPr>
             <a:xfrm>
-              <a:off x="248774" y="4805709"/>
+              <a:off x="3352800" y="2174345"/>
               <a:ext cx="1257544" cy="95250"/>
               <a:chOff x="4571513" y="1291709"/>
               <a:chExt cx="2515087" cy="95250"/>
@@ -6434,7 +6434,7 @@
           </p:nvSpPr>
           <p:spPr>
             <a:xfrm>
-              <a:off x="1644420" y="5251518"/>
+              <a:off x="4672246" y="2630602"/>
               <a:ext cx="360996" cy="215444"/>
             </a:xfrm>
             <a:prstGeom prst="rect">
@@ -6463,7 +6463,7 @@
           </p:nvSpPr>
           <p:spPr>
             <a:xfrm>
-              <a:off x="2060459" y="5251518"/>
+              <a:off x="5088285" y="2630602"/>
               <a:ext cx="481222" cy="215444"/>
             </a:xfrm>
             <a:prstGeom prst="rect">
@@ -6492,7 +6492,7 @@
           </p:nvGrpSpPr>
           <p:grpSpPr>
             <a:xfrm>
-              <a:off x="248774" y="5311615"/>
+              <a:off x="3352800" y="2690699"/>
               <a:ext cx="1257300" cy="95250"/>
               <a:chOff x="4572000" y="978930"/>
               <a:chExt cx="2514600" cy="95250"/>
@@ -6612,7 +6612,7 @@
           </p:nvSpPr>
           <p:spPr>
             <a:xfrm>
-              <a:off x="1644420" y="5504468"/>
+              <a:off x="4672246" y="2888778"/>
               <a:ext cx="360996" cy="215444"/>
             </a:xfrm>
             <a:prstGeom prst="rect">
@@ -6641,7 +6641,7 @@
           </p:nvSpPr>
           <p:spPr>
             <a:xfrm>
-              <a:off x="2060459" y="5504468"/>
+              <a:off x="5088285" y="2888778"/>
               <a:ext cx="511679" cy="215444"/>
             </a:xfrm>
             <a:prstGeom prst="rect">
@@ -6670,7 +6670,7 @@
           </p:nvGrpSpPr>
           <p:grpSpPr>
             <a:xfrm>
-              <a:off x="248774" y="5564565"/>
+              <a:off x="3352800" y="2948875"/>
               <a:ext cx="1257300" cy="95250"/>
               <a:chOff x="4572000" y="978930"/>
               <a:chExt cx="2514600" cy="95250"/>
